--- a/presentation/Term_Project_XTRG_Presentation.pptx
+++ b/presentation/Term_Project_XTRG_Presentation.pptx
@@ -5,15 +5,14 @@
     <p:sldMasterId id="2147483648" r:id="rId1"/>
   </p:sldMasterIdLst>
   <p:notesMasterIdLst>
-    <p:notesMasterId r:id="rId8"/>
+    <p:notesMasterId r:id="rId7"/>
   </p:notesMasterIdLst>
   <p:sldIdLst>
     <p:sldId id="257" r:id="rId2"/>
-    <p:sldId id="258" r:id="rId3"/>
-    <p:sldId id="259" r:id="rId4"/>
-    <p:sldId id="260" r:id="rId5"/>
+    <p:sldId id="260" r:id="rId3"/>
+    <p:sldId id="258" r:id="rId4"/>
+    <p:sldId id="259" r:id="rId5"/>
     <p:sldId id="261" r:id="rId6"/>
-    <p:sldId id="262" r:id="rId7"/>
   </p:sldIdLst>
   <p:sldSz cx="12192000" cy="6858000"/>
   <p:notesSz cx="6858000" cy="9144000"/>
@@ -203,7 +202,7 @@
             <a:fld id="{0C1F448F-86F9-4731-A83D-96FCA7389CBB}" type="datetimeFigureOut">
               <a:rPr lang="en-US" smtClean="0"/>
               <a:pPr/>
-              <a:t>7/3/2025</a:t>
+              <a:t>7/8/2025</a:t>
             </a:fld>
             <a:endParaRPr lang="en-US" dirty="0"/>
           </a:p>
@@ -622,7 +621,7 @@
             <a:fld id="{B12B4F69-D1A4-4078-9861-7D666137929B}" type="slidenum">
               <a:rPr lang="en-US" smtClean="0"/>
               <a:pPr/>
-              <a:t>2</a:t>
+              <a:t>3</a:t>
             </a:fld>
             <a:endParaRPr lang="en-US" dirty="0"/>
           </a:p>
@@ -731,7 +730,7 @@
             <a:fld id="{B12B4F69-D1A4-4078-9861-7D666137929B}" type="slidenum">
               <a:rPr lang="en-US" smtClean="0"/>
               <a:pPr/>
-              <a:t>3</a:t>
+              <a:t>4</a:t>
             </a:fld>
             <a:endParaRPr lang="en-US" dirty="0"/>
           </a:p>
@@ -741,333 +740,6 @@
     <p:extLst>
       <p:ext uri="{BB962C8B-B14F-4D97-AF65-F5344CB8AC3E}">
         <p14:creationId xmlns:p14="http://schemas.microsoft.com/office/powerpoint/2010/main" val="1642558300"/>
-      </p:ext>
-    </p:extLst>
-  </p:cSld>
-  <p:clrMapOvr>
-    <a:masterClrMapping/>
-  </p:clrMapOvr>
-</p:notes>
-</file>
-
-<file path=ppt/notesSlides/notesSlide4.xml><?xml version="1.0" encoding="utf-8"?>
-<p:notes xmlns:a="http://schemas.openxmlformats.org/drawingml/2006/main" xmlns:r="http://schemas.openxmlformats.org/officeDocument/2006/relationships" xmlns:p="http://schemas.openxmlformats.org/presentationml/2006/main">
-  <p:cSld>
-    <p:spTree>
-      <p:nvGrpSpPr>
-        <p:cNvPr id="1" name="">
-          <a:extLst>
-            <a:ext uri="{FF2B5EF4-FFF2-40B4-BE49-F238E27FC236}">
-              <a16:creationId xmlns:a16="http://schemas.microsoft.com/office/drawing/2014/main" id="{17B254E9-4931-0A43-7F4A-B503F41BBD61}"/>
-            </a:ext>
-          </a:extLst>
-        </p:cNvPr>
-        <p:cNvGrpSpPr/>
-        <p:nvPr/>
-      </p:nvGrpSpPr>
-      <p:grpSpPr>
-        <a:xfrm>
-          <a:off x="0" y="0"/>
-          <a:ext cx="0" cy="0"/>
-          <a:chOff x="0" y="0"/>
-          <a:chExt cx="0" cy="0"/>
-        </a:xfrm>
-      </p:grpSpPr>
-      <p:sp>
-        <p:nvSpPr>
-          <p:cNvPr id="2" name="Slide Image Placeholder 1">
-            <a:extLst>
-              <a:ext uri="{FF2B5EF4-FFF2-40B4-BE49-F238E27FC236}">
-                <a16:creationId xmlns:a16="http://schemas.microsoft.com/office/drawing/2014/main" id="{1D15BA15-0793-128D-FD51-4EA32E32A054}"/>
-              </a:ext>
-            </a:extLst>
-          </p:cNvPr>
-          <p:cNvSpPr>
-            <a:spLocks noGrp="1" noRot="1" noChangeAspect="1"/>
-          </p:cNvSpPr>
-          <p:nvPr>
-            <p:ph type="sldImg"/>
-          </p:nvPr>
-        </p:nvSpPr>
-        <p:spPr/>
-      </p:sp>
-      <p:sp>
-        <p:nvSpPr>
-          <p:cNvPr id="3" name="Notes Placeholder 2">
-            <a:extLst>
-              <a:ext uri="{FF2B5EF4-FFF2-40B4-BE49-F238E27FC236}">
-                <a16:creationId xmlns:a16="http://schemas.microsoft.com/office/drawing/2014/main" id="{8F20F8D9-5E0E-7414-B91C-AA2D7F64F4CA}"/>
-              </a:ext>
-            </a:extLst>
-          </p:cNvPr>
-          <p:cNvSpPr>
-            <a:spLocks noGrp="1"/>
-          </p:cNvSpPr>
-          <p:nvPr>
-            <p:ph type="body" idx="1"/>
-          </p:nvPr>
-        </p:nvSpPr>
-        <p:spPr/>
-        <p:txBody>
-          <a:bodyPr/>
-          <a:lstStyle/>
-          <a:p>
-            <a:endParaRPr lang="en-US" dirty="0"/>
-          </a:p>
-        </p:txBody>
-      </p:sp>
-      <p:sp>
-        <p:nvSpPr>
-          <p:cNvPr id="4" name="Slide Number Placeholder 3">
-            <a:extLst>
-              <a:ext uri="{FF2B5EF4-FFF2-40B4-BE49-F238E27FC236}">
-                <a16:creationId xmlns:a16="http://schemas.microsoft.com/office/drawing/2014/main" id="{481F889A-FE69-5E44-A6AE-C35038E8B44A}"/>
-              </a:ext>
-            </a:extLst>
-          </p:cNvPr>
-          <p:cNvSpPr>
-            <a:spLocks noGrp="1"/>
-          </p:cNvSpPr>
-          <p:nvPr>
-            <p:ph type="sldNum" sz="quarter" idx="5"/>
-          </p:nvPr>
-        </p:nvSpPr>
-        <p:spPr/>
-        <p:txBody>
-          <a:bodyPr/>
-          <a:lstStyle/>
-          <a:p>
-            <a:fld id="{B12B4F69-D1A4-4078-9861-7D666137929B}" type="slidenum">
-              <a:rPr lang="en-US" smtClean="0"/>
-              <a:pPr/>
-              <a:t>4</a:t>
-            </a:fld>
-            <a:endParaRPr lang="en-US" dirty="0"/>
-          </a:p>
-        </p:txBody>
-      </p:sp>
-    </p:spTree>
-    <p:extLst>
-      <p:ext uri="{BB962C8B-B14F-4D97-AF65-F5344CB8AC3E}">
-        <p14:creationId xmlns:p14="http://schemas.microsoft.com/office/powerpoint/2010/main" val="4288529768"/>
-      </p:ext>
-    </p:extLst>
-  </p:cSld>
-  <p:clrMapOvr>
-    <a:masterClrMapping/>
-  </p:clrMapOvr>
-</p:notes>
-</file>
-
-<file path=ppt/notesSlides/notesSlide5.xml><?xml version="1.0" encoding="utf-8"?>
-<p:notes xmlns:a="http://schemas.openxmlformats.org/drawingml/2006/main" xmlns:r="http://schemas.openxmlformats.org/officeDocument/2006/relationships" xmlns:p="http://schemas.openxmlformats.org/presentationml/2006/main">
-  <p:cSld>
-    <p:spTree>
-      <p:nvGrpSpPr>
-        <p:cNvPr id="1" name="">
-          <a:extLst>
-            <a:ext uri="{FF2B5EF4-FFF2-40B4-BE49-F238E27FC236}">
-              <a16:creationId xmlns:a16="http://schemas.microsoft.com/office/drawing/2014/main" id="{ADA3D402-4A86-D535-1AB1-D779BAD60220}"/>
-            </a:ext>
-          </a:extLst>
-        </p:cNvPr>
-        <p:cNvGrpSpPr/>
-        <p:nvPr/>
-      </p:nvGrpSpPr>
-      <p:grpSpPr>
-        <a:xfrm>
-          <a:off x="0" y="0"/>
-          <a:ext cx="0" cy="0"/>
-          <a:chOff x="0" y="0"/>
-          <a:chExt cx="0" cy="0"/>
-        </a:xfrm>
-      </p:grpSpPr>
-      <p:sp>
-        <p:nvSpPr>
-          <p:cNvPr id="2" name="Slide Image Placeholder 1">
-            <a:extLst>
-              <a:ext uri="{FF2B5EF4-FFF2-40B4-BE49-F238E27FC236}">
-                <a16:creationId xmlns:a16="http://schemas.microsoft.com/office/drawing/2014/main" id="{4F47D5F3-ECDF-F187-247C-E9E413B61A6F}"/>
-              </a:ext>
-            </a:extLst>
-          </p:cNvPr>
-          <p:cNvSpPr>
-            <a:spLocks noGrp="1" noRot="1" noChangeAspect="1"/>
-          </p:cNvSpPr>
-          <p:nvPr>
-            <p:ph type="sldImg"/>
-          </p:nvPr>
-        </p:nvSpPr>
-        <p:spPr/>
-      </p:sp>
-      <p:sp>
-        <p:nvSpPr>
-          <p:cNvPr id="3" name="Notes Placeholder 2">
-            <a:extLst>
-              <a:ext uri="{FF2B5EF4-FFF2-40B4-BE49-F238E27FC236}">
-                <a16:creationId xmlns:a16="http://schemas.microsoft.com/office/drawing/2014/main" id="{0BC7AAEA-94FF-C247-D6AB-1218B62D1FAD}"/>
-              </a:ext>
-            </a:extLst>
-          </p:cNvPr>
-          <p:cNvSpPr>
-            <a:spLocks noGrp="1"/>
-          </p:cNvSpPr>
-          <p:nvPr>
-            <p:ph type="body" idx="1"/>
-          </p:nvPr>
-        </p:nvSpPr>
-        <p:spPr/>
-        <p:txBody>
-          <a:bodyPr/>
-          <a:lstStyle/>
-          <a:p>
-            <a:endParaRPr lang="en-US" dirty="0"/>
-          </a:p>
-        </p:txBody>
-      </p:sp>
-      <p:sp>
-        <p:nvSpPr>
-          <p:cNvPr id="4" name="Slide Number Placeholder 3">
-            <a:extLst>
-              <a:ext uri="{FF2B5EF4-FFF2-40B4-BE49-F238E27FC236}">
-                <a16:creationId xmlns:a16="http://schemas.microsoft.com/office/drawing/2014/main" id="{E4F0DE72-5CBF-C73C-CAA5-58F9AEF9D5E4}"/>
-              </a:ext>
-            </a:extLst>
-          </p:cNvPr>
-          <p:cNvSpPr>
-            <a:spLocks noGrp="1"/>
-          </p:cNvSpPr>
-          <p:nvPr>
-            <p:ph type="sldNum" sz="quarter" idx="5"/>
-          </p:nvPr>
-        </p:nvSpPr>
-        <p:spPr/>
-        <p:txBody>
-          <a:bodyPr/>
-          <a:lstStyle/>
-          <a:p>
-            <a:fld id="{B12B4F69-D1A4-4078-9861-7D666137929B}" type="slidenum">
-              <a:rPr lang="en-US" smtClean="0"/>
-              <a:pPr/>
-              <a:t>5</a:t>
-            </a:fld>
-            <a:endParaRPr lang="en-US" dirty="0"/>
-          </a:p>
-        </p:txBody>
-      </p:sp>
-    </p:spTree>
-    <p:extLst>
-      <p:ext uri="{BB962C8B-B14F-4D97-AF65-F5344CB8AC3E}">
-        <p14:creationId xmlns:p14="http://schemas.microsoft.com/office/powerpoint/2010/main" val="1500854488"/>
-      </p:ext>
-    </p:extLst>
-  </p:cSld>
-  <p:clrMapOvr>
-    <a:masterClrMapping/>
-  </p:clrMapOvr>
-</p:notes>
-</file>
-
-<file path=ppt/notesSlides/notesSlide6.xml><?xml version="1.0" encoding="utf-8"?>
-<p:notes xmlns:a="http://schemas.openxmlformats.org/drawingml/2006/main" xmlns:r="http://schemas.openxmlformats.org/officeDocument/2006/relationships" xmlns:p="http://schemas.openxmlformats.org/presentationml/2006/main">
-  <p:cSld>
-    <p:spTree>
-      <p:nvGrpSpPr>
-        <p:cNvPr id="1" name="">
-          <a:extLst>
-            <a:ext uri="{FF2B5EF4-FFF2-40B4-BE49-F238E27FC236}">
-              <a16:creationId xmlns:a16="http://schemas.microsoft.com/office/drawing/2014/main" id="{1528F83B-AA8C-CAEA-1E82-376DCCC327EC}"/>
-            </a:ext>
-          </a:extLst>
-        </p:cNvPr>
-        <p:cNvGrpSpPr/>
-        <p:nvPr/>
-      </p:nvGrpSpPr>
-      <p:grpSpPr>
-        <a:xfrm>
-          <a:off x="0" y="0"/>
-          <a:ext cx="0" cy="0"/>
-          <a:chOff x="0" y="0"/>
-          <a:chExt cx="0" cy="0"/>
-        </a:xfrm>
-      </p:grpSpPr>
-      <p:sp>
-        <p:nvSpPr>
-          <p:cNvPr id="2" name="Slide Image Placeholder 1">
-            <a:extLst>
-              <a:ext uri="{FF2B5EF4-FFF2-40B4-BE49-F238E27FC236}">
-                <a16:creationId xmlns:a16="http://schemas.microsoft.com/office/drawing/2014/main" id="{F5276194-9DAD-6638-25C6-24570F1937F5}"/>
-              </a:ext>
-            </a:extLst>
-          </p:cNvPr>
-          <p:cNvSpPr>
-            <a:spLocks noGrp="1" noRot="1" noChangeAspect="1"/>
-          </p:cNvSpPr>
-          <p:nvPr>
-            <p:ph type="sldImg"/>
-          </p:nvPr>
-        </p:nvSpPr>
-        <p:spPr/>
-      </p:sp>
-      <p:sp>
-        <p:nvSpPr>
-          <p:cNvPr id="3" name="Notes Placeholder 2">
-            <a:extLst>
-              <a:ext uri="{FF2B5EF4-FFF2-40B4-BE49-F238E27FC236}">
-                <a16:creationId xmlns:a16="http://schemas.microsoft.com/office/drawing/2014/main" id="{A7F375F5-11EA-BD98-B766-57686E115EBA}"/>
-              </a:ext>
-            </a:extLst>
-          </p:cNvPr>
-          <p:cNvSpPr>
-            <a:spLocks noGrp="1"/>
-          </p:cNvSpPr>
-          <p:nvPr>
-            <p:ph type="body" idx="1"/>
-          </p:nvPr>
-        </p:nvSpPr>
-        <p:spPr/>
-        <p:txBody>
-          <a:bodyPr/>
-          <a:lstStyle/>
-          <a:p>
-            <a:endParaRPr lang="en-US" dirty="0"/>
-          </a:p>
-        </p:txBody>
-      </p:sp>
-      <p:sp>
-        <p:nvSpPr>
-          <p:cNvPr id="4" name="Slide Number Placeholder 3">
-            <a:extLst>
-              <a:ext uri="{FF2B5EF4-FFF2-40B4-BE49-F238E27FC236}">
-                <a16:creationId xmlns:a16="http://schemas.microsoft.com/office/drawing/2014/main" id="{59EDED87-53B0-1FFF-0D38-B3D53B37749D}"/>
-              </a:ext>
-            </a:extLst>
-          </p:cNvPr>
-          <p:cNvSpPr>
-            <a:spLocks noGrp="1"/>
-          </p:cNvSpPr>
-          <p:nvPr>
-            <p:ph type="sldNum" sz="quarter" idx="5"/>
-          </p:nvPr>
-        </p:nvSpPr>
-        <p:spPr/>
-        <p:txBody>
-          <a:bodyPr/>
-          <a:lstStyle/>
-          <a:p>
-            <a:fld id="{B12B4F69-D1A4-4078-9861-7D666137929B}" type="slidenum">
-              <a:rPr lang="en-US" smtClean="0"/>
-              <a:pPr/>
-              <a:t>6</a:t>
-            </a:fld>
-            <a:endParaRPr lang="en-US" dirty="0"/>
-          </a:p>
-        </p:txBody>
-      </p:sp>
-    </p:spTree>
-    <p:extLst>
-      <p:ext uri="{BB962C8B-B14F-4D97-AF65-F5344CB8AC3E}">
-        <p14:creationId xmlns:p14="http://schemas.microsoft.com/office/powerpoint/2010/main" val="688119063"/>
       </p:ext>
     </p:extLst>
   </p:cSld>
@@ -1295,7 +967,7 @@
             <a:fld id="{5E4FD71B-E960-4BE4-B463-A12BB7700A42}" type="datetimeFigureOut">
               <a:rPr lang="en-US" smtClean="0"/>
               <a:pPr/>
-              <a:t>7/3/2025</a:t>
+              <a:t>7/8/2025</a:t>
             </a:fld>
             <a:endParaRPr lang="en-US" dirty="0"/>
           </a:p>
@@ -1593,7 +1265,7 @@
             <a:fld id="{5E4FD71B-E960-4BE4-B463-A12BB7700A42}" type="datetimeFigureOut">
               <a:rPr lang="en-US" smtClean="0"/>
               <a:pPr/>
-              <a:t>7/3/2025</a:t>
+              <a:t>7/8/2025</a:t>
             </a:fld>
             <a:endParaRPr lang="en-US" dirty="0"/>
           </a:p>
@@ -1901,7 +1573,7 @@
             <a:fld id="{5E4FD71B-E960-4BE4-B463-A12BB7700A42}" type="datetimeFigureOut">
               <a:rPr lang="en-US" smtClean="0"/>
               <a:pPr/>
-              <a:t>7/3/2025</a:t>
+              <a:t>7/8/2025</a:t>
             </a:fld>
             <a:endParaRPr lang="en-US" dirty="0"/>
           </a:p>
@@ -2199,7 +1871,7 @@
             <a:fld id="{5E4FD71B-E960-4BE4-B463-A12BB7700A42}" type="datetimeFigureOut">
               <a:rPr lang="en-US" smtClean="0"/>
               <a:pPr/>
-              <a:t>7/3/2025</a:t>
+              <a:t>7/8/2025</a:t>
             </a:fld>
             <a:endParaRPr lang="en-US" dirty="0"/>
           </a:p>
@@ -2554,7 +2226,7 @@
             <a:fld id="{5E4FD71B-E960-4BE4-B463-A12BB7700A42}" type="datetimeFigureOut">
               <a:rPr lang="en-US" smtClean="0"/>
               <a:pPr/>
-              <a:t>7/3/2025</a:t>
+              <a:t>7/8/2025</a:t>
             </a:fld>
             <a:endParaRPr lang="en-US" dirty="0"/>
           </a:p>
@@ -2935,7 +2607,7 @@
             <a:fld id="{5E4FD71B-E960-4BE4-B463-A12BB7700A42}" type="datetimeFigureOut">
               <a:rPr lang="en-US" smtClean="0"/>
               <a:pPr/>
-              <a:t>7/3/2025</a:t>
+              <a:t>7/8/2025</a:t>
             </a:fld>
             <a:endParaRPr lang="en-US" dirty="0"/>
           </a:p>
@@ -3463,7 +3135,7 @@
             <a:fld id="{5E4FD71B-E960-4BE4-B463-A12BB7700A42}" type="datetimeFigureOut">
               <a:rPr lang="en-US" smtClean="0"/>
               <a:pPr/>
-              <a:t>7/3/2025</a:t>
+              <a:t>7/8/2025</a:t>
             </a:fld>
             <a:endParaRPr lang="en-US" dirty="0"/>
           </a:p>
@@ -3688,7 +3360,7 @@
             <a:fld id="{5E4FD71B-E960-4BE4-B463-A12BB7700A42}" type="datetimeFigureOut">
               <a:rPr lang="en-US" smtClean="0"/>
               <a:pPr/>
-              <a:t>7/3/2025</a:t>
+              <a:t>7/8/2025</a:t>
             </a:fld>
             <a:endParaRPr lang="en-US" dirty="0"/>
           </a:p>
@@ -3881,7 +3553,7 @@
             <a:fld id="{5E4FD71B-E960-4BE4-B463-A12BB7700A42}" type="datetimeFigureOut">
               <a:rPr lang="en-US" smtClean="0"/>
               <a:pPr/>
-              <a:t>7/3/2025</a:t>
+              <a:t>7/8/2025</a:t>
             </a:fld>
             <a:endParaRPr lang="en-US" dirty="0"/>
           </a:p>
@@ -4272,7 +3944,7 @@
             <a:fld id="{5E4FD71B-E960-4BE4-B463-A12BB7700A42}" type="datetimeFigureOut">
               <a:rPr lang="en-US" smtClean="0"/>
               <a:pPr/>
-              <a:t>7/3/2025</a:t>
+              <a:t>7/8/2025</a:t>
             </a:fld>
             <a:endParaRPr lang="en-US" dirty="0"/>
           </a:p>
@@ -4640,7 +4312,7 @@
             <a:fld id="{5E4FD71B-E960-4BE4-B463-A12BB7700A42}" type="datetimeFigureOut">
               <a:rPr lang="en-US" smtClean="0"/>
               <a:pPr/>
-              <a:t>7/3/2025</a:t>
+              <a:t>7/8/2025</a:t>
             </a:fld>
             <a:endParaRPr lang="en-US" dirty="0"/>
           </a:p>
@@ -4957,7 +4629,7 @@
             <a:fld id="{5E4FD71B-E960-4BE4-B463-A12BB7700A42}" type="datetimeFigureOut">
               <a:rPr lang="en-US" smtClean="0"/>
               <a:pPr/>
-              <a:t>7/3/2025</a:t>
+              <a:t>7/8/2025</a:t>
             </a:fld>
             <a:endParaRPr lang="en-US" dirty="0"/>
           </a:p>
@@ -5938,7 +5610,7 @@
           <p:cNvPr id="4" name="think-cell data - do not delete" hidden="1">
             <a:extLst>
               <a:ext uri="{FF2B5EF4-FFF2-40B4-BE49-F238E27FC236}">
-                <a16:creationId xmlns:a16="http://schemas.microsoft.com/office/drawing/2014/main" id="{3DDEFD78-FFA3-44C0-13B3-4B90F8BE1407}"/>
+                <a16:creationId xmlns:a16="http://schemas.microsoft.com/office/drawing/2014/main" id="{AEB9B74A-FBCF-B553-01DF-3974D69BBB51}"/>
               </a:ext>
             </a:extLst>
           </p:cNvPr>
@@ -5951,7 +5623,7 @@
             </p:custDataLst>
             <p:extLst>
               <p:ext uri="{D42A27DB-BD31-4B8C-83A1-F6EECF244321}">
-                <p14:modId xmlns:p14="http://schemas.microsoft.com/office/powerpoint/2010/main" val="447284817"/>
+                <p14:modId xmlns:p14="http://schemas.microsoft.com/office/powerpoint/2010/main" val="2657375076"/>
               </p:ext>
             </p:extLst>
           </p:nvPr>
@@ -5964,12 +5636,12 @@
           <a:graphicData uri="http://schemas.openxmlformats.org/presentationml/2006/ole">
             <mc:AlternateContent xmlns:mc="http://schemas.openxmlformats.org/markup-compatibility/2006">
               <mc:Choice xmlns:v="urn:schemas-microsoft-com:vml" Requires="v">
-                <p:oleObj name="think-cell Slide" r:id="rId11" imgW="479" imgH="478" progId="TCLayout.ActiveDocument.1">
+                <p:oleObj name="think-cell Slide" r:id="rId3" imgW="479" imgH="478" progId="TCLayout.ActiveDocument.1">
                   <p:embed/>
                 </p:oleObj>
               </mc:Choice>
               <mc:Fallback>
-                <p:oleObj name="think-cell Slide" r:id="rId11" imgW="479" imgH="478" progId="TCLayout.ActiveDocument.1">
+                <p:oleObj name="think-cell Slide" r:id="rId3" imgW="479" imgH="478" progId="TCLayout.ActiveDocument.1">
                   <p:embed/>
                   <p:pic>
                     <p:nvPicPr>
@@ -5978,7 +5650,7 @@
                       <p:nvPr/>
                     </p:nvPicPr>
                     <p:blipFill>
-                      <a:blip r:embed="rId12"/>
+                      <a:blip r:embed="rId4"/>
                       <a:stretch>
                         <a:fillRect/>
                       </a:stretch>
@@ -6004,7 +5676,7 @@
           <p:cNvPr id="5" name="Textfeld 15">
             <a:extLst>
               <a:ext uri="{FF2B5EF4-FFF2-40B4-BE49-F238E27FC236}">
-                <a16:creationId xmlns:a16="http://schemas.microsoft.com/office/drawing/2014/main" id="{4D0BD1B2-E47F-8AC7-B035-2720DE527CDB}"/>
+                <a16:creationId xmlns:a16="http://schemas.microsoft.com/office/drawing/2014/main" id="{705439BC-3A99-BE9C-24F1-68A309F82EDE}"/>
               </a:ext>
             </a:extLst>
           </p:cNvPr>
@@ -6037,6 +5709,403 @@
                 <a:latin typeface="Bahnschrift SemiCondensed" panose="020B0502040204020203" pitchFamily="34" charset="0"/>
               </a:rPr>
               <a:t>01</a:t>
+            </a:r>
+          </a:p>
+        </p:txBody>
+      </p:sp>
+      <p:sp>
+        <p:nvSpPr>
+          <p:cNvPr id="6" name="Untertitel 2 1">
+            <a:extLst>
+              <a:ext uri="{FF2B5EF4-FFF2-40B4-BE49-F238E27FC236}">
+                <a16:creationId xmlns:a16="http://schemas.microsoft.com/office/drawing/2014/main" id="{27D89C80-A290-2063-9B84-F8A4603A391D}"/>
+              </a:ext>
+            </a:extLst>
+          </p:cNvPr>
+          <p:cNvSpPr txBox="1">
+            <a:spLocks/>
+          </p:cNvSpPr>
+          <p:nvPr/>
+        </p:nvSpPr>
+        <p:spPr>
+          <a:xfrm>
+            <a:off x="1774762" y="646633"/>
+            <a:ext cx="8777414" cy="995841"/>
+          </a:xfrm>
+          <a:prstGeom prst="rect">
+            <a:avLst/>
+          </a:prstGeom>
+        </p:spPr>
+        <p:txBody>
+          <a:bodyPr vert="horz" lIns="91440" tIns="45720" rIns="91440" bIns="45720" rtlCol="0">
+            <a:normAutofit/>
+          </a:bodyPr>
+          <a:lstStyle>
+            <a:lvl1pPr marL="228600" indent="-228600" algn="l" defTabSz="914400" rtl="0" eaLnBrk="1" latinLnBrk="0" hangingPunct="1">
+              <a:lnSpc>
+                <a:spcPct val="90000"/>
+              </a:lnSpc>
+              <a:spcBef>
+                <a:spcPts val="1000"/>
+              </a:spcBef>
+              <a:buFont typeface="Arial" panose="020B0604020202020204" pitchFamily="34" charset="0"/>
+              <a:buChar char="•"/>
+              <a:defRPr sz="2800" kern="1200">
+                <a:solidFill>
+                  <a:schemeClr val="tx1"/>
+                </a:solidFill>
+                <a:latin typeface="+mn-lt"/>
+                <a:ea typeface="+mn-ea"/>
+                <a:cs typeface="+mn-cs"/>
+              </a:defRPr>
+            </a:lvl1pPr>
+            <a:lvl2pPr marL="685800" indent="-228600" algn="l" defTabSz="914400" rtl="0" eaLnBrk="1" latinLnBrk="0" hangingPunct="1">
+              <a:lnSpc>
+                <a:spcPct val="90000"/>
+              </a:lnSpc>
+              <a:spcBef>
+                <a:spcPts val="500"/>
+              </a:spcBef>
+              <a:buFont typeface="Arial" panose="020B0604020202020204" pitchFamily="34" charset="0"/>
+              <a:buChar char="•"/>
+              <a:defRPr sz="2400" kern="1200">
+                <a:solidFill>
+                  <a:schemeClr val="tx1"/>
+                </a:solidFill>
+                <a:latin typeface="+mn-lt"/>
+                <a:ea typeface="+mn-ea"/>
+                <a:cs typeface="+mn-cs"/>
+              </a:defRPr>
+            </a:lvl2pPr>
+            <a:lvl3pPr marL="1143000" indent="-228600" algn="l" defTabSz="914400" rtl="0" eaLnBrk="1" latinLnBrk="0" hangingPunct="1">
+              <a:lnSpc>
+                <a:spcPct val="90000"/>
+              </a:lnSpc>
+              <a:spcBef>
+                <a:spcPts val="500"/>
+              </a:spcBef>
+              <a:buFont typeface="Arial" panose="020B0604020202020204" pitchFamily="34" charset="0"/>
+              <a:buChar char="•"/>
+              <a:defRPr sz="2000" kern="1200">
+                <a:solidFill>
+                  <a:schemeClr val="tx1"/>
+                </a:solidFill>
+                <a:latin typeface="+mn-lt"/>
+                <a:ea typeface="+mn-ea"/>
+                <a:cs typeface="+mn-cs"/>
+              </a:defRPr>
+            </a:lvl3pPr>
+            <a:lvl4pPr marL="1600200" indent="-228600" algn="l" defTabSz="914400" rtl="0" eaLnBrk="1" latinLnBrk="0" hangingPunct="1">
+              <a:lnSpc>
+                <a:spcPct val="90000"/>
+              </a:lnSpc>
+              <a:spcBef>
+                <a:spcPts val="500"/>
+              </a:spcBef>
+              <a:buFont typeface="Arial" panose="020B0604020202020204" pitchFamily="34" charset="0"/>
+              <a:buChar char="•"/>
+              <a:defRPr sz="1800" kern="1200">
+                <a:solidFill>
+                  <a:schemeClr val="tx1"/>
+                </a:solidFill>
+                <a:latin typeface="+mn-lt"/>
+                <a:ea typeface="+mn-ea"/>
+                <a:cs typeface="+mn-cs"/>
+              </a:defRPr>
+            </a:lvl4pPr>
+            <a:lvl5pPr marL="2057400" indent="-228600" algn="l" defTabSz="914400" rtl="0" eaLnBrk="1" latinLnBrk="0" hangingPunct="1">
+              <a:lnSpc>
+                <a:spcPct val="90000"/>
+              </a:lnSpc>
+              <a:spcBef>
+                <a:spcPts val="500"/>
+              </a:spcBef>
+              <a:buFont typeface="Arial" panose="020B0604020202020204" pitchFamily="34" charset="0"/>
+              <a:buChar char="•"/>
+              <a:defRPr sz="1800" kern="1200">
+                <a:solidFill>
+                  <a:schemeClr val="tx1"/>
+                </a:solidFill>
+                <a:latin typeface="+mn-lt"/>
+                <a:ea typeface="+mn-ea"/>
+                <a:cs typeface="+mn-cs"/>
+              </a:defRPr>
+            </a:lvl5pPr>
+            <a:lvl6pPr marL="2514600" indent="-228600" algn="l" defTabSz="914400" rtl="0" eaLnBrk="1" latinLnBrk="0" hangingPunct="1">
+              <a:lnSpc>
+                <a:spcPct val="90000"/>
+              </a:lnSpc>
+              <a:spcBef>
+                <a:spcPts val="500"/>
+              </a:spcBef>
+              <a:buFont typeface="Arial" panose="020B0604020202020204" pitchFamily="34" charset="0"/>
+              <a:buChar char="•"/>
+              <a:defRPr sz="1800" kern="1200">
+                <a:solidFill>
+                  <a:schemeClr val="tx1"/>
+                </a:solidFill>
+                <a:latin typeface="+mn-lt"/>
+                <a:ea typeface="+mn-ea"/>
+                <a:cs typeface="+mn-cs"/>
+              </a:defRPr>
+            </a:lvl6pPr>
+            <a:lvl7pPr marL="2971800" indent="-228600" algn="l" defTabSz="914400" rtl="0" eaLnBrk="1" latinLnBrk="0" hangingPunct="1">
+              <a:lnSpc>
+                <a:spcPct val="90000"/>
+              </a:lnSpc>
+              <a:spcBef>
+                <a:spcPts val="500"/>
+              </a:spcBef>
+              <a:buFont typeface="Arial" panose="020B0604020202020204" pitchFamily="34" charset="0"/>
+              <a:buChar char="•"/>
+              <a:defRPr sz="1800" kern="1200">
+                <a:solidFill>
+                  <a:schemeClr val="tx1"/>
+                </a:solidFill>
+                <a:latin typeface="+mn-lt"/>
+                <a:ea typeface="+mn-ea"/>
+                <a:cs typeface="+mn-cs"/>
+              </a:defRPr>
+            </a:lvl7pPr>
+            <a:lvl8pPr marL="3429000" indent="-228600" algn="l" defTabSz="914400" rtl="0" eaLnBrk="1" latinLnBrk="0" hangingPunct="1">
+              <a:lnSpc>
+                <a:spcPct val="90000"/>
+              </a:lnSpc>
+              <a:spcBef>
+                <a:spcPts val="500"/>
+              </a:spcBef>
+              <a:buFont typeface="Arial" panose="020B0604020202020204" pitchFamily="34" charset="0"/>
+              <a:buChar char="•"/>
+              <a:defRPr sz="1800" kern="1200">
+                <a:solidFill>
+                  <a:schemeClr val="tx1"/>
+                </a:solidFill>
+                <a:latin typeface="+mn-lt"/>
+                <a:ea typeface="+mn-ea"/>
+                <a:cs typeface="+mn-cs"/>
+              </a:defRPr>
+            </a:lvl8pPr>
+            <a:lvl9pPr marL="3886200" indent="-228600" algn="l" defTabSz="914400" rtl="0" eaLnBrk="1" latinLnBrk="0" hangingPunct="1">
+              <a:lnSpc>
+                <a:spcPct val="90000"/>
+              </a:lnSpc>
+              <a:spcBef>
+                <a:spcPts val="500"/>
+              </a:spcBef>
+              <a:buFont typeface="Arial" panose="020B0604020202020204" pitchFamily="34" charset="0"/>
+              <a:buChar char="•"/>
+              <a:defRPr sz="1800" kern="1200">
+                <a:solidFill>
+                  <a:schemeClr val="tx1"/>
+                </a:solidFill>
+                <a:latin typeface="+mn-lt"/>
+                <a:ea typeface="+mn-ea"/>
+                <a:cs typeface="+mn-cs"/>
+              </a:defRPr>
+            </a:lvl9pPr>
+          </a:lstStyle>
+          <a:p>
+            <a:pPr marL="0" indent="0">
+              <a:buNone/>
+            </a:pPr>
+            <a:r>
+              <a:rPr lang="en-US" sz="3200" noProof="0" dirty="0">
+                <a:latin typeface="Bahnschrift SemiCondensed" panose="020B0502040204020203" pitchFamily="34" charset="0"/>
+              </a:rPr>
+              <a:t>Canonicalization of Matrix Product Operators (MPOs)</a:t>
+            </a:r>
+            <a:endParaRPr lang="en-US" sz="3200" noProof="0" dirty="0"/>
+          </a:p>
+        </p:txBody>
+      </p:sp>
+      <p:sp>
+        <p:nvSpPr>
+          <p:cNvPr id="8" name="TextBox 7">
+            <a:extLst>
+              <a:ext uri="{FF2B5EF4-FFF2-40B4-BE49-F238E27FC236}">
+                <a16:creationId xmlns:a16="http://schemas.microsoft.com/office/drawing/2014/main" id="{33158EC7-9B44-E597-60FA-AB5F849A95D0}"/>
+              </a:ext>
+            </a:extLst>
+          </p:cNvPr>
+          <p:cNvSpPr txBox="1"/>
+          <p:nvPr/>
+        </p:nvSpPr>
+        <p:spPr>
+          <a:xfrm>
+            <a:off x="8552688" y="6376708"/>
+            <a:ext cx="3639312" cy="307777"/>
+          </a:xfrm>
+          <a:prstGeom prst="rect">
+            <a:avLst/>
+          </a:prstGeom>
+          <a:noFill/>
+        </p:spPr>
+        <p:txBody>
+          <a:bodyPr wrap="square">
+            <a:spAutoFit/>
+          </a:bodyPr>
+          <a:lstStyle/>
+          <a:p>
+            <a:r>
+              <a:rPr lang="en-US" sz="1400" b="1" dirty="0">
+                <a:solidFill>
+                  <a:schemeClr val="accent4">
+                    <a:lumMod val="50000"/>
+                  </a:schemeClr>
+                </a:solidFill>
+                <a:latin typeface="Bahnschrift SemiCondensed" panose="020B0502040204020203" pitchFamily="34" charset="0"/>
+              </a:rPr>
+              <a:t>[2] </a:t>
+            </a:r>
+            <a:r>
+              <a:rPr lang="en-US" sz="1400" b="1" dirty="0">
+                <a:latin typeface="Bahnschrift SemiCondensed" panose="020B0502040204020203" pitchFamily="34" charset="0"/>
+              </a:rPr>
+              <a:t>Parker, D. E., Cao, X., &amp; Zaletel, M. P.</a:t>
+            </a:r>
+            <a:r>
+              <a:rPr lang="en-US" sz="1400" dirty="0">
+                <a:latin typeface="Bahnschrift SemiCondensed" panose="020B0502040204020203" pitchFamily="34" charset="0"/>
+              </a:rPr>
+              <a:t> (2020)</a:t>
+            </a:r>
+          </a:p>
+        </p:txBody>
+      </p:sp>
+    </p:spTree>
+    <p:extLst>
+      <p:ext uri="{BB962C8B-B14F-4D97-AF65-F5344CB8AC3E}">
+        <p14:creationId xmlns:p14="http://schemas.microsoft.com/office/powerpoint/2010/main" val="1996146959"/>
+      </p:ext>
+    </p:extLst>
+  </p:cSld>
+  <p:clrMapOvr>
+    <a:masterClrMapping/>
+  </p:clrMapOvr>
+</p:sld>
+</file>
+
+<file path=ppt/slides/slide3.xml><?xml version="1.0" encoding="utf-8"?>
+<p:sld xmlns:a="http://schemas.openxmlformats.org/drawingml/2006/main" xmlns:r="http://schemas.openxmlformats.org/officeDocument/2006/relationships" xmlns:p="http://schemas.openxmlformats.org/presentationml/2006/main">
+  <p:cSld>
+    <p:spTree>
+      <p:nvGrpSpPr>
+        <p:cNvPr id="1" name=""/>
+        <p:cNvGrpSpPr/>
+        <p:nvPr/>
+      </p:nvGrpSpPr>
+      <p:grpSpPr>
+        <a:xfrm>
+          <a:off x="0" y="0"/>
+          <a:ext cx="0" cy="0"/>
+          <a:chOff x="0" y="0"/>
+          <a:chExt cx="0" cy="0"/>
+        </a:xfrm>
+      </p:grpSpPr>
+      <p:graphicFrame>
+        <p:nvGraphicFramePr>
+          <p:cNvPr id="4" name="think-cell data - do not delete" hidden="1">
+            <a:extLst>
+              <a:ext uri="{FF2B5EF4-FFF2-40B4-BE49-F238E27FC236}">
+                <a16:creationId xmlns:a16="http://schemas.microsoft.com/office/drawing/2014/main" id="{3DDEFD78-FFA3-44C0-13B3-4B90F8BE1407}"/>
+              </a:ext>
+            </a:extLst>
+          </p:cNvPr>
+          <p:cNvGraphicFramePr>
+            <a:graphicFrameLocks noChangeAspect="1"/>
+          </p:cNvGraphicFramePr>
+          <p:nvPr>
+            <p:custDataLst>
+              <p:tags r:id="rId1"/>
+            </p:custDataLst>
+            <p:extLst>
+              <p:ext uri="{D42A27DB-BD31-4B8C-83A1-F6EECF244321}">
+                <p14:modId xmlns:p14="http://schemas.microsoft.com/office/powerpoint/2010/main" val="447284817"/>
+              </p:ext>
+            </p:extLst>
+          </p:nvPr>
+        </p:nvGraphicFramePr>
+        <p:xfrm>
+          <a:off x="1588" y="1588"/>
+          <a:ext cx="1588" cy="1588"/>
+        </p:xfrm>
+        <a:graphic>
+          <a:graphicData uri="http://schemas.openxmlformats.org/presentationml/2006/ole">
+            <mc:AlternateContent xmlns:mc="http://schemas.openxmlformats.org/markup-compatibility/2006">
+              <mc:Choice xmlns:v="urn:schemas-microsoft-com:vml" Requires="v">
+                <p:oleObj name="think-cell Slide" r:id="rId6" imgW="479" imgH="478" progId="TCLayout.ActiveDocument.1">
+                  <p:embed/>
+                </p:oleObj>
+              </mc:Choice>
+              <mc:Fallback>
+                <p:oleObj name="think-cell Slide" r:id="rId6" imgW="479" imgH="478" progId="TCLayout.ActiveDocument.1">
+                  <p:embed/>
+                  <p:pic>
+                    <p:nvPicPr>
+                      <p:cNvPr id="0" name=""/>
+                      <p:cNvPicPr/>
+                      <p:nvPr/>
+                    </p:nvPicPr>
+                    <p:blipFill>
+                      <a:blip r:embed="rId7"/>
+                      <a:stretch>
+                        <a:fillRect/>
+                      </a:stretch>
+                    </p:blipFill>
+                    <p:spPr>
+                      <a:xfrm>
+                        <a:off x="1588" y="1588"/>
+                        <a:ext cx="1588" cy="1588"/>
+                      </a:xfrm>
+                      <a:prstGeom prst="rect">
+                        <a:avLst/>
+                      </a:prstGeom>
+                    </p:spPr>
+                  </p:pic>
+                </p:oleObj>
+              </mc:Fallback>
+            </mc:AlternateContent>
+          </a:graphicData>
+        </a:graphic>
+      </p:graphicFrame>
+      <p:sp>
+        <p:nvSpPr>
+          <p:cNvPr id="5" name="Textfeld 15">
+            <a:extLst>
+              <a:ext uri="{FF2B5EF4-FFF2-40B4-BE49-F238E27FC236}">
+                <a16:creationId xmlns:a16="http://schemas.microsoft.com/office/drawing/2014/main" id="{4D0BD1B2-E47F-8AC7-B035-2720DE527CDB}"/>
+              </a:ext>
+            </a:extLst>
+          </p:cNvPr>
+          <p:cNvSpPr txBox="1"/>
+          <p:nvPr/>
+        </p:nvSpPr>
+        <p:spPr>
+          <a:xfrm>
+            <a:off x="188340" y="147722"/>
+            <a:ext cx="432761" cy="369332"/>
+          </a:xfrm>
+          <a:prstGeom prst="rect">
+            <a:avLst/>
+          </a:prstGeom>
+          <a:noFill/>
+        </p:spPr>
+        <p:txBody>
+          <a:bodyPr wrap="square" rtlCol="0">
+            <a:spAutoFit/>
+          </a:bodyPr>
+          <a:lstStyle/>
+          <a:p>
+            <a:r>
+              <a:rPr lang="en-US" noProof="0" dirty="0">
+                <a:solidFill>
+                  <a:schemeClr val="bg2">
+                    <a:lumMod val="50000"/>
+                  </a:schemeClr>
+                </a:solidFill>
+                <a:latin typeface="Bahnschrift SemiCondensed" panose="020B0502040204020203" pitchFamily="34" charset="0"/>
+              </a:rPr>
+              <a:t>02</a:t>
             </a:r>
           </a:p>
         </p:txBody>
@@ -6261,14 +6330,14 @@
           <p:nvPr/>
         </p:nvPicPr>
         <p:blipFill>
-          <a:blip r:embed="rId13"/>
+          <a:blip r:embed="rId8"/>
           <a:stretch>
             <a:fillRect/>
           </a:stretch>
         </p:blipFill>
         <p:spPr>
           <a:xfrm>
-            <a:off x="2606974" y="2287539"/>
+            <a:off x="2670982" y="2395702"/>
             <a:ext cx="5260118" cy="704566"/>
           </a:xfrm>
           <a:prstGeom prst="rect">
@@ -6292,7 +6361,7 @@
         </p:nvSpPr>
         <p:spPr>
           <a:xfrm>
-            <a:off x="1412051" y="1519886"/>
+            <a:off x="1476059" y="1628049"/>
             <a:ext cx="1398206" cy="487223"/>
           </a:xfrm>
           <a:prstGeom prst="rect">
@@ -6510,7 +6579,7 @@
         </p:nvSpPr>
         <p:spPr>
           <a:xfrm>
-            <a:off x="8218392" y="2396209"/>
+            <a:off x="8282400" y="2504372"/>
             <a:ext cx="2687096" cy="487223"/>
           </a:xfrm>
           <a:prstGeom prst="rect">
@@ -6728,7 +6797,7 @@
         </p:nvSpPr>
         <p:spPr>
           <a:xfrm>
-            <a:off x="1412051" y="3750947"/>
+            <a:off x="1476059" y="3859110"/>
             <a:ext cx="906543" cy="487223"/>
           </a:xfrm>
           <a:prstGeom prst="rect">
@@ -6933,7 +7002,7 @@
         </p:nvSpPr>
         <p:spPr>
           <a:xfrm>
-            <a:off x="5397326" y="3750946"/>
+            <a:off x="5461334" y="3859109"/>
             <a:ext cx="1214446" cy="487223"/>
           </a:xfrm>
           <a:prstGeom prst="rect">
@@ -7141,7 +7210,7 @@
           </p:nvPr>
         </p:nvPicPr>
         <p:blipFill>
-          <a:blip r:embed="rId14">
+          <a:blip r:embed="rId9">
             <a:extLst>
               <a:ext uri="{28A0092B-C50C-407E-A947-70E740481C1C}">
                 <a14:useLocalDpi xmlns:a14="http://schemas.microsoft.com/office/drawing/2010/main" val="0"/>
@@ -7154,7 +7223,7 @@
         </p:blipFill>
         <p:spPr>
           <a:xfrm>
-            <a:off x="6672862" y="3320837"/>
+            <a:off x="6736870" y="3429000"/>
             <a:ext cx="3061333" cy="1214476"/>
           </a:xfrm>
           <a:prstGeom prst="rect">
@@ -7177,14 +7246,14 @@
           <p:nvPr/>
         </p:nvPicPr>
         <p:blipFill>
-          <a:blip r:embed="rId15"/>
+          <a:blip r:embed="rId10"/>
           <a:stretch>
             <a:fillRect/>
           </a:stretch>
         </p:blipFill>
         <p:spPr>
           <a:xfrm>
-            <a:off x="2111154" y="3209588"/>
+            <a:off x="2175162" y="3317751"/>
             <a:ext cx="3061333" cy="1353527"/>
           </a:xfrm>
           <a:prstGeom prst="rect">
@@ -7211,7 +7280,7 @@
           </p:nvPr>
         </p:nvPicPr>
         <p:blipFill>
-          <a:blip r:embed="rId16">
+          <a:blip r:embed="rId11">
             <a:extLst>
               <a:ext uri="{28A0092B-C50C-407E-A947-70E740481C1C}">
                 <a14:useLocalDpi xmlns:a14="http://schemas.microsoft.com/office/drawing/2010/main" val="0"/>
@@ -7224,617 +7293,8 @@
         </p:blipFill>
         <p:spPr>
           <a:xfrm>
-            <a:off x="2936066" y="1543700"/>
+            <a:off x="3000074" y="1651863"/>
             <a:ext cx="6875428" cy="350476"/>
-          </a:xfrm>
-          <a:prstGeom prst="rect">
-            <a:avLst/>
-          </a:prstGeom>
-        </p:spPr>
-      </p:pic>
-      <p:sp>
-        <p:nvSpPr>
-          <p:cNvPr id="3" name="Untertitel 2 6">
-            <a:extLst>
-              <a:ext uri="{FF2B5EF4-FFF2-40B4-BE49-F238E27FC236}">
-                <a16:creationId xmlns:a16="http://schemas.microsoft.com/office/drawing/2014/main" id="{385898AF-B955-5739-FC5A-7DDDCDA57CCE}"/>
-              </a:ext>
-            </a:extLst>
-          </p:cNvPr>
-          <p:cNvSpPr txBox="1">
-            <a:spLocks/>
-          </p:cNvSpPr>
-          <p:nvPr/>
-        </p:nvSpPr>
-        <p:spPr>
-          <a:xfrm>
-            <a:off x="1412049" y="4710515"/>
-            <a:ext cx="9759159" cy="747704"/>
-          </a:xfrm>
-          <a:prstGeom prst="rect">
-            <a:avLst/>
-          </a:prstGeom>
-        </p:spPr>
-        <p:txBody>
-          <a:bodyPr vert="horz" lIns="91440" tIns="45720" rIns="91440" bIns="45720" rtlCol="0">
-            <a:normAutofit/>
-          </a:bodyPr>
-          <a:lstStyle>
-            <a:lvl1pPr marL="228600" indent="-228600" algn="l" defTabSz="914400" rtl="0" eaLnBrk="1" latinLnBrk="0" hangingPunct="1">
-              <a:lnSpc>
-                <a:spcPct val="90000"/>
-              </a:lnSpc>
-              <a:spcBef>
-                <a:spcPts val="1000"/>
-              </a:spcBef>
-              <a:buFont typeface="Arial" panose="020B0604020202020204" pitchFamily="34" charset="0"/>
-              <a:buChar char="•"/>
-              <a:defRPr sz="2800" kern="1200">
-                <a:solidFill>
-                  <a:schemeClr val="tx1"/>
-                </a:solidFill>
-                <a:latin typeface="+mn-lt"/>
-                <a:ea typeface="+mn-ea"/>
-                <a:cs typeface="+mn-cs"/>
-              </a:defRPr>
-            </a:lvl1pPr>
-            <a:lvl2pPr marL="685800" indent="-228600" algn="l" defTabSz="914400" rtl="0" eaLnBrk="1" latinLnBrk="0" hangingPunct="1">
-              <a:lnSpc>
-                <a:spcPct val="90000"/>
-              </a:lnSpc>
-              <a:spcBef>
-                <a:spcPts val="500"/>
-              </a:spcBef>
-              <a:buFont typeface="Arial" panose="020B0604020202020204" pitchFamily="34" charset="0"/>
-              <a:buChar char="•"/>
-              <a:defRPr sz="2400" kern="1200">
-                <a:solidFill>
-                  <a:schemeClr val="tx1"/>
-                </a:solidFill>
-                <a:latin typeface="+mn-lt"/>
-                <a:ea typeface="+mn-ea"/>
-                <a:cs typeface="+mn-cs"/>
-              </a:defRPr>
-            </a:lvl2pPr>
-            <a:lvl3pPr marL="1143000" indent="-228600" algn="l" defTabSz="914400" rtl="0" eaLnBrk="1" latinLnBrk="0" hangingPunct="1">
-              <a:lnSpc>
-                <a:spcPct val="90000"/>
-              </a:lnSpc>
-              <a:spcBef>
-                <a:spcPts val="500"/>
-              </a:spcBef>
-              <a:buFont typeface="Arial" panose="020B0604020202020204" pitchFamily="34" charset="0"/>
-              <a:buChar char="•"/>
-              <a:defRPr sz="2000" kern="1200">
-                <a:solidFill>
-                  <a:schemeClr val="tx1"/>
-                </a:solidFill>
-                <a:latin typeface="+mn-lt"/>
-                <a:ea typeface="+mn-ea"/>
-                <a:cs typeface="+mn-cs"/>
-              </a:defRPr>
-            </a:lvl3pPr>
-            <a:lvl4pPr marL="1600200" indent="-228600" algn="l" defTabSz="914400" rtl="0" eaLnBrk="1" latinLnBrk="0" hangingPunct="1">
-              <a:lnSpc>
-                <a:spcPct val="90000"/>
-              </a:lnSpc>
-              <a:spcBef>
-                <a:spcPts val="500"/>
-              </a:spcBef>
-              <a:buFont typeface="Arial" panose="020B0604020202020204" pitchFamily="34" charset="0"/>
-              <a:buChar char="•"/>
-              <a:defRPr sz="1800" kern="1200">
-                <a:solidFill>
-                  <a:schemeClr val="tx1"/>
-                </a:solidFill>
-                <a:latin typeface="+mn-lt"/>
-                <a:ea typeface="+mn-ea"/>
-                <a:cs typeface="+mn-cs"/>
-              </a:defRPr>
-            </a:lvl4pPr>
-            <a:lvl5pPr marL="2057400" indent="-228600" algn="l" defTabSz="914400" rtl="0" eaLnBrk="1" latinLnBrk="0" hangingPunct="1">
-              <a:lnSpc>
-                <a:spcPct val="90000"/>
-              </a:lnSpc>
-              <a:spcBef>
-                <a:spcPts val="500"/>
-              </a:spcBef>
-              <a:buFont typeface="Arial" panose="020B0604020202020204" pitchFamily="34" charset="0"/>
-              <a:buChar char="•"/>
-              <a:defRPr sz="1800" kern="1200">
-                <a:solidFill>
-                  <a:schemeClr val="tx1"/>
-                </a:solidFill>
-                <a:latin typeface="+mn-lt"/>
-                <a:ea typeface="+mn-ea"/>
-                <a:cs typeface="+mn-cs"/>
-              </a:defRPr>
-            </a:lvl5pPr>
-            <a:lvl6pPr marL="2514600" indent="-228600" algn="l" defTabSz="914400" rtl="0" eaLnBrk="1" latinLnBrk="0" hangingPunct="1">
-              <a:lnSpc>
-                <a:spcPct val="90000"/>
-              </a:lnSpc>
-              <a:spcBef>
-                <a:spcPts val="500"/>
-              </a:spcBef>
-              <a:buFont typeface="Arial" panose="020B0604020202020204" pitchFamily="34" charset="0"/>
-              <a:buChar char="•"/>
-              <a:defRPr sz="1800" kern="1200">
-                <a:solidFill>
-                  <a:schemeClr val="tx1"/>
-                </a:solidFill>
-                <a:latin typeface="+mn-lt"/>
-                <a:ea typeface="+mn-ea"/>
-                <a:cs typeface="+mn-cs"/>
-              </a:defRPr>
-            </a:lvl6pPr>
-            <a:lvl7pPr marL="2971800" indent="-228600" algn="l" defTabSz="914400" rtl="0" eaLnBrk="1" latinLnBrk="0" hangingPunct="1">
-              <a:lnSpc>
-                <a:spcPct val="90000"/>
-              </a:lnSpc>
-              <a:spcBef>
-                <a:spcPts val="500"/>
-              </a:spcBef>
-              <a:buFont typeface="Arial" panose="020B0604020202020204" pitchFamily="34" charset="0"/>
-              <a:buChar char="•"/>
-              <a:defRPr sz="1800" kern="1200">
-                <a:solidFill>
-                  <a:schemeClr val="tx1"/>
-                </a:solidFill>
-                <a:latin typeface="+mn-lt"/>
-                <a:ea typeface="+mn-ea"/>
-                <a:cs typeface="+mn-cs"/>
-              </a:defRPr>
-            </a:lvl7pPr>
-            <a:lvl8pPr marL="3429000" indent="-228600" algn="l" defTabSz="914400" rtl="0" eaLnBrk="1" latinLnBrk="0" hangingPunct="1">
-              <a:lnSpc>
-                <a:spcPct val="90000"/>
-              </a:lnSpc>
-              <a:spcBef>
-                <a:spcPts val="500"/>
-              </a:spcBef>
-              <a:buFont typeface="Arial" panose="020B0604020202020204" pitchFamily="34" charset="0"/>
-              <a:buChar char="•"/>
-              <a:defRPr sz="1800" kern="1200">
-                <a:solidFill>
-                  <a:schemeClr val="tx1"/>
-                </a:solidFill>
-                <a:latin typeface="+mn-lt"/>
-                <a:ea typeface="+mn-ea"/>
-                <a:cs typeface="+mn-cs"/>
-              </a:defRPr>
-            </a:lvl8pPr>
-            <a:lvl9pPr marL="3886200" indent="-228600" algn="l" defTabSz="914400" rtl="0" eaLnBrk="1" latinLnBrk="0" hangingPunct="1">
-              <a:lnSpc>
-                <a:spcPct val="90000"/>
-              </a:lnSpc>
-              <a:spcBef>
-                <a:spcPts val="500"/>
-              </a:spcBef>
-              <a:buFont typeface="Arial" panose="020B0604020202020204" pitchFamily="34" charset="0"/>
-              <a:buChar char="•"/>
-              <a:defRPr sz="1800" kern="1200">
-                <a:solidFill>
-                  <a:schemeClr val="tx1"/>
-                </a:solidFill>
-                <a:latin typeface="+mn-lt"/>
-                <a:ea typeface="+mn-ea"/>
-                <a:cs typeface="+mn-cs"/>
-              </a:defRPr>
-            </a:lvl9pPr>
-          </a:lstStyle>
-          <a:p>
-            <a:pPr marL="0" indent="0">
-              <a:buNone/>
-            </a:pPr>
-            <a:r>
-              <a:rPr lang="en-US" sz="2000" noProof="0" dirty="0">
-                <a:latin typeface="Bahnschrift SemiCondensed" panose="020B0502040204020203" pitchFamily="34" charset="0"/>
-              </a:rPr>
-              <a:t>We linearly approximate the (unnormalized) thermal state at high temperature,                   ,  as</a:t>
-            </a:r>
-            <a:endParaRPr lang="en-US" sz="2000" noProof="0" dirty="0"/>
-          </a:p>
-        </p:txBody>
-      </p:sp>
-      <p:pic>
-        <p:nvPicPr>
-          <p:cNvPr id="11" name="Picture 10" descr="\documentclass{article}&#10;\usepackage{amsmath}&#10;\usepackage{bbold}&#10;\pagestyle{empty}&#10;\begin{document}&#10;&#10;$\rho(\beta_0) = \text{e}^{- \beta_0 \hat{H}}\approx \hat{\mathbb{1}} - \beta_0 \hat{H}$&#10;&#10;&#10;\end{document}" title="IguanaTex Picture Display">
-            <a:extLst>
-              <a:ext uri="{FF2B5EF4-FFF2-40B4-BE49-F238E27FC236}">
-                <a16:creationId xmlns:a16="http://schemas.microsoft.com/office/drawing/2014/main" id="{F28F0B9A-D84B-0C4B-C4B5-8E87C411C538}"/>
-              </a:ext>
-            </a:extLst>
-          </p:cNvPr>
-          <p:cNvPicPr>
-            <a:picLocks noChangeAspect="1"/>
-          </p:cNvPicPr>
-          <p:nvPr>
-            <p:custDataLst>
-              <p:tags r:id="rId4"/>
-            </p:custDataLst>
-          </p:nvPr>
-        </p:nvPicPr>
-        <p:blipFill>
-          <a:blip r:embed="rId17">
-            <a:extLst>
-              <a:ext uri="{28A0092B-C50C-407E-A947-70E740481C1C}">
-                <a14:useLocalDpi xmlns:a14="http://schemas.microsoft.com/office/drawing/2010/main" val="0"/>
-              </a:ext>
-            </a:extLst>
-          </a:blip>
-          <a:stretch>
-            <a:fillRect/>
-          </a:stretch>
-        </p:blipFill>
-        <p:spPr>
-          <a:xfrm>
-            <a:off x="4209231" y="5230705"/>
-            <a:ext cx="2858666" cy="324571"/>
-          </a:xfrm>
-          <a:prstGeom prst="rect">
-            <a:avLst/>
-          </a:prstGeom>
-        </p:spPr>
-      </p:pic>
-      <p:pic>
-        <p:nvPicPr>
-          <p:cNvPr id="13" name="Picture 12" descr="\documentclass{article}&#10;\usepackage{amsmath}&#10;\pagestyle{empty}&#10;\begin{document}&#10;&#10;$\beta_0 = 10^{-6}$&#10;&#10;\end{document}" title="IguanaTex Picture Display">
-            <a:extLst>
-              <a:ext uri="{FF2B5EF4-FFF2-40B4-BE49-F238E27FC236}">
-                <a16:creationId xmlns:a16="http://schemas.microsoft.com/office/drawing/2014/main" id="{842B7C67-87EA-AA62-4EEE-458D99106A8C}"/>
-              </a:ext>
-            </a:extLst>
-          </p:cNvPr>
-          <p:cNvPicPr>
-            <a:picLocks noChangeAspect="1"/>
-          </p:cNvPicPr>
-          <p:nvPr>
-            <p:custDataLst>
-              <p:tags r:id="rId5"/>
-            </p:custDataLst>
-          </p:nvPr>
-        </p:nvPicPr>
-        <p:blipFill>
-          <a:blip r:embed="rId18">
-            <a:extLst>
-              <a:ext uri="{28A0092B-C50C-407E-A947-70E740481C1C}">
-                <a14:useLocalDpi xmlns:a14="http://schemas.microsoft.com/office/drawing/2010/main" val="0"/>
-              </a:ext>
-            </a:extLst>
-          </a:blip>
-          <a:stretch>
-            <a:fillRect/>
-          </a:stretch>
-        </p:blipFill>
-        <p:spPr>
-          <a:xfrm>
-            <a:off x="9360856" y="4750134"/>
-            <a:ext cx="1091048" cy="257524"/>
-          </a:xfrm>
-          <a:prstGeom prst="rect">
-            <a:avLst/>
-          </a:prstGeom>
-        </p:spPr>
-      </p:pic>
-      <p:sp>
-        <p:nvSpPr>
-          <p:cNvPr id="14" name="Untertitel 2 3 2">
-            <a:extLst>
-              <a:ext uri="{FF2B5EF4-FFF2-40B4-BE49-F238E27FC236}">
-                <a16:creationId xmlns:a16="http://schemas.microsoft.com/office/drawing/2014/main" id="{452D222A-1577-1AFF-2E59-1E58B5AF8F3A}"/>
-              </a:ext>
-            </a:extLst>
-          </p:cNvPr>
-          <p:cNvSpPr txBox="1">
-            <a:spLocks/>
-          </p:cNvSpPr>
-          <p:nvPr/>
-        </p:nvSpPr>
-        <p:spPr>
-          <a:xfrm>
-            <a:off x="1412049" y="5808199"/>
-            <a:ext cx="7889254" cy="663135"/>
-          </a:xfrm>
-          <a:prstGeom prst="rect">
-            <a:avLst/>
-          </a:prstGeom>
-        </p:spPr>
-        <p:txBody>
-          <a:bodyPr vert="horz" lIns="91440" tIns="45720" rIns="91440" bIns="45720" rtlCol="0">
-            <a:normAutofit/>
-          </a:bodyPr>
-          <a:lstStyle>
-            <a:lvl1pPr marL="228600" indent="-228600" algn="l" defTabSz="914400" rtl="0" eaLnBrk="1" latinLnBrk="0" hangingPunct="1">
-              <a:lnSpc>
-                <a:spcPct val="90000"/>
-              </a:lnSpc>
-              <a:spcBef>
-                <a:spcPts val="1000"/>
-              </a:spcBef>
-              <a:buFont typeface="Arial" panose="020B0604020202020204" pitchFamily="34" charset="0"/>
-              <a:buChar char="•"/>
-              <a:defRPr sz="2800" kern="1200">
-                <a:solidFill>
-                  <a:schemeClr val="tx1"/>
-                </a:solidFill>
-                <a:latin typeface="+mn-lt"/>
-                <a:ea typeface="+mn-ea"/>
-                <a:cs typeface="+mn-cs"/>
-              </a:defRPr>
-            </a:lvl1pPr>
-            <a:lvl2pPr marL="685800" indent="-228600" algn="l" defTabSz="914400" rtl="0" eaLnBrk="1" latinLnBrk="0" hangingPunct="1">
-              <a:lnSpc>
-                <a:spcPct val="90000"/>
-              </a:lnSpc>
-              <a:spcBef>
-                <a:spcPts val="500"/>
-              </a:spcBef>
-              <a:buFont typeface="Arial" panose="020B0604020202020204" pitchFamily="34" charset="0"/>
-              <a:buChar char="•"/>
-              <a:defRPr sz="2400" kern="1200">
-                <a:solidFill>
-                  <a:schemeClr val="tx1"/>
-                </a:solidFill>
-                <a:latin typeface="+mn-lt"/>
-                <a:ea typeface="+mn-ea"/>
-                <a:cs typeface="+mn-cs"/>
-              </a:defRPr>
-            </a:lvl2pPr>
-            <a:lvl3pPr marL="1143000" indent="-228600" algn="l" defTabSz="914400" rtl="0" eaLnBrk="1" latinLnBrk="0" hangingPunct="1">
-              <a:lnSpc>
-                <a:spcPct val="90000"/>
-              </a:lnSpc>
-              <a:spcBef>
-                <a:spcPts val="500"/>
-              </a:spcBef>
-              <a:buFont typeface="Arial" panose="020B0604020202020204" pitchFamily="34" charset="0"/>
-              <a:buChar char="•"/>
-              <a:defRPr sz="2000" kern="1200">
-                <a:solidFill>
-                  <a:schemeClr val="tx1"/>
-                </a:solidFill>
-                <a:latin typeface="+mn-lt"/>
-                <a:ea typeface="+mn-ea"/>
-                <a:cs typeface="+mn-cs"/>
-              </a:defRPr>
-            </a:lvl3pPr>
-            <a:lvl4pPr marL="1600200" indent="-228600" algn="l" defTabSz="914400" rtl="0" eaLnBrk="1" latinLnBrk="0" hangingPunct="1">
-              <a:lnSpc>
-                <a:spcPct val="90000"/>
-              </a:lnSpc>
-              <a:spcBef>
-                <a:spcPts val="500"/>
-              </a:spcBef>
-              <a:buFont typeface="Arial" panose="020B0604020202020204" pitchFamily="34" charset="0"/>
-              <a:buChar char="•"/>
-              <a:defRPr sz="1800" kern="1200">
-                <a:solidFill>
-                  <a:schemeClr val="tx1"/>
-                </a:solidFill>
-                <a:latin typeface="+mn-lt"/>
-                <a:ea typeface="+mn-ea"/>
-                <a:cs typeface="+mn-cs"/>
-              </a:defRPr>
-            </a:lvl4pPr>
-            <a:lvl5pPr marL="2057400" indent="-228600" algn="l" defTabSz="914400" rtl="0" eaLnBrk="1" latinLnBrk="0" hangingPunct="1">
-              <a:lnSpc>
-                <a:spcPct val="90000"/>
-              </a:lnSpc>
-              <a:spcBef>
-                <a:spcPts val="500"/>
-              </a:spcBef>
-              <a:buFont typeface="Arial" panose="020B0604020202020204" pitchFamily="34" charset="0"/>
-              <a:buChar char="•"/>
-              <a:defRPr sz="1800" kern="1200">
-                <a:solidFill>
-                  <a:schemeClr val="tx1"/>
-                </a:solidFill>
-                <a:latin typeface="+mn-lt"/>
-                <a:ea typeface="+mn-ea"/>
-                <a:cs typeface="+mn-cs"/>
-              </a:defRPr>
-            </a:lvl5pPr>
-            <a:lvl6pPr marL="2514600" indent="-228600" algn="l" defTabSz="914400" rtl="0" eaLnBrk="1" latinLnBrk="0" hangingPunct="1">
-              <a:lnSpc>
-                <a:spcPct val="90000"/>
-              </a:lnSpc>
-              <a:spcBef>
-                <a:spcPts val="500"/>
-              </a:spcBef>
-              <a:buFont typeface="Arial" panose="020B0604020202020204" pitchFamily="34" charset="0"/>
-              <a:buChar char="•"/>
-              <a:defRPr sz="1800" kern="1200">
-                <a:solidFill>
-                  <a:schemeClr val="tx1"/>
-                </a:solidFill>
-                <a:latin typeface="+mn-lt"/>
-                <a:ea typeface="+mn-ea"/>
-                <a:cs typeface="+mn-cs"/>
-              </a:defRPr>
-            </a:lvl6pPr>
-            <a:lvl7pPr marL="2971800" indent="-228600" algn="l" defTabSz="914400" rtl="0" eaLnBrk="1" latinLnBrk="0" hangingPunct="1">
-              <a:lnSpc>
-                <a:spcPct val="90000"/>
-              </a:lnSpc>
-              <a:spcBef>
-                <a:spcPts val="500"/>
-              </a:spcBef>
-              <a:buFont typeface="Arial" panose="020B0604020202020204" pitchFamily="34" charset="0"/>
-              <a:buChar char="•"/>
-              <a:defRPr sz="1800" kern="1200">
-                <a:solidFill>
-                  <a:schemeClr val="tx1"/>
-                </a:solidFill>
-                <a:latin typeface="+mn-lt"/>
-                <a:ea typeface="+mn-ea"/>
-                <a:cs typeface="+mn-cs"/>
-              </a:defRPr>
-            </a:lvl7pPr>
-            <a:lvl8pPr marL="3429000" indent="-228600" algn="l" defTabSz="914400" rtl="0" eaLnBrk="1" latinLnBrk="0" hangingPunct="1">
-              <a:lnSpc>
-                <a:spcPct val="90000"/>
-              </a:lnSpc>
-              <a:spcBef>
-                <a:spcPts val="500"/>
-              </a:spcBef>
-              <a:buFont typeface="Arial" panose="020B0604020202020204" pitchFamily="34" charset="0"/>
-              <a:buChar char="•"/>
-              <a:defRPr sz="1800" kern="1200">
-                <a:solidFill>
-                  <a:schemeClr val="tx1"/>
-                </a:solidFill>
-                <a:latin typeface="+mn-lt"/>
-                <a:ea typeface="+mn-ea"/>
-                <a:cs typeface="+mn-cs"/>
-              </a:defRPr>
-            </a:lvl8pPr>
-            <a:lvl9pPr marL="3886200" indent="-228600" algn="l" defTabSz="914400" rtl="0" eaLnBrk="1" latinLnBrk="0" hangingPunct="1">
-              <a:lnSpc>
-                <a:spcPct val="90000"/>
-              </a:lnSpc>
-              <a:spcBef>
-                <a:spcPts val="500"/>
-              </a:spcBef>
-              <a:buFont typeface="Arial" panose="020B0604020202020204" pitchFamily="34" charset="0"/>
-              <a:buChar char="•"/>
-              <a:defRPr sz="1800" kern="1200">
-                <a:solidFill>
-                  <a:schemeClr val="tx1"/>
-                </a:solidFill>
-                <a:latin typeface="+mn-lt"/>
-                <a:ea typeface="+mn-ea"/>
-                <a:cs typeface="+mn-cs"/>
-              </a:defRPr>
-            </a:lvl9pPr>
-          </a:lstStyle>
-          <a:p>
-            <a:pPr marL="0" indent="0">
-              <a:buNone/>
-            </a:pPr>
-            <a:r>
-              <a:rPr lang="en-US" sz="2000" noProof="0" dirty="0">
-                <a:latin typeface="Bahnschrift SemiCondensed" panose="020B0502040204020203" pitchFamily="34" charset="0"/>
-              </a:rPr>
-              <a:t>Using the fact that      and    can be represented by MPOs with bond dimension 4 and 1, respectively, we represent                  with an MPO with bond dim. 5</a:t>
-            </a:r>
-          </a:p>
-        </p:txBody>
-      </p:sp>
-      <p:pic>
-        <p:nvPicPr>
-          <p:cNvPr id="15" name="Picture 14" descr="\documentclass{article}&#10;\usepackage{amsmath}&#10;\pagestyle{empty}&#10;\begin{document}&#10;&#10;$\hat{H}$&#10;&#10;&#10;\end{document}" title="IguanaTex Picture Display">
-            <a:extLst>
-              <a:ext uri="{FF2B5EF4-FFF2-40B4-BE49-F238E27FC236}">
-                <a16:creationId xmlns:a16="http://schemas.microsoft.com/office/drawing/2014/main" id="{AE17548D-126D-CC51-4A9D-BBAC4AFC0A80}"/>
-              </a:ext>
-            </a:extLst>
-          </p:cNvPr>
-          <p:cNvPicPr>
-            <a:picLocks noChangeAspect="1"/>
-          </p:cNvPicPr>
-          <p:nvPr>
-            <p:custDataLst>
-              <p:tags r:id="rId6"/>
-            </p:custDataLst>
-          </p:nvPr>
-        </p:nvPicPr>
-        <p:blipFill>
-          <a:blip r:embed="rId19">
-            <a:extLst>
-              <a:ext uri="{28A0092B-C50C-407E-A947-70E740481C1C}">
-                <a14:useLocalDpi xmlns:a14="http://schemas.microsoft.com/office/drawing/2010/main" val="0"/>
-              </a:ext>
-            </a:extLst>
-          </a:blip>
-          <a:stretch>
-            <a:fillRect/>
-          </a:stretch>
-        </p:blipFill>
-        <p:spPr>
-          <a:xfrm>
-            <a:off x="3375190" y="5832041"/>
-            <a:ext cx="214857" cy="239238"/>
-          </a:xfrm>
-          <a:prstGeom prst="rect">
-            <a:avLst/>
-          </a:prstGeom>
-        </p:spPr>
-      </p:pic>
-      <p:pic>
-        <p:nvPicPr>
-          <p:cNvPr id="17" name="Picture 16" descr="\documentclass{article}&#10;\usepackage{amsmath}&#10;\usepackage{bbold}&#10;\pagestyle{empty}&#10;\begin{document}&#10;&#10;$\hat{\mathbb{1}}$&#10;&#10;\end{document}" title="IguanaTex Picture Display">
-            <a:extLst>
-              <a:ext uri="{FF2B5EF4-FFF2-40B4-BE49-F238E27FC236}">
-                <a16:creationId xmlns:a16="http://schemas.microsoft.com/office/drawing/2014/main" id="{73BE6A28-7B1F-673D-B344-A1A1E59AE178}"/>
-              </a:ext>
-            </a:extLst>
-          </p:cNvPr>
-          <p:cNvPicPr>
-            <a:picLocks noChangeAspect="1"/>
-          </p:cNvPicPr>
-          <p:nvPr>
-            <p:custDataLst>
-              <p:tags r:id="rId7"/>
-            </p:custDataLst>
-          </p:nvPr>
-        </p:nvPicPr>
-        <p:blipFill>
-          <a:blip r:embed="rId20">
-            <a:extLst>
-              <a:ext uri="{28A0092B-C50C-407E-A947-70E740481C1C}">
-                <a14:useLocalDpi xmlns:a14="http://schemas.microsoft.com/office/drawing/2010/main" val="0"/>
-              </a:ext>
-            </a:extLst>
-          </a:blip>
-          <a:stretch>
-            <a:fillRect/>
-          </a:stretch>
-        </p:blipFill>
-        <p:spPr>
-          <a:xfrm>
-            <a:off x="4110346" y="5841184"/>
-            <a:ext cx="112762" cy="230095"/>
-          </a:xfrm>
-          <a:prstGeom prst="rect">
-            <a:avLst/>
-          </a:prstGeom>
-        </p:spPr>
-      </p:pic>
-      <p:pic>
-        <p:nvPicPr>
-          <p:cNvPr id="21" name="Picture 20" descr="\documentclass{article}&#10;\usepackage{amsmath}&#10;\usepackage{bbold}&#10;\pagestyle{empty}&#10;\begin{document}&#10;&#10;$\hat{\mathbb{1}} - \beta_0 \hat{H}$&#10;&#10;\end{document}" title="IguanaTex Picture Display">
-            <a:extLst>
-              <a:ext uri="{FF2B5EF4-FFF2-40B4-BE49-F238E27FC236}">
-                <a16:creationId xmlns:a16="http://schemas.microsoft.com/office/drawing/2014/main" id="{6713ED5A-79E5-D2D0-0D00-42D463999457}"/>
-              </a:ext>
-            </a:extLst>
-          </p:cNvPr>
-          <p:cNvPicPr>
-            <a:picLocks noChangeAspect="1"/>
-          </p:cNvPicPr>
-          <p:nvPr>
-            <p:custDataLst>
-              <p:tags r:id="rId8"/>
-            </p:custDataLst>
-          </p:nvPr>
-        </p:nvPicPr>
-        <p:blipFill>
-          <a:blip r:embed="rId21">
-            <a:extLst>
-              <a:ext uri="{28A0092B-C50C-407E-A947-70E740481C1C}">
-                <a14:useLocalDpi xmlns:a14="http://schemas.microsoft.com/office/drawing/2010/main" val="0"/>
-              </a:ext>
-            </a:extLst>
-          </a:blip>
-          <a:stretch>
-            <a:fillRect/>
-          </a:stretch>
-        </p:blipFill>
-        <p:spPr>
-          <a:xfrm>
-            <a:off x="4990913" y="6109036"/>
-            <a:ext cx="917334" cy="288000"/>
           </a:xfrm>
           <a:prstGeom prst="rect">
             <a:avLst/>
@@ -7854,7 +7314,7 @@
 </p:sld>
 </file>
 
-<file path=ppt/slides/slide3.xml><?xml version="1.0" encoding="utf-8"?>
+<file path=ppt/slides/slide4.xml><?xml version="1.0" encoding="utf-8"?>
 <p:sld xmlns:a="http://schemas.openxmlformats.org/drawingml/2006/main" xmlns:r="http://schemas.openxmlformats.org/officeDocument/2006/relationships" xmlns:p="http://schemas.openxmlformats.org/presentationml/2006/main">
   <p:cSld>
     <p:spTree>
@@ -7903,12 +7363,12 @@
           <a:graphicData uri="http://schemas.openxmlformats.org/presentationml/2006/ole">
             <mc:AlternateContent xmlns:mc="http://schemas.openxmlformats.org/markup-compatibility/2006">
               <mc:Choice xmlns:v="urn:schemas-microsoft-com:vml" Requires="v">
-                <p:oleObj name="think-cell Slide" r:id="rId7" imgW="479" imgH="478" progId="TCLayout.ActiveDocument.1">
+                <p:oleObj name="think-cell Slide" r:id="rId12" imgW="479" imgH="478" progId="TCLayout.ActiveDocument.1">
                   <p:embed/>
                 </p:oleObj>
               </mc:Choice>
               <mc:Fallback>
-                <p:oleObj name="think-cell Slide" r:id="rId7" imgW="479" imgH="478" progId="TCLayout.ActiveDocument.1">
+                <p:oleObj name="think-cell Slide" r:id="rId12" imgW="479" imgH="478" progId="TCLayout.ActiveDocument.1">
                   <p:embed/>
                   <p:pic>
                     <p:nvPicPr>
@@ -7923,7 +7383,7 @@
                       <p:nvPr/>
                     </p:nvPicPr>
                     <p:blipFill>
-                      <a:blip r:embed="rId8"/>
+                      <a:blip r:embed="rId13"/>
                       <a:stretch>
                         <a:fillRect/>
                       </a:stretch>
@@ -7981,7 +7441,7 @@
                 </a:solidFill>
                 <a:latin typeface="Bahnschrift SemiCondensed" panose="020B0502040204020203" pitchFamily="34" charset="0"/>
               </a:rPr>
-              <a:t>02</a:t>
+              <a:t>03</a:t>
             </a:r>
           </a:p>
         </p:txBody>
@@ -8632,7 +8092,7 @@
           </p:nvPr>
         </p:nvPicPr>
         <p:blipFill>
-          <a:blip r:embed="rId9">
+          <a:blip r:embed="rId14">
             <a:extLst>
               <a:ext uri="{28A0092B-C50C-407E-A947-70E740481C1C}">
                 <a14:useLocalDpi xmlns:a14="http://schemas.microsoft.com/office/drawing/2010/main" val="0"/>
@@ -8672,7 +8132,7 @@
           </p:nvPr>
         </p:nvPicPr>
         <p:blipFill>
-          <a:blip r:embed="rId10">
+          <a:blip r:embed="rId15">
             <a:extLst>
               <a:ext uri="{28A0092B-C50C-407E-A947-70E740481C1C}">
                 <a14:useLocalDpi xmlns:a14="http://schemas.microsoft.com/office/drawing/2010/main" val="0"/>
@@ -8892,17 +8352,8 @@
               <a:rPr lang="en-US" sz="2000" noProof="0" dirty="0">
                 <a:latin typeface="Bahnschrift SemiCondensed" panose="020B0502040204020203" pitchFamily="34" charset="0"/>
               </a:rPr>
-              <a:t>We start from the high-temperature state       , and iteratively halve the temperature. We do the square using the MPO representation of the thermal states. Squaring MPOs implies squaring their bond dimension, too. This calls for a truncation </a:t>
+              <a:t>We start from the high-temperature state       , and iteratively halve the temperature. We do the square using the MPO representation of the thermal states. Squaring MPOs implies squaring their bond dimension, too. This calls for a truncation scheme.</a:t>
             </a:r>
-            <a:r>
-              <a:rPr lang="en-US" sz="2000" noProof="0">
-                <a:latin typeface="Bahnschrift SemiCondensed" panose="020B0502040204020203" pitchFamily="34" charset="0"/>
-              </a:rPr>
-              <a:t>scheme.</a:t>
-            </a:r>
-            <a:endParaRPr lang="en-US" sz="2000" noProof="0" dirty="0">
-              <a:latin typeface="Bahnschrift SemiCondensed" panose="020B0502040204020203" pitchFamily="34" charset="0"/>
-            </a:endParaRPr>
           </a:p>
         </p:txBody>
       </p:sp>
@@ -8925,7 +8376,7 @@
           </p:nvPr>
         </p:nvPicPr>
         <p:blipFill>
-          <a:blip r:embed="rId11">
+          <a:blip r:embed="rId16">
             <a:extLst>
               <a:ext uri="{28A0092B-C50C-407E-A947-70E740481C1C}">
                 <a14:useLocalDpi xmlns:a14="http://schemas.microsoft.com/office/drawing/2010/main" val="0"/>
@@ -9164,6 +8615,615 @@
           </a:p>
         </p:txBody>
       </p:sp>
+      <p:sp>
+        <p:nvSpPr>
+          <p:cNvPr id="3" name="Untertitel 2 6">
+            <a:extLst>
+              <a:ext uri="{FF2B5EF4-FFF2-40B4-BE49-F238E27FC236}">
+                <a16:creationId xmlns:a16="http://schemas.microsoft.com/office/drawing/2014/main" id="{385898AF-B955-5739-FC5A-7DDDCDA57CCE}"/>
+              </a:ext>
+            </a:extLst>
+          </p:cNvPr>
+          <p:cNvSpPr txBox="1">
+            <a:spLocks/>
+          </p:cNvSpPr>
+          <p:nvPr/>
+        </p:nvSpPr>
+        <p:spPr>
+          <a:xfrm>
+            <a:off x="1412049" y="4710515"/>
+            <a:ext cx="9759159" cy="747704"/>
+          </a:xfrm>
+          <a:prstGeom prst="rect">
+            <a:avLst/>
+          </a:prstGeom>
+        </p:spPr>
+        <p:txBody>
+          <a:bodyPr vert="horz" lIns="91440" tIns="45720" rIns="91440" bIns="45720" rtlCol="0">
+            <a:normAutofit/>
+          </a:bodyPr>
+          <a:lstStyle>
+            <a:lvl1pPr marL="228600" indent="-228600" algn="l" defTabSz="914400" rtl="0" eaLnBrk="1" latinLnBrk="0" hangingPunct="1">
+              <a:lnSpc>
+                <a:spcPct val="90000"/>
+              </a:lnSpc>
+              <a:spcBef>
+                <a:spcPts val="1000"/>
+              </a:spcBef>
+              <a:buFont typeface="Arial" panose="020B0604020202020204" pitchFamily="34" charset="0"/>
+              <a:buChar char="•"/>
+              <a:defRPr sz="2800" kern="1200">
+                <a:solidFill>
+                  <a:schemeClr val="tx1"/>
+                </a:solidFill>
+                <a:latin typeface="+mn-lt"/>
+                <a:ea typeface="+mn-ea"/>
+                <a:cs typeface="+mn-cs"/>
+              </a:defRPr>
+            </a:lvl1pPr>
+            <a:lvl2pPr marL="685800" indent="-228600" algn="l" defTabSz="914400" rtl="0" eaLnBrk="1" latinLnBrk="0" hangingPunct="1">
+              <a:lnSpc>
+                <a:spcPct val="90000"/>
+              </a:lnSpc>
+              <a:spcBef>
+                <a:spcPts val="500"/>
+              </a:spcBef>
+              <a:buFont typeface="Arial" panose="020B0604020202020204" pitchFamily="34" charset="0"/>
+              <a:buChar char="•"/>
+              <a:defRPr sz="2400" kern="1200">
+                <a:solidFill>
+                  <a:schemeClr val="tx1"/>
+                </a:solidFill>
+                <a:latin typeface="+mn-lt"/>
+                <a:ea typeface="+mn-ea"/>
+                <a:cs typeface="+mn-cs"/>
+              </a:defRPr>
+            </a:lvl2pPr>
+            <a:lvl3pPr marL="1143000" indent="-228600" algn="l" defTabSz="914400" rtl="0" eaLnBrk="1" latinLnBrk="0" hangingPunct="1">
+              <a:lnSpc>
+                <a:spcPct val="90000"/>
+              </a:lnSpc>
+              <a:spcBef>
+                <a:spcPts val="500"/>
+              </a:spcBef>
+              <a:buFont typeface="Arial" panose="020B0604020202020204" pitchFamily="34" charset="0"/>
+              <a:buChar char="•"/>
+              <a:defRPr sz="2000" kern="1200">
+                <a:solidFill>
+                  <a:schemeClr val="tx1"/>
+                </a:solidFill>
+                <a:latin typeface="+mn-lt"/>
+                <a:ea typeface="+mn-ea"/>
+                <a:cs typeface="+mn-cs"/>
+              </a:defRPr>
+            </a:lvl3pPr>
+            <a:lvl4pPr marL="1600200" indent="-228600" algn="l" defTabSz="914400" rtl="0" eaLnBrk="1" latinLnBrk="0" hangingPunct="1">
+              <a:lnSpc>
+                <a:spcPct val="90000"/>
+              </a:lnSpc>
+              <a:spcBef>
+                <a:spcPts val="500"/>
+              </a:spcBef>
+              <a:buFont typeface="Arial" panose="020B0604020202020204" pitchFamily="34" charset="0"/>
+              <a:buChar char="•"/>
+              <a:defRPr sz="1800" kern="1200">
+                <a:solidFill>
+                  <a:schemeClr val="tx1"/>
+                </a:solidFill>
+                <a:latin typeface="+mn-lt"/>
+                <a:ea typeface="+mn-ea"/>
+                <a:cs typeface="+mn-cs"/>
+              </a:defRPr>
+            </a:lvl4pPr>
+            <a:lvl5pPr marL="2057400" indent="-228600" algn="l" defTabSz="914400" rtl="0" eaLnBrk="1" latinLnBrk="0" hangingPunct="1">
+              <a:lnSpc>
+                <a:spcPct val="90000"/>
+              </a:lnSpc>
+              <a:spcBef>
+                <a:spcPts val="500"/>
+              </a:spcBef>
+              <a:buFont typeface="Arial" panose="020B0604020202020204" pitchFamily="34" charset="0"/>
+              <a:buChar char="•"/>
+              <a:defRPr sz="1800" kern="1200">
+                <a:solidFill>
+                  <a:schemeClr val="tx1"/>
+                </a:solidFill>
+                <a:latin typeface="+mn-lt"/>
+                <a:ea typeface="+mn-ea"/>
+                <a:cs typeface="+mn-cs"/>
+              </a:defRPr>
+            </a:lvl5pPr>
+            <a:lvl6pPr marL="2514600" indent="-228600" algn="l" defTabSz="914400" rtl="0" eaLnBrk="1" latinLnBrk="0" hangingPunct="1">
+              <a:lnSpc>
+                <a:spcPct val="90000"/>
+              </a:lnSpc>
+              <a:spcBef>
+                <a:spcPts val="500"/>
+              </a:spcBef>
+              <a:buFont typeface="Arial" panose="020B0604020202020204" pitchFamily="34" charset="0"/>
+              <a:buChar char="•"/>
+              <a:defRPr sz="1800" kern="1200">
+                <a:solidFill>
+                  <a:schemeClr val="tx1"/>
+                </a:solidFill>
+                <a:latin typeface="+mn-lt"/>
+                <a:ea typeface="+mn-ea"/>
+                <a:cs typeface="+mn-cs"/>
+              </a:defRPr>
+            </a:lvl6pPr>
+            <a:lvl7pPr marL="2971800" indent="-228600" algn="l" defTabSz="914400" rtl="0" eaLnBrk="1" latinLnBrk="0" hangingPunct="1">
+              <a:lnSpc>
+                <a:spcPct val="90000"/>
+              </a:lnSpc>
+              <a:spcBef>
+                <a:spcPts val="500"/>
+              </a:spcBef>
+              <a:buFont typeface="Arial" panose="020B0604020202020204" pitchFamily="34" charset="0"/>
+              <a:buChar char="•"/>
+              <a:defRPr sz="1800" kern="1200">
+                <a:solidFill>
+                  <a:schemeClr val="tx1"/>
+                </a:solidFill>
+                <a:latin typeface="+mn-lt"/>
+                <a:ea typeface="+mn-ea"/>
+                <a:cs typeface="+mn-cs"/>
+              </a:defRPr>
+            </a:lvl7pPr>
+            <a:lvl8pPr marL="3429000" indent="-228600" algn="l" defTabSz="914400" rtl="0" eaLnBrk="1" latinLnBrk="0" hangingPunct="1">
+              <a:lnSpc>
+                <a:spcPct val="90000"/>
+              </a:lnSpc>
+              <a:spcBef>
+                <a:spcPts val="500"/>
+              </a:spcBef>
+              <a:buFont typeface="Arial" panose="020B0604020202020204" pitchFamily="34" charset="0"/>
+              <a:buChar char="•"/>
+              <a:defRPr sz="1800" kern="1200">
+                <a:solidFill>
+                  <a:schemeClr val="tx1"/>
+                </a:solidFill>
+                <a:latin typeface="+mn-lt"/>
+                <a:ea typeface="+mn-ea"/>
+                <a:cs typeface="+mn-cs"/>
+              </a:defRPr>
+            </a:lvl8pPr>
+            <a:lvl9pPr marL="3886200" indent="-228600" algn="l" defTabSz="914400" rtl="0" eaLnBrk="1" latinLnBrk="0" hangingPunct="1">
+              <a:lnSpc>
+                <a:spcPct val="90000"/>
+              </a:lnSpc>
+              <a:spcBef>
+                <a:spcPts val="500"/>
+              </a:spcBef>
+              <a:buFont typeface="Arial" panose="020B0604020202020204" pitchFamily="34" charset="0"/>
+              <a:buChar char="•"/>
+              <a:defRPr sz="1800" kern="1200">
+                <a:solidFill>
+                  <a:schemeClr val="tx1"/>
+                </a:solidFill>
+                <a:latin typeface="+mn-lt"/>
+                <a:ea typeface="+mn-ea"/>
+                <a:cs typeface="+mn-cs"/>
+              </a:defRPr>
+            </a:lvl9pPr>
+          </a:lstStyle>
+          <a:p>
+            <a:pPr marL="0" indent="0">
+              <a:buNone/>
+            </a:pPr>
+            <a:r>
+              <a:rPr lang="en-US" sz="2000" noProof="0" dirty="0">
+                <a:latin typeface="Bahnschrift SemiCondensed" panose="020B0502040204020203" pitchFamily="34" charset="0"/>
+              </a:rPr>
+              <a:t>We linearly approximate the (unnormalized) thermal state at high temperature,                   ,  as</a:t>
+            </a:r>
+            <a:endParaRPr lang="en-US" sz="2000" noProof="0" dirty="0"/>
+          </a:p>
+        </p:txBody>
+      </p:sp>
+      <p:pic>
+        <p:nvPicPr>
+          <p:cNvPr id="6" name="Picture 5" descr="\documentclass{article}&#10;\usepackage{amsmath}&#10;\usepackage{bbold}&#10;\pagestyle{empty}&#10;\begin{document}&#10;&#10;$\rho(\beta_0) = \text{e}^{- \beta_0 \hat{H}}\approx \hat{\mathbb{1}} - \beta_0 \hat{H}$&#10;&#10;&#10;\end{document}" title="IguanaTex Picture Display">
+            <a:extLst>
+              <a:ext uri="{FF2B5EF4-FFF2-40B4-BE49-F238E27FC236}">
+                <a16:creationId xmlns:a16="http://schemas.microsoft.com/office/drawing/2014/main" id="{F28F0B9A-D84B-0C4B-C4B5-8E87C411C538}"/>
+              </a:ext>
+            </a:extLst>
+          </p:cNvPr>
+          <p:cNvPicPr>
+            <a:picLocks noChangeAspect="1"/>
+          </p:cNvPicPr>
+          <p:nvPr>
+            <p:custDataLst>
+              <p:tags r:id="rId5"/>
+            </p:custDataLst>
+          </p:nvPr>
+        </p:nvPicPr>
+        <p:blipFill>
+          <a:blip r:embed="rId17">
+            <a:extLst>
+              <a:ext uri="{28A0092B-C50C-407E-A947-70E740481C1C}">
+                <a14:useLocalDpi xmlns:a14="http://schemas.microsoft.com/office/drawing/2010/main" val="0"/>
+              </a:ext>
+            </a:extLst>
+          </a:blip>
+          <a:stretch>
+            <a:fillRect/>
+          </a:stretch>
+        </p:blipFill>
+        <p:spPr>
+          <a:xfrm>
+            <a:off x="4209231" y="5230705"/>
+            <a:ext cx="2858666" cy="324571"/>
+          </a:xfrm>
+          <a:prstGeom prst="rect">
+            <a:avLst/>
+          </a:prstGeom>
+        </p:spPr>
+      </p:pic>
+      <p:pic>
+        <p:nvPicPr>
+          <p:cNvPr id="13" name="Picture 12" descr="\documentclass{article}&#10;\usepackage{amsmath}&#10;\pagestyle{empty}&#10;\begin{document}&#10;&#10;$\beta_0 = 10^{-6}$&#10;&#10;\end{document}" title="IguanaTex Picture Display">
+            <a:extLst>
+              <a:ext uri="{FF2B5EF4-FFF2-40B4-BE49-F238E27FC236}">
+                <a16:creationId xmlns:a16="http://schemas.microsoft.com/office/drawing/2014/main" id="{842B7C67-87EA-AA62-4EEE-458D99106A8C}"/>
+              </a:ext>
+            </a:extLst>
+          </p:cNvPr>
+          <p:cNvPicPr>
+            <a:picLocks noChangeAspect="1"/>
+          </p:cNvPicPr>
+          <p:nvPr>
+            <p:custDataLst>
+              <p:tags r:id="rId6"/>
+            </p:custDataLst>
+          </p:nvPr>
+        </p:nvPicPr>
+        <p:blipFill>
+          <a:blip r:embed="rId18">
+            <a:extLst>
+              <a:ext uri="{28A0092B-C50C-407E-A947-70E740481C1C}">
+                <a14:useLocalDpi xmlns:a14="http://schemas.microsoft.com/office/drawing/2010/main" val="0"/>
+              </a:ext>
+            </a:extLst>
+          </a:blip>
+          <a:stretch>
+            <a:fillRect/>
+          </a:stretch>
+        </p:blipFill>
+        <p:spPr>
+          <a:xfrm>
+            <a:off x="9360856" y="4750134"/>
+            <a:ext cx="1091048" cy="257524"/>
+          </a:xfrm>
+          <a:prstGeom prst="rect">
+            <a:avLst/>
+          </a:prstGeom>
+        </p:spPr>
+      </p:pic>
+      <p:sp>
+        <p:nvSpPr>
+          <p:cNvPr id="7" name="Untertitel 2 3 2">
+            <a:extLst>
+              <a:ext uri="{FF2B5EF4-FFF2-40B4-BE49-F238E27FC236}">
+                <a16:creationId xmlns:a16="http://schemas.microsoft.com/office/drawing/2014/main" id="{452D222A-1577-1AFF-2E59-1E58B5AF8F3A}"/>
+              </a:ext>
+            </a:extLst>
+          </p:cNvPr>
+          <p:cNvSpPr txBox="1">
+            <a:spLocks/>
+          </p:cNvSpPr>
+          <p:nvPr/>
+        </p:nvSpPr>
+        <p:spPr>
+          <a:xfrm>
+            <a:off x="1412048" y="5808199"/>
+            <a:ext cx="8664639" cy="663135"/>
+          </a:xfrm>
+          <a:prstGeom prst="rect">
+            <a:avLst/>
+          </a:prstGeom>
+        </p:spPr>
+        <p:txBody>
+          <a:bodyPr vert="horz" lIns="91440" tIns="45720" rIns="91440" bIns="45720" rtlCol="0">
+            <a:normAutofit/>
+          </a:bodyPr>
+          <a:lstStyle>
+            <a:lvl1pPr marL="228600" indent="-228600" algn="l" defTabSz="914400" rtl="0" eaLnBrk="1" latinLnBrk="0" hangingPunct="1">
+              <a:lnSpc>
+                <a:spcPct val="90000"/>
+              </a:lnSpc>
+              <a:spcBef>
+                <a:spcPts val="1000"/>
+              </a:spcBef>
+              <a:buFont typeface="Arial" panose="020B0604020202020204" pitchFamily="34" charset="0"/>
+              <a:buChar char="•"/>
+              <a:defRPr sz="2800" kern="1200">
+                <a:solidFill>
+                  <a:schemeClr val="tx1"/>
+                </a:solidFill>
+                <a:latin typeface="+mn-lt"/>
+                <a:ea typeface="+mn-ea"/>
+                <a:cs typeface="+mn-cs"/>
+              </a:defRPr>
+            </a:lvl1pPr>
+            <a:lvl2pPr marL="685800" indent="-228600" algn="l" defTabSz="914400" rtl="0" eaLnBrk="1" latinLnBrk="0" hangingPunct="1">
+              <a:lnSpc>
+                <a:spcPct val="90000"/>
+              </a:lnSpc>
+              <a:spcBef>
+                <a:spcPts val="500"/>
+              </a:spcBef>
+              <a:buFont typeface="Arial" panose="020B0604020202020204" pitchFamily="34" charset="0"/>
+              <a:buChar char="•"/>
+              <a:defRPr sz="2400" kern="1200">
+                <a:solidFill>
+                  <a:schemeClr val="tx1"/>
+                </a:solidFill>
+                <a:latin typeface="+mn-lt"/>
+                <a:ea typeface="+mn-ea"/>
+                <a:cs typeface="+mn-cs"/>
+              </a:defRPr>
+            </a:lvl2pPr>
+            <a:lvl3pPr marL="1143000" indent="-228600" algn="l" defTabSz="914400" rtl="0" eaLnBrk="1" latinLnBrk="0" hangingPunct="1">
+              <a:lnSpc>
+                <a:spcPct val="90000"/>
+              </a:lnSpc>
+              <a:spcBef>
+                <a:spcPts val="500"/>
+              </a:spcBef>
+              <a:buFont typeface="Arial" panose="020B0604020202020204" pitchFamily="34" charset="0"/>
+              <a:buChar char="•"/>
+              <a:defRPr sz="2000" kern="1200">
+                <a:solidFill>
+                  <a:schemeClr val="tx1"/>
+                </a:solidFill>
+                <a:latin typeface="+mn-lt"/>
+                <a:ea typeface="+mn-ea"/>
+                <a:cs typeface="+mn-cs"/>
+              </a:defRPr>
+            </a:lvl3pPr>
+            <a:lvl4pPr marL="1600200" indent="-228600" algn="l" defTabSz="914400" rtl="0" eaLnBrk="1" latinLnBrk="0" hangingPunct="1">
+              <a:lnSpc>
+                <a:spcPct val="90000"/>
+              </a:lnSpc>
+              <a:spcBef>
+                <a:spcPts val="500"/>
+              </a:spcBef>
+              <a:buFont typeface="Arial" panose="020B0604020202020204" pitchFamily="34" charset="0"/>
+              <a:buChar char="•"/>
+              <a:defRPr sz="1800" kern="1200">
+                <a:solidFill>
+                  <a:schemeClr val="tx1"/>
+                </a:solidFill>
+                <a:latin typeface="+mn-lt"/>
+                <a:ea typeface="+mn-ea"/>
+                <a:cs typeface="+mn-cs"/>
+              </a:defRPr>
+            </a:lvl4pPr>
+            <a:lvl5pPr marL="2057400" indent="-228600" algn="l" defTabSz="914400" rtl="0" eaLnBrk="1" latinLnBrk="0" hangingPunct="1">
+              <a:lnSpc>
+                <a:spcPct val="90000"/>
+              </a:lnSpc>
+              <a:spcBef>
+                <a:spcPts val="500"/>
+              </a:spcBef>
+              <a:buFont typeface="Arial" panose="020B0604020202020204" pitchFamily="34" charset="0"/>
+              <a:buChar char="•"/>
+              <a:defRPr sz="1800" kern="1200">
+                <a:solidFill>
+                  <a:schemeClr val="tx1"/>
+                </a:solidFill>
+                <a:latin typeface="+mn-lt"/>
+                <a:ea typeface="+mn-ea"/>
+                <a:cs typeface="+mn-cs"/>
+              </a:defRPr>
+            </a:lvl5pPr>
+            <a:lvl6pPr marL="2514600" indent="-228600" algn="l" defTabSz="914400" rtl="0" eaLnBrk="1" latinLnBrk="0" hangingPunct="1">
+              <a:lnSpc>
+                <a:spcPct val="90000"/>
+              </a:lnSpc>
+              <a:spcBef>
+                <a:spcPts val="500"/>
+              </a:spcBef>
+              <a:buFont typeface="Arial" panose="020B0604020202020204" pitchFamily="34" charset="0"/>
+              <a:buChar char="•"/>
+              <a:defRPr sz="1800" kern="1200">
+                <a:solidFill>
+                  <a:schemeClr val="tx1"/>
+                </a:solidFill>
+                <a:latin typeface="+mn-lt"/>
+                <a:ea typeface="+mn-ea"/>
+                <a:cs typeface="+mn-cs"/>
+              </a:defRPr>
+            </a:lvl6pPr>
+            <a:lvl7pPr marL="2971800" indent="-228600" algn="l" defTabSz="914400" rtl="0" eaLnBrk="1" latinLnBrk="0" hangingPunct="1">
+              <a:lnSpc>
+                <a:spcPct val="90000"/>
+              </a:lnSpc>
+              <a:spcBef>
+                <a:spcPts val="500"/>
+              </a:spcBef>
+              <a:buFont typeface="Arial" panose="020B0604020202020204" pitchFamily="34" charset="0"/>
+              <a:buChar char="•"/>
+              <a:defRPr sz="1800" kern="1200">
+                <a:solidFill>
+                  <a:schemeClr val="tx1"/>
+                </a:solidFill>
+                <a:latin typeface="+mn-lt"/>
+                <a:ea typeface="+mn-ea"/>
+                <a:cs typeface="+mn-cs"/>
+              </a:defRPr>
+            </a:lvl7pPr>
+            <a:lvl8pPr marL="3429000" indent="-228600" algn="l" defTabSz="914400" rtl="0" eaLnBrk="1" latinLnBrk="0" hangingPunct="1">
+              <a:lnSpc>
+                <a:spcPct val="90000"/>
+              </a:lnSpc>
+              <a:spcBef>
+                <a:spcPts val="500"/>
+              </a:spcBef>
+              <a:buFont typeface="Arial" panose="020B0604020202020204" pitchFamily="34" charset="0"/>
+              <a:buChar char="•"/>
+              <a:defRPr sz="1800" kern="1200">
+                <a:solidFill>
+                  <a:schemeClr val="tx1"/>
+                </a:solidFill>
+                <a:latin typeface="+mn-lt"/>
+                <a:ea typeface="+mn-ea"/>
+                <a:cs typeface="+mn-cs"/>
+              </a:defRPr>
+            </a:lvl8pPr>
+            <a:lvl9pPr marL="3886200" indent="-228600" algn="l" defTabSz="914400" rtl="0" eaLnBrk="1" latinLnBrk="0" hangingPunct="1">
+              <a:lnSpc>
+                <a:spcPct val="90000"/>
+              </a:lnSpc>
+              <a:spcBef>
+                <a:spcPts val="500"/>
+              </a:spcBef>
+              <a:buFont typeface="Arial" panose="020B0604020202020204" pitchFamily="34" charset="0"/>
+              <a:buChar char="•"/>
+              <a:defRPr sz="1800" kern="1200">
+                <a:solidFill>
+                  <a:schemeClr val="tx1"/>
+                </a:solidFill>
+                <a:latin typeface="+mn-lt"/>
+                <a:ea typeface="+mn-ea"/>
+                <a:cs typeface="+mn-cs"/>
+              </a:defRPr>
+            </a:lvl9pPr>
+          </a:lstStyle>
+          <a:p>
+            <a:pPr marL="0" indent="0">
+              <a:buNone/>
+            </a:pPr>
+            <a:r>
+              <a:rPr lang="en-US" sz="2000" noProof="0" dirty="0">
+                <a:latin typeface="Bahnschrift SemiCondensed" panose="020B0502040204020203" pitchFamily="34" charset="0"/>
+              </a:rPr>
+              <a:t>Using the fact that      and    can be represented by MPOs with bond dimension 4 and 1, respectively, we represent                  with an MPO with bond dimension 5</a:t>
+            </a:r>
+          </a:p>
+        </p:txBody>
+      </p:sp>
+      <p:pic>
+        <p:nvPicPr>
+          <p:cNvPr id="9" name="Picture 8" descr="\documentclass{article}&#10;\usepackage{amsmath}&#10;\pagestyle{empty}&#10;\begin{document}&#10;&#10;$\hat{H}$&#10;&#10;&#10;\end{document}" title="IguanaTex Picture Display">
+            <a:extLst>
+              <a:ext uri="{FF2B5EF4-FFF2-40B4-BE49-F238E27FC236}">
+                <a16:creationId xmlns:a16="http://schemas.microsoft.com/office/drawing/2014/main" id="{AE17548D-126D-CC51-4A9D-BBAC4AFC0A80}"/>
+              </a:ext>
+            </a:extLst>
+          </p:cNvPr>
+          <p:cNvPicPr>
+            <a:picLocks noChangeAspect="1"/>
+          </p:cNvPicPr>
+          <p:nvPr>
+            <p:custDataLst>
+              <p:tags r:id="rId7"/>
+            </p:custDataLst>
+          </p:nvPr>
+        </p:nvPicPr>
+        <p:blipFill>
+          <a:blip r:embed="rId19">
+            <a:extLst>
+              <a:ext uri="{28A0092B-C50C-407E-A947-70E740481C1C}">
+                <a14:useLocalDpi xmlns:a14="http://schemas.microsoft.com/office/drawing/2010/main" val="0"/>
+              </a:ext>
+            </a:extLst>
+          </a:blip>
+          <a:stretch>
+            <a:fillRect/>
+          </a:stretch>
+        </p:blipFill>
+        <p:spPr>
+          <a:xfrm>
+            <a:off x="3375190" y="5832041"/>
+            <a:ext cx="214857" cy="239238"/>
+          </a:xfrm>
+          <a:prstGeom prst="rect">
+            <a:avLst/>
+          </a:prstGeom>
+        </p:spPr>
+      </p:pic>
+      <p:pic>
+        <p:nvPicPr>
+          <p:cNvPr id="17" name="Picture 16" descr="\documentclass{article}&#10;\usepackage{amsmath}&#10;\usepackage{bbold}&#10;\pagestyle{empty}&#10;\begin{document}&#10;&#10;$\hat{\mathbb{1}}$&#10;&#10;\end{document}" title="IguanaTex Picture Display">
+            <a:extLst>
+              <a:ext uri="{FF2B5EF4-FFF2-40B4-BE49-F238E27FC236}">
+                <a16:creationId xmlns:a16="http://schemas.microsoft.com/office/drawing/2014/main" id="{73BE6A28-7B1F-673D-B344-A1A1E59AE178}"/>
+              </a:ext>
+            </a:extLst>
+          </p:cNvPr>
+          <p:cNvPicPr>
+            <a:picLocks noChangeAspect="1"/>
+          </p:cNvPicPr>
+          <p:nvPr>
+            <p:custDataLst>
+              <p:tags r:id="rId8"/>
+            </p:custDataLst>
+          </p:nvPr>
+        </p:nvPicPr>
+        <p:blipFill>
+          <a:blip r:embed="rId20">
+            <a:extLst>
+              <a:ext uri="{28A0092B-C50C-407E-A947-70E740481C1C}">
+                <a14:useLocalDpi xmlns:a14="http://schemas.microsoft.com/office/drawing/2010/main" val="0"/>
+              </a:ext>
+            </a:extLst>
+          </a:blip>
+          <a:stretch>
+            <a:fillRect/>
+          </a:stretch>
+        </p:blipFill>
+        <p:spPr>
+          <a:xfrm>
+            <a:off x="4110346" y="5841184"/>
+            <a:ext cx="112762" cy="230095"/>
+          </a:xfrm>
+          <a:prstGeom prst="rect">
+            <a:avLst/>
+          </a:prstGeom>
+        </p:spPr>
+      </p:pic>
+      <p:pic>
+        <p:nvPicPr>
+          <p:cNvPr id="21" name="Picture 20" descr="\documentclass{article}&#10;\usepackage{amsmath}&#10;\usepackage{bbold}&#10;\pagestyle{empty}&#10;\begin{document}&#10;&#10;$\hat{\mathbb{1}} - \beta_0 \hat{H}$&#10;&#10;\end{document}" title="IguanaTex Picture Display">
+            <a:extLst>
+              <a:ext uri="{FF2B5EF4-FFF2-40B4-BE49-F238E27FC236}">
+                <a16:creationId xmlns:a16="http://schemas.microsoft.com/office/drawing/2014/main" id="{6713ED5A-79E5-D2D0-0D00-42D463999457}"/>
+              </a:ext>
+            </a:extLst>
+          </p:cNvPr>
+          <p:cNvPicPr>
+            <a:picLocks noChangeAspect="1"/>
+          </p:cNvPicPr>
+          <p:nvPr>
+            <p:custDataLst>
+              <p:tags r:id="rId9"/>
+            </p:custDataLst>
+          </p:nvPr>
+        </p:nvPicPr>
+        <p:blipFill>
+          <a:blip r:embed="rId21">
+            <a:extLst>
+              <a:ext uri="{28A0092B-C50C-407E-A947-70E740481C1C}">
+                <a14:useLocalDpi xmlns:a14="http://schemas.microsoft.com/office/drawing/2010/main" val="0"/>
+              </a:ext>
+            </a:extLst>
+          </a:blip>
+          <a:stretch>
+            <a:fillRect/>
+          </a:stretch>
+        </p:blipFill>
+        <p:spPr>
+          <a:xfrm>
+            <a:off x="4223108" y="6127306"/>
+            <a:ext cx="917334" cy="288000"/>
+          </a:xfrm>
+          <a:prstGeom prst="rect">
+            <a:avLst/>
+          </a:prstGeom>
+        </p:spPr>
+      </p:pic>
     </p:spTree>
     <p:extLst>
       <p:ext uri="{BB962C8B-B14F-4D97-AF65-F5344CB8AC3E}">
@@ -9177,18 +9237,12 @@
 </p:sld>
 </file>
 
-<file path=ppt/slides/slide4.xml><?xml version="1.0" encoding="utf-8"?>
+<file path=ppt/slides/slide5.xml><?xml version="1.0" encoding="utf-8"?>
 <p:sld xmlns:a="http://schemas.openxmlformats.org/drawingml/2006/main" xmlns:r="http://schemas.openxmlformats.org/officeDocument/2006/relationships" xmlns:p="http://schemas.openxmlformats.org/presentationml/2006/main">
   <p:cSld>
     <p:spTree>
       <p:nvGrpSpPr>
-        <p:cNvPr id="1" name="">
-          <a:extLst>
-            <a:ext uri="{FF2B5EF4-FFF2-40B4-BE49-F238E27FC236}">
-              <a16:creationId xmlns:a16="http://schemas.microsoft.com/office/drawing/2014/main" id="{392A0C74-C439-C6A0-C6D7-11DDA3F7C48A}"/>
-            </a:ext>
-          </a:extLst>
-        </p:cNvPr>
+        <p:cNvPr id="1" name=""/>
         <p:cNvGrpSpPr/>
         <p:nvPr/>
       </p:nvGrpSpPr>
@@ -9205,7 +9259,7 @@
           <p:cNvPr id="4" name="think-cell data - do not delete" hidden="1">
             <a:extLst>
               <a:ext uri="{FF2B5EF4-FFF2-40B4-BE49-F238E27FC236}">
-                <a16:creationId xmlns:a16="http://schemas.microsoft.com/office/drawing/2014/main" id="{D81714C8-D8E3-1DA1-7947-4B37FF3CC52D}"/>
+                <a16:creationId xmlns:a16="http://schemas.microsoft.com/office/drawing/2014/main" id="{52C2753E-7B0E-1B84-2E81-BD8196B47D7D}"/>
               </a:ext>
             </a:extLst>
           </p:cNvPr>
@@ -9216,6 +9270,11 @@
             <p:custDataLst>
               <p:tags r:id="rId1"/>
             </p:custDataLst>
+            <p:extLst>
+              <p:ext uri="{D42A27DB-BD31-4B8C-83A1-F6EECF244321}">
+                <p14:modId xmlns:p14="http://schemas.microsoft.com/office/powerpoint/2010/main" val="1421727499"/>
+              </p:ext>
+            </p:extLst>
           </p:nvPr>
         </p:nvGraphicFramePr>
         <p:xfrm>
@@ -9226,27 +9285,21 @@
           <a:graphicData uri="http://schemas.openxmlformats.org/presentationml/2006/ole">
             <mc:AlternateContent xmlns:mc="http://schemas.openxmlformats.org/markup-compatibility/2006">
               <mc:Choice xmlns:v="urn:schemas-microsoft-com:vml" Requires="v">
-                <p:oleObj name="think-cell Slide" r:id="rId5" imgW="479" imgH="478" progId="TCLayout.ActiveDocument.1">
+                <p:oleObj name="think-cell Slide" r:id="rId3" imgW="479" imgH="478" progId="TCLayout.ActiveDocument.1">
                   <p:embed/>
                 </p:oleObj>
               </mc:Choice>
               <mc:Fallback>
-                <p:oleObj name="think-cell Slide" r:id="rId5" imgW="479" imgH="478" progId="TCLayout.ActiveDocument.1">
+                <p:oleObj name="think-cell Slide" r:id="rId3" imgW="479" imgH="478" progId="TCLayout.ActiveDocument.1">
                   <p:embed/>
                   <p:pic>
                     <p:nvPicPr>
-                      <p:cNvPr id="4" name="think-cell data - do not delete" hidden="1">
-                        <a:extLst>
-                          <a:ext uri="{FF2B5EF4-FFF2-40B4-BE49-F238E27FC236}">
-                            <a16:creationId xmlns:a16="http://schemas.microsoft.com/office/drawing/2014/main" id="{2DFD4C12-768C-FED4-1BAB-369797ADB58E}"/>
-                          </a:ext>
-                        </a:extLst>
-                      </p:cNvPr>
+                      <p:cNvPr id="0" name=""/>
                       <p:cNvPicPr/>
                       <p:nvPr/>
                     </p:nvPicPr>
                     <p:blipFill>
-                      <a:blip r:embed="rId6"/>
+                      <a:blip r:embed="rId4"/>
                       <a:stretch>
                         <a:fillRect/>
                       </a:stretch>
@@ -9269,10 +9322,467 @@
       </p:graphicFrame>
       <p:sp>
         <p:nvSpPr>
-          <p:cNvPr id="5" name="Textfeld 15">
-            <a:extLst>
-              <a:ext uri="{FF2B5EF4-FFF2-40B4-BE49-F238E27FC236}">
-                <a16:creationId xmlns:a16="http://schemas.microsoft.com/office/drawing/2014/main" id="{AA37D88A-3F36-AFFF-6FAA-4EBDCAF273DE}"/>
+          <p:cNvPr id="5" name="Untertitel 2 1">
+            <a:extLst>
+              <a:ext uri="{FF2B5EF4-FFF2-40B4-BE49-F238E27FC236}">
+                <a16:creationId xmlns:a16="http://schemas.microsoft.com/office/drawing/2014/main" id="{9F53687F-7E40-9D44-E4AC-ABDAFB092EFC}"/>
+              </a:ext>
+            </a:extLst>
+          </p:cNvPr>
+          <p:cNvSpPr txBox="1">
+            <a:spLocks/>
+          </p:cNvSpPr>
+          <p:nvPr/>
+        </p:nvSpPr>
+        <p:spPr>
+          <a:xfrm>
+            <a:off x="1774762" y="646633"/>
+            <a:ext cx="8777414" cy="995841"/>
+          </a:xfrm>
+          <a:prstGeom prst="rect">
+            <a:avLst/>
+          </a:prstGeom>
+        </p:spPr>
+        <p:txBody>
+          <a:bodyPr vert="horz" lIns="91440" tIns="45720" rIns="91440" bIns="45720" rtlCol="0">
+            <a:normAutofit/>
+          </a:bodyPr>
+          <a:lstStyle>
+            <a:lvl1pPr marL="228600" indent="-228600" algn="l" defTabSz="914400" rtl="0" eaLnBrk="1" latinLnBrk="0" hangingPunct="1">
+              <a:lnSpc>
+                <a:spcPct val="90000"/>
+              </a:lnSpc>
+              <a:spcBef>
+                <a:spcPts val="1000"/>
+              </a:spcBef>
+              <a:buFont typeface="Arial" panose="020B0604020202020204" pitchFamily="34" charset="0"/>
+              <a:buChar char="•"/>
+              <a:defRPr sz="2800" kern="1200">
+                <a:solidFill>
+                  <a:schemeClr val="tx1"/>
+                </a:solidFill>
+                <a:latin typeface="+mn-lt"/>
+                <a:ea typeface="+mn-ea"/>
+                <a:cs typeface="+mn-cs"/>
+              </a:defRPr>
+            </a:lvl1pPr>
+            <a:lvl2pPr marL="685800" indent="-228600" algn="l" defTabSz="914400" rtl="0" eaLnBrk="1" latinLnBrk="0" hangingPunct="1">
+              <a:lnSpc>
+                <a:spcPct val="90000"/>
+              </a:lnSpc>
+              <a:spcBef>
+                <a:spcPts val="500"/>
+              </a:spcBef>
+              <a:buFont typeface="Arial" panose="020B0604020202020204" pitchFamily="34" charset="0"/>
+              <a:buChar char="•"/>
+              <a:defRPr sz="2400" kern="1200">
+                <a:solidFill>
+                  <a:schemeClr val="tx1"/>
+                </a:solidFill>
+                <a:latin typeface="+mn-lt"/>
+                <a:ea typeface="+mn-ea"/>
+                <a:cs typeface="+mn-cs"/>
+              </a:defRPr>
+            </a:lvl2pPr>
+            <a:lvl3pPr marL="1143000" indent="-228600" algn="l" defTabSz="914400" rtl="0" eaLnBrk="1" latinLnBrk="0" hangingPunct="1">
+              <a:lnSpc>
+                <a:spcPct val="90000"/>
+              </a:lnSpc>
+              <a:spcBef>
+                <a:spcPts val="500"/>
+              </a:spcBef>
+              <a:buFont typeface="Arial" panose="020B0604020202020204" pitchFamily="34" charset="0"/>
+              <a:buChar char="•"/>
+              <a:defRPr sz="2000" kern="1200">
+                <a:solidFill>
+                  <a:schemeClr val="tx1"/>
+                </a:solidFill>
+                <a:latin typeface="+mn-lt"/>
+                <a:ea typeface="+mn-ea"/>
+                <a:cs typeface="+mn-cs"/>
+              </a:defRPr>
+            </a:lvl3pPr>
+            <a:lvl4pPr marL="1600200" indent="-228600" algn="l" defTabSz="914400" rtl="0" eaLnBrk="1" latinLnBrk="0" hangingPunct="1">
+              <a:lnSpc>
+                <a:spcPct val="90000"/>
+              </a:lnSpc>
+              <a:spcBef>
+                <a:spcPts val="500"/>
+              </a:spcBef>
+              <a:buFont typeface="Arial" panose="020B0604020202020204" pitchFamily="34" charset="0"/>
+              <a:buChar char="•"/>
+              <a:defRPr sz="1800" kern="1200">
+                <a:solidFill>
+                  <a:schemeClr val="tx1"/>
+                </a:solidFill>
+                <a:latin typeface="+mn-lt"/>
+                <a:ea typeface="+mn-ea"/>
+                <a:cs typeface="+mn-cs"/>
+              </a:defRPr>
+            </a:lvl4pPr>
+            <a:lvl5pPr marL="2057400" indent="-228600" algn="l" defTabSz="914400" rtl="0" eaLnBrk="1" latinLnBrk="0" hangingPunct="1">
+              <a:lnSpc>
+                <a:spcPct val="90000"/>
+              </a:lnSpc>
+              <a:spcBef>
+                <a:spcPts val="500"/>
+              </a:spcBef>
+              <a:buFont typeface="Arial" panose="020B0604020202020204" pitchFamily="34" charset="0"/>
+              <a:buChar char="•"/>
+              <a:defRPr sz="1800" kern="1200">
+                <a:solidFill>
+                  <a:schemeClr val="tx1"/>
+                </a:solidFill>
+                <a:latin typeface="+mn-lt"/>
+                <a:ea typeface="+mn-ea"/>
+                <a:cs typeface="+mn-cs"/>
+              </a:defRPr>
+            </a:lvl5pPr>
+            <a:lvl6pPr marL="2514600" indent="-228600" algn="l" defTabSz="914400" rtl="0" eaLnBrk="1" latinLnBrk="0" hangingPunct="1">
+              <a:lnSpc>
+                <a:spcPct val="90000"/>
+              </a:lnSpc>
+              <a:spcBef>
+                <a:spcPts val="500"/>
+              </a:spcBef>
+              <a:buFont typeface="Arial" panose="020B0604020202020204" pitchFamily="34" charset="0"/>
+              <a:buChar char="•"/>
+              <a:defRPr sz="1800" kern="1200">
+                <a:solidFill>
+                  <a:schemeClr val="tx1"/>
+                </a:solidFill>
+                <a:latin typeface="+mn-lt"/>
+                <a:ea typeface="+mn-ea"/>
+                <a:cs typeface="+mn-cs"/>
+              </a:defRPr>
+            </a:lvl6pPr>
+            <a:lvl7pPr marL="2971800" indent="-228600" algn="l" defTabSz="914400" rtl="0" eaLnBrk="1" latinLnBrk="0" hangingPunct="1">
+              <a:lnSpc>
+                <a:spcPct val="90000"/>
+              </a:lnSpc>
+              <a:spcBef>
+                <a:spcPts val="500"/>
+              </a:spcBef>
+              <a:buFont typeface="Arial" panose="020B0604020202020204" pitchFamily="34" charset="0"/>
+              <a:buChar char="•"/>
+              <a:defRPr sz="1800" kern="1200">
+                <a:solidFill>
+                  <a:schemeClr val="tx1"/>
+                </a:solidFill>
+                <a:latin typeface="+mn-lt"/>
+                <a:ea typeface="+mn-ea"/>
+                <a:cs typeface="+mn-cs"/>
+              </a:defRPr>
+            </a:lvl7pPr>
+            <a:lvl8pPr marL="3429000" indent="-228600" algn="l" defTabSz="914400" rtl="0" eaLnBrk="1" latinLnBrk="0" hangingPunct="1">
+              <a:lnSpc>
+                <a:spcPct val="90000"/>
+              </a:lnSpc>
+              <a:spcBef>
+                <a:spcPts val="500"/>
+              </a:spcBef>
+              <a:buFont typeface="Arial" panose="020B0604020202020204" pitchFamily="34" charset="0"/>
+              <a:buChar char="•"/>
+              <a:defRPr sz="1800" kern="1200">
+                <a:solidFill>
+                  <a:schemeClr val="tx1"/>
+                </a:solidFill>
+                <a:latin typeface="+mn-lt"/>
+                <a:ea typeface="+mn-ea"/>
+                <a:cs typeface="+mn-cs"/>
+              </a:defRPr>
+            </a:lvl8pPr>
+            <a:lvl9pPr marL="3886200" indent="-228600" algn="l" defTabSz="914400" rtl="0" eaLnBrk="1" latinLnBrk="0" hangingPunct="1">
+              <a:lnSpc>
+                <a:spcPct val="90000"/>
+              </a:lnSpc>
+              <a:spcBef>
+                <a:spcPts val="500"/>
+              </a:spcBef>
+              <a:buFont typeface="Arial" panose="020B0604020202020204" pitchFamily="34" charset="0"/>
+              <a:buChar char="•"/>
+              <a:defRPr sz="1800" kern="1200">
+                <a:solidFill>
+                  <a:schemeClr val="tx1"/>
+                </a:solidFill>
+                <a:latin typeface="+mn-lt"/>
+                <a:ea typeface="+mn-ea"/>
+                <a:cs typeface="+mn-cs"/>
+              </a:defRPr>
+            </a:lvl9pPr>
+          </a:lstStyle>
+          <a:p>
+            <a:pPr marL="0" indent="0" algn="ctr">
+              <a:buNone/>
+            </a:pPr>
+            <a:r>
+              <a:rPr lang="en-US" sz="3200" noProof="0" dirty="0">
+                <a:latin typeface="Bahnschrift SemiCondensed" panose="020B0502040204020203" pitchFamily="34" charset="0"/>
+              </a:rPr>
+              <a:t>Literature References</a:t>
+            </a:r>
+            <a:endParaRPr lang="en-US" sz="3200" noProof="0" dirty="0"/>
+          </a:p>
+        </p:txBody>
+      </p:sp>
+      <p:sp>
+        <p:nvSpPr>
+          <p:cNvPr id="6" name="Untertitel 2 3">
+            <a:extLst>
+              <a:ext uri="{FF2B5EF4-FFF2-40B4-BE49-F238E27FC236}">
+                <a16:creationId xmlns:a16="http://schemas.microsoft.com/office/drawing/2014/main" id="{3014D1B9-5DE6-F701-5457-3DA75CED1AD7}"/>
+              </a:ext>
+            </a:extLst>
+          </p:cNvPr>
+          <p:cNvSpPr txBox="1">
+            <a:spLocks/>
+          </p:cNvSpPr>
+          <p:nvPr/>
+        </p:nvSpPr>
+        <p:spPr>
+          <a:xfrm>
+            <a:off x="488399" y="1573379"/>
+            <a:ext cx="11289073" cy="740855"/>
+          </a:xfrm>
+          <a:prstGeom prst="rect">
+            <a:avLst/>
+          </a:prstGeom>
+        </p:spPr>
+        <p:txBody>
+          <a:bodyPr vert="horz" lIns="91440" tIns="45720" rIns="91440" bIns="45720" rtlCol="0">
+            <a:noAutofit/>
+          </a:bodyPr>
+          <a:lstStyle>
+            <a:lvl1pPr marL="228600" indent="-228600" algn="l" defTabSz="914400" rtl="0" eaLnBrk="1" latinLnBrk="0" hangingPunct="1">
+              <a:lnSpc>
+                <a:spcPct val="90000"/>
+              </a:lnSpc>
+              <a:spcBef>
+                <a:spcPts val="1000"/>
+              </a:spcBef>
+              <a:buFont typeface="Arial" panose="020B0604020202020204" pitchFamily="34" charset="0"/>
+              <a:buChar char="•"/>
+              <a:defRPr sz="2800" kern="1200">
+                <a:solidFill>
+                  <a:schemeClr val="tx1"/>
+                </a:solidFill>
+                <a:latin typeface="+mn-lt"/>
+                <a:ea typeface="+mn-ea"/>
+                <a:cs typeface="+mn-cs"/>
+              </a:defRPr>
+            </a:lvl1pPr>
+            <a:lvl2pPr marL="685800" indent="-228600" algn="l" defTabSz="914400" rtl="0" eaLnBrk="1" latinLnBrk="0" hangingPunct="1">
+              <a:lnSpc>
+                <a:spcPct val="90000"/>
+              </a:lnSpc>
+              <a:spcBef>
+                <a:spcPts val="500"/>
+              </a:spcBef>
+              <a:buFont typeface="Arial" panose="020B0604020202020204" pitchFamily="34" charset="0"/>
+              <a:buChar char="•"/>
+              <a:defRPr sz="2400" kern="1200">
+                <a:solidFill>
+                  <a:schemeClr val="tx1"/>
+                </a:solidFill>
+                <a:latin typeface="+mn-lt"/>
+                <a:ea typeface="+mn-ea"/>
+                <a:cs typeface="+mn-cs"/>
+              </a:defRPr>
+            </a:lvl2pPr>
+            <a:lvl3pPr marL="1143000" indent="-228600" algn="l" defTabSz="914400" rtl="0" eaLnBrk="1" latinLnBrk="0" hangingPunct="1">
+              <a:lnSpc>
+                <a:spcPct val="90000"/>
+              </a:lnSpc>
+              <a:spcBef>
+                <a:spcPts val="500"/>
+              </a:spcBef>
+              <a:buFont typeface="Arial" panose="020B0604020202020204" pitchFamily="34" charset="0"/>
+              <a:buChar char="•"/>
+              <a:defRPr sz="2000" kern="1200">
+                <a:solidFill>
+                  <a:schemeClr val="tx1"/>
+                </a:solidFill>
+                <a:latin typeface="+mn-lt"/>
+                <a:ea typeface="+mn-ea"/>
+                <a:cs typeface="+mn-cs"/>
+              </a:defRPr>
+            </a:lvl3pPr>
+            <a:lvl4pPr marL="1600200" indent="-228600" algn="l" defTabSz="914400" rtl="0" eaLnBrk="1" latinLnBrk="0" hangingPunct="1">
+              <a:lnSpc>
+                <a:spcPct val="90000"/>
+              </a:lnSpc>
+              <a:spcBef>
+                <a:spcPts val="500"/>
+              </a:spcBef>
+              <a:buFont typeface="Arial" panose="020B0604020202020204" pitchFamily="34" charset="0"/>
+              <a:buChar char="•"/>
+              <a:defRPr sz="1800" kern="1200">
+                <a:solidFill>
+                  <a:schemeClr val="tx1"/>
+                </a:solidFill>
+                <a:latin typeface="+mn-lt"/>
+                <a:ea typeface="+mn-ea"/>
+                <a:cs typeface="+mn-cs"/>
+              </a:defRPr>
+            </a:lvl4pPr>
+            <a:lvl5pPr marL="2057400" indent="-228600" algn="l" defTabSz="914400" rtl="0" eaLnBrk="1" latinLnBrk="0" hangingPunct="1">
+              <a:lnSpc>
+                <a:spcPct val="90000"/>
+              </a:lnSpc>
+              <a:spcBef>
+                <a:spcPts val="500"/>
+              </a:spcBef>
+              <a:buFont typeface="Arial" panose="020B0604020202020204" pitchFamily="34" charset="0"/>
+              <a:buChar char="•"/>
+              <a:defRPr sz="1800" kern="1200">
+                <a:solidFill>
+                  <a:schemeClr val="tx1"/>
+                </a:solidFill>
+                <a:latin typeface="+mn-lt"/>
+                <a:ea typeface="+mn-ea"/>
+                <a:cs typeface="+mn-cs"/>
+              </a:defRPr>
+            </a:lvl5pPr>
+            <a:lvl6pPr marL="2514600" indent="-228600" algn="l" defTabSz="914400" rtl="0" eaLnBrk="1" latinLnBrk="0" hangingPunct="1">
+              <a:lnSpc>
+                <a:spcPct val="90000"/>
+              </a:lnSpc>
+              <a:spcBef>
+                <a:spcPts val="500"/>
+              </a:spcBef>
+              <a:buFont typeface="Arial" panose="020B0604020202020204" pitchFamily="34" charset="0"/>
+              <a:buChar char="•"/>
+              <a:defRPr sz="1800" kern="1200">
+                <a:solidFill>
+                  <a:schemeClr val="tx1"/>
+                </a:solidFill>
+                <a:latin typeface="+mn-lt"/>
+                <a:ea typeface="+mn-ea"/>
+                <a:cs typeface="+mn-cs"/>
+              </a:defRPr>
+            </a:lvl6pPr>
+            <a:lvl7pPr marL="2971800" indent="-228600" algn="l" defTabSz="914400" rtl="0" eaLnBrk="1" latinLnBrk="0" hangingPunct="1">
+              <a:lnSpc>
+                <a:spcPct val="90000"/>
+              </a:lnSpc>
+              <a:spcBef>
+                <a:spcPts val="500"/>
+              </a:spcBef>
+              <a:buFont typeface="Arial" panose="020B0604020202020204" pitchFamily="34" charset="0"/>
+              <a:buChar char="•"/>
+              <a:defRPr sz="1800" kern="1200">
+                <a:solidFill>
+                  <a:schemeClr val="tx1"/>
+                </a:solidFill>
+                <a:latin typeface="+mn-lt"/>
+                <a:ea typeface="+mn-ea"/>
+                <a:cs typeface="+mn-cs"/>
+              </a:defRPr>
+            </a:lvl7pPr>
+            <a:lvl8pPr marL="3429000" indent="-228600" algn="l" defTabSz="914400" rtl="0" eaLnBrk="1" latinLnBrk="0" hangingPunct="1">
+              <a:lnSpc>
+                <a:spcPct val="90000"/>
+              </a:lnSpc>
+              <a:spcBef>
+                <a:spcPts val="500"/>
+              </a:spcBef>
+              <a:buFont typeface="Arial" panose="020B0604020202020204" pitchFamily="34" charset="0"/>
+              <a:buChar char="•"/>
+              <a:defRPr sz="1800" kern="1200">
+                <a:solidFill>
+                  <a:schemeClr val="tx1"/>
+                </a:solidFill>
+                <a:latin typeface="+mn-lt"/>
+                <a:ea typeface="+mn-ea"/>
+                <a:cs typeface="+mn-cs"/>
+              </a:defRPr>
+            </a:lvl8pPr>
+            <a:lvl9pPr marL="3886200" indent="-228600" algn="l" defTabSz="914400" rtl="0" eaLnBrk="1" latinLnBrk="0" hangingPunct="1">
+              <a:lnSpc>
+                <a:spcPct val="90000"/>
+              </a:lnSpc>
+              <a:spcBef>
+                <a:spcPts val="500"/>
+              </a:spcBef>
+              <a:buFont typeface="Arial" panose="020B0604020202020204" pitchFamily="34" charset="0"/>
+              <a:buChar char="•"/>
+              <a:defRPr sz="1800" kern="1200">
+                <a:solidFill>
+                  <a:schemeClr val="tx1"/>
+                </a:solidFill>
+                <a:latin typeface="+mn-lt"/>
+                <a:ea typeface="+mn-ea"/>
+                <a:cs typeface="+mn-cs"/>
+              </a:defRPr>
+            </a:lvl9pPr>
+          </a:lstStyle>
+          <a:p>
+            <a:pPr marL="0" indent="0">
+              <a:lnSpc>
+                <a:spcPct val="100000"/>
+              </a:lnSpc>
+              <a:buNone/>
+            </a:pPr>
+            <a:r>
+              <a:rPr lang="en-US" sz="2000" b="1" dirty="0">
+                <a:solidFill>
+                  <a:schemeClr val="accent4">
+                    <a:lumMod val="50000"/>
+                  </a:schemeClr>
+                </a:solidFill>
+                <a:latin typeface="Bahnschrift SemiCondensed" panose="020B0502040204020203" pitchFamily="34" charset="0"/>
+              </a:rPr>
+              <a:t>[1] </a:t>
+            </a:r>
+            <a:r>
+              <a:rPr lang="en-US" sz="2000" b="1" dirty="0">
+                <a:latin typeface="Bahnschrift SemiCondensed" panose="020B0502040204020203" pitchFamily="34" charset="0"/>
+              </a:rPr>
+              <a:t>Chen, B.-B., Chen, L., Chen, Z., Li, W., &amp; Weichselbaum, A.</a:t>
+            </a:r>
+            <a:r>
+              <a:rPr lang="en-US" sz="2000" dirty="0">
+                <a:latin typeface="Bahnschrift SemiCondensed" panose="020B0502040204020203" pitchFamily="34" charset="0"/>
+              </a:rPr>
+              <a:t> (2018). </a:t>
+            </a:r>
+            <a:r>
+              <a:rPr lang="en-US" sz="2000" i="1" dirty="0">
+                <a:latin typeface="Bahnschrift SemiCondensed" panose="020B0502040204020203" pitchFamily="34" charset="0"/>
+              </a:rPr>
+              <a:t>Exponential Thermal Tensor Network Approach for Quantum Lattice Models</a:t>
+            </a:r>
+            <a:r>
+              <a:rPr lang="en-US" sz="2000" dirty="0">
+                <a:latin typeface="Bahnschrift SemiCondensed" panose="020B0502040204020203" pitchFamily="34" charset="0"/>
+              </a:rPr>
+              <a:t>. Physical Review X, 8(3), 031082. </a:t>
+            </a:r>
+            <a:r>
+              <a:rPr lang="en-US" sz="2000" dirty="0">
+                <a:latin typeface="Bahnschrift SemiCondensed" panose="020B0502040204020203" pitchFamily="34" charset="0"/>
+                <a:hlinkClick r:id="rId5"/>
+              </a:rPr>
+              <a:t>https://doi.org/10.1103/PhysRevX.8.031082</a:t>
+            </a:r>
+            <a:r>
+              <a:rPr lang="en-US" sz="2000" dirty="0">
+                <a:latin typeface="Bahnschrift SemiCondensed" panose="020B0502040204020203" pitchFamily="34" charset="0"/>
+              </a:rPr>
+              <a:t> </a:t>
+            </a:r>
+            <a:endParaRPr lang="en-US" sz="2000" noProof="0" dirty="0">
+              <a:latin typeface="Bahnschrift SemiCondensed" panose="020B0502040204020203" pitchFamily="34" charset="0"/>
+            </a:endParaRPr>
+          </a:p>
+        </p:txBody>
+      </p:sp>
+      <p:sp>
+        <p:nvSpPr>
+          <p:cNvPr id="7" name="TextBox 6">
+            <a:extLst>
+              <a:ext uri="{FF2B5EF4-FFF2-40B4-BE49-F238E27FC236}">
+                <a16:creationId xmlns:a16="http://schemas.microsoft.com/office/drawing/2014/main" id="{D23727AF-2580-C44C-F4ED-76800E2B929D}"/>
               </a:ext>
             </a:extLst>
           </p:cNvPr>
@@ -9281,8 +9791,8 @@
         </p:nvSpPr>
         <p:spPr>
           <a:xfrm>
-            <a:off x="188340" y="147722"/>
-            <a:ext cx="432761" cy="369332"/>
+            <a:off x="488399" y="2596652"/>
+            <a:ext cx="10978178" cy="707886"/>
           </a:xfrm>
           <a:prstGeom prst="rect">
             <a:avLst/>
@@ -9296,2353 +9806,60 @@
           <a:lstStyle/>
           <a:p>
             <a:r>
-              <a:rPr lang="en-US" noProof="0" dirty="0">
-                <a:solidFill>
-                  <a:schemeClr val="bg2">
+              <a:rPr lang="en-US" sz="2000" b="1" dirty="0">
+                <a:solidFill>
+                  <a:schemeClr val="accent4">
                     <a:lumMod val="50000"/>
                   </a:schemeClr>
                 </a:solidFill>
                 <a:latin typeface="Bahnschrift SemiCondensed" panose="020B0502040204020203" pitchFamily="34" charset="0"/>
               </a:rPr>
-              <a:t>02</a:t>
+              <a:t>[2] </a:t>
             </a:r>
-          </a:p>
-        </p:txBody>
-      </p:sp>
-      <p:sp>
-        <p:nvSpPr>
-          <p:cNvPr id="2" name="Untertitel 2">
-            <a:extLst>
-              <a:ext uri="{FF2B5EF4-FFF2-40B4-BE49-F238E27FC236}">
-                <a16:creationId xmlns:a16="http://schemas.microsoft.com/office/drawing/2014/main" id="{7D5435D9-476E-EEBB-9425-7B02F3A49548}"/>
-              </a:ext>
-            </a:extLst>
-          </p:cNvPr>
-          <p:cNvSpPr txBox="1">
-            <a:spLocks/>
-          </p:cNvSpPr>
-          <p:nvPr/>
-        </p:nvSpPr>
-        <p:spPr>
-          <a:xfrm>
-            <a:off x="3064066" y="628345"/>
-            <a:ext cx="6619429" cy="995841"/>
-          </a:xfrm>
-          <a:prstGeom prst="rect">
-            <a:avLst/>
-          </a:prstGeom>
-        </p:spPr>
-        <p:txBody>
-          <a:bodyPr vert="horz" lIns="91440" tIns="45720" rIns="91440" bIns="45720" rtlCol="0">
-            <a:normAutofit/>
-          </a:bodyPr>
-          <a:lstStyle>
-            <a:lvl1pPr marL="228600" indent="-228600" algn="l" defTabSz="914400" rtl="0" eaLnBrk="1" latinLnBrk="0" hangingPunct="1">
-              <a:lnSpc>
-                <a:spcPct val="90000"/>
-              </a:lnSpc>
-              <a:spcBef>
-                <a:spcPts val="1000"/>
-              </a:spcBef>
-              <a:buFont typeface="Arial" panose="020B0604020202020204" pitchFamily="34" charset="0"/>
-              <a:buChar char="•"/>
-              <a:defRPr sz="2800" kern="1200">
-                <a:solidFill>
-                  <a:schemeClr val="tx1"/>
-                </a:solidFill>
-                <a:latin typeface="+mn-lt"/>
-                <a:ea typeface="+mn-ea"/>
-                <a:cs typeface="+mn-cs"/>
-              </a:defRPr>
-            </a:lvl1pPr>
-            <a:lvl2pPr marL="685800" indent="-228600" algn="l" defTabSz="914400" rtl="0" eaLnBrk="1" latinLnBrk="0" hangingPunct="1">
-              <a:lnSpc>
-                <a:spcPct val="90000"/>
-              </a:lnSpc>
-              <a:spcBef>
-                <a:spcPts val="500"/>
-              </a:spcBef>
-              <a:buFont typeface="Arial" panose="020B0604020202020204" pitchFamily="34" charset="0"/>
-              <a:buChar char="•"/>
-              <a:defRPr sz="2400" kern="1200">
-                <a:solidFill>
-                  <a:schemeClr val="tx1"/>
-                </a:solidFill>
-                <a:latin typeface="+mn-lt"/>
-                <a:ea typeface="+mn-ea"/>
-                <a:cs typeface="+mn-cs"/>
-              </a:defRPr>
-            </a:lvl2pPr>
-            <a:lvl3pPr marL="1143000" indent="-228600" algn="l" defTabSz="914400" rtl="0" eaLnBrk="1" latinLnBrk="0" hangingPunct="1">
-              <a:lnSpc>
-                <a:spcPct val="90000"/>
-              </a:lnSpc>
-              <a:spcBef>
-                <a:spcPts val="500"/>
-              </a:spcBef>
-              <a:buFont typeface="Arial" panose="020B0604020202020204" pitchFamily="34" charset="0"/>
-              <a:buChar char="•"/>
-              <a:defRPr sz="2000" kern="1200">
-                <a:solidFill>
-                  <a:schemeClr val="tx1"/>
-                </a:solidFill>
-                <a:latin typeface="+mn-lt"/>
-                <a:ea typeface="+mn-ea"/>
-                <a:cs typeface="+mn-cs"/>
-              </a:defRPr>
-            </a:lvl3pPr>
-            <a:lvl4pPr marL="1600200" indent="-228600" algn="l" defTabSz="914400" rtl="0" eaLnBrk="1" latinLnBrk="0" hangingPunct="1">
-              <a:lnSpc>
-                <a:spcPct val="90000"/>
-              </a:lnSpc>
-              <a:spcBef>
-                <a:spcPts val="500"/>
-              </a:spcBef>
-              <a:buFont typeface="Arial" panose="020B0604020202020204" pitchFamily="34" charset="0"/>
-              <a:buChar char="•"/>
-              <a:defRPr sz="1800" kern="1200">
-                <a:solidFill>
-                  <a:schemeClr val="tx1"/>
-                </a:solidFill>
-                <a:latin typeface="+mn-lt"/>
-                <a:ea typeface="+mn-ea"/>
-                <a:cs typeface="+mn-cs"/>
-              </a:defRPr>
-            </a:lvl4pPr>
-            <a:lvl5pPr marL="2057400" indent="-228600" algn="l" defTabSz="914400" rtl="0" eaLnBrk="1" latinLnBrk="0" hangingPunct="1">
-              <a:lnSpc>
-                <a:spcPct val="90000"/>
-              </a:lnSpc>
-              <a:spcBef>
-                <a:spcPts val="500"/>
-              </a:spcBef>
-              <a:buFont typeface="Arial" panose="020B0604020202020204" pitchFamily="34" charset="0"/>
-              <a:buChar char="•"/>
-              <a:defRPr sz="1800" kern="1200">
-                <a:solidFill>
-                  <a:schemeClr val="tx1"/>
-                </a:solidFill>
-                <a:latin typeface="+mn-lt"/>
-                <a:ea typeface="+mn-ea"/>
-                <a:cs typeface="+mn-cs"/>
-              </a:defRPr>
-            </a:lvl5pPr>
-            <a:lvl6pPr marL="2514600" indent="-228600" algn="l" defTabSz="914400" rtl="0" eaLnBrk="1" latinLnBrk="0" hangingPunct="1">
-              <a:lnSpc>
-                <a:spcPct val="90000"/>
-              </a:lnSpc>
-              <a:spcBef>
-                <a:spcPts val="500"/>
-              </a:spcBef>
-              <a:buFont typeface="Arial" panose="020B0604020202020204" pitchFamily="34" charset="0"/>
-              <a:buChar char="•"/>
-              <a:defRPr sz="1800" kern="1200">
-                <a:solidFill>
-                  <a:schemeClr val="tx1"/>
-                </a:solidFill>
-                <a:latin typeface="+mn-lt"/>
-                <a:ea typeface="+mn-ea"/>
-                <a:cs typeface="+mn-cs"/>
-              </a:defRPr>
-            </a:lvl6pPr>
-            <a:lvl7pPr marL="2971800" indent="-228600" algn="l" defTabSz="914400" rtl="0" eaLnBrk="1" latinLnBrk="0" hangingPunct="1">
-              <a:lnSpc>
-                <a:spcPct val="90000"/>
-              </a:lnSpc>
-              <a:spcBef>
-                <a:spcPts val="500"/>
-              </a:spcBef>
-              <a:buFont typeface="Arial" panose="020B0604020202020204" pitchFamily="34" charset="0"/>
-              <a:buChar char="•"/>
-              <a:defRPr sz="1800" kern="1200">
-                <a:solidFill>
-                  <a:schemeClr val="tx1"/>
-                </a:solidFill>
-                <a:latin typeface="+mn-lt"/>
-                <a:ea typeface="+mn-ea"/>
-                <a:cs typeface="+mn-cs"/>
-              </a:defRPr>
-            </a:lvl7pPr>
-            <a:lvl8pPr marL="3429000" indent="-228600" algn="l" defTabSz="914400" rtl="0" eaLnBrk="1" latinLnBrk="0" hangingPunct="1">
-              <a:lnSpc>
-                <a:spcPct val="90000"/>
-              </a:lnSpc>
-              <a:spcBef>
-                <a:spcPts val="500"/>
-              </a:spcBef>
-              <a:buFont typeface="Arial" panose="020B0604020202020204" pitchFamily="34" charset="0"/>
-              <a:buChar char="•"/>
-              <a:defRPr sz="1800" kern="1200">
-                <a:solidFill>
-                  <a:schemeClr val="tx1"/>
-                </a:solidFill>
-                <a:latin typeface="+mn-lt"/>
-                <a:ea typeface="+mn-ea"/>
-                <a:cs typeface="+mn-cs"/>
-              </a:defRPr>
-            </a:lvl8pPr>
-            <a:lvl9pPr marL="3886200" indent="-228600" algn="l" defTabSz="914400" rtl="0" eaLnBrk="1" latinLnBrk="0" hangingPunct="1">
-              <a:lnSpc>
-                <a:spcPct val="90000"/>
-              </a:lnSpc>
-              <a:spcBef>
-                <a:spcPts val="500"/>
-              </a:spcBef>
-              <a:buFont typeface="Arial" panose="020B0604020202020204" pitchFamily="34" charset="0"/>
-              <a:buChar char="•"/>
-              <a:defRPr sz="1800" kern="1200">
-                <a:solidFill>
-                  <a:schemeClr val="tx1"/>
-                </a:solidFill>
-                <a:latin typeface="+mn-lt"/>
-                <a:ea typeface="+mn-ea"/>
-                <a:cs typeface="+mn-cs"/>
-              </a:defRPr>
-            </a:lvl9pPr>
-          </a:lstStyle>
-          <a:p>
-            <a:pPr marL="0" indent="0">
-              <a:buNone/>
-            </a:pPr>
             <a:r>
-              <a:rPr lang="en-US" sz="3200" noProof="0" dirty="0">
+              <a:rPr lang="en-US" sz="2000" b="1" dirty="0">
                 <a:latin typeface="Bahnschrift SemiCondensed" panose="020B0502040204020203" pitchFamily="34" charset="0"/>
               </a:rPr>
-              <a:t>Title</a:t>
+              <a:t>Parker, D. E., Cao, X., &amp; Zaletel, M. P.</a:t>
             </a:r>
-            <a:endParaRPr lang="en-US" sz="3200" noProof="0" dirty="0"/>
-          </a:p>
-        </p:txBody>
-      </p:sp>
-      <p:sp>
-        <p:nvSpPr>
-          <p:cNvPr id="23" name="Untertitel 2">
-            <a:extLst>
-              <a:ext uri="{FF2B5EF4-FFF2-40B4-BE49-F238E27FC236}">
-                <a16:creationId xmlns:a16="http://schemas.microsoft.com/office/drawing/2014/main" id="{63FA4086-A9D0-546A-8230-72A6C1C25D6E}"/>
-              </a:ext>
-            </a:extLst>
-          </p:cNvPr>
-          <p:cNvSpPr txBox="1">
-            <a:spLocks/>
-          </p:cNvSpPr>
-          <p:nvPr/>
-        </p:nvSpPr>
-        <p:spPr>
-          <a:xfrm>
-            <a:off x="1412051" y="1763726"/>
-            <a:ext cx="1398206" cy="487223"/>
-          </a:xfrm>
-          <a:prstGeom prst="rect">
-            <a:avLst/>
-          </a:prstGeom>
-        </p:spPr>
-        <p:txBody>
-          <a:bodyPr vert="horz" lIns="91440" tIns="45720" rIns="91440" bIns="45720" rtlCol="0">
-            <a:normAutofit/>
-          </a:bodyPr>
-          <a:lstStyle>
-            <a:lvl1pPr marL="228600" indent="-228600" algn="l" defTabSz="914400" rtl="0" eaLnBrk="1" latinLnBrk="0" hangingPunct="1">
-              <a:lnSpc>
-                <a:spcPct val="90000"/>
-              </a:lnSpc>
-              <a:spcBef>
-                <a:spcPts val="1000"/>
-              </a:spcBef>
-              <a:buFont typeface="Arial" panose="020B0604020202020204" pitchFamily="34" charset="0"/>
-              <a:buChar char="•"/>
-              <a:defRPr sz="2800" kern="1200">
-                <a:solidFill>
-                  <a:schemeClr val="tx1"/>
-                </a:solidFill>
-                <a:latin typeface="+mn-lt"/>
-                <a:ea typeface="+mn-ea"/>
-                <a:cs typeface="+mn-cs"/>
-              </a:defRPr>
-            </a:lvl1pPr>
-            <a:lvl2pPr marL="685800" indent="-228600" algn="l" defTabSz="914400" rtl="0" eaLnBrk="1" latinLnBrk="0" hangingPunct="1">
-              <a:lnSpc>
-                <a:spcPct val="90000"/>
-              </a:lnSpc>
-              <a:spcBef>
-                <a:spcPts val="500"/>
-              </a:spcBef>
-              <a:buFont typeface="Arial" panose="020B0604020202020204" pitchFamily="34" charset="0"/>
-              <a:buChar char="•"/>
-              <a:defRPr sz="2400" kern="1200">
-                <a:solidFill>
-                  <a:schemeClr val="tx1"/>
-                </a:solidFill>
-                <a:latin typeface="+mn-lt"/>
-                <a:ea typeface="+mn-ea"/>
-                <a:cs typeface="+mn-cs"/>
-              </a:defRPr>
-            </a:lvl2pPr>
-            <a:lvl3pPr marL="1143000" indent="-228600" algn="l" defTabSz="914400" rtl="0" eaLnBrk="1" latinLnBrk="0" hangingPunct="1">
-              <a:lnSpc>
-                <a:spcPct val="90000"/>
-              </a:lnSpc>
-              <a:spcBef>
-                <a:spcPts val="500"/>
-              </a:spcBef>
-              <a:buFont typeface="Arial" panose="020B0604020202020204" pitchFamily="34" charset="0"/>
-              <a:buChar char="•"/>
-              <a:defRPr sz="2000" kern="1200">
-                <a:solidFill>
-                  <a:schemeClr val="tx1"/>
-                </a:solidFill>
-                <a:latin typeface="+mn-lt"/>
-                <a:ea typeface="+mn-ea"/>
-                <a:cs typeface="+mn-cs"/>
-              </a:defRPr>
-            </a:lvl3pPr>
-            <a:lvl4pPr marL="1600200" indent="-228600" algn="l" defTabSz="914400" rtl="0" eaLnBrk="1" latinLnBrk="0" hangingPunct="1">
-              <a:lnSpc>
-                <a:spcPct val="90000"/>
-              </a:lnSpc>
-              <a:spcBef>
-                <a:spcPts val="500"/>
-              </a:spcBef>
-              <a:buFont typeface="Arial" panose="020B0604020202020204" pitchFamily="34" charset="0"/>
-              <a:buChar char="•"/>
-              <a:defRPr sz="1800" kern="1200">
-                <a:solidFill>
-                  <a:schemeClr val="tx1"/>
-                </a:solidFill>
-                <a:latin typeface="+mn-lt"/>
-                <a:ea typeface="+mn-ea"/>
-                <a:cs typeface="+mn-cs"/>
-              </a:defRPr>
-            </a:lvl4pPr>
-            <a:lvl5pPr marL="2057400" indent="-228600" algn="l" defTabSz="914400" rtl="0" eaLnBrk="1" latinLnBrk="0" hangingPunct="1">
-              <a:lnSpc>
-                <a:spcPct val="90000"/>
-              </a:lnSpc>
-              <a:spcBef>
-                <a:spcPts val="500"/>
-              </a:spcBef>
-              <a:buFont typeface="Arial" panose="020B0604020202020204" pitchFamily="34" charset="0"/>
-              <a:buChar char="•"/>
-              <a:defRPr sz="1800" kern="1200">
-                <a:solidFill>
-                  <a:schemeClr val="tx1"/>
-                </a:solidFill>
-                <a:latin typeface="+mn-lt"/>
-                <a:ea typeface="+mn-ea"/>
-                <a:cs typeface="+mn-cs"/>
-              </a:defRPr>
-            </a:lvl5pPr>
-            <a:lvl6pPr marL="2514600" indent="-228600" algn="l" defTabSz="914400" rtl="0" eaLnBrk="1" latinLnBrk="0" hangingPunct="1">
-              <a:lnSpc>
-                <a:spcPct val="90000"/>
-              </a:lnSpc>
-              <a:spcBef>
-                <a:spcPts val="500"/>
-              </a:spcBef>
-              <a:buFont typeface="Arial" panose="020B0604020202020204" pitchFamily="34" charset="0"/>
-              <a:buChar char="•"/>
-              <a:defRPr sz="1800" kern="1200">
-                <a:solidFill>
-                  <a:schemeClr val="tx1"/>
-                </a:solidFill>
-                <a:latin typeface="+mn-lt"/>
-                <a:ea typeface="+mn-ea"/>
-                <a:cs typeface="+mn-cs"/>
-              </a:defRPr>
-            </a:lvl6pPr>
-            <a:lvl7pPr marL="2971800" indent="-228600" algn="l" defTabSz="914400" rtl="0" eaLnBrk="1" latinLnBrk="0" hangingPunct="1">
-              <a:lnSpc>
-                <a:spcPct val="90000"/>
-              </a:lnSpc>
-              <a:spcBef>
-                <a:spcPts val="500"/>
-              </a:spcBef>
-              <a:buFont typeface="Arial" panose="020B0604020202020204" pitchFamily="34" charset="0"/>
-              <a:buChar char="•"/>
-              <a:defRPr sz="1800" kern="1200">
-                <a:solidFill>
-                  <a:schemeClr val="tx1"/>
-                </a:solidFill>
-                <a:latin typeface="+mn-lt"/>
-                <a:ea typeface="+mn-ea"/>
-                <a:cs typeface="+mn-cs"/>
-              </a:defRPr>
-            </a:lvl7pPr>
-            <a:lvl8pPr marL="3429000" indent="-228600" algn="l" defTabSz="914400" rtl="0" eaLnBrk="1" latinLnBrk="0" hangingPunct="1">
-              <a:lnSpc>
-                <a:spcPct val="90000"/>
-              </a:lnSpc>
-              <a:spcBef>
-                <a:spcPts val="500"/>
-              </a:spcBef>
-              <a:buFont typeface="Arial" panose="020B0604020202020204" pitchFamily="34" charset="0"/>
-              <a:buChar char="•"/>
-              <a:defRPr sz="1800" kern="1200">
-                <a:solidFill>
-                  <a:schemeClr val="tx1"/>
-                </a:solidFill>
-                <a:latin typeface="+mn-lt"/>
-                <a:ea typeface="+mn-ea"/>
-                <a:cs typeface="+mn-cs"/>
-              </a:defRPr>
-            </a:lvl8pPr>
-            <a:lvl9pPr marL="3886200" indent="-228600" algn="l" defTabSz="914400" rtl="0" eaLnBrk="1" latinLnBrk="0" hangingPunct="1">
-              <a:lnSpc>
-                <a:spcPct val="90000"/>
-              </a:lnSpc>
-              <a:spcBef>
-                <a:spcPts val="500"/>
-              </a:spcBef>
-              <a:buFont typeface="Arial" panose="020B0604020202020204" pitchFamily="34" charset="0"/>
-              <a:buChar char="•"/>
-              <a:defRPr sz="1800" kern="1200">
-                <a:solidFill>
-                  <a:schemeClr val="tx1"/>
-                </a:solidFill>
-                <a:latin typeface="+mn-lt"/>
-                <a:ea typeface="+mn-ea"/>
-                <a:cs typeface="+mn-cs"/>
-              </a:defRPr>
-            </a:lvl9pPr>
-          </a:lstStyle>
-          <a:p>
-            <a:pPr marL="0" indent="0">
-              <a:buNone/>
-            </a:pPr>
             <a:r>
-              <a:rPr lang="en-US" sz="2400" noProof="0" dirty="0">
-                <a:solidFill>
-                  <a:schemeClr val="tx2">
-                    <a:lumMod val="75000"/>
-                    <a:lumOff val="25000"/>
-                  </a:schemeClr>
-                </a:solidFill>
+              <a:rPr lang="en-US" sz="2000" dirty="0">
                 <a:latin typeface="Bahnschrift SemiCondensed" panose="020B0502040204020203" pitchFamily="34" charset="0"/>
               </a:rPr>
-              <a:t>XY-Model</a:t>
+              <a:t> (2020). </a:t>
             </a:r>
-            <a:endParaRPr lang="en-US" sz="2400" noProof="0" dirty="0">
-              <a:solidFill>
-                <a:schemeClr val="tx2">
-                  <a:lumMod val="75000"/>
-                  <a:lumOff val="25000"/>
-                </a:schemeClr>
-              </a:solidFill>
-            </a:endParaRPr>
-          </a:p>
-        </p:txBody>
-      </p:sp>
-      <p:sp>
-        <p:nvSpPr>
-          <p:cNvPr id="29" name="Untertitel 2">
-            <a:extLst>
-              <a:ext uri="{FF2B5EF4-FFF2-40B4-BE49-F238E27FC236}">
-                <a16:creationId xmlns:a16="http://schemas.microsoft.com/office/drawing/2014/main" id="{B2EE0A1D-0287-0EB3-FB97-F62DB6EF1F86}"/>
-              </a:ext>
-            </a:extLst>
-          </p:cNvPr>
-          <p:cNvSpPr txBox="1">
-            <a:spLocks/>
-          </p:cNvSpPr>
-          <p:nvPr/>
-        </p:nvSpPr>
-        <p:spPr>
-          <a:xfrm>
-            <a:off x="1593206" y="2328707"/>
-            <a:ext cx="906543" cy="487223"/>
-          </a:xfrm>
-          <a:prstGeom prst="rect">
-            <a:avLst/>
-          </a:prstGeom>
-        </p:spPr>
-        <p:txBody>
-          <a:bodyPr vert="horz" lIns="91440" tIns="45720" rIns="91440" bIns="45720" rtlCol="0">
-            <a:normAutofit/>
-          </a:bodyPr>
-          <a:lstStyle>
-            <a:lvl1pPr marL="228600" indent="-228600" algn="l" defTabSz="914400" rtl="0" eaLnBrk="1" latinLnBrk="0" hangingPunct="1">
-              <a:lnSpc>
-                <a:spcPct val="90000"/>
-              </a:lnSpc>
-              <a:spcBef>
-                <a:spcPts val="1000"/>
-              </a:spcBef>
-              <a:buFont typeface="Arial" panose="020B0604020202020204" pitchFamily="34" charset="0"/>
-              <a:buChar char="•"/>
-              <a:defRPr sz="2800" kern="1200">
-                <a:solidFill>
-                  <a:schemeClr val="tx1"/>
-                </a:solidFill>
-                <a:latin typeface="+mn-lt"/>
-                <a:ea typeface="+mn-ea"/>
-                <a:cs typeface="+mn-cs"/>
-              </a:defRPr>
-            </a:lvl1pPr>
-            <a:lvl2pPr marL="685800" indent="-228600" algn="l" defTabSz="914400" rtl="0" eaLnBrk="1" latinLnBrk="0" hangingPunct="1">
-              <a:lnSpc>
-                <a:spcPct val="90000"/>
-              </a:lnSpc>
-              <a:spcBef>
-                <a:spcPts val="500"/>
-              </a:spcBef>
-              <a:buFont typeface="Arial" panose="020B0604020202020204" pitchFamily="34" charset="0"/>
-              <a:buChar char="•"/>
-              <a:defRPr sz="2400" kern="1200">
-                <a:solidFill>
-                  <a:schemeClr val="tx1"/>
-                </a:solidFill>
-                <a:latin typeface="+mn-lt"/>
-                <a:ea typeface="+mn-ea"/>
-                <a:cs typeface="+mn-cs"/>
-              </a:defRPr>
-            </a:lvl2pPr>
-            <a:lvl3pPr marL="1143000" indent="-228600" algn="l" defTabSz="914400" rtl="0" eaLnBrk="1" latinLnBrk="0" hangingPunct="1">
-              <a:lnSpc>
-                <a:spcPct val="90000"/>
-              </a:lnSpc>
-              <a:spcBef>
-                <a:spcPts val="500"/>
-              </a:spcBef>
-              <a:buFont typeface="Arial" panose="020B0604020202020204" pitchFamily="34" charset="0"/>
-              <a:buChar char="•"/>
-              <a:defRPr sz="2000" kern="1200">
-                <a:solidFill>
-                  <a:schemeClr val="tx1"/>
-                </a:solidFill>
-                <a:latin typeface="+mn-lt"/>
-                <a:ea typeface="+mn-ea"/>
-                <a:cs typeface="+mn-cs"/>
-              </a:defRPr>
-            </a:lvl3pPr>
-            <a:lvl4pPr marL="1600200" indent="-228600" algn="l" defTabSz="914400" rtl="0" eaLnBrk="1" latinLnBrk="0" hangingPunct="1">
-              <a:lnSpc>
-                <a:spcPct val="90000"/>
-              </a:lnSpc>
-              <a:spcBef>
-                <a:spcPts val="500"/>
-              </a:spcBef>
-              <a:buFont typeface="Arial" panose="020B0604020202020204" pitchFamily="34" charset="0"/>
-              <a:buChar char="•"/>
-              <a:defRPr sz="1800" kern="1200">
-                <a:solidFill>
-                  <a:schemeClr val="tx1"/>
-                </a:solidFill>
-                <a:latin typeface="+mn-lt"/>
-                <a:ea typeface="+mn-ea"/>
-                <a:cs typeface="+mn-cs"/>
-              </a:defRPr>
-            </a:lvl4pPr>
-            <a:lvl5pPr marL="2057400" indent="-228600" algn="l" defTabSz="914400" rtl="0" eaLnBrk="1" latinLnBrk="0" hangingPunct="1">
-              <a:lnSpc>
-                <a:spcPct val="90000"/>
-              </a:lnSpc>
-              <a:spcBef>
-                <a:spcPts val="500"/>
-              </a:spcBef>
-              <a:buFont typeface="Arial" panose="020B0604020202020204" pitchFamily="34" charset="0"/>
-              <a:buChar char="•"/>
-              <a:defRPr sz="1800" kern="1200">
-                <a:solidFill>
-                  <a:schemeClr val="tx1"/>
-                </a:solidFill>
-                <a:latin typeface="+mn-lt"/>
-                <a:ea typeface="+mn-ea"/>
-                <a:cs typeface="+mn-cs"/>
-              </a:defRPr>
-            </a:lvl5pPr>
-            <a:lvl6pPr marL="2514600" indent="-228600" algn="l" defTabSz="914400" rtl="0" eaLnBrk="1" latinLnBrk="0" hangingPunct="1">
-              <a:lnSpc>
-                <a:spcPct val="90000"/>
-              </a:lnSpc>
-              <a:spcBef>
-                <a:spcPts val="500"/>
-              </a:spcBef>
-              <a:buFont typeface="Arial" panose="020B0604020202020204" pitchFamily="34" charset="0"/>
-              <a:buChar char="•"/>
-              <a:defRPr sz="1800" kern="1200">
-                <a:solidFill>
-                  <a:schemeClr val="tx1"/>
-                </a:solidFill>
-                <a:latin typeface="+mn-lt"/>
-                <a:ea typeface="+mn-ea"/>
-                <a:cs typeface="+mn-cs"/>
-              </a:defRPr>
-            </a:lvl6pPr>
-            <a:lvl7pPr marL="2971800" indent="-228600" algn="l" defTabSz="914400" rtl="0" eaLnBrk="1" latinLnBrk="0" hangingPunct="1">
-              <a:lnSpc>
-                <a:spcPct val="90000"/>
-              </a:lnSpc>
-              <a:spcBef>
-                <a:spcPts val="500"/>
-              </a:spcBef>
-              <a:buFont typeface="Arial" panose="020B0604020202020204" pitchFamily="34" charset="0"/>
-              <a:buChar char="•"/>
-              <a:defRPr sz="1800" kern="1200">
-                <a:solidFill>
-                  <a:schemeClr val="tx1"/>
-                </a:solidFill>
-                <a:latin typeface="+mn-lt"/>
-                <a:ea typeface="+mn-ea"/>
-                <a:cs typeface="+mn-cs"/>
-              </a:defRPr>
-            </a:lvl7pPr>
-            <a:lvl8pPr marL="3429000" indent="-228600" algn="l" defTabSz="914400" rtl="0" eaLnBrk="1" latinLnBrk="0" hangingPunct="1">
-              <a:lnSpc>
-                <a:spcPct val="90000"/>
-              </a:lnSpc>
-              <a:spcBef>
-                <a:spcPts val="500"/>
-              </a:spcBef>
-              <a:buFont typeface="Arial" panose="020B0604020202020204" pitchFamily="34" charset="0"/>
-              <a:buChar char="•"/>
-              <a:defRPr sz="1800" kern="1200">
-                <a:solidFill>
-                  <a:schemeClr val="tx1"/>
-                </a:solidFill>
-                <a:latin typeface="+mn-lt"/>
-                <a:ea typeface="+mn-ea"/>
-                <a:cs typeface="+mn-cs"/>
-              </a:defRPr>
-            </a:lvl8pPr>
-            <a:lvl9pPr marL="3886200" indent="-228600" algn="l" defTabSz="914400" rtl="0" eaLnBrk="1" latinLnBrk="0" hangingPunct="1">
-              <a:lnSpc>
-                <a:spcPct val="90000"/>
-              </a:lnSpc>
-              <a:spcBef>
-                <a:spcPts val="500"/>
-              </a:spcBef>
-              <a:buFont typeface="Arial" panose="020B0604020202020204" pitchFamily="34" charset="0"/>
-              <a:buChar char="•"/>
-              <a:defRPr sz="1800" kern="1200">
-                <a:solidFill>
-                  <a:schemeClr val="tx1"/>
-                </a:solidFill>
-                <a:latin typeface="+mn-lt"/>
-                <a:ea typeface="+mn-ea"/>
-                <a:cs typeface="+mn-cs"/>
-              </a:defRPr>
-            </a:lvl9pPr>
-          </a:lstStyle>
-          <a:p>
-            <a:pPr marL="0" indent="0">
-              <a:buNone/>
-            </a:pPr>
             <a:r>
-              <a:rPr lang="en-US" sz="2000" noProof="0" dirty="0" err="1">
+              <a:rPr lang="en-US" sz="2000" i="1" dirty="0">
                 <a:latin typeface="Bahnschrift SemiCondensed" panose="020B0502040204020203" pitchFamily="34" charset="0"/>
               </a:rPr>
-              <a:t>Bla</a:t>
+              <a:t>Local matrix product operators: Canonical form, compression, and control theory</a:t>
             </a:r>
             <a:r>
-              <a:rPr lang="en-US" sz="2000" noProof="0" dirty="0">
+              <a:rPr lang="en-US" sz="2000" dirty="0">
+                <a:latin typeface="Bahnschrift SemiCondensed" panose="020B0502040204020203" pitchFamily="34" charset="0"/>
+              </a:rPr>
+              <a:t>. Physical Review B, 102(3), 035147. </a:t>
+            </a:r>
+            <a:r>
+              <a:rPr lang="en-US" sz="2000" dirty="0">
+                <a:latin typeface="Bahnschrift SemiCondensed" panose="020B0502040204020203" pitchFamily="34" charset="0"/>
+                <a:hlinkClick r:id="rId6"/>
+              </a:rPr>
+              <a:t>https://doi.org/10.1103/PhysRevB.102.035147</a:t>
+            </a:r>
+            <a:r>
+              <a:rPr lang="en-US" sz="2000" dirty="0">
                 <a:latin typeface="Bahnschrift SemiCondensed" panose="020B0502040204020203" pitchFamily="34" charset="0"/>
               </a:rPr>
               <a:t> </a:t>
             </a:r>
-            <a:r>
-              <a:rPr lang="en-US" sz="2000" noProof="0" dirty="0" err="1">
-                <a:latin typeface="Bahnschrift SemiCondensed" panose="020B0502040204020203" pitchFamily="34" charset="0"/>
-              </a:rPr>
-              <a:t>bla</a:t>
-            </a:r>
-            <a:endParaRPr lang="en-US" sz="2000" noProof="0" dirty="0"/>
           </a:p>
         </p:txBody>
       </p:sp>
-      <p:pic>
-        <p:nvPicPr>
-          <p:cNvPr id="6" name="Picture 5" descr="\documentclass{article}&#10;\usepackage{amsmath}&#10;\pagestyle{empty}&#10;\begin{document}&#10;&#10;$\hat{H}$&#10;&#10;&#10;\end{document}" title="IguanaTex Picture Display">
-            <a:extLst>
-              <a:ext uri="{FF2B5EF4-FFF2-40B4-BE49-F238E27FC236}">
-                <a16:creationId xmlns:a16="http://schemas.microsoft.com/office/drawing/2014/main" id="{60CA29A6-0D93-C485-9E4E-CC92B849DDD1}"/>
-              </a:ext>
-            </a:extLst>
-          </p:cNvPr>
-          <p:cNvPicPr>
-            <a:picLocks noChangeAspect="1"/>
-          </p:cNvPicPr>
-          <p:nvPr>
-            <p:custDataLst>
-              <p:tags r:id="rId2"/>
-            </p:custDataLst>
-          </p:nvPr>
-        </p:nvPicPr>
-        <p:blipFill>
-          <a:blip r:embed="rId7">
-            <a:extLst>
-              <a:ext uri="{28A0092B-C50C-407E-A947-70E740481C1C}">
-                <a14:useLocalDpi xmlns:a14="http://schemas.microsoft.com/office/drawing/2010/main" val="0"/>
-              </a:ext>
-            </a:extLst>
-          </a:blip>
-          <a:stretch>
-            <a:fillRect/>
-          </a:stretch>
-        </p:blipFill>
-        <p:spPr>
-          <a:xfrm>
-            <a:off x="3062112" y="1790107"/>
-            <a:ext cx="214857" cy="239238"/>
-          </a:xfrm>
-          <a:prstGeom prst="rect">
-            <a:avLst/>
-          </a:prstGeom>
-        </p:spPr>
-      </p:pic>
     </p:spTree>
     <p:extLst>
       <p:ext uri="{BB962C8B-B14F-4D97-AF65-F5344CB8AC3E}">
-        <p14:creationId xmlns:p14="http://schemas.microsoft.com/office/powerpoint/2010/main" val="2528840521"/>
-      </p:ext>
-    </p:extLst>
-  </p:cSld>
-  <p:clrMapOvr>
-    <a:masterClrMapping/>
-  </p:clrMapOvr>
-</p:sld>
-</file>
-
-<file path=ppt/slides/slide5.xml><?xml version="1.0" encoding="utf-8"?>
-<p:sld xmlns:a="http://schemas.openxmlformats.org/drawingml/2006/main" xmlns:r="http://schemas.openxmlformats.org/officeDocument/2006/relationships" xmlns:p="http://schemas.openxmlformats.org/presentationml/2006/main">
-  <p:cSld>
-    <p:spTree>
-      <p:nvGrpSpPr>
-        <p:cNvPr id="1" name="">
-          <a:extLst>
-            <a:ext uri="{FF2B5EF4-FFF2-40B4-BE49-F238E27FC236}">
-              <a16:creationId xmlns:a16="http://schemas.microsoft.com/office/drawing/2014/main" id="{F5013957-E7BB-3A86-8334-2B059AF3BFFD}"/>
-            </a:ext>
-          </a:extLst>
-        </p:cNvPr>
-        <p:cNvGrpSpPr/>
-        <p:nvPr/>
-      </p:nvGrpSpPr>
-      <p:grpSpPr>
-        <a:xfrm>
-          <a:off x="0" y="0"/>
-          <a:ext cx="0" cy="0"/>
-          <a:chOff x="0" y="0"/>
-          <a:chExt cx="0" cy="0"/>
-        </a:xfrm>
-      </p:grpSpPr>
-      <p:graphicFrame>
-        <p:nvGraphicFramePr>
-          <p:cNvPr id="4" name="think-cell data - do not delete" hidden="1">
-            <a:extLst>
-              <a:ext uri="{FF2B5EF4-FFF2-40B4-BE49-F238E27FC236}">
-                <a16:creationId xmlns:a16="http://schemas.microsoft.com/office/drawing/2014/main" id="{C67CC15E-C788-2007-7B30-0EEF8DF91872}"/>
-              </a:ext>
-            </a:extLst>
-          </p:cNvPr>
-          <p:cNvGraphicFramePr>
-            <a:graphicFrameLocks noChangeAspect="1"/>
-          </p:cNvGraphicFramePr>
-          <p:nvPr>
-            <p:custDataLst>
-              <p:tags r:id="rId1"/>
-            </p:custDataLst>
-          </p:nvPr>
-        </p:nvGraphicFramePr>
-        <p:xfrm>
-          <a:off x="1588" y="1588"/>
-          <a:ext cx="1588" cy="1588"/>
-        </p:xfrm>
-        <a:graphic>
-          <a:graphicData uri="http://schemas.openxmlformats.org/presentationml/2006/ole">
-            <mc:AlternateContent xmlns:mc="http://schemas.openxmlformats.org/markup-compatibility/2006">
-              <mc:Choice xmlns:v="urn:schemas-microsoft-com:vml" Requires="v">
-                <p:oleObj name="think-cell Slide" r:id="rId5" imgW="479" imgH="478" progId="TCLayout.ActiveDocument.1">
-                  <p:embed/>
-                </p:oleObj>
-              </mc:Choice>
-              <mc:Fallback>
-                <p:oleObj name="think-cell Slide" r:id="rId5" imgW="479" imgH="478" progId="TCLayout.ActiveDocument.1">
-                  <p:embed/>
-                  <p:pic>
-                    <p:nvPicPr>
-                      <p:cNvPr id="4" name="think-cell data - do not delete" hidden="1">
-                        <a:extLst>
-                          <a:ext uri="{FF2B5EF4-FFF2-40B4-BE49-F238E27FC236}">
-                            <a16:creationId xmlns:a16="http://schemas.microsoft.com/office/drawing/2014/main" id="{2DFD4C12-768C-FED4-1BAB-369797ADB58E}"/>
-                          </a:ext>
-                        </a:extLst>
-                      </p:cNvPr>
-                      <p:cNvPicPr/>
-                      <p:nvPr/>
-                    </p:nvPicPr>
-                    <p:blipFill>
-                      <a:blip r:embed="rId6"/>
-                      <a:stretch>
-                        <a:fillRect/>
-                      </a:stretch>
-                    </p:blipFill>
-                    <p:spPr>
-                      <a:xfrm>
-                        <a:off x="1588" y="1588"/>
-                        <a:ext cx="1588" cy="1588"/>
-                      </a:xfrm>
-                      <a:prstGeom prst="rect">
-                        <a:avLst/>
-                      </a:prstGeom>
-                    </p:spPr>
-                  </p:pic>
-                </p:oleObj>
-              </mc:Fallback>
-            </mc:AlternateContent>
-          </a:graphicData>
-        </a:graphic>
-      </p:graphicFrame>
-      <p:sp>
-        <p:nvSpPr>
-          <p:cNvPr id="5" name="Textfeld 15">
-            <a:extLst>
-              <a:ext uri="{FF2B5EF4-FFF2-40B4-BE49-F238E27FC236}">
-                <a16:creationId xmlns:a16="http://schemas.microsoft.com/office/drawing/2014/main" id="{6319B961-52A8-32A3-513C-4711B4A232AC}"/>
-              </a:ext>
-            </a:extLst>
-          </p:cNvPr>
-          <p:cNvSpPr txBox="1"/>
-          <p:nvPr/>
-        </p:nvSpPr>
-        <p:spPr>
-          <a:xfrm>
-            <a:off x="188340" y="147722"/>
-            <a:ext cx="432761" cy="369332"/>
-          </a:xfrm>
-          <a:prstGeom prst="rect">
-            <a:avLst/>
-          </a:prstGeom>
-          <a:noFill/>
-        </p:spPr>
-        <p:txBody>
-          <a:bodyPr wrap="square" rtlCol="0">
-            <a:spAutoFit/>
-          </a:bodyPr>
-          <a:lstStyle/>
-          <a:p>
-            <a:r>
-              <a:rPr lang="en-US" noProof="0" dirty="0">
-                <a:solidFill>
-                  <a:schemeClr val="bg2">
-                    <a:lumMod val="50000"/>
-                  </a:schemeClr>
-                </a:solidFill>
-                <a:latin typeface="Bahnschrift SemiCondensed" panose="020B0502040204020203" pitchFamily="34" charset="0"/>
-              </a:rPr>
-              <a:t>02</a:t>
-            </a:r>
-          </a:p>
-        </p:txBody>
-      </p:sp>
-      <p:sp>
-        <p:nvSpPr>
-          <p:cNvPr id="2" name="Untertitel 2">
-            <a:extLst>
-              <a:ext uri="{FF2B5EF4-FFF2-40B4-BE49-F238E27FC236}">
-                <a16:creationId xmlns:a16="http://schemas.microsoft.com/office/drawing/2014/main" id="{B822D573-FA9F-BCD2-9F60-831922AA4DE2}"/>
-              </a:ext>
-            </a:extLst>
-          </p:cNvPr>
-          <p:cNvSpPr txBox="1">
-            <a:spLocks/>
-          </p:cNvSpPr>
-          <p:nvPr/>
-        </p:nvSpPr>
-        <p:spPr>
-          <a:xfrm>
-            <a:off x="3064066" y="628345"/>
-            <a:ext cx="6619429" cy="995841"/>
-          </a:xfrm>
-          <a:prstGeom prst="rect">
-            <a:avLst/>
-          </a:prstGeom>
-        </p:spPr>
-        <p:txBody>
-          <a:bodyPr vert="horz" lIns="91440" tIns="45720" rIns="91440" bIns="45720" rtlCol="0">
-            <a:normAutofit/>
-          </a:bodyPr>
-          <a:lstStyle>
-            <a:lvl1pPr marL="228600" indent="-228600" algn="l" defTabSz="914400" rtl="0" eaLnBrk="1" latinLnBrk="0" hangingPunct="1">
-              <a:lnSpc>
-                <a:spcPct val="90000"/>
-              </a:lnSpc>
-              <a:spcBef>
-                <a:spcPts val="1000"/>
-              </a:spcBef>
-              <a:buFont typeface="Arial" panose="020B0604020202020204" pitchFamily="34" charset="0"/>
-              <a:buChar char="•"/>
-              <a:defRPr sz="2800" kern="1200">
-                <a:solidFill>
-                  <a:schemeClr val="tx1"/>
-                </a:solidFill>
-                <a:latin typeface="+mn-lt"/>
-                <a:ea typeface="+mn-ea"/>
-                <a:cs typeface="+mn-cs"/>
-              </a:defRPr>
-            </a:lvl1pPr>
-            <a:lvl2pPr marL="685800" indent="-228600" algn="l" defTabSz="914400" rtl="0" eaLnBrk="1" latinLnBrk="0" hangingPunct="1">
-              <a:lnSpc>
-                <a:spcPct val="90000"/>
-              </a:lnSpc>
-              <a:spcBef>
-                <a:spcPts val="500"/>
-              </a:spcBef>
-              <a:buFont typeface="Arial" panose="020B0604020202020204" pitchFamily="34" charset="0"/>
-              <a:buChar char="•"/>
-              <a:defRPr sz="2400" kern="1200">
-                <a:solidFill>
-                  <a:schemeClr val="tx1"/>
-                </a:solidFill>
-                <a:latin typeface="+mn-lt"/>
-                <a:ea typeface="+mn-ea"/>
-                <a:cs typeface="+mn-cs"/>
-              </a:defRPr>
-            </a:lvl2pPr>
-            <a:lvl3pPr marL="1143000" indent="-228600" algn="l" defTabSz="914400" rtl="0" eaLnBrk="1" latinLnBrk="0" hangingPunct="1">
-              <a:lnSpc>
-                <a:spcPct val="90000"/>
-              </a:lnSpc>
-              <a:spcBef>
-                <a:spcPts val="500"/>
-              </a:spcBef>
-              <a:buFont typeface="Arial" panose="020B0604020202020204" pitchFamily="34" charset="0"/>
-              <a:buChar char="•"/>
-              <a:defRPr sz="2000" kern="1200">
-                <a:solidFill>
-                  <a:schemeClr val="tx1"/>
-                </a:solidFill>
-                <a:latin typeface="+mn-lt"/>
-                <a:ea typeface="+mn-ea"/>
-                <a:cs typeface="+mn-cs"/>
-              </a:defRPr>
-            </a:lvl3pPr>
-            <a:lvl4pPr marL="1600200" indent="-228600" algn="l" defTabSz="914400" rtl="0" eaLnBrk="1" latinLnBrk="0" hangingPunct="1">
-              <a:lnSpc>
-                <a:spcPct val="90000"/>
-              </a:lnSpc>
-              <a:spcBef>
-                <a:spcPts val="500"/>
-              </a:spcBef>
-              <a:buFont typeface="Arial" panose="020B0604020202020204" pitchFamily="34" charset="0"/>
-              <a:buChar char="•"/>
-              <a:defRPr sz="1800" kern="1200">
-                <a:solidFill>
-                  <a:schemeClr val="tx1"/>
-                </a:solidFill>
-                <a:latin typeface="+mn-lt"/>
-                <a:ea typeface="+mn-ea"/>
-                <a:cs typeface="+mn-cs"/>
-              </a:defRPr>
-            </a:lvl4pPr>
-            <a:lvl5pPr marL="2057400" indent="-228600" algn="l" defTabSz="914400" rtl="0" eaLnBrk="1" latinLnBrk="0" hangingPunct="1">
-              <a:lnSpc>
-                <a:spcPct val="90000"/>
-              </a:lnSpc>
-              <a:spcBef>
-                <a:spcPts val="500"/>
-              </a:spcBef>
-              <a:buFont typeface="Arial" panose="020B0604020202020204" pitchFamily="34" charset="0"/>
-              <a:buChar char="•"/>
-              <a:defRPr sz="1800" kern="1200">
-                <a:solidFill>
-                  <a:schemeClr val="tx1"/>
-                </a:solidFill>
-                <a:latin typeface="+mn-lt"/>
-                <a:ea typeface="+mn-ea"/>
-                <a:cs typeface="+mn-cs"/>
-              </a:defRPr>
-            </a:lvl5pPr>
-            <a:lvl6pPr marL="2514600" indent="-228600" algn="l" defTabSz="914400" rtl="0" eaLnBrk="1" latinLnBrk="0" hangingPunct="1">
-              <a:lnSpc>
-                <a:spcPct val="90000"/>
-              </a:lnSpc>
-              <a:spcBef>
-                <a:spcPts val="500"/>
-              </a:spcBef>
-              <a:buFont typeface="Arial" panose="020B0604020202020204" pitchFamily="34" charset="0"/>
-              <a:buChar char="•"/>
-              <a:defRPr sz="1800" kern="1200">
-                <a:solidFill>
-                  <a:schemeClr val="tx1"/>
-                </a:solidFill>
-                <a:latin typeface="+mn-lt"/>
-                <a:ea typeface="+mn-ea"/>
-                <a:cs typeface="+mn-cs"/>
-              </a:defRPr>
-            </a:lvl6pPr>
-            <a:lvl7pPr marL="2971800" indent="-228600" algn="l" defTabSz="914400" rtl="0" eaLnBrk="1" latinLnBrk="0" hangingPunct="1">
-              <a:lnSpc>
-                <a:spcPct val="90000"/>
-              </a:lnSpc>
-              <a:spcBef>
-                <a:spcPts val="500"/>
-              </a:spcBef>
-              <a:buFont typeface="Arial" panose="020B0604020202020204" pitchFamily="34" charset="0"/>
-              <a:buChar char="•"/>
-              <a:defRPr sz="1800" kern="1200">
-                <a:solidFill>
-                  <a:schemeClr val="tx1"/>
-                </a:solidFill>
-                <a:latin typeface="+mn-lt"/>
-                <a:ea typeface="+mn-ea"/>
-                <a:cs typeface="+mn-cs"/>
-              </a:defRPr>
-            </a:lvl7pPr>
-            <a:lvl8pPr marL="3429000" indent="-228600" algn="l" defTabSz="914400" rtl="0" eaLnBrk="1" latinLnBrk="0" hangingPunct="1">
-              <a:lnSpc>
-                <a:spcPct val="90000"/>
-              </a:lnSpc>
-              <a:spcBef>
-                <a:spcPts val="500"/>
-              </a:spcBef>
-              <a:buFont typeface="Arial" panose="020B0604020202020204" pitchFamily="34" charset="0"/>
-              <a:buChar char="•"/>
-              <a:defRPr sz="1800" kern="1200">
-                <a:solidFill>
-                  <a:schemeClr val="tx1"/>
-                </a:solidFill>
-                <a:latin typeface="+mn-lt"/>
-                <a:ea typeface="+mn-ea"/>
-                <a:cs typeface="+mn-cs"/>
-              </a:defRPr>
-            </a:lvl8pPr>
-            <a:lvl9pPr marL="3886200" indent="-228600" algn="l" defTabSz="914400" rtl="0" eaLnBrk="1" latinLnBrk="0" hangingPunct="1">
-              <a:lnSpc>
-                <a:spcPct val="90000"/>
-              </a:lnSpc>
-              <a:spcBef>
-                <a:spcPts val="500"/>
-              </a:spcBef>
-              <a:buFont typeface="Arial" panose="020B0604020202020204" pitchFamily="34" charset="0"/>
-              <a:buChar char="•"/>
-              <a:defRPr sz="1800" kern="1200">
-                <a:solidFill>
-                  <a:schemeClr val="tx1"/>
-                </a:solidFill>
-                <a:latin typeface="+mn-lt"/>
-                <a:ea typeface="+mn-ea"/>
-                <a:cs typeface="+mn-cs"/>
-              </a:defRPr>
-            </a:lvl9pPr>
-          </a:lstStyle>
-          <a:p>
-            <a:pPr marL="0" indent="0">
-              <a:buNone/>
-            </a:pPr>
-            <a:r>
-              <a:rPr lang="en-US" sz="3200" noProof="0" dirty="0">
-                <a:latin typeface="Bahnschrift SemiCondensed" panose="020B0502040204020203" pitchFamily="34" charset="0"/>
-              </a:rPr>
-              <a:t>Title</a:t>
-            </a:r>
-            <a:endParaRPr lang="en-US" sz="3200" noProof="0" dirty="0"/>
-          </a:p>
-        </p:txBody>
-      </p:sp>
-      <p:sp>
-        <p:nvSpPr>
-          <p:cNvPr id="23" name="Untertitel 2">
-            <a:extLst>
-              <a:ext uri="{FF2B5EF4-FFF2-40B4-BE49-F238E27FC236}">
-                <a16:creationId xmlns:a16="http://schemas.microsoft.com/office/drawing/2014/main" id="{8B0DCD76-A691-14DB-E28E-8CE6D69B00EB}"/>
-              </a:ext>
-            </a:extLst>
-          </p:cNvPr>
-          <p:cNvSpPr txBox="1">
-            <a:spLocks/>
-          </p:cNvSpPr>
-          <p:nvPr/>
-        </p:nvSpPr>
-        <p:spPr>
-          <a:xfrm>
-            <a:off x="1412051" y="1763726"/>
-            <a:ext cx="1398206" cy="487223"/>
-          </a:xfrm>
-          <a:prstGeom prst="rect">
-            <a:avLst/>
-          </a:prstGeom>
-        </p:spPr>
-        <p:txBody>
-          <a:bodyPr vert="horz" lIns="91440" tIns="45720" rIns="91440" bIns="45720" rtlCol="0">
-            <a:normAutofit/>
-          </a:bodyPr>
-          <a:lstStyle>
-            <a:lvl1pPr marL="228600" indent="-228600" algn="l" defTabSz="914400" rtl="0" eaLnBrk="1" latinLnBrk="0" hangingPunct="1">
-              <a:lnSpc>
-                <a:spcPct val="90000"/>
-              </a:lnSpc>
-              <a:spcBef>
-                <a:spcPts val="1000"/>
-              </a:spcBef>
-              <a:buFont typeface="Arial" panose="020B0604020202020204" pitchFamily="34" charset="0"/>
-              <a:buChar char="•"/>
-              <a:defRPr sz="2800" kern="1200">
-                <a:solidFill>
-                  <a:schemeClr val="tx1"/>
-                </a:solidFill>
-                <a:latin typeface="+mn-lt"/>
-                <a:ea typeface="+mn-ea"/>
-                <a:cs typeface="+mn-cs"/>
-              </a:defRPr>
-            </a:lvl1pPr>
-            <a:lvl2pPr marL="685800" indent="-228600" algn="l" defTabSz="914400" rtl="0" eaLnBrk="1" latinLnBrk="0" hangingPunct="1">
-              <a:lnSpc>
-                <a:spcPct val="90000"/>
-              </a:lnSpc>
-              <a:spcBef>
-                <a:spcPts val="500"/>
-              </a:spcBef>
-              <a:buFont typeface="Arial" panose="020B0604020202020204" pitchFamily="34" charset="0"/>
-              <a:buChar char="•"/>
-              <a:defRPr sz="2400" kern="1200">
-                <a:solidFill>
-                  <a:schemeClr val="tx1"/>
-                </a:solidFill>
-                <a:latin typeface="+mn-lt"/>
-                <a:ea typeface="+mn-ea"/>
-                <a:cs typeface="+mn-cs"/>
-              </a:defRPr>
-            </a:lvl2pPr>
-            <a:lvl3pPr marL="1143000" indent="-228600" algn="l" defTabSz="914400" rtl="0" eaLnBrk="1" latinLnBrk="0" hangingPunct="1">
-              <a:lnSpc>
-                <a:spcPct val="90000"/>
-              </a:lnSpc>
-              <a:spcBef>
-                <a:spcPts val="500"/>
-              </a:spcBef>
-              <a:buFont typeface="Arial" panose="020B0604020202020204" pitchFamily="34" charset="0"/>
-              <a:buChar char="•"/>
-              <a:defRPr sz="2000" kern="1200">
-                <a:solidFill>
-                  <a:schemeClr val="tx1"/>
-                </a:solidFill>
-                <a:latin typeface="+mn-lt"/>
-                <a:ea typeface="+mn-ea"/>
-                <a:cs typeface="+mn-cs"/>
-              </a:defRPr>
-            </a:lvl3pPr>
-            <a:lvl4pPr marL="1600200" indent="-228600" algn="l" defTabSz="914400" rtl="0" eaLnBrk="1" latinLnBrk="0" hangingPunct="1">
-              <a:lnSpc>
-                <a:spcPct val="90000"/>
-              </a:lnSpc>
-              <a:spcBef>
-                <a:spcPts val="500"/>
-              </a:spcBef>
-              <a:buFont typeface="Arial" panose="020B0604020202020204" pitchFamily="34" charset="0"/>
-              <a:buChar char="•"/>
-              <a:defRPr sz="1800" kern="1200">
-                <a:solidFill>
-                  <a:schemeClr val="tx1"/>
-                </a:solidFill>
-                <a:latin typeface="+mn-lt"/>
-                <a:ea typeface="+mn-ea"/>
-                <a:cs typeface="+mn-cs"/>
-              </a:defRPr>
-            </a:lvl4pPr>
-            <a:lvl5pPr marL="2057400" indent="-228600" algn="l" defTabSz="914400" rtl="0" eaLnBrk="1" latinLnBrk="0" hangingPunct="1">
-              <a:lnSpc>
-                <a:spcPct val="90000"/>
-              </a:lnSpc>
-              <a:spcBef>
-                <a:spcPts val="500"/>
-              </a:spcBef>
-              <a:buFont typeface="Arial" panose="020B0604020202020204" pitchFamily="34" charset="0"/>
-              <a:buChar char="•"/>
-              <a:defRPr sz="1800" kern="1200">
-                <a:solidFill>
-                  <a:schemeClr val="tx1"/>
-                </a:solidFill>
-                <a:latin typeface="+mn-lt"/>
-                <a:ea typeface="+mn-ea"/>
-                <a:cs typeface="+mn-cs"/>
-              </a:defRPr>
-            </a:lvl5pPr>
-            <a:lvl6pPr marL="2514600" indent="-228600" algn="l" defTabSz="914400" rtl="0" eaLnBrk="1" latinLnBrk="0" hangingPunct="1">
-              <a:lnSpc>
-                <a:spcPct val="90000"/>
-              </a:lnSpc>
-              <a:spcBef>
-                <a:spcPts val="500"/>
-              </a:spcBef>
-              <a:buFont typeface="Arial" panose="020B0604020202020204" pitchFamily="34" charset="0"/>
-              <a:buChar char="•"/>
-              <a:defRPr sz="1800" kern="1200">
-                <a:solidFill>
-                  <a:schemeClr val="tx1"/>
-                </a:solidFill>
-                <a:latin typeface="+mn-lt"/>
-                <a:ea typeface="+mn-ea"/>
-                <a:cs typeface="+mn-cs"/>
-              </a:defRPr>
-            </a:lvl6pPr>
-            <a:lvl7pPr marL="2971800" indent="-228600" algn="l" defTabSz="914400" rtl="0" eaLnBrk="1" latinLnBrk="0" hangingPunct="1">
-              <a:lnSpc>
-                <a:spcPct val="90000"/>
-              </a:lnSpc>
-              <a:spcBef>
-                <a:spcPts val="500"/>
-              </a:spcBef>
-              <a:buFont typeface="Arial" panose="020B0604020202020204" pitchFamily="34" charset="0"/>
-              <a:buChar char="•"/>
-              <a:defRPr sz="1800" kern="1200">
-                <a:solidFill>
-                  <a:schemeClr val="tx1"/>
-                </a:solidFill>
-                <a:latin typeface="+mn-lt"/>
-                <a:ea typeface="+mn-ea"/>
-                <a:cs typeface="+mn-cs"/>
-              </a:defRPr>
-            </a:lvl7pPr>
-            <a:lvl8pPr marL="3429000" indent="-228600" algn="l" defTabSz="914400" rtl="0" eaLnBrk="1" latinLnBrk="0" hangingPunct="1">
-              <a:lnSpc>
-                <a:spcPct val="90000"/>
-              </a:lnSpc>
-              <a:spcBef>
-                <a:spcPts val="500"/>
-              </a:spcBef>
-              <a:buFont typeface="Arial" panose="020B0604020202020204" pitchFamily="34" charset="0"/>
-              <a:buChar char="•"/>
-              <a:defRPr sz="1800" kern="1200">
-                <a:solidFill>
-                  <a:schemeClr val="tx1"/>
-                </a:solidFill>
-                <a:latin typeface="+mn-lt"/>
-                <a:ea typeface="+mn-ea"/>
-                <a:cs typeface="+mn-cs"/>
-              </a:defRPr>
-            </a:lvl8pPr>
-            <a:lvl9pPr marL="3886200" indent="-228600" algn="l" defTabSz="914400" rtl="0" eaLnBrk="1" latinLnBrk="0" hangingPunct="1">
-              <a:lnSpc>
-                <a:spcPct val="90000"/>
-              </a:lnSpc>
-              <a:spcBef>
-                <a:spcPts val="500"/>
-              </a:spcBef>
-              <a:buFont typeface="Arial" panose="020B0604020202020204" pitchFamily="34" charset="0"/>
-              <a:buChar char="•"/>
-              <a:defRPr sz="1800" kern="1200">
-                <a:solidFill>
-                  <a:schemeClr val="tx1"/>
-                </a:solidFill>
-                <a:latin typeface="+mn-lt"/>
-                <a:ea typeface="+mn-ea"/>
-                <a:cs typeface="+mn-cs"/>
-              </a:defRPr>
-            </a:lvl9pPr>
-          </a:lstStyle>
-          <a:p>
-            <a:pPr marL="0" indent="0">
-              <a:buNone/>
-            </a:pPr>
-            <a:r>
-              <a:rPr lang="en-US" sz="2400" noProof="0" dirty="0">
-                <a:solidFill>
-                  <a:schemeClr val="tx2">
-                    <a:lumMod val="75000"/>
-                    <a:lumOff val="25000"/>
-                  </a:schemeClr>
-                </a:solidFill>
-                <a:latin typeface="Bahnschrift SemiCondensed" panose="020B0502040204020203" pitchFamily="34" charset="0"/>
-              </a:rPr>
-              <a:t>XY-Model</a:t>
-            </a:r>
-            <a:endParaRPr lang="en-US" sz="2400" noProof="0" dirty="0">
-              <a:solidFill>
-                <a:schemeClr val="tx2">
-                  <a:lumMod val="75000"/>
-                  <a:lumOff val="25000"/>
-                </a:schemeClr>
-              </a:solidFill>
-            </a:endParaRPr>
-          </a:p>
-        </p:txBody>
-      </p:sp>
-      <p:sp>
-        <p:nvSpPr>
-          <p:cNvPr id="29" name="Untertitel 2">
-            <a:extLst>
-              <a:ext uri="{FF2B5EF4-FFF2-40B4-BE49-F238E27FC236}">
-                <a16:creationId xmlns:a16="http://schemas.microsoft.com/office/drawing/2014/main" id="{D028883B-BF9A-F339-882C-681CC2578625}"/>
-              </a:ext>
-            </a:extLst>
-          </p:cNvPr>
-          <p:cNvSpPr txBox="1">
-            <a:spLocks/>
-          </p:cNvSpPr>
-          <p:nvPr/>
-        </p:nvSpPr>
-        <p:spPr>
-          <a:xfrm>
-            <a:off x="1593206" y="2328707"/>
-            <a:ext cx="906543" cy="487223"/>
-          </a:xfrm>
-          <a:prstGeom prst="rect">
-            <a:avLst/>
-          </a:prstGeom>
-        </p:spPr>
-        <p:txBody>
-          <a:bodyPr vert="horz" lIns="91440" tIns="45720" rIns="91440" bIns="45720" rtlCol="0">
-            <a:normAutofit/>
-          </a:bodyPr>
-          <a:lstStyle>
-            <a:lvl1pPr marL="228600" indent="-228600" algn="l" defTabSz="914400" rtl="0" eaLnBrk="1" latinLnBrk="0" hangingPunct="1">
-              <a:lnSpc>
-                <a:spcPct val="90000"/>
-              </a:lnSpc>
-              <a:spcBef>
-                <a:spcPts val="1000"/>
-              </a:spcBef>
-              <a:buFont typeface="Arial" panose="020B0604020202020204" pitchFamily="34" charset="0"/>
-              <a:buChar char="•"/>
-              <a:defRPr sz="2800" kern="1200">
-                <a:solidFill>
-                  <a:schemeClr val="tx1"/>
-                </a:solidFill>
-                <a:latin typeface="+mn-lt"/>
-                <a:ea typeface="+mn-ea"/>
-                <a:cs typeface="+mn-cs"/>
-              </a:defRPr>
-            </a:lvl1pPr>
-            <a:lvl2pPr marL="685800" indent="-228600" algn="l" defTabSz="914400" rtl="0" eaLnBrk="1" latinLnBrk="0" hangingPunct="1">
-              <a:lnSpc>
-                <a:spcPct val="90000"/>
-              </a:lnSpc>
-              <a:spcBef>
-                <a:spcPts val="500"/>
-              </a:spcBef>
-              <a:buFont typeface="Arial" panose="020B0604020202020204" pitchFamily="34" charset="0"/>
-              <a:buChar char="•"/>
-              <a:defRPr sz="2400" kern="1200">
-                <a:solidFill>
-                  <a:schemeClr val="tx1"/>
-                </a:solidFill>
-                <a:latin typeface="+mn-lt"/>
-                <a:ea typeface="+mn-ea"/>
-                <a:cs typeface="+mn-cs"/>
-              </a:defRPr>
-            </a:lvl2pPr>
-            <a:lvl3pPr marL="1143000" indent="-228600" algn="l" defTabSz="914400" rtl="0" eaLnBrk="1" latinLnBrk="0" hangingPunct="1">
-              <a:lnSpc>
-                <a:spcPct val="90000"/>
-              </a:lnSpc>
-              <a:spcBef>
-                <a:spcPts val="500"/>
-              </a:spcBef>
-              <a:buFont typeface="Arial" panose="020B0604020202020204" pitchFamily="34" charset="0"/>
-              <a:buChar char="•"/>
-              <a:defRPr sz="2000" kern="1200">
-                <a:solidFill>
-                  <a:schemeClr val="tx1"/>
-                </a:solidFill>
-                <a:latin typeface="+mn-lt"/>
-                <a:ea typeface="+mn-ea"/>
-                <a:cs typeface="+mn-cs"/>
-              </a:defRPr>
-            </a:lvl3pPr>
-            <a:lvl4pPr marL="1600200" indent="-228600" algn="l" defTabSz="914400" rtl="0" eaLnBrk="1" latinLnBrk="0" hangingPunct="1">
-              <a:lnSpc>
-                <a:spcPct val="90000"/>
-              </a:lnSpc>
-              <a:spcBef>
-                <a:spcPts val="500"/>
-              </a:spcBef>
-              <a:buFont typeface="Arial" panose="020B0604020202020204" pitchFamily="34" charset="0"/>
-              <a:buChar char="•"/>
-              <a:defRPr sz="1800" kern="1200">
-                <a:solidFill>
-                  <a:schemeClr val="tx1"/>
-                </a:solidFill>
-                <a:latin typeface="+mn-lt"/>
-                <a:ea typeface="+mn-ea"/>
-                <a:cs typeface="+mn-cs"/>
-              </a:defRPr>
-            </a:lvl4pPr>
-            <a:lvl5pPr marL="2057400" indent="-228600" algn="l" defTabSz="914400" rtl="0" eaLnBrk="1" latinLnBrk="0" hangingPunct="1">
-              <a:lnSpc>
-                <a:spcPct val="90000"/>
-              </a:lnSpc>
-              <a:spcBef>
-                <a:spcPts val="500"/>
-              </a:spcBef>
-              <a:buFont typeface="Arial" panose="020B0604020202020204" pitchFamily="34" charset="0"/>
-              <a:buChar char="•"/>
-              <a:defRPr sz="1800" kern="1200">
-                <a:solidFill>
-                  <a:schemeClr val="tx1"/>
-                </a:solidFill>
-                <a:latin typeface="+mn-lt"/>
-                <a:ea typeface="+mn-ea"/>
-                <a:cs typeface="+mn-cs"/>
-              </a:defRPr>
-            </a:lvl5pPr>
-            <a:lvl6pPr marL="2514600" indent="-228600" algn="l" defTabSz="914400" rtl="0" eaLnBrk="1" latinLnBrk="0" hangingPunct="1">
-              <a:lnSpc>
-                <a:spcPct val="90000"/>
-              </a:lnSpc>
-              <a:spcBef>
-                <a:spcPts val="500"/>
-              </a:spcBef>
-              <a:buFont typeface="Arial" panose="020B0604020202020204" pitchFamily="34" charset="0"/>
-              <a:buChar char="•"/>
-              <a:defRPr sz="1800" kern="1200">
-                <a:solidFill>
-                  <a:schemeClr val="tx1"/>
-                </a:solidFill>
-                <a:latin typeface="+mn-lt"/>
-                <a:ea typeface="+mn-ea"/>
-                <a:cs typeface="+mn-cs"/>
-              </a:defRPr>
-            </a:lvl6pPr>
-            <a:lvl7pPr marL="2971800" indent="-228600" algn="l" defTabSz="914400" rtl="0" eaLnBrk="1" latinLnBrk="0" hangingPunct="1">
-              <a:lnSpc>
-                <a:spcPct val="90000"/>
-              </a:lnSpc>
-              <a:spcBef>
-                <a:spcPts val="500"/>
-              </a:spcBef>
-              <a:buFont typeface="Arial" panose="020B0604020202020204" pitchFamily="34" charset="0"/>
-              <a:buChar char="•"/>
-              <a:defRPr sz="1800" kern="1200">
-                <a:solidFill>
-                  <a:schemeClr val="tx1"/>
-                </a:solidFill>
-                <a:latin typeface="+mn-lt"/>
-                <a:ea typeface="+mn-ea"/>
-                <a:cs typeface="+mn-cs"/>
-              </a:defRPr>
-            </a:lvl7pPr>
-            <a:lvl8pPr marL="3429000" indent="-228600" algn="l" defTabSz="914400" rtl="0" eaLnBrk="1" latinLnBrk="0" hangingPunct="1">
-              <a:lnSpc>
-                <a:spcPct val="90000"/>
-              </a:lnSpc>
-              <a:spcBef>
-                <a:spcPts val="500"/>
-              </a:spcBef>
-              <a:buFont typeface="Arial" panose="020B0604020202020204" pitchFamily="34" charset="0"/>
-              <a:buChar char="•"/>
-              <a:defRPr sz="1800" kern="1200">
-                <a:solidFill>
-                  <a:schemeClr val="tx1"/>
-                </a:solidFill>
-                <a:latin typeface="+mn-lt"/>
-                <a:ea typeface="+mn-ea"/>
-                <a:cs typeface="+mn-cs"/>
-              </a:defRPr>
-            </a:lvl8pPr>
-            <a:lvl9pPr marL="3886200" indent="-228600" algn="l" defTabSz="914400" rtl="0" eaLnBrk="1" latinLnBrk="0" hangingPunct="1">
-              <a:lnSpc>
-                <a:spcPct val="90000"/>
-              </a:lnSpc>
-              <a:spcBef>
-                <a:spcPts val="500"/>
-              </a:spcBef>
-              <a:buFont typeface="Arial" panose="020B0604020202020204" pitchFamily="34" charset="0"/>
-              <a:buChar char="•"/>
-              <a:defRPr sz="1800" kern="1200">
-                <a:solidFill>
-                  <a:schemeClr val="tx1"/>
-                </a:solidFill>
-                <a:latin typeface="+mn-lt"/>
-                <a:ea typeface="+mn-ea"/>
-                <a:cs typeface="+mn-cs"/>
-              </a:defRPr>
-            </a:lvl9pPr>
-          </a:lstStyle>
-          <a:p>
-            <a:pPr marL="0" indent="0">
-              <a:buNone/>
-            </a:pPr>
-            <a:r>
-              <a:rPr lang="en-US" sz="2000" noProof="0" dirty="0" err="1">
-                <a:latin typeface="Bahnschrift SemiCondensed" panose="020B0502040204020203" pitchFamily="34" charset="0"/>
-              </a:rPr>
-              <a:t>Bla</a:t>
-            </a:r>
-            <a:r>
-              <a:rPr lang="en-US" sz="2000" noProof="0" dirty="0">
-                <a:latin typeface="Bahnschrift SemiCondensed" panose="020B0502040204020203" pitchFamily="34" charset="0"/>
-              </a:rPr>
-              <a:t> </a:t>
-            </a:r>
-            <a:r>
-              <a:rPr lang="en-US" sz="2000" noProof="0" dirty="0" err="1">
-                <a:latin typeface="Bahnschrift SemiCondensed" panose="020B0502040204020203" pitchFamily="34" charset="0"/>
-              </a:rPr>
-              <a:t>bla</a:t>
-            </a:r>
-            <a:endParaRPr lang="en-US" sz="2000" noProof="0" dirty="0"/>
-          </a:p>
-        </p:txBody>
-      </p:sp>
-      <p:pic>
-        <p:nvPicPr>
-          <p:cNvPr id="6" name="Picture 5" descr="\documentclass{article}&#10;\usepackage{amsmath}&#10;\pagestyle{empty}&#10;\begin{document}&#10;&#10;$\hat{H}$&#10;&#10;&#10;\end{document}" title="IguanaTex Picture Display">
-            <a:extLst>
-              <a:ext uri="{FF2B5EF4-FFF2-40B4-BE49-F238E27FC236}">
-                <a16:creationId xmlns:a16="http://schemas.microsoft.com/office/drawing/2014/main" id="{EE85CAE0-354E-634E-F28D-BDE2AE28364B}"/>
-              </a:ext>
-            </a:extLst>
-          </p:cNvPr>
-          <p:cNvPicPr>
-            <a:picLocks noChangeAspect="1"/>
-          </p:cNvPicPr>
-          <p:nvPr>
-            <p:custDataLst>
-              <p:tags r:id="rId2"/>
-            </p:custDataLst>
-          </p:nvPr>
-        </p:nvPicPr>
-        <p:blipFill>
-          <a:blip r:embed="rId7">
-            <a:extLst>
-              <a:ext uri="{28A0092B-C50C-407E-A947-70E740481C1C}">
-                <a14:useLocalDpi xmlns:a14="http://schemas.microsoft.com/office/drawing/2010/main" val="0"/>
-              </a:ext>
-            </a:extLst>
-          </a:blip>
-          <a:stretch>
-            <a:fillRect/>
-          </a:stretch>
-        </p:blipFill>
-        <p:spPr>
-          <a:xfrm>
-            <a:off x="3062112" y="1790107"/>
-            <a:ext cx="214857" cy="239238"/>
-          </a:xfrm>
-          <a:prstGeom prst="rect">
-            <a:avLst/>
-          </a:prstGeom>
-        </p:spPr>
-      </p:pic>
-    </p:spTree>
-    <p:extLst>
-      <p:ext uri="{BB962C8B-B14F-4D97-AF65-F5344CB8AC3E}">
-        <p14:creationId xmlns:p14="http://schemas.microsoft.com/office/powerpoint/2010/main" val="727609638"/>
-      </p:ext>
-    </p:extLst>
-  </p:cSld>
-  <p:clrMapOvr>
-    <a:masterClrMapping/>
-  </p:clrMapOvr>
-</p:sld>
-</file>
-
-<file path=ppt/slides/slide6.xml><?xml version="1.0" encoding="utf-8"?>
-<p:sld xmlns:a="http://schemas.openxmlformats.org/drawingml/2006/main" xmlns:r="http://schemas.openxmlformats.org/officeDocument/2006/relationships" xmlns:p="http://schemas.openxmlformats.org/presentationml/2006/main">
-  <p:cSld>
-    <p:spTree>
-      <p:nvGrpSpPr>
-        <p:cNvPr id="1" name="">
-          <a:extLst>
-            <a:ext uri="{FF2B5EF4-FFF2-40B4-BE49-F238E27FC236}">
-              <a16:creationId xmlns:a16="http://schemas.microsoft.com/office/drawing/2014/main" id="{D9E162AD-5855-A06D-708A-BB4484142BD9}"/>
-            </a:ext>
-          </a:extLst>
-        </p:cNvPr>
-        <p:cNvGrpSpPr/>
-        <p:nvPr/>
-      </p:nvGrpSpPr>
-      <p:grpSpPr>
-        <a:xfrm>
-          <a:off x="0" y="0"/>
-          <a:ext cx="0" cy="0"/>
-          <a:chOff x="0" y="0"/>
-          <a:chExt cx="0" cy="0"/>
-        </a:xfrm>
-      </p:grpSpPr>
-      <p:graphicFrame>
-        <p:nvGraphicFramePr>
-          <p:cNvPr id="4" name="think-cell data - do not delete" hidden="1">
-            <a:extLst>
-              <a:ext uri="{FF2B5EF4-FFF2-40B4-BE49-F238E27FC236}">
-                <a16:creationId xmlns:a16="http://schemas.microsoft.com/office/drawing/2014/main" id="{EB375081-2BFA-2F6E-3A3E-76E6D980A57F}"/>
-              </a:ext>
-            </a:extLst>
-          </p:cNvPr>
-          <p:cNvGraphicFramePr>
-            <a:graphicFrameLocks noChangeAspect="1"/>
-          </p:cNvGraphicFramePr>
-          <p:nvPr>
-            <p:custDataLst>
-              <p:tags r:id="rId1"/>
-            </p:custDataLst>
-          </p:nvPr>
-        </p:nvGraphicFramePr>
-        <p:xfrm>
-          <a:off x="1588" y="1588"/>
-          <a:ext cx="1588" cy="1588"/>
-        </p:xfrm>
-        <a:graphic>
-          <a:graphicData uri="http://schemas.openxmlformats.org/presentationml/2006/ole">
-            <mc:AlternateContent xmlns:mc="http://schemas.openxmlformats.org/markup-compatibility/2006">
-              <mc:Choice xmlns:v="urn:schemas-microsoft-com:vml" Requires="v">
-                <p:oleObj name="think-cell Slide" r:id="rId5" imgW="479" imgH="478" progId="TCLayout.ActiveDocument.1">
-                  <p:embed/>
-                </p:oleObj>
-              </mc:Choice>
-              <mc:Fallback>
-                <p:oleObj name="think-cell Slide" r:id="rId5" imgW="479" imgH="478" progId="TCLayout.ActiveDocument.1">
-                  <p:embed/>
-                  <p:pic>
-                    <p:nvPicPr>
-                      <p:cNvPr id="4" name="think-cell data - do not delete" hidden="1">
-                        <a:extLst>
-                          <a:ext uri="{FF2B5EF4-FFF2-40B4-BE49-F238E27FC236}">
-                            <a16:creationId xmlns:a16="http://schemas.microsoft.com/office/drawing/2014/main" id="{2DFD4C12-768C-FED4-1BAB-369797ADB58E}"/>
-                          </a:ext>
-                        </a:extLst>
-                      </p:cNvPr>
-                      <p:cNvPicPr/>
-                      <p:nvPr/>
-                    </p:nvPicPr>
-                    <p:blipFill>
-                      <a:blip r:embed="rId6"/>
-                      <a:stretch>
-                        <a:fillRect/>
-                      </a:stretch>
-                    </p:blipFill>
-                    <p:spPr>
-                      <a:xfrm>
-                        <a:off x="1588" y="1588"/>
-                        <a:ext cx="1588" cy="1588"/>
-                      </a:xfrm>
-                      <a:prstGeom prst="rect">
-                        <a:avLst/>
-                      </a:prstGeom>
-                    </p:spPr>
-                  </p:pic>
-                </p:oleObj>
-              </mc:Fallback>
-            </mc:AlternateContent>
-          </a:graphicData>
-        </a:graphic>
-      </p:graphicFrame>
-      <p:sp>
-        <p:nvSpPr>
-          <p:cNvPr id="5" name="Textfeld 15">
-            <a:extLst>
-              <a:ext uri="{FF2B5EF4-FFF2-40B4-BE49-F238E27FC236}">
-                <a16:creationId xmlns:a16="http://schemas.microsoft.com/office/drawing/2014/main" id="{E17E9F26-3302-1CCE-C09C-BFF56B34D14D}"/>
-              </a:ext>
-            </a:extLst>
-          </p:cNvPr>
-          <p:cNvSpPr txBox="1"/>
-          <p:nvPr/>
-        </p:nvSpPr>
-        <p:spPr>
-          <a:xfrm>
-            <a:off x="188340" y="147722"/>
-            <a:ext cx="432761" cy="369332"/>
-          </a:xfrm>
-          <a:prstGeom prst="rect">
-            <a:avLst/>
-          </a:prstGeom>
-          <a:noFill/>
-        </p:spPr>
-        <p:txBody>
-          <a:bodyPr wrap="square" rtlCol="0">
-            <a:spAutoFit/>
-          </a:bodyPr>
-          <a:lstStyle/>
-          <a:p>
-            <a:r>
-              <a:rPr lang="en-US" noProof="0" dirty="0">
-                <a:solidFill>
-                  <a:schemeClr val="bg2">
-                    <a:lumMod val="50000"/>
-                  </a:schemeClr>
-                </a:solidFill>
-                <a:latin typeface="Bahnschrift SemiCondensed" panose="020B0502040204020203" pitchFamily="34" charset="0"/>
-              </a:rPr>
-              <a:t>02</a:t>
-            </a:r>
-          </a:p>
-        </p:txBody>
-      </p:sp>
-      <p:sp>
-        <p:nvSpPr>
-          <p:cNvPr id="2" name="Untertitel 2">
-            <a:extLst>
-              <a:ext uri="{FF2B5EF4-FFF2-40B4-BE49-F238E27FC236}">
-                <a16:creationId xmlns:a16="http://schemas.microsoft.com/office/drawing/2014/main" id="{DD1C9E7A-5CA4-CF07-DFDE-3019FF6BD592}"/>
-              </a:ext>
-            </a:extLst>
-          </p:cNvPr>
-          <p:cNvSpPr txBox="1">
-            <a:spLocks/>
-          </p:cNvSpPr>
-          <p:nvPr/>
-        </p:nvSpPr>
-        <p:spPr>
-          <a:xfrm>
-            <a:off x="3064066" y="628345"/>
-            <a:ext cx="6619429" cy="995841"/>
-          </a:xfrm>
-          <a:prstGeom prst="rect">
-            <a:avLst/>
-          </a:prstGeom>
-        </p:spPr>
-        <p:txBody>
-          <a:bodyPr vert="horz" lIns="91440" tIns="45720" rIns="91440" bIns="45720" rtlCol="0">
-            <a:normAutofit/>
-          </a:bodyPr>
-          <a:lstStyle>
-            <a:lvl1pPr marL="228600" indent="-228600" algn="l" defTabSz="914400" rtl="0" eaLnBrk="1" latinLnBrk="0" hangingPunct="1">
-              <a:lnSpc>
-                <a:spcPct val="90000"/>
-              </a:lnSpc>
-              <a:spcBef>
-                <a:spcPts val="1000"/>
-              </a:spcBef>
-              <a:buFont typeface="Arial" panose="020B0604020202020204" pitchFamily="34" charset="0"/>
-              <a:buChar char="•"/>
-              <a:defRPr sz="2800" kern="1200">
-                <a:solidFill>
-                  <a:schemeClr val="tx1"/>
-                </a:solidFill>
-                <a:latin typeface="+mn-lt"/>
-                <a:ea typeface="+mn-ea"/>
-                <a:cs typeface="+mn-cs"/>
-              </a:defRPr>
-            </a:lvl1pPr>
-            <a:lvl2pPr marL="685800" indent="-228600" algn="l" defTabSz="914400" rtl="0" eaLnBrk="1" latinLnBrk="0" hangingPunct="1">
-              <a:lnSpc>
-                <a:spcPct val="90000"/>
-              </a:lnSpc>
-              <a:spcBef>
-                <a:spcPts val="500"/>
-              </a:spcBef>
-              <a:buFont typeface="Arial" panose="020B0604020202020204" pitchFamily="34" charset="0"/>
-              <a:buChar char="•"/>
-              <a:defRPr sz="2400" kern="1200">
-                <a:solidFill>
-                  <a:schemeClr val="tx1"/>
-                </a:solidFill>
-                <a:latin typeface="+mn-lt"/>
-                <a:ea typeface="+mn-ea"/>
-                <a:cs typeface="+mn-cs"/>
-              </a:defRPr>
-            </a:lvl2pPr>
-            <a:lvl3pPr marL="1143000" indent="-228600" algn="l" defTabSz="914400" rtl="0" eaLnBrk="1" latinLnBrk="0" hangingPunct="1">
-              <a:lnSpc>
-                <a:spcPct val="90000"/>
-              </a:lnSpc>
-              <a:spcBef>
-                <a:spcPts val="500"/>
-              </a:spcBef>
-              <a:buFont typeface="Arial" panose="020B0604020202020204" pitchFamily="34" charset="0"/>
-              <a:buChar char="•"/>
-              <a:defRPr sz="2000" kern="1200">
-                <a:solidFill>
-                  <a:schemeClr val="tx1"/>
-                </a:solidFill>
-                <a:latin typeface="+mn-lt"/>
-                <a:ea typeface="+mn-ea"/>
-                <a:cs typeface="+mn-cs"/>
-              </a:defRPr>
-            </a:lvl3pPr>
-            <a:lvl4pPr marL="1600200" indent="-228600" algn="l" defTabSz="914400" rtl="0" eaLnBrk="1" latinLnBrk="0" hangingPunct="1">
-              <a:lnSpc>
-                <a:spcPct val="90000"/>
-              </a:lnSpc>
-              <a:spcBef>
-                <a:spcPts val="500"/>
-              </a:spcBef>
-              <a:buFont typeface="Arial" panose="020B0604020202020204" pitchFamily="34" charset="0"/>
-              <a:buChar char="•"/>
-              <a:defRPr sz="1800" kern="1200">
-                <a:solidFill>
-                  <a:schemeClr val="tx1"/>
-                </a:solidFill>
-                <a:latin typeface="+mn-lt"/>
-                <a:ea typeface="+mn-ea"/>
-                <a:cs typeface="+mn-cs"/>
-              </a:defRPr>
-            </a:lvl4pPr>
-            <a:lvl5pPr marL="2057400" indent="-228600" algn="l" defTabSz="914400" rtl="0" eaLnBrk="1" latinLnBrk="0" hangingPunct="1">
-              <a:lnSpc>
-                <a:spcPct val="90000"/>
-              </a:lnSpc>
-              <a:spcBef>
-                <a:spcPts val="500"/>
-              </a:spcBef>
-              <a:buFont typeface="Arial" panose="020B0604020202020204" pitchFamily="34" charset="0"/>
-              <a:buChar char="•"/>
-              <a:defRPr sz="1800" kern="1200">
-                <a:solidFill>
-                  <a:schemeClr val="tx1"/>
-                </a:solidFill>
-                <a:latin typeface="+mn-lt"/>
-                <a:ea typeface="+mn-ea"/>
-                <a:cs typeface="+mn-cs"/>
-              </a:defRPr>
-            </a:lvl5pPr>
-            <a:lvl6pPr marL="2514600" indent="-228600" algn="l" defTabSz="914400" rtl="0" eaLnBrk="1" latinLnBrk="0" hangingPunct="1">
-              <a:lnSpc>
-                <a:spcPct val="90000"/>
-              </a:lnSpc>
-              <a:spcBef>
-                <a:spcPts val="500"/>
-              </a:spcBef>
-              <a:buFont typeface="Arial" panose="020B0604020202020204" pitchFamily="34" charset="0"/>
-              <a:buChar char="•"/>
-              <a:defRPr sz="1800" kern="1200">
-                <a:solidFill>
-                  <a:schemeClr val="tx1"/>
-                </a:solidFill>
-                <a:latin typeface="+mn-lt"/>
-                <a:ea typeface="+mn-ea"/>
-                <a:cs typeface="+mn-cs"/>
-              </a:defRPr>
-            </a:lvl6pPr>
-            <a:lvl7pPr marL="2971800" indent="-228600" algn="l" defTabSz="914400" rtl="0" eaLnBrk="1" latinLnBrk="0" hangingPunct="1">
-              <a:lnSpc>
-                <a:spcPct val="90000"/>
-              </a:lnSpc>
-              <a:spcBef>
-                <a:spcPts val="500"/>
-              </a:spcBef>
-              <a:buFont typeface="Arial" panose="020B0604020202020204" pitchFamily="34" charset="0"/>
-              <a:buChar char="•"/>
-              <a:defRPr sz="1800" kern="1200">
-                <a:solidFill>
-                  <a:schemeClr val="tx1"/>
-                </a:solidFill>
-                <a:latin typeface="+mn-lt"/>
-                <a:ea typeface="+mn-ea"/>
-                <a:cs typeface="+mn-cs"/>
-              </a:defRPr>
-            </a:lvl7pPr>
-            <a:lvl8pPr marL="3429000" indent="-228600" algn="l" defTabSz="914400" rtl="0" eaLnBrk="1" latinLnBrk="0" hangingPunct="1">
-              <a:lnSpc>
-                <a:spcPct val="90000"/>
-              </a:lnSpc>
-              <a:spcBef>
-                <a:spcPts val="500"/>
-              </a:spcBef>
-              <a:buFont typeface="Arial" panose="020B0604020202020204" pitchFamily="34" charset="0"/>
-              <a:buChar char="•"/>
-              <a:defRPr sz="1800" kern="1200">
-                <a:solidFill>
-                  <a:schemeClr val="tx1"/>
-                </a:solidFill>
-                <a:latin typeface="+mn-lt"/>
-                <a:ea typeface="+mn-ea"/>
-                <a:cs typeface="+mn-cs"/>
-              </a:defRPr>
-            </a:lvl8pPr>
-            <a:lvl9pPr marL="3886200" indent="-228600" algn="l" defTabSz="914400" rtl="0" eaLnBrk="1" latinLnBrk="0" hangingPunct="1">
-              <a:lnSpc>
-                <a:spcPct val="90000"/>
-              </a:lnSpc>
-              <a:spcBef>
-                <a:spcPts val="500"/>
-              </a:spcBef>
-              <a:buFont typeface="Arial" panose="020B0604020202020204" pitchFamily="34" charset="0"/>
-              <a:buChar char="•"/>
-              <a:defRPr sz="1800" kern="1200">
-                <a:solidFill>
-                  <a:schemeClr val="tx1"/>
-                </a:solidFill>
-                <a:latin typeface="+mn-lt"/>
-                <a:ea typeface="+mn-ea"/>
-                <a:cs typeface="+mn-cs"/>
-              </a:defRPr>
-            </a:lvl9pPr>
-          </a:lstStyle>
-          <a:p>
-            <a:pPr marL="0" indent="0">
-              <a:buNone/>
-            </a:pPr>
-            <a:r>
-              <a:rPr lang="en-US" sz="3200" noProof="0" dirty="0">
-                <a:latin typeface="Bahnschrift SemiCondensed" panose="020B0502040204020203" pitchFamily="34" charset="0"/>
-              </a:rPr>
-              <a:t>Title</a:t>
-            </a:r>
-            <a:endParaRPr lang="en-US" sz="3200" noProof="0" dirty="0"/>
-          </a:p>
-        </p:txBody>
-      </p:sp>
-      <p:sp>
-        <p:nvSpPr>
-          <p:cNvPr id="23" name="Untertitel 2">
-            <a:extLst>
-              <a:ext uri="{FF2B5EF4-FFF2-40B4-BE49-F238E27FC236}">
-                <a16:creationId xmlns:a16="http://schemas.microsoft.com/office/drawing/2014/main" id="{AD89A43E-4E8C-CD31-7255-D52E97D6DFB0}"/>
-              </a:ext>
-            </a:extLst>
-          </p:cNvPr>
-          <p:cNvSpPr txBox="1">
-            <a:spLocks/>
-          </p:cNvSpPr>
-          <p:nvPr/>
-        </p:nvSpPr>
-        <p:spPr>
-          <a:xfrm>
-            <a:off x="1412051" y="1763726"/>
-            <a:ext cx="1398206" cy="487223"/>
-          </a:xfrm>
-          <a:prstGeom prst="rect">
-            <a:avLst/>
-          </a:prstGeom>
-        </p:spPr>
-        <p:txBody>
-          <a:bodyPr vert="horz" lIns="91440" tIns="45720" rIns="91440" bIns="45720" rtlCol="0">
-            <a:normAutofit/>
-          </a:bodyPr>
-          <a:lstStyle>
-            <a:lvl1pPr marL="228600" indent="-228600" algn="l" defTabSz="914400" rtl="0" eaLnBrk="1" latinLnBrk="0" hangingPunct="1">
-              <a:lnSpc>
-                <a:spcPct val="90000"/>
-              </a:lnSpc>
-              <a:spcBef>
-                <a:spcPts val="1000"/>
-              </a:spcBef>
-              <a:buFont typeface="Arial" panose="020B0604020202020204" pitchFamily="34" charset="0"/>
-              <a:buChar char="•"/>
-              <a:defRPr sz="2800" kern="1200">
-                <a:solidFill>
-                  <a:schemeClr val="tx1"/>
-                </a:solidFill>
-                <a:latin typeface="+mn-lt"/>
-                <a:ea typeface="+mn-ea"/>
-                <a:cs typeface="+mn-cs"/>
-              </a:defRPr>
-            </a:lvl1pPr>
-            <a:lvl2pPr marL="685800" indent="-228600" algn="l" defTabSz="914400" rtl="0" eaLnBrk="1" latinLnBrk="0" hangingPunct="1">
-              <a:lnSpc>
-                <a:spcPct val="90000"/>
-              </a:lnSpc>
-              <a:spcBef>
-                <a:spcPts val="500"/>
-              </a:spcBef>
-              <a:buFont typeface="Arial" panose="020B0604020202020204" pitchFamily="34" charset="0"/>
-              <a:buChar char="•"/>
-              <a:defRPr sz="2400" kern="1200">
-                <a:solidFill>
-                  <a:schemeClr val="tx1"/>
-                </a:solidFill>
-                <a:latin typeface="+mn-lt"/>
-                <a:ea typeface="+mn-ea"/>
-                <a:cs typeface="+mn-cs"/>
-              </a:defRPr>
-            </a:lvl2pPr>
-            <a:lvl3pPr marL="1143000" indent="-228600" algn="l" defTabSz="914400" rtl="0" eaLnBrk="1" latinLnBrk="0" hangingPunct="1">
-              <a:lnSpc>
-                <a:spcPct val="90000"/>
-              </a:lnSpc>
-              <a:spcBef>
-                <a:spcPts val="500"/>
-              </a:spcBef>
-              <a:buFont typeface="Arial" panose="020B0604020202020204" pitchFamily="34" charset="0"/>
-              <a:buChar char="•"/>
-              <a:defRPr sz="2000" kern="1200">
-                <a:solidFill>
-                  <a:schemeClr val="tx1"/>
-                </a:solidFill>
-                <a:latin typeface="+mn-lt"/>
-                <a:ea typeface="+mn-ea"/>
-                <a:cs typeface="+mn-cs"/>
-              </a:defRPr>
-            </a:lvl3pPr>
-            <a:lvl4pPr marL="1600200" indent="-228600" algn="l" defTabSz="914400" rtl="0" eaLnBrk="1" latinLnBrk="0" hangingPunct="1">
-              <a:lnSpc>
-                <a:spcPct val="90000"/>
-              </a:lnSpc>
-              <a:spcBef>
-                <a:spcPts val="500"/>
-              </a:spcBef>
-              <a:buFont typeface="Arial" panose="020B0604020202020204" pitchFamily="34" charset="0"/>
-              <a:buChar char="•"/>
-              <a:defRPr sz="1800" kern="1200">
-                <a:solidFill>
-                  <a:schemeClr val="tx1"/>
-                </a:solidFill>
-                <a:latin typeface="+mn-lt"/>
-                <a:ea typeface="+mn-ea"/>
-                <a:cs typeface="+mn-cs"/>
-              </a:defRPr>
-            </a:lvl4pPr>
-            <a:lvl5pPr marL="2057400" indent="-228600" algn="l" defTabSz="914400" rtl="0" eaLnBrk="1" latinLnBrk="0" hangingPunct="1">
-              <a:lnSpc>
-                <a:spcPct val="90000"/>
-              </a:lnSpc>
-              <a:spcBef>
-                <a:spcPts val="500"/>
-              </a:spcBef>
-              <a:buFont typeface="Arial" panose="020B0604020202020204" pitchFamily="34" charset="0"/>
-              <a:buChar char="•"/>
-              <a:defRPr sz="1800" kern="1200">
-                <a:solidFill>
-                  <a:schemeClr val="tx1"/>
-                </a:solidFill>
-                <a:latin typeface="+mn-lt"/>
-                <a:ea typeface="+mn-ea"/>
-                <a:cs typeface="+mn-cs"/>
-              </a:defRPr>
-            </a:lvl5pPr>
-            <a:lvl6pPr marL="2514600" indent="-228600" algn="l" defTabSz="914400" rtl="0" eaLnBrk="1" latinLnBrk="0" hangingPunct="1">
-              <a:lnSpc>
-                <a:spcPct val="90000"/>
-              </a:lnSpc>
-              <a:spcBef>
-                <a:spcPts val="500"/>
-              </a:spcBef>
-              <a:buFont typeface="Arial" panose="020B0604020202020204" pitchFamily="34" charset="0"/>
-              <a:buChar char="•"/>
-              <a:defRPr sz="1800" kern="1200">
-                <a:solidFill>
-                  <a:schemeClr val="tx1"/>
-                </a:solidFill>
-                <a:latin typeface="+mn-lt"/>
-                <a:ea typeface="+mn-ea"/>
-                <a:cs typeface="+mn-cs"/>
-              </a:defRPr>
-            </a:lvl6pPr>
-            <a:lvl7pPr marL="2971800" indent="-228600" algn="l" defTabSz="914400" rtl="0" eaLnBrk="1" latinLnBrk="0" hangingPunct="1">
-              <a:lnSpc>
-                <a:spcPct val="90000"/>
-              </a:lnSpc>
-              <a:spcBef>
-                <a:spcPts val="500"/>
-              </a:spcBef>
-              <a:buFont typeface="Arial" panose="020B0604020202020204" pitchFamily="34" charset="0"/>
-              <a:buChar char="•"/>
-              <a:defRPr sz="1800" kern="1200">
-                <a:solidFill>
-                  <a:schemeClr val="tx1"/>
-                </a:solidFill>
-                <a:latin typeface="+mn-lt"/>
-                <a:ea typeface="+mn-ea"/>
-                <a:cs typeface="+mn-cs"/>
-              </a:defRPr>
-            </a:lvl7pPr>
-            <a:lvl8pPr marL="3429000" indent="-228600" algn="l" defTabSz="914400" rtl="0" eaLnBrk="1" latinLnBrk="0" hangingPunct="1">
-              <a:lnSpc>
-                <a:spcPct val="90000"/>
-              </a:lnSpc>
-              <a:spcBef>
-                <a:spcPts val="500"/>
-              </a:spcBef>
-              <a:buFont typeface="Arial" panose="020B0604020202020204" pitchFamily="34" charset="0"/>
-              <a:buChar char="•"/>
-              <a:defRPr sz="1800" kern="1200">
-                <a:solidFill>
-                  <a:schemeClr val="tx1"/>
-                </a:solidFill>
-                <a:latin typeface="+mn-lt"/>
-                <a:ea typeface="+mn-ea"/>
-                <a:cs typeface="+mn-cs"/>
-              </a:defRPr>
-            </a:lvl8pPr>
-            <a:lvl9pPr marL="3886200" indent="-228600" algn="l" defTabSz="914400" rtl="0" eaLnBrk="1" latinLnBrk="0" hangingPunct="1">
-              <a:lnSpc>
-                <a:spcPct val="90000"/>
-              </a:lnSpc>
-              <a:spcBef>
-                <a:spcPts val="500"/>
-              </a:spcBef>
-              <a:buFont typeface="Arial" panose="020B0604020202020204" pitchFamily="34" charset="0"/>
-              <a:buChar char="•"/>
-              <a:defRPr sz="1800" kern="1200">
-                <a:solidFill>
-                  <a:schemeClr val="tx1"/>
-                </a:solidFill>
-                <a:latin typeface="+mn-lt"/>
-                <a:ea typeface="+mn-ea"/>
-                <a:cs typeface="+mn-cs"/>
-              </a:defRPr>
-            </a:lvl9pPr>
-          </a:lstStyle>
-          <a:p>
-            <a:pPr marL="0" indent="0">
-              <a:buNone/>
-            </a:pPr>
-            <a:r>
-              <a:rPr lang="en-US" sz="2400" noProof="0" dirty="0">
-                <a:solidFill>
-                  <a:schemeClr val="tx2">
-                    <a:lumMod val="75000"/>
-                    <a:lumOff val="25000"/>
-                  </a:schemeClr>
-                </a:solidFill>
-                <a:latin typeface="Bahnschrift SemiCondensed" panose="020B0502040204020203" pitchFamily="34" charset="0"/>
-              </a:rPr>
-              <a:t>XY-Model</a:t>
-            </a:r>
-            <a:endParaRPr lang="en-US" sz="2400" noProof="0" dirty="0">
-              <a:solidFill>
-                <a:schemeClr val="tx2">
-                  <a:lumMod val="75000"/>
-                  <a:lumOff val="25000"/>
-                </a:schemeClr>
-              </a:solidFill>
-            </a:endParaRPr>
-          </a:p>
-        </p:txBody>
-      </p:sp>
-      <p:sp>
-        <p:nvSpPr>
-          <p:cNvPr id="29" name="Untertitel 2">
-            <a:extLst>
-              <a:ext uri="{FF2B5EF4-FFF2-40B4-BE49-F238E27FC236}">
-                <a16:creationId xmlns:a16="http://schemas.microsoft.com/office/drawing/2014/main" id="{C162BD4E-4EA5-890C-CB65-FA42CE383A13}"/>
-              </a:ext>
-            </a:extLst>
-          </p:cNvPr>
-          <p:cNvSpPr txBox="1">
-            <a:spLocks/>
-          </p:cNvSpPr>
-          <p:nvPr/>
-        </p:nvSpPr>
-        <p:spPr>
-          <a:xfrm>
-            <a:off x="1593206" y="2328707"/>
-            <a:ext cx="906543" cy="487223"/>
-          </a:xfrm>
-          <a:prstGeom prst="rect">
-            <a:avLst/>
-          </a:prstGeom>
-        </p:spPr>
-        <p:txBody>
-          <a:bodyPr vert="horz" lIns="91440" tIns="45720" rIns="91440" bIns="45720" rtlCol="0">
-            <a:normAutofit/>
-          </a:bodyPr>
-          <a:lstStyle>
-            <a:lvl1pPr marL="228600" indent="-228600" algn="l" defTabSz="914400" rtl="0" eaLnBrk="1" latinLnBrk="0" hangingPunct="1">
-              <a:lnSpc>
-                <a:spcPct val="90000"/>
-              </a:lnSpc>
-              <a:spcBef>
-                <a:spcPts val="1000"/>
-              </a:spcBef>
-              <a:buFont typeface="Arial" panose="020B0604020202020204" pitchFamily="34" charset="0"/>
-              <a:buChar char="•"/>
-              <a:defRPr sz="2800" kern="1200">
-                <a:solidFill>
-                  <a:schemeClr val="tx1"/>
-                </a:solidFill>
-                <a:latin typeface="+mn-lt"/>
-                <a:ea typeface="+mn-ea"/>
-                <a:cs typeface="+mn-cs"/>
-              </a:defRPr>
-            </a:lvl1pPr>
-            <a:lvl2pPr marL="685800" indent="-228600" algn="l" defTabSz="914400" rtl="0" eaLnBrk="1" latinLnBrk="0" hangingPunct="1">
-              <a:lnSpc>
-                <a:spcPct val="90000"/>
-              </a:lnSpc>
-              <a:spcBef>
-                <a:spcPts val="500"/>
-              </a:spcBef>
-              <a:buFont typeface="Arial" panose="020B0604020202020204" pitchFamily="34" charset="0"/>
-              <a:buChar char="•"/>
-              <a:defRPr sz="2400" kern="1200">
-                <a:solidFill>
-                  <a:schemeClr val="tx1"/>
-                </a:solidFill>
-                <a:latin typeface="+mn-lt"/>
-                <a:ea typeface="+mn-ea"/>
-                <a:cs typeface="+mn-cs"/>
-              </a:defRPr>
-            </a:lvl2pPr>
-            <a:lvl3pPr marL="1143000" indent="-228600" algn="l" defTabSz="914400" rtl="0" eaLnBrk="1" latinLnBrk="0" hangingPunct="1">
-              <a:lnSpc>
-                <a:spcPct val="90000"/>
-              </a:lnSpc>
-              <a:spcBef>
-                <a:spcPts val="500"/>
-              </a:spcBef>
-              <a:buFont typeface="Arial" panose="020B0604020202020204" pitchFamily="34" charset="0"/>
-              <a:buChar char="•"/>
-              <a:defRPr sz="2000" kern="1200">
-                <a:solidFill>
-                  <a:schemeClr val="tx1"/>
-                </a:solidFill>
-                <a:latin typeface="+mn-lt"/>
-                <a:ea typeface="+mn-ea"/>
-                <a:cs typeface="+mn-cs"/>
-              </a:defRPr>
-            </a:lvl3pPr>
-            <a:lvl4pPr marL="1600200" indent="-228600" algn="l" defTabSz="914400" rtl="0" eaLnBrk="1" latinLnBrk="0" hangingPunct="1">
-              <a:lnSpc>
-                <a:spcPct val="90000"/>
-              </a:lnSpc>
-              <a:spcBef>
-                <a:spcPts val="500"/>
-              </a:spcBef>
-              <a:buFont typeface="Arial" panose="020B0604020202020204" pitchFamily="34" charset="0"/>
-              <a:buChar char="•"/>
-              <a:defRPr sz="1800" kern="1200">
-                <a:solidFill>
-                  <a:schemeClr val="tx1"/>
-                </a:solidFill>
-                <a:latin typeface="+mn-lt"/>
-                <a:ea typeface="+mn-ea"/>
-                <a:cs typeface="+mn-cs"/>
-              </a:defRPr>
-            </a:lvl4pPr>
-            <a:lvl5pPr marL="2057400" indent="-228600" algn="l" defTabSz="914400" rtl="0" eaLnBrk="1" latinLnBrk="0" hangingPunct="1">
-              <a:lnSpc>
-                <a:spcPct val="90000"/>
-              </a:lnSpc>
-              <a:spcBef>
-                <a:spcPts val="500"/>
-              </a:spcBef>
-              <a:buFont typeface="Arial" panose="020B0604020202020204" pitchFamily="34" charset="0"/>
-              <a:buChar char="•"/>
-              <a:defRPr sz="1800" kern="1200">
-                <a:solidFill>
-                  <a:schemeClr val="tx1"/>
-                </a:solidFill>
-                <a:latin typeface="+mn-lt"/>
-                <a:ea typeface="+mn-ea"/>
-                <a:cs typeface="+mn-cs"/>
-              </a:defRPr>
-            </a:lvl5pPr>
-            <a:lvl6pPr marL="2514600" indent="-228600" algn="l" defTabSz="914400" rtl="0" eaLnBrk="1" latinLnBrk="0" hangingPunct="1">
-              <a:lnSpc>
-                <a:spcPct val="90000"/>
-              </a:lnSpc>
-              <a:spcBef>
-                <a:spcPts val="500"/>
-              </a:spcBef>
-              <a:buFont typeface="Arial" panose="020B0604020202020204" pitchFamily="34" charset="0"/>
-              <a:buChar char="•"/>
-              <a:defRPr sz="1800" kern="1200">
-                <a:solidFill>
-                  <a:schemeClr val="tx1"/>
-                </a:solidFill>
-                <a:latin typeface="+mn-lt"/>
-                <a:ea typeface="+mn-ea"/>
-                <a:cs typeface="+mn-cs"/>
-              </a:defRPr>
-            </a:lvl6pPr>
-            <a:lvl7pPr marL="2971800" indent="-228600" algn="l" defTabSz="914400" rtl="0" eaLnBrk="1" latinLnBrk="0" hangingPunct="1">
-              <a:lnSpc>
-                <a:spcPct val="90000"/>
-              </a:lnSpc>
-              <a:spcBef>
-                <a:spcPts val="500"/>
-              </a:spcBef>
-              <a:buFont typeface="Arial" panose="020B0604020202020204" pitchFamily="34" charset="0"/>
-              <a:buChar char="•"/>
-              <a:defRPr sz="1800" kern="1200">
-                <a:solidFill>
-                  <a:schemeClr val="tx1"/>
-                </a:solidFill>
-                <a:latin typeface="+mn-lt"/>
-                <a:ea typeface="+mn-ea"/>
-                <a:cs typeface="+mn-cs"/>
-              </a:defRPr>
-            </a:lvl7pPr>
-            <a:lvl8pPr marL="3429000" indent="-228600" algn="l" defTabSz="914400" rtl="0" eaLnBrk="1" latinLnBrk="0" hangingPunct="1">
-              <a:lnSpc>
-                <a:spcPct val="90000"/>
-              </a:lnSpc>
-              <a:spcBef>
-                <a:spcPts val="500"/>
-              </a:spcBef>
-              <a:buFont typeface="Arial" panose="020B0604020202020204" pitchFamily="34" charset="0"/>
-              <a:buChar char="•"/>
-              <a:defRPr sz="1800" kern="1200">
-                <a:solidFill>
-                  <a:schemeClr val="tx1"/>
-                </a:solidFill>
-                <a:latin typeface="+mn-lt"/>
-                <a:ea typeface="+mn-ea"/>
-                <a:cs typeface="+mn-cs"/>
-              </a:defRPr>
-            </a:lvl8pPr>
-            <a:lvl9pPr marL="3886200" indent="-228600" algn="l" defTabSz="914400" rtl="0" eaLnBrk="1" latinLnBrk="0" hangingPunct="1">
-              <a:lnSpc>
-                <a:spcPct val="90000"/>
-              </a:lnSpc>
-              <a:spcBef>
-                <a:spcPts val="500"/>
-              </a:spcBef>
-              <a:buFont typeface="Arial" panose="020B0604020202020204" pitchFamily="34" charset="0"/>
-              <a:buChar char="•"/>
-              <a:defRPr sz="1800" kern="1200">
-                <a:solidFill>
-                  <a:schemeClr val="tx1"/>
-                </a:solidFill>
-                <a:latin typeface="+mn-lt"/>
-                <a:ea typeface="+mn-ea"/>
-                <a:cs typeface="+mn-cs"/>
-              </a:defRPr>
-            </a:lvl9pPr>
-          </a:lstStyle>
-          <a:p>
-            <a:pPr marL="0" indent="0">
-              <a:buNone/>
-            </a:pPr>
-            <a:r>
-              <a:rPr lang="en-US" sz="2000" noProof="0" dirty="0" err="1">
-                <a:latin typeface="Bahnschrift SemiCondensed" panose="020B0502040204020203" pitchFamily="34" charset="0"/>
-              </a:rPr>
-              <a:t>Bla</a:t>
-            </a:r>
-            <a:r>
-              <a:rPr lang="en-US" sz="2000" noProof="0" dirty="0">
-                <a:latin typeface="Bahnschrift SemiCondensed" panose="020B0502040204020203" pitchFamily="34" charset="0"/>
-              </a:rPr>
-              <a:t> </a:t>
-            </a:r>
-            <a:r>
-              <a:rPr lang="en-US" sz="2000" noProof="0" dirty="0" err="1">
-                <a:latin typeface="Bahnschrift SemiCondensed" panose="020B0502040204020203" pitchFamily="34" charset="0"/>
-              </a:rPr>
-              <a:t>bla</a:t>
-            </a:r>
-            <a:endParaRPr lang="en-US" sz="2000" noProof="0" dirty="0"/>
-          </a:p>
-        </p:txBody>
-      </p:sp>
-      <p:pic>
-        <p:nvPicPr>
-          <p:cNvPr id="6" name="Picture 5" descr="\documentclass{article}&#10;\usepackage{amsmath}&#10;\pagestyle{empty}&#10;\begin{document}&#10;&#10;$\hat{H}$&#10;&#10;&#10;\end{document}" title="IguanaTex Picture Display">
-            <a:extLst>
-              <a:ext uri="{FF2B5EF4-FFF2-40B4-BE49-F238E27FC236}">
-                <a16:creationId xmlns:a16="http://schemas.microsoft.com/office/drawing/2014/main" id="{D5B1B623-0D87-7CA7-4E2A-394E8A19ED51}"/>
-              </a:ext>
-            </a:extLst>
-          </p:cNvPr>
-          <p:cNvPicPr>
-            <a:picLocks noChangeAspect="1"/>
-          </p:cNvPicPr>
-          <p:nvPr>
-            <p:custDataLst>
-              <p:tags r:id="rId2"/>
-            </p:custDataLst>
-          </p:nvPr>
-        </p:nvPicPr>
-        <p:blipFill>
-          <a:blip r:embed="rId7">
-            <a:extLst>
-              <a:ext uri="{28A0092B-C50C-407E-A947-70E740481C1C}">
-                <a14:useLocalDpi xmlns:a14="http://schemas.microsoft.com/office/drawing/2010/main" val="0"/>
-              </a:ext>
-            </a:extLst>
-          </a:blip>
-          <a:stretch>
-            <a:fillRect/>
-          </a:stretch>
-        </p:blipFill>
-        <p:spPr>
-          <a:xfrm>
-            <a:off x="3062112" y="1790107"/>
-            <a:ext cx="214857" cy="239238"/>
-          </a:xfrm>
-          <a:prstGeom prst="rect">
-            <a:avLst/>
-          </a:prstGeom>
-        </p:spPr>
-      </p:pic>
-    </p:spTree>
-    <p:extLst>
-      <p:ext uri="{BB962C8B-B14F-4D97-AF65-F5344CB8AC3E}">
-        <p14:creationId xmlns:p14="http://schemas.microsoft.com/office/powerpoint/2010/main" val="1673337120"/>
+        <p14:creationId xmlns:p14="http://schemas.microsoft.com/office/powerpoint/2010/main" val="4051448520"/>
       </p:ext>
     </p:extLst>
   </p:cSld>
@@ -11690,6 +9907,12 @@
 
 <file path=ppt/tags/tag15.xml><?xml version="1.0" encoding="utf-8"?>
 <p:tagLst xmlns:a="http://schemas.openxmlformats.org/drawingml/2006/main" xmlns:r="http://schemas.openxmlformats.org/officeDocument/2006/relationships" xmlns:p="http://schemas.openxmlformats.org/presentationml/2006/main">
+  <p:tag name="THINKCELLSHAPEDONOTDELETE" val="thinkcellActiveDocDoNotDelete"/>
+</p:tagLst>
+</file>
+
+<file path=ppt/tags/tag16.xml><?xml version="1.0" encoding="utf-8"?>
+<p:tagLst xmlns:a="http://schemas.openxmlformats.org/drawingml/2006/main" xmlns:r="http://schemas.openxmlformats.org/officeDocument/2006/relationships" xmlns:p="http://schemas.openxmlformats.org/presentationml/2006/main">
   <p:tag name="OUTPUTDPI" val="1200"/>
   <p:tag name="ORIGINALHEIGHT" val="597.6753"/>
   <p:tag name="ORIGINALWIDTH" val="1506.562"/>
@@ -11706,7 +9929,7 @@
 </p:tagLst>
 </file>
 
-<file path=ppt/tags/tag16.xml><?xml version="1.0" encoding="utf-8"?>
+<file path=ppt/tags/tag17.xml><?xml version="1.0" encoding="utf-8"?>
 <p:tagLst xmlns:a="http://schemas.openxmlformats.org/drawingml/2006/main" xmlns:r="http://schemas.openxmlformats.org/officeDocument/2006/relationships" xmlns:p="http://schemas.openxmlformats.org/presentationml/2006/main">
   <p:tag name="OUTPUTDPI" val="1200"/>
   <p:tag name="ORIGINALHEIGHT" val="172.4784"/>
@@ -11724,7 +9947,85 @@
 </p:tagLst>
 </file>
 
-<file path=ppt/tags/tag17.xml><?xml version="1.0" encoding="utf-8"?>
+<file path=ppt/tags/tag18.xml><?xml version="1.0" encoding="utf-8"?>
+<p:tagLst xmlns:a="http://schemas.openxmlformats.org/drawingml/2006/main" xmlns:r="http://schemas.openxmlformats.org/officeDocument/2006/relationships" xmlns:p="http://schemas.openxmlformats.org/presentationml/2006/main">
+  <p:tag name="THINKCELLSHAPEDONOTDELETE" val="thinkcellActiveDocDoNotDelete"/>
+</p:tagLst>
+</file>
+
+<file path=ppt/tags/tag19.xml><?xml version="1.0" encoding="utf-8"?>
+<p:tagLst xmlns:a="http://schemas.openxmlformats.org/drawingml/2006/main" xmlns:r="http://schemas.openxmlformats.org/officeDocument/2006/relationships" xmlns:p="http://schemas.openxmlformats.org/presentationml/2006/main">
+  <p:tag name="OUTPUTDPI" val=" 1200"/>
+  <p:tag name="ORIGINALHEIGHT" val=" 125.2343"/>
+  <p:tag name="ORIGINALWIDTH" val=" 222.7221"/>
+  <p:tag name="OUTPUTTYPE" val="PNG"/>
+  <p:tag name="IGUANATEXVERSION" val="162"/>
+  <p:tag name="LATEXADDIN" val="\documentclass{article}&#10;\usepackage{amsmath}&#10;\pagestyle{empty}&#10;\begin{document}&#10;&#10;$\rho(\beta)$&#10;&#10;&#10;\end{document}"/>
+  <p:tag name="IGUANATEXSIZE" val="20"/>
+  <p:tag name="IGUANATEXCURSOR" val="92"/>
+  <p:tag name="TRANSPARENCY" val="True"/>
+  <p:tag name="CHOOSECOLOR" val="False"/>
+  <p:tag name="COLORHEX" val="000000"/>
+  <p:tag name="LATEXENGINEID" val="0"/>
+  <p:tag name="TEMPFOLDER" val="c:\temp\"/>
+  <p:tag name="LATEXFORMHEIGHT" val=" 320"/>
+  <p:tag name="LATEXFORMWIDTH" val=" 385"/>
+  <p:tag name="LATEXFORMWRAP" val="True"/>
+  <p:tag name="BITMAPVECTOR" val="0"/>
+</p:tagLst>
+</file>
+
+<file path=ppt/tags/tag2.xml><?xml version="1.0" encoding="utf-8"?>
+<p:tagLst xmlns:a="http://schemas.openxmlformats.org/drawingml/2006/main" xmlns:r="http://schemas.openxmlformats.org/officeDocument/2006/relationships" xmlns:p="http://schemas.openxmlformats.org/presentationml/2006/main">
+  <p:tag name="THINKCELLSHAPEDONOTDELETE" val="thinkcellActiveDocDoNotDelete"/>
+</p:tagLst>
+</file>
+
+<file path=ppt/tags/tag20.xml><?xml version="1.0" encoding="utf-8"?>
+<p:tagLst xmlns:a="http://schemas.openxmlformats.org/drawingml/2006/main" xmlns:r="http://schemas.openxmlformats.org/officeDocument/2006/relationships" xmlns:p="http://schemas.openxmlformats.org/presentationml/2006/main">
+  <p:tag name="OUTPUTDPI" val=" 1200"/>
+  <p:tag name="ORIGINALHEIGHT" val=" 159.73"/>
+  <p:tag name="ORIGINALWIDTH" val=" 1857.518"/>
+  <p:tag name="OUTPUTTYPE" val="PNG"/>
+  <p:tag name="IGUANATEXVERSION" val="162"/>
+  <p:tag name="LATEXADDIN" val="\documentclass{article}&#10;\usepackage{amsmath}&#10;\pagestyle{empty}&#10;\begin{document}&#10;&#10;$\rho(2 \beta) = \text{e}^{-2 \beta \hat{H}} = (\text{e}^{- \beta \hat{H}})^2 = \rho(\beta)^2$&#10;&#10;&#10;\end{document}"/>
+  <p:tag name="IGUANATEXSIZE" val="20"/>
+  <p:tag name="IGUANATEXCURSOR" val="129"/>
+  <p:tag name="TRANSPARENCY" val="True"/>
+  <p:tag name="CHOOSECOLOR" val="False"/>
+  <p:tag name="COLORHEX" val="000000"/>
+  <p:tag name="LATEXENGINEID" val="0"/>
+  <p:tag name="TEMPFOLDER" val="c:\temp\"/>
+  <p:tag name="LATEXFORMHEIGHT" val=" 320"/>
+  <p:tag name="LATEXFORMWIDTH" val=" 385"/>
+  <p:tag name="LATEXFORMWRAP" val="True"/>
+  <p:tag name="BITMAPVECTOR" val="0"/>
+</p:tagLst>
+</file>
+
+<file path=ppt/tags/tag21.xml><?xml version="1.0" encoding="utf-8"?>
+<p:tagLst xmlns:a="http://schemas.openxmlformats.org/drawingml/2006/main" xmlns:r="http://schemas.openxmlformats.org/officeDocument/2006/relationships" xmlns:p="http://schemas.openxmlformats.org/presentationml/2006/main">
+  <p:tag name="OUTPUTDPI" val=" 1200"/>
+  <p:tag name="ORIGINALHEIGHT" val=" 90.73866"/>
+  <p:tag name="ORIGINALWIDTH" val=" 155.2306"/>
+  <p:tag name="OUTPUTTYPE" val="PNG"/>
+  <p:tag name="IGUANATEXVERSION" val="162"/>
+  <p:tag name="LATEXADDIN" val="\documentclass{article}&#10;\usepackage{amsmath}&#10;\pagestyle{empty}&#10;\begin{document}&#10;&#10;$\rho_{\beta_0}$&#10;&#10;\end{document}"/>
+  <p:tag name="IGUANATEXSIZE" val="20"/>
+  <p:tag name="IGUANATEXCURSOR" val="82"/>
+  <p:tag name="TRANSPARENCY" val="True"/>
+  <p:tag name="CHOOSECOLOR" val="False"/>
+  <p:tag name="COLORHEX" val="000000"/>
+  <p:tag name="LATEXENGINEID" val="0"/>
+  <p:tag name="TEMPFOLDER" val="c:\temp\"/>
+  <p:tag name="LATEXFORMHEIGHT" val=" 320"/>
+  <p:tag name="LATEXFORMWIDTH" val=" 385"/>
+  <p:tag name="LATEXFORMWRAP" val="True"/>
+  <p:tag name="BITMAPVECTOR" val="0"/>
+</p:tagLst>
+</file>
+
+<file path=ppt/tags/tag22.xml><?xml version="1.0" encoding="utf-8"?>
 <p:tagLst xmlns:a="http://schemas.openxmlformats.org/drawingml/2006/main" xmlns:r="http://schemas.openxmlformats.org/officeDocument/2006/relationships" xmlns:p="http://schemas.openxmlformats.org/presentationml/2006/main">
   <p:tag name="OUTPUTDPI" val=" 1200"/>
   <p:tag name="ORIGINALHEIGHT" val=" 159.73"/>
@@ -11746,7 +10047,7 @@
 </p:tagLst>
 </file>
 
-<file path=ppt/tags/tag18.xml><?xml version="1.0" encoding="utf-8"?>
+<file path=ppt/tags/tag23.xml><?xml version="1.0" encoding="utf-8"?>
 <p:tagLst xmlns:a="http://schemas.openxmlformats.org/drawingml/2006/main" xmlns:r="http://schemas.openxmlformats.org/officeDocument/2006/relationships" xmlns:p="http://schemas.openxmlformats.org/presentationml/2006/main">
   <p:tag name="OUTPUTDPI" val=" 1200"/>
   <p:tag name="ORIGINALHEIGHT" val=" 126.7342"/>
@@ -11768,7 +10069,7 @@
 </p:tagLst>
 </file>
 
-<file path=ppt/tags/tag19.xml><?xml version="1.0" encoding="utf-8"?>
+<file path=ppt/tags/tag24.xml><?xml version="1.0" encoding="utf-8"?>
 <p:tagLst xmlns:a="http://schemas.openxmlformats.org/drawingml/2006/main" xmlns:r="http://schemas.openxmlformats.org/officeDocument/2006/relationships" xmlns:p="http://schemas.openxmlformats.org/presentationml/2006/main">
   <p:tag name="OUTPUTDPI" val=" 1200"/>
   <p:tag name="ORIGINALHEIGHT" val=" 117.7353"/>
@@ -11790,13 +10091,7 @@
 </p:tagLst>
 </file>
 
-<file path=ppt/tags/tag2.xml><?xml version="1.0" encoding="utf-8"?>
-<p:tagLst xmlns:a="http://schemas.openxmlformats.org/drawingml/2006/main" xmlns:r="http://schemas.openxmlformats.org/officeDocument/2006/relationships" xmlns:p="http://schemas.openxmlformats.org/presentationml/2006/main">
-  <p:tag name="THINKCELLSHAPEDONOTDELETE" val="thinkcellActiveDocDoNotDelete"/>
-</p:tagLst>
-</file>
-
-<file path=ppt/tags/tag20.xml><?xml version="1.0" encoding="utf-8"?>
+<file path=ppt/tags/tag25.xml><?xml version="1.0" encoding="utf-8"?>
 <p:tagLst xmlns:a="http://schemas.openxmlformats.org/drawingml/2006/main" xmlns:r="http://schemas.openxmlformats.org/officeDocument/2006/relationships" xmlns:p="http://schemas.openxmlformats.org/presentationml/2006/main">
   <p:tag name="OUTPUTDPI" val=" 1200"/>
   <p:tag name="ORIGINALHEIGHT" val=" 113.2358"/>
@@ -11818,7 +10113,7 @@
 </p:tagLst>
 </file>
 
-<file path=ppt/tags/tag21.xml><?xml version="1.0" encoding="utf-8"?>
+<file path=ppt/tags/tag26.xml><?xml version="1.0" encoding="utf-8"?>
 <p:tagLst xmlns:a="http://schemas.openxmlformats.org/drawingml/2006/main" xmlns:r="http://schemas.openxmlformats.org/officeDocument/2006/relationships" xmlns:p="http://schemas.openxmlformats.org/presentationml/2006/main">
   <p:tag name="OUTPUTDPI" val=" 1200"/>
   <p:tag name="ORIGINALHEIGHT" val=" 141.7323"/>
@@ -11840,165 +10135,15 @@
 </p:tagLst>
 </file>
 
-<file path=ppt/tags/tag22.xml><?xml version="1.0" encoding="utf-8"?>
+<file path=ppt/tags/tag27.xml><?xml version="1.0" encoding="utf-8"?>
 <p:tagLst xmlns:a="http://schemas.openxmlformats.org/drawingml/2006/main" xmlns:r="http://schemas.openxmlformats.org/officeDocument/2006/relationships" xmlns:p="http://schemas.openxmlformats.org/presentationml/2006/main">
   <p:tag name="THINKCELLSHAPEDONOTDELETE" val="thinkcellActiveDocDoNotDelete"/>
-</p:tagLst>
-</file>
-
-<file path=ppt/tags/tag23.xml><?xml version="1.0" encoding="utf-8"?>
-<p:tagLst xmlns:a="http://schemas.openxmlformats.org/drawingml/2006/main" xmlns:r="http://schemas.openxmlformats.org/officeDocument/2006/relationships" xmlns:p="http://schemas.openxmlformats.org/presentationml/2006/main">
-  <p:tag name="OUTPUTDPI" val=" 1200"/>
-  <p:tag name="ORIGINALHEIGHT" val=" 125.2343"/>
-  <p:tag name="ORIGINALWIDTH" val=" 222.7221"/>
-  <p:tag name="OUTPUTTYPE" val="PNG"/>
-  <p:tag name="IGUANATEXVERSION" val="162"/>
-  <p:tag name="LATEXADDIN" val="\documentclass{article}&#10;\usepackage{amsmath}&#10;\pagestyle{empty}&#10;\begin{document}&#10;&#10;$\rho(\beta)$&#10;&#10;&#10;\end{document}"/>
-  <p:tag name="IGUANATEXSIZE" val="20"/>
-  <p:tag name="IGUANATEXCURSOR" val="92"/>
-  <p:tag name="TRANSPARENCY" val="True"/>
-  <p:tag name="CHOOSECOLOR" val="False"/>
-  <p:tag name="COLORHEX" val="000000"/>
-  <p:tag name="LATEXENGINEID" val="0"/>
-  <p:tag name="TEMPFOLDER" val="c:\temp\"/>
-  <p:tag name="LATEXFORMHEIGHT" val=" 320"/>
-  <p:tag name="LATEXFORMWIDTH" val=" 385"/>
-  <p:tag name="LATEXFORMWRAP" val="True"/>
-  <p:tag name="BITMAPVECTOR" val="0"/>
-</p:tagLst>
-</file>
-
-<file path=ppt/tags/tag24.xml><?xml version="1.0" encoding="utf-8"?>
-<p:tagLst xmlns:a="http://schemas.openxmlformats.org/drawingml/2006/main" xmlns:r="http://schemas.openxmlformats.org/officeDocument/2006/relationships" xmlns:p="http://schemas.openxmlformats.org/presentationml/2006/main">
-  <p:tag name="OUTPUTDPI" val=" 1200"/>
-  <p:tag name="ORIGINALHEIGHT" val=" 159.73"/>
-  <p:tag name="ORIGINALWIDTH" val=" 1857.518"/>
-  <p:tag name="OUTPUTTYPE" val="PNG"/>
-  <p:tag name="IGUANATEXVERSION" val="162"/>
-  <p:tag name="LATEXADDIN" val="\documentclass{article}&#10;\usepackage{amsmath}&#10;\pagestyle{empty}&#10;\begin{document}&#10;&#10;$\rho(2 \beta) = \text{e}^{-2 \beta \hat{H}} = (\text{e}^{- \beta \hat{H}})^2 = \rho(\beta)^2$&#10;&#10;&#10;\end{document}"/>
-  <p:tag name="IGUANATEXSIZE" val="20"/>
-  <p:tag name="IGUANATEXCURSOR" val="129"/>
-  <p:tag name="TRANSPARENCY" val="True"/>
-  <p:tag name="CHOOSECOLOR" val="False"/>
-  <p:tag name="COLORHEX" val="000000"/>
-  <p:tag name="LATEXENGINEID" val="0"/>
-  <p:tag name="TEMPFOLDER" val="c:\temp\"/>
-  <p:tag name="LATEXFORMHEIGHT" val=" 320"/>
-  <p:tag name="LATEXFORMWIDTH" val=" 385"/>
-  <p:tag name="LATEXFORMWRAP" val="True"/>
-  <p:tag name="BITMAPVECTOR" val="0"/>
-</p:tagLst>
-</file>
-
-<file path=ppt/tags/tag25.xml><?xml version="1.0" encoding="utf-8"?>
-<p:tagLst xmlns:a="http://schemas.openxmlformats.org/drawingml/2006/main" xmlns:r="http://schemas.openxmlformats.org/officeDocument/2006/relationships" xmlns:p="http://schemas.openxmlformats.org/presentationml/2006/main">
-  <p:tag name="OUTPUTDPI" val=" 1200"/>
-  <p:tag name="ORIGINALHEIGHT" val=" 90.73866"/>
-  <p:tag name="ORIGINALWIDTH" val=" 155.2306"/>
-  <p:tag name="OUTPUTTYPE" val="PNG"/>
-  <p:tag name="IGUANATEXVERSION" val="162"/>
-  <p:tag name="LATEXADDIN" val="\documentclass{article}&#10;\usepackage{amsmath}&#10;\pagestyle{empty}&#10;\begin{document}&#10;&#10;$\rho_{\beta_0}$&#10;&#10;\end{document}"/>
-  <p:tag name="IGUANATEXSIZE" val="20"/>
-  <p:tag name="IGUANATEXCURSOR" val="82"/>
-  <p:tag name="TRANSPARENCY" val="True"/>
-  <p:tag name="CHOOSECOLOR" val="False"/>
-  <p:tag name="COLORHEX" val="000000"/>
-  <p:tag name="LATEXENGINEID" val="0"/>
-  <p:tag name="TEMPFOLDER" val="c:\temp\"/>
-  <p:tag name="LATEXFORMHEIGHT" val=" 320"/>
-  <p:tag name="LATEXFORMWIDTH" val=" 385"/>
-  <p:tag name="LATEXFORMWRAP" val="True"/>
-  <p:tag name="BITMAPVECTOR" val="0"/>
-</p:tagLst>
-</file>
-
-<file path=ppt/tags/tag26.xml><?xml version="1.0" encoding="utf-8"?>
-<p:tagLst xmlns:a="http://schemas.openxmlformats.org/drawingml/2006/main" xmlns:r="http://schemas.openxmlformats.org/officeDocument/2006/relationships" xmlns:p="http://schemas.openxmlformats.org/presentationml/2006/main">
-  <p:tag name="THINKCELLSHAPEDONOTDELETE" val="thinkcellActiveDocDoNotDelete"/>
-</p:tagLst>
-</file>
-
-<file path=ppt/tags/tag27.xml><?xml version="1.0" encoding="utf-8"?>
-<p:tagLst xmlns:a="http://schemas.openxmlformats.org/drawingml/2006/main" xmlns:r="http://schemas.openxmlformats.org/officeDocument/2006/relationships" xmlns:p="http://schemas.openxmlformats.org/presentationml/2006/main">
-  <p:tag name="OUTPUTDPI" val=" 1200"/>
-  <p:tag name="ORIGINALHEIGHT" val=" 117.7353"/>
-  <p:tag name="ORIGINALWIDTH" val=" 105.7368"/>
-  <p:tag name="OUTPUTTYPE" val="PNG"/>
-  <p:tag name="IGUANATEXVERSION" val="162"/>
-  <p:tag name="LATEXADDIN" val="\documentclass{article}&#10;\usepackage{amsmath}&#10;\pagestyle{empty}&#10;\begin{document}&#10;&#10;$\hat{H}$&#10;&#10;&#10;\end{document}"/>
-  <p:tag name="IGUANATEXSIZE" val="20"/>
-  <p:tag name="IGUANATEXCURSOR" val="82"/>
-  <p:tag name="TRANSPARENCY" val="True"/>
-  <p:tag name="CHOOSECOLOR" val="False"/>
-  <p:tag name="COLORHEX" val="000000"/>
-  <p:tag name="LATEXENGINEID" val="0"/>
-  <p:tag name="TEMPFOLDER" val="c:\temp\"/>
-  <p:tag name="LATEXFORMHEIGHT" val=" 320"/>
-  <p:tag name="LATEXFORMWIDTH" val=" 385"/>
-  <p:tag name="LATEXFORMWRAP" val="True"/>
-  <p:tag name="BITMAPVECTOR" val="0"/>
-</p:tagLst>
-</file>
-
-<file path=ppt/tags/tag28.xml><?xml version="1.0" encoding="utf-8"?>
-<p:tagLst xmlns:a="http://schemas.openxmlformats.org/drawingml/2006/main" xmlns:r="http://schemas.openxmlformats.org/officeDocument/2006/relationships" xmlns:p="http://schemas.openxmlformats.org/presentationml/2006/main">
-  <p:tag name="THINKCELLSHAPEDONOTDELETE" val="thinkcellActiveDocDoNotDelete"/>
-</p:tagLst>
-</file>
-
-<file path=ppt/tags/tag29.xml><?xml version="1.0" encoding="utf-8"?>
-<p:tagLst xmlns:a="http://schemas.openxmlformats.org/drawingml/2006/main" xmlns:r="http://schemas.openxmlformats.org/officeDocument/2006/relationships" xmlns:p="http://schemas.openxmlformats.org/presentationml/2006/main">
-  <p:tag name="OUTPUTDPI" val=" 1200"/>
-  <p:tag name="ORIGINALHEIGHT" val=" 117.7353"/>
-  <p:tag name="ORIGINALWIDTH" val=" 105.7368"/>
-  <p:tag name="OUTPUTTYPE" val="PNG"/>
-  <p:tag name="IGUANATEXVERSION" val="162"/>
-  <p:tag name="LATEXADDIN" val="\documentclass{article}&#10;\usepackage{amsmath}&#10;\pagestyle{empty}&#10;\begin{document}&#10;&#10;$\hat{H}$&#10;&#10;&#10;\end{document}"/>
-  <p:tag name="IGUANATEXSIZE" val="20"/>
-  <p:tag name="IGUANATEXCURSOR" val="82"/>
-  <p:tag name="TRANSPARENCY" val="True"/>
-  <p:tag name="CHOOSECOLOR" val="False"/>
-  <p:tag name="COLORHEX" val="000000"/>
-  <p:tag name="LATEXENGINEID" val="0"/>
-  <p:tag name="TEMPFOLDER" val="c:\temp\"/>
-  <p:tag name="LATEXFORMHEIGHT" val=" 320"/>
-  <p:tag name="LATEXFORMWIDTH" val=" 385"/>
-  <p:tag name="LATEXFORMWRAP" val="True"/>
-  <p:tag name="BITMAPVECTOR" val="0"/>
 </p:tagLst>
 </file>
 
 <file path=ppt/tags/tag3.xml><?xml version="1.0" encoding="utf-8"?>
 <p:tagLst xmlns:a="http://schemas.openxmlformats.org/drawingml/2006/main" xmlns:r="http://schemas.openxmlformats.org/officeDocument/2006/relationships" xmlns:p="http://schemas.openxmlformats.org/presentationml/2006/main">
   <p:tag name="THINKCELLSHAPEDONOTDELETE" val="thinkcellActiveDocDoNotDelete"/>
-</p:tagLst>
-</file>
-
-<file path=ppt/tags/tag30.xml><?xml version="1.0" encoding="utf-8"?>
-<p:tagLst xmlns:a="http://schemas.openxmlformats.org/drawingml/2006/main" xmlns:r="http://schemas.openxmlformats.org/officeDocument/2006/relationships" xmlns:p="http://schemas.openxmlformats.org/presentationml/2006/main">
-  <p:tag name="THINKCELLSHAPEDONOTDELETE" val="thinkcellActiveDocDoNotDelete"/>
-</p:tagLst>
-</file>
-
-<file path=ppt/tags/tag31.xml><?xml version="1.0" encoding="utf-8"?>
-<p:tagLst xmlns:a="http://schemas.openxmlformats.org/drawingml/2006/main" xmlns:r="http://schemas.openxmlformats.org/officeDocument/2006/relationships" xmlns:p="http://schemas.openxmlformats.org/presentationml/2006/main">
-  <p:tag name="OUTPUTDPI" val=" 1200"/>
-  <p:tag name="ORIGINALHEIGHT" val=" 117.7353"/>
-  <p:tag name="ORIGINALWIDTH" val=" 105.7368"/>
-  <p:tag name="OUTPUTTYPE" val="PNG"/>
-  <p:tag name="IGUANATEXVERSION" val="162"/>
-  <p:tag name="LATEXADDIN" val="\documentclass{article}&#10;\usepackage{amsmath}&#10;\pagestyle{empty}&#10;\begin{document}&#10;&#10;$\hat{H}$&#10;&#10;&#10;\end{document}"/>
-  <p:tag name="IGUANATEXSIZE" val="20"/>
-  <p:tag name="IGUANATEXCURSOR" val="82"/>
-  <p:tag name="TRANSPARENCY" val="True"/>
-  <p:tag name="CHOOSECOLOR" val="False"/>
-  <p:tag name="COLORHEX" val="000000"/>
-  <p:tag name="LATEXENGINEID" val="0"/>
-  <p:tag name="TEMPFOLDER" val="c:\temp\"/>
-  <p:tag name="LATEXFORMHEIGHT" val=" 320"/>
-  <p:tag name="LATEXFORMWIDTH" val=" 385"/>
-  <p:tag name="LATEXFORMWRAP" val="True"/>
-  <p:tag name="BITMAPVECTOR" val="0"/>
 </p:tagLst>
 </file>
 

--- a/presentation/Term_Project_XTRG_Presentation.pptx
+++ b/presentation/Term_Project_XTRG_Presentation.pptx
@@ -202,7 +202,7 @@
             <a:fld id="{0C1F448F-86F9-4731-A83D-96FCA7389CBB}" type="datetimeFigureOut">
               <a:rPr lang="en-US" smtClean="0"/>
               <a:pPr/>
-              <a:t>7/8/2025</a:t>
+              <a:t>7/9/2025</a:t>
             </a:fld>
             <a:endParaRPr lang="en-US" dirty="0"/>
           </a:p>
@@ -967,7 +967,7 @@
             <a:fld id="{5E4FD71B-E960-4BE4-B463-A12BB7700A42}" type="datetimeFigureOut">
               <a:rPr lang="en-US" smtClean="0"/>
               <a:pPr/>
-              <a:t>7/8/2025</a:t>
+              <a:t>7/9/2025</a:t>
             </a:fld>
             <a:endParaRPr lang="en-US" dirty="0"/>
           </a:p>
@@ -1265,7 +1265,7 @@
             <a:fld id="{5E4FD71B-E960-4BE4-B463-A12BB7700A42}" type="datetimeFigureOut">
               <a:rPr lang="en-US" smtClean="0"/>
               <a:pPr/>
-              <a:t>7/8/2025</a:t>
+              <a:t>7/9/2025</a:t>
             </a:fld>
             <a:endParaRPr lang="en-US" dirty="0"/>
           </a:p>
@@ -1573,7 +1573,7 @@
             <a:fld id="{5E4FD71B-E960-4BE4-B463-A12BB7700A42}" type="datetimeFigureOut">
               <a:rPr lang="en-US" smtClean="0"/>
               <a:pPr/>
-              <a:t>7/8/2025</a:t>
+              <a:t>7/9/2025</a:t>
             </a:fld>
             <a:endParaRPr lang="en-US" dirty="0"/>
           </a:p>
@@ -1871,7 +1871,7 @@
             <a:fld id="{5E4FD71B-E960-4BE4-B463-A12BB7700A42}" type="datetimeFigureOut">
               <a:rPr lang="en-US" smtClean="0"/>
               <a:pPr/>
-              <a:t>7/8/2025</a:t>
+              <a:t>7/9/2025</a:t>
             </a:fld>
             <a:endParaRPr lang="en-US" dirty="0"/>
           </a:p>
@@ -2226,7 +2226,7 @@
             <a:fld id="{5E4FD71B-E960-4BE4-B463-A12BB7700A42}" type="datetimeFigureOut">
               <a:rPr lang="en-US" smtClean="0"/>
               <a:pPr/>
-              <a:t>7/8/2025</a:t>
+              <a:t>7/9/2025</a:t>
             </a:fld>
             <a:endParaRPr lang="en-US" dirty="0"/>
           </a:p>
@@ -2607,7 +2607,7 @@
             <a:fld id="{5E4FD71B-E960-4BE4-B463-A12BB7700A42}" type="datetimeFigureOut">
               <a:rPr lang="en-US" smtClean="0"/>
               <a:pPr/>
-              <a:t>7/8/2025</a:t>
+              <a:t>7/9/2025</a:t>
             </a:fld>
             <a:endParaRPr lang="en-US" dirty="0"/>
           </a:p>
@@ -3135,7 +3135,7 @@
             <a:fld id="{5E4FD71B-E960-4BE4-B463-A12BB7700A42}" type="datetimeFigureOut">
               <a:rPr lang="en-US" smtClean="0"/>
               <a:pPr/>
-              <a:t>7/8/2025</a:t>
+              <a:t>7/9/2025</a:t>
             </a:fld>
             <a:endParaRPr lang="en-US" dirty="0"/>
           </a:p>
@@ -3360,7 +3360,7 @@
             <a:fld id="{5E4FD71B-E960-4BE4-B463-A12BB7700A42}" type="datetimeFigureOut">
               <a:rPr lang="en-US" smtClean="0"/>
               <a:pPr/>
-              <a:t>7/8/2025</a:t>
+              <a:t>7/9/2025</a:t>
             </a:fld>
             <a:endParaRPr lang="en-US" dirty="0"/>
           </a:p>
@@ -3553,7 +3553,7 @@
             <a:fld id="{5E4FD71B-E960-4BE4-B463-A12BB7700A42}" type="datetimeFigureOut">
               <a:rPr lang="en-US" smtClean="0"/>
               <a:pPr/>
-              <a:t>7/8/2025</a:t>
+              <a:t>7/9/2025</a:t>
             </a:fld>
             <a:endParaRPr lang="en-US" dirty="0"/>
           </a:p>
@@ -3944,7 +3944,7 @@
             <a:fld id="{5E4FD71B-E960-4BE4-B463-A12BB7700A42}" type="datetimeFigureOut">
               <a:rPr lang="en-US" smtClean="0"/>
               <a:pPr/>
-              <a:t>7/8/2025</a:t>
+              <a:t>7/9/2025</a:t>
             </a:fld>
             <a:endParaRPr lang="en-US" dirty="0"/>
           </a:p>
@@ -4312,7 +4312,7 @@
             <a:fld id="{5E4FD71B-E960-4BE4-B463-A12BB7700A42}" type="datetimeFigureOut">
               <a:rPr lang="en-US" smtClean="0"/>
               <a:pPr/>
-              <a:t>7/8/2025</a:t>
+              <a:t>7/9/2025</a:t>
             </a:fld>
             <a:endParaRPr lang="en-US" dirty="0"/>
           </a:p>
@@ -4629,7 +4629,7 @@
             <a:fld id="{5E4FD71B-E960-4BE4-B463-A12BB7700A42}" type="datetimeFigureOut">
               <a:rPr lang="en-US" smtClean="0"/>
               <a:pPr/>
-              <a:t>7/8/2025</a:t>
+              <a:t>7/9/2025</a:t>
             </a:fld>
             <a:endParaRPr lang="en-US" dirty="0"/>
           </a:p>
@@ -6033,12 +6033,12 @@
           <a:graphicData uri="http://schemas.openxmlformats.org/presentationml/2006/ole">
             <mc:AlternateContent xmlns:mc="http://schemas.openxmlformats.org/markup-compatibility/2006">
               <mc:Choice xmlns:v="urn:schemas-microsoft-com:vml" Requires="v">
-                <p:oleObj name="think-cell Slide" r:id="rId6" imgW="479" imgH="478" progId="TCLayout.ActiveDocument.1">
+                <p:oleObj name="think-cell Slide" r:id="rId11" imgW="479" imgH="478" progId="TCLayout.ActiveDocument.1">
                   <p:embed/>
                 </p:oleObj>
               </mc:Choice>
               <mc:Fallback>
-                <p:oleObj name="think-cell Slide" r:id="rId6" imgW="479" imgH="478" progId="TCLayout.ActiveDocument.1">
+                <p:oleObj name="think-cell Slide" r:id="rId11" imgW="479" imgH="478" progId="TCLayout.ActiveDocument.1">
                   <p:embed/>
                   <p:pic>
                     <p:nvPicPr>
@@ -6047,7 +6047,7 @@
                       <p:nvPr/>
                     </p:nvPicPr>
                     <p:blipFill>
-                      <a:blip r:embed="rId7"/>
+                      <a:blip r:embed="rId12"/>
                       <a:stretch>
                         <a:fillRect/>
                       </a:stretch>
@@ -6330,7 +6330,7 @@
           <p:nvPr/>
         </p:nvPicPr>
         <p:blipFill>
-          <a:blip r:embed="rId8"/>
+          <a:blip r:embed="rId13"/>
           <a:stretch>
             <a:fillRect/>
           </a:stretch>
@@ -7210,7 +7210,7 @@
           </p:nvPr>
         </p:nvPicPr>
         <p:blipFill>
-          <a:blip r:embed="rId9">
+          <a:blip r:embed="rId14">
             <a:extLst>
               <a:ext uri="{28A0092B-C50C-407E-A947-70E740481C1C}">
                 <a14:useLocalDpi xmlns:a14="http://schemas.microsoft.com/office/drawing/2010/main" val="0"/>
@@ -7246,7 +7246,7 @@
           <p:nvPr/>
         </p:nvPicPr>
         <p:blipFill>
-          <a:blip r:embed="rId10"/>
+          <a:blip r:embed="rId15"/>
           <a:stretch>
             <a:fillRect/>
           </a:stretch>
@@ -7280,7 +7280,7 @@
           </p:nvPr>
         </p:nvPicPr>
         <p:blipFill>
-          <a:blip r:embed="rId11">
+          <a:blip r:embed="rId16">
             <a:extLst>
               <a:ext uri="{28A0092B-C50C-407E-A947-70E740481C1C}">
                 <a14:useLocalDpi xmlns:a14="http://schemas.microsoft.com/office/drawing/2010/main" val="0"/>
@@ -7295,6 +7295,615 @@
           <a:xfrm>
             <a:off x="3000074" y="1651863"/>
             <a:ext cx="6875428" cy="350476"/>
+          </a:xfrm>
+          <a:prstGeom prst="rect">
+            <a:avLst/>
+          </a:prstGeom>
+        </p:spPr>
+      </p:pic>
+      <p:sp>
+        <p:nvSpPr>
+          <p:cNvPr id="3" name="Untertitel 2 6">
+            <a:extLst>
+              <a:ext uri="{FF2B5EF4-FFF2-40B4-BE49-F238E27FC236}">
+                <a16:creationId xmlns:a16="http://schemas.microsoft.com/office/drawing/2014/main" id="{385898AF-B955-5739-FC5A-7DDDCDA57CCE}"/>
+              </a:ext>
+            </a:extLst>
+          </p:cNvPr>
+          <p:cNvSpPr txBox="1">
+            <a:spLocks/>
+          </p:cNvSpPr>
+          <p:nvPr/>
+        </p:nvSpPr>
+        <p:spPr>
+          <a:xfrm>
+            <a:off x="1476059" y="4844106"/>
+            <a:ext cx="9759159" cy="747704"/>
+          </a:xfrm>
+          <a:prstGeom prst="rect">
+            <a:avLst/>
+          </a:prstGeom>
+        </p:spPr>
+        <p:txBody>
+          <a:bodyPr vert="horz" lIns="91440" tIns="45720" rIns="91440" bIns="45720" rtlCol="0">
+            <a:normAutofit/>
+          </a:bodyPr>
+          <a:lstStyle>
+            <a:lvl1pPr marL="228600" indent="-228600" algn="l" defTabSz="914400" rtl="0" eaLnBrk="1" latinLnBrk="0" hangingPunct="1">
+              <a:lnSpc>
+                <a:spcPct val="90000"/>
+              </a:lnSpc>
+              <a:spcBef>
+                <a:spcPts val="1000"/>
+              </a:spcBef>
+              <a:buFont typeface="Arial" panose="020B0604020202020204" pitchFamily="34" charset="0"/>
+              <a:buChar char="•"/>
+              <a:defRPr sz="2800" kern="1200">
+                <a:solidFill>
+                  <a:schemeClr val="tx1"/>
+                </a:solidFill>
+                <a:latin typeface="+mn-lt"/>
+                <a:ea typeface="+mn-ea"/>
+                <a:cs typeface="+mn-cs"/>
+              </a:defRPr>
+            </a:lvl1pPr>
+            <a:lvl2pPr marL="685800" indent="-228600" algn="l" defTabSz="914400" rtl="0" eaLnBrk="1" latinLnBrk="0" hangingPunct="1">
+              <a:lnSpc>
+                <a:spcPct val="90000"/>
+              </a:lnSpc>
+              <a:spcBef>
+                <a:spcPts val="500"/>
+              </a:spcBef>
+              <a:buFont typeface="Arial" panose="020B0604020202020204" pitchFamily="34" charset="0"/>
+              <a:buChar char="•"/>
+              <a:defRPr sz="2400" kern="1200">
+                <a:solidFill>
+                  <a:schemeClr val="tx1"/>
+                </a:solidFill>
+                <a:latin typeface="+mn-lt"/>
+                <a:ea typeface="+mn-ea"/>
+                <a:cs typeface="+mn-cs"/>
+              </a:defRPr>
+            </a:lvl2pPr>
+            <a:lvl3pPr marL="1143000" indent="-228600" algn="l" defTabSz="914400" rtl="0" eaLnBrk="1" latinLnBrk="0" hangingPunct="1">
+              <a:lnSpc>
+                <a:spcPct val="90000"/>
+              </a:lnSpc>
+              <a:spcBef>
+                <a:spcPts val="500"/>
+              </a:spcBef>
+              <a:buFont typeface="Arial" panose="020B0604020202020204" pitchFamily="34" charset="0"/>
+              <a:buChar char="•"/>
+              <a:defRPr sz="2000" kern="1200">
+                <a:solidFill>
+                  <a:schemeClr val="tx1"/>
+                </a:solidFill>
+                <a:latin typeface="+mn-lt"/>
+                <a:ea typeface="+mn-ea"/>
+                <a:cs typeface="+mn-cs"/>
+              </a:defRPr>
+            </a:lvl3pPr>
+            <a:lvl4pPr marL="1600200" indent="-228600" algn="l" defTabSz="914400" rtl="0" eaLnBrk="1" latinLnBrk="0" hangingPunct="1">
+              <a:lnSpc>
+                <a:spcPct val="90000"/>
+              </a:lnSpc>
+              <a:spcBef>
+                <a:spcPts val="500"/>
+              </a:spcBef>
+              <a:buFont typeface="Arial" panose="020B0604020202020204" pitchFamily="34" charset="0"/>
+              <a:buChar char="•"/>
+              <a:defRPr sz="1800" kern="1200">
+                <a:solidFill>
+                  <a:schemeClr val="tx1"/>
+                </a:solidFill>
+                <a:latin typeface="+mn-lt"/>
+                <a:ea typeface="+mn-ea"/>
+                <a:cs typeface="+mn-cs"/>
+              </a:defRPr>
+            </a:lvl4pPr>
+            <a:lvl5pPr marL="2057400" indent="-228600" algn="l" defTabSz="914400" rtl="0" eaLnBrk="1" latinLnBrk="0" hangingPunct="1">
+              <a:lnSpc>
+                <a:spcPct val="90000"/>
+              </a:lnSpc>
+              <a:spcBef>
+                <a:spcPts val="500"/>
+              </a:spcBef>
+              <a:buFont typeface="Arial" panose="020B0604020202020204" pitchFamily="34" charset="0"/>
+              <a:buChar char="•"/>
+              <a:defRPr sz="1800" kern="1200">
+                <a:solidFill>
+                  <a:schemeClr val="tx1"/>
+                </a:solidFill>
+                <a:latin typeface="+mn-lt"/>
+                <a:ea typeface="+mn-ea"/>
+                <a:cs typeface="+mn-cs"/>
+              </a:defRPr>
+            </a:lvl5pPr>
+            <a:lvl6pPr marL="2514600" indent="-228600" algn="l" defTabSz="914400" rtl="0" eaLnBrk="1" latinLnBrk="0" hangingPunct="1">
+              <a:lnSpc>
+                <a:spcPct val="90000"/>
+              </a:lnSpc>
+              <a:spcBef>
+                <a:spcPts val="500"/>
+              </a:spcBef>
+              <a:buFont typeface="Arial" panose="020B0604020202020204" pitchFamily="34" charset="0"/>
+              <a:buChar char="•"/>
+              <a:defRPr sz="1800" kern="1200">
+                <a:solidFill>
+                  <a:schemeClr val="tx1"/>
+                </a:solidFill>
+                <a:latin typeface="+mn-lt"/>
+                <a:ea typeface="+mn-ea"/>
+                <a:cs typeface="+mn-cs"/>
+              </a:defRPr>
+            </a:lvl6pPr>
+            <a:lvl7pPr marL="2971800" indent="-228600" algn="l" defTabSz="914400" rtl="0" eaLnBrk="1" latinLnBrk="0" hangingPunct="1">
+              <a:lnSpc>
+                <a:spcPct val="90000"/>
+              </a:lnSpc>
+              <a:spcBef>
+                <a:spcPts val="500"/>
+              </a:spcBef>
+              <a:buFont typeface="Arial" panose="020B0604020202020204" pitchFamily="34" charset="0"/>
+              <a:buChar char="•"/>
+              <a:defRPr sz="1800" kern="1200">
+                <a:solidFill>
+                  <a:schemeClr val="tx1"/>
+                </a:solidFill>
+                <a:latin typeface="+mn-lt"/>
+                <a:ea typeface="+mn-ea"/>
+                <a:cs typeface="+mn-cs"/>
+              </a:defRPr>
+            </a:lvl7pPr>
+            <a:lvl8pPr marL="3429000" indent="-228600" algn="l" defTabSz="914400" rtl="0" eaLnBrk="1" latinLnBrk="0" hangingPunct="1">
+              <a:lnSpc>
+                <a:spcPct val="90000"/>
+              </a:lnSpc>
+              <a:spcBef>
+                <a:spcPts val="500"/>
+              </a:spcBef>
+              <a:buFont typeface="Arial" panose="020B0604020202020204" pitchFamily="34" charset="0"/>
+              <a:buChar char="•"/>
+              <a:defRPr sz="1800" kern="1200">
+                <a:solidFill>
+                  <a:schemeClr val="tx1"/>
+                </a:solidFill>
+                <a:latin typeface="+mn-lt"/>
+                <a:ea typeface="+mn-ea"/>
+                <a:cs typeface="+mn-cs"/>
+              </a:defRPr>
+            </a:lvl8pPr>
+            <a:lvl9pPr marL="3886200" indent="-228600" algn="l" defTabSz="914400" rtl="0" eaLnBrk="1" latinLnBrk="0" hangingPunct="1">
+              <a:lnSpc>
+                <a:spcPct val="90000"/>
+              </a:lnSpc>
+              <a:spcBef>
+                <a:spcPts val="500"/>
+              </a:spcBef>
+              <a:buFont typeface="Arial" panose="020B0604020202020204" pitchFamily="34" charset="0"/>
+              <a:buChar char="•"/>
+              <a:defRPr sz="1800" kern="1200">
+                <a:solidFill>
+                  <a:schemeClr val="tx1"/>
+                </a:solidFill>
+                <a:latin typeface="+mn-lt"/>
+                <a:ea typeface="+mn-ea"/>
+                <a:cs typeface="+mn-cs"/>
+              </a:defRPr>
+            </a:lvl9pPr>
+          </a:lstStyle>
+          <a:p>
+            <a:pPr marL="0" indent="0">
+              <a:buNone/>
+            </a:pPr>
+            <a:r>
+              <a:rPr lang="en-US" sz="2000" noProof="0" dirty="0">
+                <a:latin typeface="Bahnschrift SemiCondensed" panose="020B0502040204020203" pitchFamily="34" charset="0"/>
+              </a:rPr>
+              <a:t>We linearly approximate the (unnormalized) thermal state at high temperature,                   ,  as</a:t>
+            </a:r>
+            <a:endParaRPr lang="en-US" sz="2000" noProof="0" dirty="0"/>
+          </a:p>
+        </p:txBody>
+      </p:sp>
+      <p:pic>
+        <p:nvPicPr>
+          <p:cNvPr id="6" name="Picture 5" descr="\documentclass{article}&#10;\usepackage{amsmath}&#10;\usepackage{bbold}&#10;\pagestyle{empty}&#10;\begin{document}&#10;&#10;$\rho(\beta_0) = \text{e}^{- \beta_0 \hat{H}}\approx \hat{\mathbb{1}} - \beta_0 \hat{H}$&#10;&#10;&#10;\end{document}" title="IguanaTex Picture Display">
+            <a:extLst>
+              <a:ext uri="{FF2B5EF4-FFF2-40B4-BE49-F238E27FC236}">
+                <a16:creationId xmlns:a16="http://schemas.microsoft.com/office/drawing/2014/main" id="{F28F0B9A-D84B-0C4B-C4B5-8E87C411C538}"/>
+              </a:ext>
+            </a:extLst>
+          </p:cNvPr>
+          <p:cNvPicPr>
+            <a:picLocks noChangeAspect="1"/>
+          </p:cNvPicPr>
+          <p:nvPr>
+            <p:custDataLst>
+              <p:tags r:id="rId4"/>
+            </p:custDataLst>
+          </p:nvPr>
+        </p:nvPicPr>
+        <p:blipFill>
+          <a:blip r:embed="rId17">
+            <a:extLst>
+              <a:ext uri="{28A0092B-C50C-407E-A947-70E740481C1C}">
+                <a14:useLocalDpi xmlns:a14="http://schemas.microsoft.com/office/drawing/2010/main" val="0"/>
+              </a:ext>
+            </a:extLst>
+          </a:blip>
+          <a:stretch>
+            <a:fillRect/>
+          </a:stretch>
+        </p:blipFill>
+        <p:spPr>
+          <a:xfrm>
+            <a:off x="4273241" y="5364296"/>
+            <a:ext cx="2858666" cy="324571"/>
+          </a:xfrm>
+          <a:prstGeom prst="rect">
+            <a:avLst/>
+          </a:prstGeom>
+        </p:spPr>
+      </p:pic>
+      <p:pic>
+        <p:nvPicPr>
+          <p:cNvPr id="13" name="Picture 12" descr="\documentclass{article}&#10;\usepackage{amsmath}&#10;\pagestyle{empty}&#10;\begin{document}&#10;&#10;$\beta_0 = 10^{-6}$&#10;&#10;\end{document}" title="IguanaTex Picture Display">
+            <a:extLst>
+              <a:ext uri="{FF2B5EF4-FFF2-40B4-BE49-F238E27FC236}">
+                <a16:creationId xmlns:a16="http://schemas.microsoft.com/office/drawing/2014/main" id="{842B7C67-87EA-AA62-4EEE-458D99106A8C}"/>
+              </a:ext>
+            </a:extLst>
+          </p:cNvPr>
+          <p:cNvPicPr>
+            <a:picLocks noChangeAspect="1"/>
+          </p:cNvPicPr>
+          <p:nvPr>
+            <p:custDataLst>
+              <p:tags r:id="rId5"/>
+            </p:custDataLst>
+          </p:nvPr>
+        </p:nvPicPr>
+        <p:blipFill>
+          <a:blip r:embed="rId18">
+            <a:extLst>
+              <a:ext uri="{28A0092B-C50C-407E-A947-70E740481C1C}">
+                <a14:useLocalDpi xmlns:a14="http://schemas.microsoft.com/office/drawing/2010/main" val="0"/>
+              </a:ext>
+            </a:extLst>
+          </a:blip>
+          <a:stretch>
+            <a:fillRect/>
+          </a:stretch>
+        </p:blipFill>
+        <p:spPr>
+          <a:xfrm>
+            <a:off x="9424866" y="4883725"/>
+            <a:ext cx="1091048" cy="257524"/>
+          </a:xfrm>
+          <a:prstGeom prst="rect">
+            <a:avLst/>
+          </a:prstGeom>
+        </p:spPr>
+      </p:pic>
+      <p:sp>
+        <p:nvSpPr>
+          <p:cNvPr id="7" name="Untertitel 2 3 2">
+            <a:extLst>
+              <a:ext uri="{FF2B5EF4-FFF2-40B4-BE49-F238E27FC236}">
+                <a16:creationId xmlns:a16="http://schemas.microsoft.com/office/drawing/2014/main" id="{452D222A-1577-1AFF-2E59-1E58B5AF8F3A}"/>
+              </a:ext>
+            </a:extLst>
+          </p:cNvPr>
+          <p:cNvSpPr txBox="1">
+            <a:spLocks/>
+          </p:cNvSpPr>
+          <p:nvPr/>
+        </p:nvSpPr>
+        <p:spPr>
+          <a:xfrm>
+            <a:off x="1476058" y="5941790"/>
+            <a:ext cx="8664639" cy="663135"/>
+          </a:xfrm>
+          <a:prstGeom prst="rect">
+            <a:avLst/>
+          </a:prstGeom>
+        </p:spPr>
+        <p:txBody>
+          <a:bodyPr vert="horz" lIns="91440" tIns="45720" rIns="91440" bIns="45720" rtlCol="0">
+            <a:normAutofit/>
+          </a:bodyPr>
+          <a:lstStyle>
+            <a:lvl1pPr marL="228600" indent="-228600" algn="l" defTabSz="914400" rtl="0" eaLnBrk="1" latinLnBrk="0" hangingPunct="1">
+              <a:lnSpc>
+                <a:spcPct val="90000"/>
+              </a:lnSpc>
+              <a:spcBef>
+                <a:spcPts val="1000"/>
+              </a:spcBef>
+              <a:buFont typeface="Arial" panose="020B0604020202020204" pitchFamily="34" charset="0"/>
+              <a:buChar char="•"/>
+              <a:defRPr sz="2800" kern="1200">
+                <a:solidFill>
+                  <a:schemeClr val="tx1"/>
+                </a:solidFill>
+                <a:latin typeface="+mn-lt"/>
+                <a:ea typeface="+mn-ea"/>
+                <a:cs typeface="+mn-cs"/>
+              </a:defRPr>
+            </a:lvl1pPr>
+            <a:lvl2pPr marL="685800" indent="-228600" algn="l" defTabSz="914400" rtl="0" eaLnBrk="1" latinLnBrk="0" hangingPunct="1">
+              <a:lnSpc>
+                <a:spcPct val="90000"/>
+              </a:lnSpc>
+              <a:spcBef>
+                <a:spcPts val="500"/>
+              </a:spcBef>
+              <a:buFont typeface="Arial" panose="020B0604020202020204" pitchFamily="34" charset="0"/>
+              <a:buChar char="•"/>
+              <a:defRPr sz="2400" kern="1200">
+                <a:solidFill>
+                  <a:schemeClr val="tx1"/>
+                </a:solidFill>
+                <a:latin typeface="+mn-lt"/>
+                <a:ea typeface="+mn-ea"/>
+                <a:cs typeface="+mn-cs"/>
+              </a:defRPr>
+            </a:lvl2pPr>
+            <a:lvl3pPr marL="1143000" indent="-228600" algn="l" defTabSz="914400" rtl="0" eaLnBrk="1" latinLnBrk="0" hangingPunct="1">
+              <a:lnSpc>
+                <a:spcPct val="90000"/>
+              </a:lnSpc>
+              <a:spcBef>
+                <a:spcPts val="500"/>
+              </a:spcBef>
+              <a:buFont typeface="Arial" panose="020B0604020202020204" pitchFamily="34" charset="0"/>
+              <a:buChar char="•"/>
+              <a:defRPr sz="2000" kern="1200">
+                <a:solidFill>
+                  <a:schemeClr val="tx1"/>
+                </a:solidFill>
+                <a:latin typeface="+mn-lt"/>
+                <a:ea typeface="+mn-ea"/>
+                <a:cs typeface="+mn-cs"/>
+              </a:defRPr>
+            </a:lvl3pPr>
+            <a:lvl4pPr marL="1600200" indent="-228600" algn="l" defTabSz="914400" rtl="0" eaLnBrk="1" latinLnBrk="0" hangingPunct="1">
+              <a:lnSpc>
+                <a:spcPct val="90000"/>
+              </a:lnSpc>
+              <a:spcBef>
+                <a:spcPts val="500"/>
+              </a:spcBef>
+              <a:buFont typeface="Arial" panose="020B0604020202020204" pitchFamily="34" charset="0"/>
+              <a:buChar char="•"/>
+              <a:defRPr sz="1800" kern="1200">
+                <a:solidFill>
+                  <a:schemeClr val="tx1"/>
+                </a:solidFill>
+                <a:latin typeface="+mn-lt"/>
+                <a:ea typeface="+mn-ea"/>
+                <a:cs typeface="+mn-cs"/>
+              </a:defRPr>
+            </a:lvl4pPr>
+            <a:lvl5pPr marL="2057400" indent="-228600" algn="l" defTabSz="914400" rtl="0" eaLnBrk="1" latinLnBrk="0" hangingPunct="1">
+              <a:lnSpc>
+                <a:spcPct val="90000"/>
+              </a:lnSpc>
+              <a:spcBef>
+                <a:spcPts val="500"/>
+              </a:spcBef>
+              <a:buFont typeface="Arial" panose="020B0604020202020204" pitchFamily="34" charset="0"/>
+              <a:buChar char="•"/>
+              <a:defRPr sz="1800" kern="1200">
+                <a:solidFill>
+                  <a:schemeClr val="tx1"/>
+                </a:solidFill>
+                <a:latin typeface="+mn-lt"/>
+                <a:ea typeface="+mn-ea"/>
+                <a:cs typeface="+mn-cs"/>
+              </a:defRPr>
+            </a:lvl5pPr>
+            <a:lvl6pPr marL="2514600" indent="-228600" algn="l" defTabSz="914400" rtl="0" eaLnBrk="1" latinLnBrk="0" hangingPunct="1">
+              <a:lnSpc>
+                <a:spcPct val="90000"/>
+              </a:lnSpc>
+              <a:spcBef>
+                <a:spcPts val="500"/>
+              </a:spcBef>
+              <a:buFont typeface="Arial" panose="020B0604020202020204" pitchFamily="34" charset="0"/>
+              <a:buChar char="•"/>
+              <a:defRPr sz="1800" kern="1200">
+                <a:solidFill>
+                  <a:schemeClr val="tx1"/>
+                </a:solidFill>
+                <a:latin typeface="+mn-lt"/>
+                <a:ea typeface="+mn-ea"/>
+                <a:cs typeface="+mn-cs"/>
+              </a:defRPr>
+            </a:lvl6pPr>
+            <a:lvl7pPr marL="2971800" indent="-228600" algn="l" defTabSz="914400" rtl="0" eaLnBrk="1" latinLnBrk="0" hangingPunct="1">
+              <a:lnSpc>
+                <a:spcPct val="90000"/>
+              </a:lnSpc>
+              <a:spcBef>
+                <a:spcPts val="500"/>
+              </a:spcBef>
+              <a:buFont typeface="Arial" panose="020B0604020202020204" pitchFamily="34" charset="0"/>
+              <a:buChar char="•"/>
+              <a:defRPr sz="1800" kern="1200">
+                <a:solidFill>
+                  <a:schemeClr val="tx1"/>
+                </a:solidFill>
+                <a:latin typeface="+mn-lt"/>
+                <a:ea typeface="+mn-ea"/>
+                <a:cs typeface="+mn-cs"/>
+              </a:defRPr>
+            </a:lvl7pPr>
+            <a:lvl8pPr marL="3429000" indent="-228600" algn="l" defTabSz="914400" rtl="0" eaLnBrk="1" latinLnBrk="0" hangingPunct="1">
+              <a:lnSpc>
+                <a:spcPct val="90000"/>
+              </a:lnSpc>
+              <a:spcBef>
+                <a:spcPts val="500"/>
+              </a:spcBef>
+              <a:buFont typeface="Arial" panose="020B0604020202020204" pitchFamily="34" charset="0"/>
+              <a:buChar char="•"/>
+              <a:defRPr sz="1800" kern="1200">
+                <a:solidFill>
+                  <a:schemeClr val="tx1"/>
+                </a:solidFill>
+                <a:latin typeface="+mn-lt"/>
+                <a:ea typeface="+mn-ea"/>
+                <a:cs typeface="+mn-cs"/>
+              </a:defRPr>
+            </a:lvl8pPr>
+            <a:lvl9pPr marL="3886200" indent="-228600" algn="l" defTabSz="914400" rtl="0" eaLnBrk="1" latinLnBrk="0" hangingPunct="1">
+              <a:lnSpc>
+                <a:spcPct val="90000"/>
+              </a:lnSpc>
+              <a:spcBef>
+                <a:spcPts val="500"/>
+              </a:spcBef>
+              <a:buFont typeface="Arial" panose="020B0604020202020204" pitchFamily="34" charset="0"/>
+              <a:buChar char="•"/>
+              <a:defRPr sz="1800" kern="1200">
+                <a:solidFill>
+                  <a:schemeClr val="tx1"/>
+                </a:solidFill>
+                <a:latin typeface="+mn-lt"/>
+                <a:ea typeface="+mn-ea"/>
+                <a:cs typeface="+mn-cs"/>
+              </a:defRPr>
+            </a:lvl9pPr>
+          </a:lstStyle>
+          <a:p>
+            <a:pPr marL="0" indent="0">
+              <a:buNone/>
+            </a:pPr>
+            <a:r>
+              <a:rPr lang="en-US" sz="2000" noProof="0" dirty="0">
+                <a:latin typeface="Bahnschrift SemiCondensed" panose="020B0502040204020203" pitchFamily="34" charset="0"/>
+              </a:rPr>
+              <a:t>Using the fact that      and    can be represented by MPOs with bond dimension 4 and 1, respectively, we represent                  with an MPO with bond dimension 5</a:t>
+            </a:r>
+          </a:p>
+        </p:txBody>
+      </p:sp>
+      <p:pic>
+        <p:nvPicPr>
+          <p:cNvPr id="9" name="Picture 8" descr="\documentclass{article}&#10;\usepackage{amsmath}&#10;\pagestyle{empty}&#10;\begin{document}&#10;&#10;$\hat{H}$&#10;&#10;&#10;\end{document}" title="IguanaTex Picture Display">
+            <a:extLst>
+              <a:ext uri="{FF2B5EF4-FFF2-40B4-BE49-F238E27FC236}">
+                <a16:creationId xmlns:a16="http://schemas.microsoft.com/office/drawing/2014/main" id="{AE17548D-126D-CC51-4A9D-BBAC4AFC0A80}"/>
+              </a:ext>
+            </a:extLst>
+          </p:cNvPr>
+          <p:cNvPicPr>
+            <a:picLocks noChangeAspect="1"/>
+          </p:cNvPicPr>
+          <p:nvPr>
+            <p:custDataLst>
+              <p:tags r:id="rId6"/>
+            </p:custDataLst>
+          </p:nvPr>
+        </p:nvPicPr>
+        <p:blipFill>
+          <a:blip r:embed="rId19">
+            <a:extLst>
+              <a:ext uri="{28A0092B-C50C-407E-A947-70E740481C1C}">
+                <a14:useLocalDpi xmlns:a14="http://schemas.microsoft.com/office/drawing/2010/main" val="0"/>
+              </a:ext>
+            </a:extLst>
+          </a:blip>
+          <a:stretch>
+            <a:fillRect/>
+          </a:stretch>
+        </p:blipFill>
+        <p:spPr>
+          <a:xfrm>
+            <a:off x="3439200" y="5965632"/>
+            <a:ext cx="214857" cy="239238"/>
+          </a:xfrm>
+          <a:prstGeom prst="rect">
+            <a:avLst/>
+          </a:prstGeom>
+        </p:spPr>
+      </p:pic>
+      <p:pic>
+        <p:nvPicPr>
+          <p:cNvPr id="17" name="Picture 16" descr="\documentclass{article}&#10;\usepackage{amsmath}&#10;\usepackage{bbold}&#10;\pagestyle{empty}&#10;\begin{document}&#10;&#10;$\hat{\mathbb{1}}$&#10;&#10;\end{document}" title="IguanaTex Picture Display">
+            <a:extLst>
+              <a:ext uri="{FF2B5EF4-FFF2-40B4-BE49-F238E27FC236}">
+                <a16:creationId xmlns:a16="http://schemas.microsoft.com/office/drawing/2014/main" id="{73BE6A28-7B1F-673D-B344-A1A1E59AE178}"/>
+              </a:ext>
+            </a:extLst>
+          </p:cNvPr>
+          <p:cNvPicPr>
+            <a:picLocks noChangeAspect="1"/>
+          </p:cNvPicPr>
+          <p:nvPr>
+            <p:custDataLst>
+              <p:tags r:id="rId7"/>
+            </p:custDataLst>
+          </p:nvPr>
+        </p:nvPicPr>
+        <p:blipFill>
+          <a:blip r:embed="rId20">
+            <a:extLst>
+              <a:ext uri="{28A0092B-C50C-407E-A947-70E740481C1C}">
+                <a14:useLocalDpi xmlns:a14="http://schemas.microsoft.com/office/drawing/2010/main" val="0"/>
+              </a:ext>
+            </a:extLst>
+          </a:blip>
+          <a:stretch>
+            <a:fillRect/>
+          </a:stretch>
+        </p:blipFill>
+        <p:spPr>
+          <a:xfrm>
+            <a:off x="4174356" y="5974775"/>
+            <a:ext cx="112762" cy="230095"/>
+          </a:xfrm>
+          <a:prstGeom prst="rect">
+            <a:avLst/>
+          </a:prstGeom>
+        </p:spPr>
+      </p:pic>
+      <p:pic>
+        <p:nvPicPr>
+          <p:cNvPr id="21" name="Picture 20" descr="\documentclass{article}&#10;\usepackage{amsmath}&#10;\usepackage{bbold}&#10;\pagestyle{empty}&#10;\begin{document}&#10;&#10;$\hat{\mathbb{1}} - \beta_0 \hat{H}$&#10;&#10;\end{document}" title="IguanaTex Picture Display">
+            <a:extLst>
+              <a:ext uri="{FF2B5EF4-FFF2-40B4-BE49-F238E27FC236}">
+                <a16:creationId xmlns:a16="http://schemas.microsoft.com/office/drawing/2014/main" id="{6713ED5A-79E5-D2D0-0D00-42D463999457}"/>
+              </a:ext>
+            </a:extLst>
+          </p:cNvPr>
+          <p:cNvPicPr>
+            <a:picLocks noChangeAspect="1"/>
+          </p:cNvPicPr>
+          <p:nvPr>
+            <p:custDataLst>
+              <p:tags r:id="rId8"/>
+            </p:custDataLst>
+          </p:nvPr>
+        </p:nvPicPr>
+        <p:blipFill>
+          <a:blip r:embed="rId21">
+            <a:extLst>
+              <a:ext uri="{28A0092B-C50C-407E-A947-70E740481C1C}">
+                <a14:useLocalDpi xmlns:a14="http://schemas.microsoft.com/office/drawing/2010/main" val="0"/>
+              </a:ext>
+            </a:extLst>
+          </a:blip>
+          <a:stretch>
+            <a:fillRect/>
+          </a:stretch>
+        </p:blipFill>
+        <p:spPr>
+          <a:xfrm>
+            <a:off x="4287118" y="6260897"/>
+            <a:ext cx="917334" cy="288000"/>
           </a:xfrm>
           <a:prstGeom prst="rect">
             <a:avLst/>
@@ -7363,12 +7972,12 @@
           <a:graphicData uri="http://schemas.openxmlformats.org/presentationml/2006/ole">
             <mc:AlternateContent xmlns:mc="http://schemas.openxmlformats.org/markup-compatibility/2006">
               <mc:Choice xmlns:v="urn:schemas-microsoft-com:vml" Requires="v">
-                <p:oleObj name="think-cell Slide" r:id="rId12" imgW="479" imgH="478" progId="TCLayout.ActiveDocument.1">
+                <p:oleObj name="think-cell Slide" r:id="rId7" imgW="479" imgH="478" progId="TCLayout.ActiveDocument.1">
                   <p:embed/>
                 </p:oleObj>
               </mc:Choice>
               <mc:Fallback>
-                <p:oleObj name="think-cell Slide" r:id="rId12" imgW="479" imgH="478" progId="TCLayout.ActiveDocument.1">
+                <p:oleObj name="think-cell Slide" r:id="rId7" imgW="479" imgH="478" progId="TCLayout.ActiveDocument.1">
                   <p:embed/>
                   <p:pic>
                     <p:nvPicPr>
@@ -7383,7 +7992,7 @@
                       <p:nvPr/>
                     </p:nvPicPr>
                     <p:blipFill>
-                      <a:blip r:embed="rId13"/>
+                      <a:blip r:embed="rId8"/>
                       <a:stretch>
                         <a:fillRect/>
                       </a:stretch>
@@ -8092,7 +8701,7 @@
           </p:nvPr>
         </p:nvPicPr>
         <p:blipFill>
-          <a:blip r:embed="rId14">
+          <a:blip r:embed="rId9">
             <a:extLst>
               <a:ext uri="{28A0092B-C50C-407E-A947-70E740481C1C}">
                 <a14:useLocalDpi xmlns:a14="http://schemas.microsoft.com/office/drawing/2010/main" val="0"/>
@@ -8132,7 +8741,7 @@
           </p:nvPr>
         </p:nvPicPr>
         <p:blipFill>
-          <a:blip r:embed="rId15">
+          <a:blip r:embed="rId10">
             <a:extLst>
               <a:ext uri="{28A0092B-C50C-407E-A947-70E740481C1C}">
                 <a14:useLocalDpi xmlns:a14="http://schemas.microsoft.com/office/drawing/2010/main" val="0"/>
@@ -8376,7 +8985,7 @@
           </p:nvPr>
         </p:nvPicPr>
         <p:blipFill>
-          <a:blip r:embed="rId16">
+          <a:blip r:embed="rId11">
             <a:extLst>
               <a:ext uri="{28A0092B-C50C-407E-A947-70E740481C1C}">
                 <a14:useLocalDpi xmlns:a14="http://schemas.microsoft.com/office/drawing/2010/main" val="0"/>
@@ -8615,615 +9224,6 @@
           </a:p>
         </p:txBody>
       </p:sp>
-      <p:sp>
-        <p:nvSpPr>
-          <p:cNvPr id="3" name="Untertitel 2 6">
-            <a:extLst>
-              <a:ext uri="{FF2B5EF4-FFF2-40B4-BE49-F238E27FC236}">
-                <a16:creationId xmlns:a16="http://schemas.microsoft.com/office/drawing/2014/main" id="{385898AF-B955-5739-FC5A-7DDDCDA57CCE}"/>
-              </a:ext>
-            </a:extLst>
-          </p:cNvPr>
-          <p:cNvSpPr txBox="1">
-            <a:spLocks/>
-          </p:cNvSpPr>
-          <p:nvPr/>
-        </p:nvSpPr>
-        <p:spPr>
-          <a:xfrm>
-            <a:off x="1412049" y="4710515"/>
-            <a:ext cx="9759159" cy="747704"/>
-          </a:xfrm>
-          <a:prstGeom prst="rect">
-            <a:avLst/>
-          </a:prstGeom>
-        </p:spPr>
-        <p:txBody>
-          <a:bodyPr vert="horz" lIns="91440" tIns="45720" rIns="91440" bIns="45720" rtlCol="0">
-            <a:normAutofit/>
-          </a:bodyPr>
-          <a:lstStyle>
-            <a:lvl1pPr marL="228600" indent="-228600" algn="l" defTabSz="914400" rtl="0" eaLnBrk="1" latinLnBrk="0" hangingPunct="1">
-              <a:lnSpc>
-                <a:spcPct val="90000"/>
-              </a:lnSpc>
-              <a:spcBef>
-                <a:spcPts val="1000"/>
-              </a:spcBef>
-              <a:buFont typeface="Arial" panose="020B0604020202020204" pitchFamily="34" charset="0"/>
-              <a:buChar char="•"/>
-              <a:defRPr sz="2800" kern="1200">
-                <a:solidFill>
-                  <a:schemeClr val="tx1"/>
-                </a:solidFill>
-                <a:latin typeface="+mn-lt"/>
-                <a:ea typeface="+mn-ea"/>
-                <a:cs typeface="+mn-cs"/>
-              </a:defRPr>
-            </a:lvl1pPr>
-            <a:lvl2pPr marL="685800" indent="-228600" algn="l" defTabSz="914400" rtl="0" eaLnBrk="1" latinLnBrk="0" hangingPunct="1">
-              <a:lnSpc>
-                <a:spcPct val="90000"/>
-              </a:lnSpc>
-              <a:spcBef>
-                <a:spcPts val="500"/>
-              </a:spcBef>
-              <a:buFont typeface="Arial" panose="020B0604020202020204" pitchFamily="34" charset="0"/>
-              <a:buChar char="•"/>
-              <a:defRPr sz="2400" kern="1200">
-                <a:solidFill>
-                  <a:schemeClr val="tx1"/>
-                </a:solidFill>
-                <a:latin typeface="+mn-lt"/>
-                <a:ea typeface="+mn-ea"/>
-                <a:cs typeface="+mn-cs"/>
-              </a:defRPr>
-            </a:lvl2pPr>
-            <a:lvl3pPr marL="1143000" indent="-228600" algn="l" defTabSz="914400" rtl="0" eaLnBrk="1" latinLnBrk="0" hangingPunct="1">
-              <a:lnSpc>
-                <a:spcPct val="90000"/>
-              </a:lnSpc>
-              <a:spcBef>
-                <a:spcPts val="500"/>
-              </a:spcBef>
-              <a:buFont typeface="Arial" panose="020B0604020202020204" pitchFamily="34" charset="0"/>
-              <a:buChar char="•"/>
-              <a:defRPr sz="2000" kern="1200">
-                <a:solidFill>
-                  <a:schemeClr val="tx1"/>
-                </a:solidFill>
-                <a:latin typeface="+mn-lt"/>
-                <a:ea typeface="+mn-ea"/>
-                <a:cs typeface="+mn-cs"/>
-              </a:defRPr>
-            </a:lvl3pPr>
-            <a:lvl4pPr marL="1600200" indent="-228600" algn="l" defTabSz="914400" rtl="0" eaLnBrk="1" latinLnBrk="0" hangingPunct="1">
-              <a:lnSpc>
-                <a:spcPct val="90000"/>
-              </a:lnSpc>
-              <a:spcBef>
-                <a:spcPts val="500"/>
-              </a:spcBef>
-              <a:buFont typeface="Arial" panose="020B0604020202020204" pitchFamily="34" charset="0"/>
-              <a:buChar char="•"/>
-              <a:defRPr sz="1800" kern="1200">
-                <a:solidFill>
-                  <a:schemeClr val="tx1"/>
-                </a:solidFill>
-                <a:latin typeface="+mn-lt"/>
-                <a:ea typeface="+mn-ea"/>
-                <a:cs typeface="+mn-cs"/>
-              </a:defRPr>
-            </a:lvl4pPr>
-            <a:lvl5pPr marL="2057400" indent="-228600" algn="l" defTabSz="914400" rtl="0" eaLnBrk="1" latinLnBrk="0" hangingPunct="1">
-              <a:lnSpc>
-                <a:spcPct val="90000"/>
-              </a:lnSpc>
-              <a:spcBef>
-                <a:spcPts val="500"/>
-              </a:spcBef>
-              <a:buFont typeface="Arial" panose="020B0604020202020204" pitchFamily="34" charset="0"/>
-              <a:buChar char="•"/>
-              <a:defRPr sz="1800" kern="1200">
-                <a:solidFill>
-                  <a:schemeClr val="tx1"/>
-                </a:solidFill>
-                <a:latin typeface="+mn-lt"/>
-                <a:ea typeface="+mn-ea"/>
-                <a:cs typeface="+mn-cs"/>
-              </a:defRPr>
-            </a:lvl5pPr>
-            <a:lvl6pPr marL="2514600" indent="-228600" algn="l" defTabSz="914400" rtl="0" eaLnBrk="1" latinLnBrk="0" hangingPunct="1">
-              <a:lnSpc>
-                <a:spcPct val="90000"/>
-              </a:lnSpc>
-              <a:spcBef>
-                <a:spcPts val="500"/>
-              </a:spcBef>
-              <a:buFont typeface="Arial" panose="020B0604020202020204" pitchFamily="34" charset="0"/>
-              <a:buChar char="•"/>
-              <a:defRPr sz="1800" kern="1200">
-                <a:solidFill>
-                  <a:schemeClr val="tx1"/>
-                </a:solidFill>
-                <a:latin typeface="+mn-lt"/>
-                <a:ea typeface="+mn-ea"/>
-                <a:cs typeface="+mn-cs"/>
-              </a:defRPr>
-            </a:lvl6pPr>
-            <a:lvl7pPr marL="2971800" indent="-228600" algn="l" defTabSz="914400" rtl="0" eaLnBrk="1" latinLnBrk="0" hangingPunct="1">
-              <a:lnSpc>
-                <a:spcPct val="90000"/>
-              </a:lnSpc>
-              <a:spcBef>
-                <a:spcPts val="500"/>
-              </a:spcBef>
-              <a:buFont typeface="Arial" panose="020B0604020202020204" pitchFamily="34" charset="0"/>
-              <a:buChar char="•"/>
-              <a:defRPr sz="1800" kern="1200">
-                <a:solidFill>
-                  <a:schemeClr val="tx1"/>
-                </a:solidFill>
-                <a:latin typeface="+mn-lt"/>
-                <a:ea typeface="+mn-ea"/>
-                <a:cs typeface="+mn-cs"/>
-              </a:defRPr>
-            </a:lvl7pPr>
-            <a:lvl8pPr marL="3429000" indent="-228600" algn="l" defTabSz="914400" rtl="0" eaLnBrk="1" latinLnBrk="0" hangingPunct="1">
-              <a:lnSpc>
-                <a:spcPct val="90000"/>
-              </a:lnSpc>
-              <a:spcBef>
-                <a:spcPts val="500"/>
-              </a:spcBef>
-              <a:buFont typeface="Arial" panose="020B0604020202020204" pitchFamily="34" charset="0"/>
-              <a:buChar char="•"/>
-              <a:defRPr sz="1800" kern="1200">
-                <a:solidFill>
-                  <a:schemeClr val="tx1"/>
-                </a:solidFill>
-                <a:latin typeface="+mn-lt"/>
-                <a:ea typeface="+mn-ea"/>
-                <a:cs typeface="+mn-cs"/>
-              </a:defRPr>
-            </a:lvl8pPr>
-            <a:lvl9pPr marL="3886200" indent="-228600" algn="l" defTabSz="914400" rtl="0" eaLnBrk="1" latinLnBrk="0" hangingPunct="1">
-              <a:lnSpc>
-                <a:spcPct val="90000"/>
-              </a:lnSpc>
-              <a:spcBef>
-                <a:spcPts val="500"/>
-              </a:spcBef>
-              <a:buFont typeface="Arial" panose="020B0604020202020204" pitchFamily="34" charset="0"/>
-              <a:buChar char="•"/>
-              <a:defRPr sz="1800" kern="1200">
-                <a:solidFill>
-                  <a:schemeClr val="tx1"/>
-                </a:solidFill>
-                <a:latin typeface="+mn-lt"/>
-                <a:ea typeface="+mn-ea"/>
-                <a:cs typeface="+mn-cs"/>
-              </a:defRPr>
-            </a:lvl9pPr>
-          </a:lstStyle>
-          <a:p>
-            <a:pPr marL="0" indent="0">
-              <a:buNone/>
-            </a:pPr>
-            <a:r>
-              <a:rPr lang="en-US" sz="2000" noProof="0" dirty="0">
-                <a:latin typeface="Bahnschrift SemiCondensed" panose="020B0502040204020203" pitchFamily="34" charset="0"/>
-              </a:rPr>
-              <a:t>We linearly approximate the (unnormalized) thermal state at high temperature,                   ,  as</a:t>
-            </a:r>
-            <a:endParaRPr lang="en-US" sz="2000" noProof="0" dirty="0"/>
-          </a:p>
-        </p:txBody>
-      </p:sp>
-      <p:pic>
-        <p:nvPicPr>
-          <p:cNvPr id="6" name="Picture 5" descr="\documentclass{article}&#10;\usepackage{amsmath}&#10;\usepackage{bbold}&#10;\pagestyle{empty}&#10;\begin{document}&#10;&#10;$\rho(\beta_0) = \text{e}^{- \beta_0 \hat{H}}\approx \hat{\mathbb{1}} - \beta_0 \hat{H}$&#10;&#10;&#10;\end{document}" title="IguanaTex Picture Display">
-            <a:extLst>
-              <a:ext uri="{FF2B5EF4-FFF2-40B4-BE49-F238E27FC236}">
-                <a16:creationId xmlns:a16="http://schemas.microsoft.com/office/drawing/2014/main" id="{F28F0B9A-D84B-0C4B-C4B5-8E87C411C538}"/>
-              </a:ext>
-            </a:extLst>
-          </p:cNvPr>
-          <p:cNvPicPr>
-            <a:picLocks noChangeAspect="1"/>
-          </p:cNvPicPr>
-          <p:nvPr>
-            <p:custDataLst>
-              <p:tags r:id="rId5"/>
-            </p:custDataLst>
-          </p:nvPr>
-        </p:nvPicPr>
-        <p:blipFill>
-          <a:blip r:embed="rId17">
-            <a:extLst>
-              <a:ext uri="{28A0092B-C50C-407E-A947-70E740481C1C}">
-                <a14:useLocalDpi xmlns:a14="http://schemas.microsoft.com/office/drawing/2010/main" val="0"/>
-              </a:ext>
-            </a:extLst>
-          </a:blip>
-          <a:stretch>
-            <a:fillRect/>
-          </a:stretch>
-        </p:blipFill>
-        <p:spPr>
-          <a:xfrm>
-            <a:off x="4209231" y="5230705"/>
-            <a:ext cx="2858666" cy="324571"/>
-          </a:xfrm>
-          <a:prstGeom prst="rect">
-            <a:avLst/>
-          </a:prstGeom>
-        </p:spPr>
-      </p:pic>
-      <p:pic>
-        <p:nvPicPr>
-          <p:cNvPr id="13" name="Picture 12" descr="\documentclass{article}&#10;\usepackage{amsmath}&#10;\pagestyle{empty}&#10;\begin{document}&#10;&#10;$\beta_0 = 10^{-6}$&#10;&#10;\end{document}" title="IguanaTex Picture Display">
-            <a:extLst>
-              <a:ext uri="{FF2B5EF4-FFF2-40B4-BE49-F238E27FC236}">
-                <a16:creationId xmlns:a16="http://schemas.microsoft.com/office/drawing/2014/main" id="{842B7C67-87EA-AA62-4EEE-458D99106A8C}"/>
-              </a:ext>
-            </a:extLst>
-          </p:cNvPr>
-          <p:cNvPicPr>
-            <a:picLocks noChangeAspect="1"/>
-          </p:cNvPicPr>
-          <p:nvPr>
-            <p:custDataLst>
-              <p:tags r:id="rId6"/>
-            </p:custDataLst>
-          </p:nvPr>
-        </p:nvPicPr>
-        <p:blipFill>
-          <a:blip r:embed="rId18">
-            <a:extLst>
-              <a:ext uri="{28A0092B-C50C-407E-A947-70E740481C1C}">
-                <a14:useLocalDpi xmlns:a14="http://schemas.microsoft.com/office/drawing/2010/main" val="0"/>
-              </a:ext>
-            </a:extLst>
-          </a:blip>
-          <a:stretch>
-            <a:fillRect/>
-          </a:stretch>
-        </p:blipFill>
-        <p:spPr>
-          <a:xfrm>
-            <a:off x="9360856" y="4750134"/>
-            <a:ext cx="1091048" cy="257524"/>
-          </a:xfrm>
-          <a:prstGeom prst="rect">
-            <a:avLst/>
-          </a:prstGeom>
-        </p:spPr>
-      </p:pic>
-      <p:sp>
-        <p:nvSpPr>
-          <p:cNvPr id="7" name="Untertitel 2 3 2">
-            <a:extLst>
-              <a:ext uri="{FF2B5EF4-FFF2-40B4-BE49-F238E27FC236}">
-                <a16:creationId xmlns:a16="http://schemas.microsoft.com/office/drawing/2014/main" id="{452D222A-1577-1AFF-2E59-1E58B5AF8F3A}"/>
-              </a:ext>
-            </a:extLst>
-          </p:cNvPr>
-          <p:cNvSpPr txBox="1">
-            <a:spLocks/>
-          </p:cNvSpPr>
-          <p:nvPr/>
-        </p:nvSpPr>
-        <p:spPr>
-          <a:xfrm>
-            <a:off x="1412048" y="5808199"/>
-            <a:ext cx="8664639" cy="663135"/>
-          </a:xfrm>
-          <a:prstGeom prst="rect">
-            <a:avLst/>
-          </a:prstGeom>
-        </p:spPr>
-        <p:txBody>
-          <a:bodyPr vert="horz" lIns="91440" tIns="45720" rIns="91440" bIns="45720" rtlCol="0">
-            <a:normAutofit/>
-          </a:bodyPr>
-          <a:lstStyle>
-            <a:lvl1pPr marL="228600" indent="-228600" algn="l" defTabSz="914400" rtl="0" eaLnBrk="1" latinLnBrk="0" hangingPunct="1">
-              <a:lnSpc>
-                <a:spcPct val="90000"/>
-              </a:lnSpc>
-              <a:spcBef>
-                <a:spcPts val="1000"/>
-              </a:spcBef>
-              <a:buFont typeface="Arial" panose="020B0604020202020204" pitchFamily="34" charset="0"/>
-              <a:buChar char="•"/>
-              <a:defRPr sz="2800" kern="1200">
-                <a:solidFill>
-                  <a:schemeClr val="tx1"/>
-                </a:solidFill>
-                <a:latin typeface="+mn-lt"/>
-                <a:ea typeface="+mn-ea"/>
-                <a:cs typeface="+mn-cs"/>
-              </a:defRPr>
-            </a:lvl1pPr>
-            <a:lvl2pPr marL="685800" indent="-228600" algn="l" defTabSz="914400" rtl="0" eaLnBrk="1" latinLnBrk="0" hangingPunct="1">
-              <a:lnSpc>
-                <a:spcPct val="90000"/>
-              </a:lnSpc>
-              <a:spcBef>
-                <a:spcPts val="500"/>
-              </a:spcBef>
-              <a:buFont typeface="Arial" panose="020B0604020202020204" pitchFamily="34" charset="0"/>
-              <a:buChar char="•"/>
-              <a:defRPr sz="2400" kern="1200">
-                <a:solidFill>
-                  <a:schemeClr val="tx1"/>
-                </a:solidFill>
-                <a:latin typeface="+mn-lt"/>
-                <a:ea typeface="+mn-ea"/>
-                <a:cs typeface="+mn-cs"/>
-              </a:defRPr>
-            </a:lvl2pPr>
-            <a:lvl3pPr marL="1143000" indent="-228600" algn="l" defTabSz="914400" rtl="0" eaLnBrk="1" latinLnBrk="0" hangingPunct="1">
-              <a:lnSpc>
-                <a:spcPct val="90000"/>
-              </a:lnSpc>
-              <a:spcBef>
-                <a:spcPts val="500"/>
-              </a:spcBef>
-              <a:buFont typeface="Arial" panose="020B0604020202020204" pitchFamily="34" charset="0"/>
-              <a:buChar char="•"/>
-              <a:defRPr sz="2000" kern="1200">
-                <a:solidFill>
-                  <a:schemeClr val="tx1"/>
-                </a:solidFill>
-                <a:latin typeface="+mn-lt"/>
-                <a:ea typeface="+mn-ea"/>
-                <a:cs typeface="+mn-cs"/>
-              </a:defRPr>
-            </a:lvl3pPr>
-            <a:lvl4pPr marL="1600200" indent="-228600" algn="l" defTabSz="914400" rtl="0" eaLnBrk="1" latinLnBrk="0" hangingPunct="1">
-              <a:lnSpc>
-                <a:spcPct val="90000"/>
-              </a:lnSpc>
-              <a:spcBef>
-                <a:spcPts val="500"/>
-              </a:spcBef>
-              <a:buFont typeface="Arial" panose="020B0604020202020204" pitchFamily="34" charset="0"/>
-              <a:buChar char="•"/>
-              <a:defRPr sz="1800" kern="1200">
-                <a:solidFill>
-                  <a:schemeClr val="tx1"/>
-                </a:solidFill>
-                <a:latin typeface="+mn-lt"/>
-                <a:ea typeface="+mn-ea"/>
-                <a:cs typeface="+mn-cs"/>
-              </a:defRPr>
-            </a:lvl4pPr>
-            <a:lvl5pPr marL="2057400" indent="-228600" algn="l" defTabSz="914400" rtl="0" eaLnBrk="1" latinLnBrk="0" hangingPunct="1">
-              <a:lnSpc>
-                <a:spcPct val="90000"/>
-              </a:lnSpc>
-              <a:spcBef>
-                <a:spcPts val="500"/>
-              </a:spcBef>
-              <a:buFont typeface="Arial" panose="020B0604020202020204" pitchFamily="34" charset="0"/>
-              <a:buChar char="•"/>
-              <a:defRPr sz="1800" kern="1200">
-                <a:solidFill>
-                  <a:schemeClr val="tx1"/>
-                </a:solidFill>
-                <a:latin typeface="+mn-lt"/>
-                <a:ea typeface="+mn-ea"/>
-                <a:cs typeface="+mn-cs"/>
-              </a:defRPr>
-            </a:lvl5pPr>
-            <a:lvl6pPr marL="2514600" indent="-228600" algn="l" defTabSz="914400" rtl="0" eaLnBrk="1" latinLnBrk="0" hangingPunct="1">
-              <a:lnSpc>
-                <a:spcPct val="90000"/>
-              </a:lnSpc>
-              <a:spcBef>
-                <a:spcPts val="500"/>
-              </a:spcBef>
-              <a:buFont typeface="Arial" panose="020B0604020202020204" pitchFamily="34" charset="0"/>
-              <a:buChar char="•"/>
-              <a:defRPr sz="1800" kern="1200">
-                <a:solidFill>
-                  <a:schemeClr val="tx1"/>
-                </a:solidFill>
-                <a:latin typeface="+mn-lt"/>
-                <a:ea typeface="+mn-ea"/>
-                <a:cs typeface="+mn-cs"/>
-              </a:defRPr>
-            </a:lvl6pPr>
-            <a:lvl7pPr marL="2971800" indent="-228600" algn="l" defTabSz="914400" rtl="0" eaLnBrk="1" latinLnBrk="0" hangingPunct="1">
-              <a:lnSpc>
-                <a:spcPct val="90000"/>
-              </a:lnSpc>
-              <a:spcBef>
-                <a:spcPts val="500"/>
-              </a:spcBef>
-              <a:buFont typeface="Arial" panose="020B0604020202020204" pitchFamily="34" charset="0"/>
-              <a:buChar char="•"/>
-              <a:defRPr sz="1800" kern="1200">
-                <a:solidFill>
-                  <a:schemeClr val="tx1"/>
-                </a:solidFill>
-                <a:latin typeface="+mn-lt"/>
-                <a:ea typeface="+mn-ea"/>
-                <a:cs typeface="+mn-cs"/>
-              </a:defRPr>
-            </a:lvl7pPr>
-            <a:lvl8pPr marL="3429000" indent="-228600" algn="l" defTabSz="914400" rtl="0" eaLnBrk="1" latinLnBrk="0" hangingPunct="1">
-              <a:lnSpc>
-                <a:spcPct val="90000"/>
-              </a:lnSpc>
-              <a:spcBef>
-                <a:spcPts val="500"/>
-              </a:spcBef>
-              <a:buFont typeface="Arial" panose="020B0604020202020204" pitchFamily="34" charset="0"/>
-              <a:buChar char="•"/>
-              <a:defRPr sz="1800" kern="1200">
-                <a:solidFill>
-                  <a:schemeClr val="tx1"/>
-                </a:solidFill>
-                <a:latin typeface="+mn-lt"/>
-                <a:ea typeface="+mn-ea"/>
-                <a:cs typeface="+mn-cs"/>
-              </a:defRPr>
-            </a:lvl8pPr>
-            <a:lvl9pPr marL="3886200" indent="-228600" algn="l" defTabSz="914400" rtl="0" eaLnBrk="1" latinLnBrk="0" hangingPunct="1">
-              <a:lnSpc>
-                <a:spcPct val="90000"/>
-              </a:lnSpc>
-              <a:spcBef>
-                <a:spcPts val="500"/>
-              </a:spcBef>
-              <a:buFont typeface="Arial" panose="020B0604020202020204" pitchFamily="34" charset="0"/>
-              <a:buChar char="•"/>
-              <a:defRPr sz="1800" kern="1200">
-                <a:solidFill>
-                  <a:schemeClr val="tx1"/>
-                </a:solidFill>
-                <a:latin typeface="+mn-lt"/>
-                <a:ea typeface="+mn-ea"/>
-                <a:cs typeface="+mn-cs"/>
-              </a:defRPr>
-            </a:lvl9pPr>
-          </a:lstStyle>
-          <a:p>
-            <a:pPr marL="0" indent="0">
-              <a:buNone/>
-            </a:pPr>
-            <a:r>
-              <a:rPr lang="en-US" sz="2000" noProof="0" dirty="0">
-                <a:latin typeface="Bahnschrift SemiCondensed" panose="020B0502040204020203" pitchFamily="34" charset="0"/>
-              </a:rPr>
-              <a:t>Using the fact that      and    can be represented by MPOs with bond dimension 4 and 1, respectively, we represent                  with an MPO with bond dimension 5</a:t>
-            </a:r>
-          </a:p>
-        </p:txBody>
-      </p:sp>
-      <p:pic>
-        <p:nvPicPr>
-          <p:cNvPr id="9" name="Picture 8" descr="\documentclass{article}&#10;\usepackage{amsmath}&#10;\pagestyle{empty}&#10;\begin{document}&#10;&#10;$\hat{H}$&#10;&#10;&#10;\end{document}" title="IguanaTex Picture Display">
-            <a:extLst>
-              <a:ext uri="{FF2B5EF4-FFF2-40B4-BE49-F238E27FC236}">
-                <a16:creationId xmlns:a16="http://schemas.microsoft.com/office/drawing/2014/main" id="{AE17548D-126D-CC51-4A9D-BBAC4AFC0A80}"/>
-              </a:ext>
-            </a:extLst>
-          </p:cNvPr>
-          <p:cNvPicPr>
-            <a:picLocks noChangeAspect="1"/>
-          </p:cNvPicPr>
-          <p:nvPr>
-            <p:custDataLst>
-              <p:tags r:id="rId7"/>
-            </p:custDataLst>
-          </p:nvPr>
-        </p:nvPicPr>
-        <p:blipFill>
-          <a:blip r:embed="rId19">
-            <a:extLst>
-              <a:ext uri="{28A0092B-C50C-407E-A947-70E740481C1C}">
-                <a14:useLocalDpi xmlns:a14="http://schemas.microsoft.com/office/drawing/2010/main" val="0"/>
-              </a:ext>
-            </a:extLst>
-          </a:blip>
-          <a:stretch>
-            <a:fillRect/>
-          </a:stretch>
-        </p:blipFill>
-        <p:spPr>
-          <a:xfrm>
-            <a:off x="3375190" y="5832041"/>
-            <a:ext cx="214857" cy="239238"/>
-          </a:xfrm>
-          <a:prstGeom prst="rect">
-            <a:avLst/>
-          </a:prstGeom>
-        </p:spPr>
-      </p:pic>
-      <p:pic>
-        <p:nvPicPr>
-          <p:cNvPr id="17" name="Picture 16" descr="\documentclass{article}&#10;\usepackage{amsmath}&#10;\usepackage{bbold}&#10;\pagestyle{empty}&#10;\begin{document}&#10;&#10;$\hat{\mathbb{1}}$&#10;&#10;\end{document}" title="IguanaTex Picture Display">
-            <a:extLst>
-              <a:ext uri="{FF2B5EF4-FFF2-40B4-BE49-F238E27FC236}">
-                <a16:creationId xmlns:a16="http://schemas.microsoft.com/office/drawing/2014/main" id="{73BE6A28-7B1F-673D-B344-A1A1E59AE178}"/>
-              </a:ext>
-            </a:extLst>
-          </p:cNvPr>
-          <p:cNvPicPr>
-            <a:picLocks noChangeAspect="1"/>
-          </p:cNvPicPr>
-          <p:nvPr>
-            <p:custDataLst>
-              <p:tags r:id="rId8"/>
-            </p:custDataLst>
-          </p:nvPr>
-        </p:nvPicPr>
-        <p:blipFill>
-          <a:blip r:embed="rId20">
-            <a:extLst>
-              <a:ext uri="{28A0092B-C50C-407E-A947-70E740481C1C}">
-                <a14:useLocalDpi xmlns:a14="http://schemas.microsoft.com/office/drawing/2010/main" val="0"/>
-              </a:ext>
-            </a:extLst>
-          </a:blip>
-          <a:stretch>
-            <a:fillRect/>
-          </a:stretch>
-        </p:blipFill>
-        <p:spPr>
-          <a:xfrm>
-            <a:off x="4110346" y="5841184"/>
-            <a:ext cx="112762" cy="230095"/>
-          </a:xfrm>
-          <a:prstGeom prst="rect">
-            <a:avLst/>
-          </a:prstGeom>
-        </p:spPr>
-      </p:pic>
-      <p:pic>
-        <p:nvPicPr>
-          <p:cNvPr id="21" name="Picture 20" descr="\documentclass{article}&#10;\usepackage{amsmath}&#10;\usepackage{bbold}&#10;\pagestyle{empty}&#10;\begin{document}&#10;&#10;$\hat{\mathbb{1}} - \beta_0 \hat{H}$&#10;&#10;\end{document}" title="IguanaTex Picture Display">
-            <a:extLst>
-              <a:ext uri="{FF2B5EF4-FFF2-40B4-BE49-F238E27FC236}">
-                <a16:creationId xmlns:a16="http://schemas.microsoft.com/office/drawing/2014/main" id="{6713ED5A-79E5-D2D0-0D00-42D463999457}"/>
-              </a:ext>
-            </a:extLst>
-          </p:cNvPr>
-          <p:cNvPicPr>
-            <a:picLocks noChangeAspect="1"/>
-          </p:cNvPicPr>
-          <p:nvPr>
-            <p:custDataLst>
-              <p:tags r:id="rId9"/>
-            </p:custDataLst>
-          </p:nvPr>
-        </p:nvPicPr>
-        <p:blipFill>
-          <a:blip r:embed="rId21">
-            <a:extLst>
-              <a:ext uri="{28A0092B-C50C-407E-A947-70E740481C1C}">
-                <a14:useLocalDpi xmlns:a14="http://schemas.microsoft.com/office/drawing/2010/main" val="0"/>
-              </a:ext>
-            </a:extLst>
-          </a:blip>
-          <a:stretch>
-            <a:fillRect/>
-          </a:stretch>
-        </p:blipFill>
-        <p:spPr>
-          <a:xfrm>
-            <a:off x="4223108" y="6127306"/>
-            <a:ext cx="917334" cy="288000"/>
-          </a:xfrm>
-          <a:prstGeom prst="rect">
-            <a:avLst/>
-          </a:prstGeom>
-        </p:spPr>
-      </p:pic>
     </p:spTree>
     <p:extLst>
       <p:ext uri="{BB962C8B-B14F-4D97-AF65-F5344CB8AC3E}">
@@ -9949,11 +9949,127 @@
 
 <file path=ppt/tags/tag18.xml><?xml version="1.0" encoding="utf-8"?>
 <p:tagLst xmlns:a="http://schemas.openxmlformats.org/drawingml/2006/main" xmlns:r="http://schemas.openxmlformats.org/officeDocument/2006/relationships" xmlns:p="http://schemas.openxmlformats.org/presentationml/2006/main">
+  <p:tag name="OUTPUTDPI" val=" 1200"/>
+  <p:tag name="ORIGINALHEIGHT" val=" 159.73"/>
+  <p:tag name="ORIGINALWIDTH" val=" 1406.824"/>
+  <p:tag name="OUTPUTTYPE" val="PNG"/>
+  <p:tag name="IGUANATEXVERSION" val="162"/>
+  <p:tag name="LATEXADDIN" val="\documentclass{article}&#10;\usepackage{amsmath}&#10;\usepackage{bbold}&#10;\pagestyle{empty}&#10;\begin{document}&#10;&#10;$\rho(\beta_0) = \text{e}^{- \beta_0 \hat{H}}\approx \hat{\mathbb{1}} - \beta_0 \hat{H}$&#10;&#10;&#10;\end{document}"/>
+  <p:tag name="IGUANATEXSIZE" val="20"/>
+  <p:tag name="IGUANATEXCURSOR" val="187"/>
+  <p:tag name="TRANSPARENCY" val="True"/>
+  <p:tag name="CHOOSECOLOR" val="False"/>
+  <p:tag name="COLORHEX" val="000000"/>
+  <p:tag name="LATEXENGINEID" val="0"/>
+  <p:tag name="TEMPFOLDER" val="c:\temp\"/>
+  <p:tag name="LATEXFORMHEIGHT" val=" 320"/>
+  <p:tag name="LATEXFORMWIDTH" val=" 385"/>
+  <p:tag name="LATEXFORMWRAP" val="True"/>
+  <p:tag name="BITMAPVECTOR" val="0"/>
+</p:tagLst>
+</file>
+
+<file path=ppt/tags/tag19.xml><?xml version="1.0" encoding="utf-8"?>
+<p:tagLst xmlns:a="http://schemas.openxmlformats.org/drawingml/2006/main" xmlns:r="http://schemas.openxmlformats.org/officeDocument/2006/relationships" xmlns:p="http://schemas.openxmlformats.org/presentationml/2006/main">
+  <p:tag name="OUTPUTDPI" val=" 1200"/>
+  <p:tag name="ORIGINALHEIGHT" val=" 126.7342"/>
+  <p:tag name="ORIGINALWIDTH" val=" 536.9329"/>
+  <p:tag name="OUTPUTTYPE" val="PNG"/>
+  <p:tag name="IGUANATEXVERSION" val="162"/>
+  <p:tag name="LATEXADDIN" val="\documentclass{article}&#10;\usepackage{amsmath}&#10;\pagestyle{empty}&#10;\begin{document}&#10;&#10;$\beta_0 = 10^{-6}$&#10;&#10;\end{document}"/>
+  <p:tag name="IGUANATEXSIZE" val="20"/>
+  <p:tag name="IGUANATEXCURSOR" val="82"/>
+  <p:tag name="TRANSPARENCY" val="True"/>
+  <p:tag name="CHOOSECOLOR" val="False"/>
+  <p:tag name="COLORHEX" val="000000"/>
+  <p:tag name="LATEXENGINEID" val="0"/>
+  <p:tag name="TEMPFOLDER" val="c:\temp\"/>
+  <p:tag name="LATEXFORMHEIGHT" val=" 320"/>
+  <p:tag name="LATEXFORMWIDTH" val=" 385"/>
+  <p:tag name="LATEXFORMWRAP" val="True"/>
+  <p:tag name="BITMAPVECTOR" val="0"/>
+</p:tagLst>
+</file>
+
+<file path=ppt/tags/tag2.xml><?xml version="1.0" encoding="utf-8"?>
+<p:tagLst xmlns:a="http://schemas.openxmlformats.org/drawingml/2006/main" xmlns:r="http://schemas.openxmlformats.org/officeDocument/2006/relationships" xmlns:p="http://schemas.openxmlformats.org/presentationml/2006/main">
   <p:tag name="THINKCELLSHAPEDONOTDELETE" val="thinkcellActiveDocDoNotDelete"/>
 </p:tagLst>
 </file>
 
-<file path=ppt/tags/tag19.xml><?xml version="1.0" encoding="utf-8"?>
+<file path=ppt/tags/tag20.xml><?xml version="1.0" encoding="utf-8"?>
+<p:tagLst xmlns:a="http://schemas.openxmlformats.org/drawingml/2006/main" xmlns:r="http://schemas.openxmlformats.org/officeDocument/2006/relationships" xmlns:p="http://schemas.openxmlformats.org/presentationml/2006/main">
+  <p:tag name="OUTPUTDPI" val=" 1200"/>
+  <p:tag name="ORIGINALHEIGHT" val=" 117.7353"/>
+  <p:tag name="ORIGINALWIDTH" val=" 105.7368"/>
+  <p:tag name="OUTPUTTYPE" val="PNG"/>
+  <p:tag name="IGUANATEXVERSION" val="162"/>
+  <p:tag name="LATEXADDIN" val="\documentclass{article}&#10;\usepackage{amsmath}&#10;\pagestyle{empty}&#10;\begin{document}&#10;&#10;$\hat{H}$&#10;&#10;&#10;\end{document}"/>
+  <p:tag name="IGUANATEXSIZE" val="20"/>
+  <p:tag name="IGUANATEXCURSOR" val="82"/>
+  <p:tag name="TRANSPARENCY" val="True"/>
+  <p:tag name="CHOOSECOLOR" val="False"/>
+  <p:tag name="COLORHEX" val="000000"/>
+  <p:tag name="LATEXENGINEID" val="0"/>
+  <p:tag name="TEMPFOLDER" val="c:\temp\"/>
+  <p:tag name="LATEXFORMHEIGHT" val=" 320"/>
+  <p:tag name="LATEXFORMWIDTH" val=" 385"/>
+  <p:tag name="LATEXFORMWRAP" val="True"/>
+  <p:tag name="BITMAPVECTOR" val="0"/>
+</p:tagLst>
+</file>
+
+<file path=ppt/tags/tag21.xml><?xml version="1.0" encoding="utf-8"?>
+<p:tagLst xmlns:a="http://schemas.openxmlformats.org/drawingml/2006/main" xmlns:r="http://schemas.openxmlformats.org/officeDocument/2006/relationships" xmlns:p="http://schemas.openxmlformats.org/presentationml/2006/main">
+  <p:tag name="OUTPUTDPI" val=" 1200"/>
+  <p:tag name="ORIGINALHEIGHT" val=" 113.2358"/>
+  <p:tag name="ORIGINALWIDTH" val=" 55.49307"/>
+  <p:tag name="OUTPUTTYPE" val="PNG"/>
+  <p:tag name="IGUANATEXVERSION" val="162"/>
+  <p:tag name="LATEXADDIN" val="\documentclass{article}&#10;\usepackage{amsmath}&#10;\usepackage{bbold}&#10;\pagestyle{empty}&#10;\begin{document}&#10;&#10;$\hat{\mathbb{1}}$&#10;&#10;\end{document}"/>
+  <p:tag name="IGUANATEXSIZE" val="20"/>
+  <p:tag name="IGUANATEXCURSOR" val="116"/>
+  <p:tag name="TRANSPARENCY" val="True"/>
+  <p:tag name="CHOOSECOLOR" val="False"/>
+  <p:tag name="COLORHEX" val="000000"/>
+  <p:tag name="LATEXENGINEID" val="0"/>
+  <p:tag name="TEMPFOLDER" val="c:\temp\"/>
+  <p:tag name="LATEXFORMHEIGHT" val=" 320"/>
+  <p:tag name="LATEXFORMWIDTH" val=" 385"/>
+  <p:tag name="LATEXFORMWRAP" val="True"/>
+  <p:tag name="BITMAPVECTOR" val="0"/>
+</p:tagLst>
+</file>
+
+<file path=ppt/tags/tag22.xml><?xml version="1.0" encoding="utf-8"?>
+<p:tagLst xmlns:a="http://schemas.openxmlformats.org/drawingml/2006/main" xmlns:r="http://schemas.openxmlformats.org/officeDocument/2006/relationships" xmlns:p="http://schemas.openxmlformats.org/presentationml/2006/main">
+  <p:tag name="OUTPUTDPI" val=" 1200"/>
+  <p:tag name="ORIGINALHEIGHT" val=" 141.7323"/>
+  <p:tag name="ORIGINALWIDTH" val=" 451.4435"/>
+  <p:tag name="OUTPUTTYPE" val="PNG"/>
+  <p:tag name="IGUANATEXVERSION" val="162"/>
+  <p:tag name="LATEXADDIN" val="\documentclass{article}&#10;\usepackage{amsmath}&#10;\usepackage{bbold}&#10;\pagestyle{empty}&#10;\begin{document}&#10;&#10;$\hat{\mathbb{1}} - \beta_0 \hat{H}$&#10;&#10;\end{document}"/>
+  <p:tag name="IGUANATEXSIZE" val="20"/>
+  <p:tag name="IGUANATEXCURSOR" val="135"/>
+  <p:tag name="TRANSPARENCY" val="True"/>
+  <p:tag name="CHOOSECOLOR" val="False"/>
+  <p:tag name="COLORHEX" val="000000"/>
+  <p:tag name="LATEXENGINEID" val="0"/>
+  <p:tag name="TEMPFOLDER" val="c:\temp\"/>
+  <p:tag name="LATEXFORMHEIGHT" val=" 320"/>
+  <p:tag name="LATEXFORMWIDTH" val=" 385"/>
+  <p:tag name="LATEXFORMWRAP" val="True"/>
+  <p:tag name="BITMAPVECTOR" val="0"/>
+</p:tagLst>
+</file>
+
+<file path=ppt/tags/tag23.xml><?xml version="1.0" encoding="utf-8"?>
+<p:tagLst xmlns:a="http://schemas.openxmlformats.org/drawingml/2006/main" xmlns:r="http://schemas.openxmlformats.org/officeDocument/2006/relationships" xmlns:p="http://schemas.openxmlformats.org/presentationml/2006/main">
+  <p:tag name="THINKCELLSHAPEDONOTDELETE" val="thinkcellActiveDocDoNotDelete"/>
+</p:tagLst>
+</file>
+
+<file path=ppt/tags/tag24.xml><?xml version="1.0" encoding="utf-8"?>
 <p:tagLst xmlns:a="http://schemas.openxmlformats.org/drawingml/2006/main" xmlns:r="http://schemas.openxmlformats.org/officeDocument/2006/relationships" xmlns:p="http://schemas.openxmlformats.org/presentationml/2006/main">
   <p:tag name="OUTPUTDPI" val=" 1200"/>
   <p:tag name="ORIGINALHEIGHT" val=" 125.2343"/>
@@ -9975,13 +10091,7 @@
 </p:tagLst>
 </file>
 
-<file path=ppt/tags/tag2.xml><?xml version="1.0" encoding="utf-8"?>
-<p:tagLst xmlns:a="http://schemas.openxmlformats.org/drawingml/2006/main" xmlns:r="http://schemas.openxmlformats.org/officeDocument/2006/relationships" xmlns:p="http://schemas.openxmlformats.org/presentationml/2006/main">
-  <p:tag name="THINKCELLSHAPEDONOTDELETE" val="thinkcellActiveDocDoNotDelete"/>
-</p:tagLst>
-</file>
-
-<file path=ppt/tags/tag20.xml><?xml version="1.0" encoding="utf-8"?>
+<file path=ppt/tags/tag25.xml><?xml version="1.0" encoding="utf-8"?>
 <p:tagLst xmlns:a="http://schemas.openxmlformats.org/drawingml/2006/main" xmlns:r="http://schemas.openxmlformats.org/officeDocument/2006/relationships" xmlns:p="http://schemas.openxmlformats.org/presentationml/2006/main">
   <p:tag name="OUTPUTDPI" val=" 1200"/>
   <p:tag name="ORIGINALHEIGHT" val=" 159.73"/>
@@ -10003,7 +10113,7 @@
 </p:tagLst>
 </file>
 
-<file path=ppt/tags/tag21.xml><?xml version="1.0" encoding="utf-8"?>
+<file path=ppt/tags/tag26.xml><?xml version="1.0" encoding="utf-8"?>
 <p:tagLst xmlns:a="http://schemas.openxmlformats.org/drawingml/2006/main" xmlns:r="http://schemas.openxmlformats.org/officeDocument/2006/relationships" xmlns:p="http://schemas.openxmlformats.org/presentationml/2006/main">
   <p:tag name="OUTPUTDPI" val=" 1200"/>
   <p:tag name="ORIGINALHEIGHT" val=" 90.73866"/>
@@ -10013,116 +10123,6 @@
   <p:tag name="LATEXADDIN" val="\documentclass{article}&#10;\usepackage{amsmath}&#10;\pagestyle{empty}&#10;\begin{document}&#10;&#10;$\rho_{\beta_0}$&#10;&#10;\end{document}"/>
   <p:tag name="IGUANATEXSIZE" val="20"/>
   <p:tag name="IGUANATEXCURSOR" val="82"/>
-  <p:tag name="TRANSPARENCY" val="True"/>
-  <p:tag name="CHOOSECOLOR" val="False"/>
-  <p:tag name="COLORHEX" val="000000"/>
-  <p:tag name="LATEXENGINEID" val="0"/>
-  <p:tag name="TEMPFOLDER" val="c:\temp\"/>
-  <p:tag name="LATEXFORMHEIGHT" val=" 320"/>
-  <p:tag name="LATEXFORMWIDTH" val=" 385"/>
-  <p:tag name="LATEXFORMWRAP" val="True"/>
-  <p:tag name="BITMAPVECTOR" val="0"/>
-</p:tagLst>
-</file>
-
-<file path=ppt/tags/tag22.xml><?xml version="1.0" encoding="utf-8"?>
-<p:tagLst xmlns:a="http://schemas.openxmlformats.org/drawingml/2006/main" xmlns:r="http://schemas.openxmlformats.org/officeDocument/2006/relationships" xmlns:p="http://schemas.openxmlformats.org/presentationml/2006/main">
-  <p:tag name="OUTPUTDPI" val=" 1200"/>
-  <p:tag name="ORIGINALHEIGHT" val=" 159.73"/>
-  <p:tag name="ORIGINALWIDTH" val=" 1406.824"/>
-  <p:tag name="OUTPUTTYPE" val="PNG"/>
-  <p:tag name="IGUANATEXVERSION" val="162"/>
-  <p:tag name="LATEXADDIN" val="\documentclass{article}&#10;\usepackage{amsmath}&#10;\usepackage{bbold}&#10;\pagestyle{empty}&#10;\begin{document}&#10;&#10;$\rho(\beta_0) = \text{e}^{- \beta_0 \hat{H}}\approx \hat{\mathbb{1}} - \beta_0 \hat{H}$&#10;&#10;&#10;\end{document}"/>
-  <p:tag name="IGUANATEXSIZE" val="20"/>
-  <p:tag name="IGUANATEXCURSOR" val="187"/>
-  <p:tag name="TRANSPARENCY" val="True"/>
-  <p:tag name="CHOOSECOLOR" val="False"/>
-  <p:tag name="COLORHEX" val="000000"/>
-  <p:tag name="LATEXENGINEID" val="0"/>
-  <p:tag name="TEMPFOLDER" val="c:\temp\"/>
-  <p:tag name="LATEXFORMHEIGHT" val=" 320"/>
-  <p:tag name="LATEXFORMWIDTH" val=" 385"/>
-  <p:tag name="LATEXFORMWRAP" val="True"/>
-  <p:tag name="BITMAPVECTOR" val="0"/>
-</p:tagLst>
-</file>
-
-<file path=ppt/tags/tag23.xml><?xml version="1.0" encoding="utf-8"?>
-<p:tagLst xmlns:a="http://schemas.openxmlformats.org/drawingml/2006/main" xmlns:r="http://schemas.openxmlformats.org/officeDocument/2006/relationships" xmlns:p="http://schemas.openxmlformats.org/presentationml/2006/main">
-  <p:tag name="OUTPUTDPI" val=" 1200"/>
-  <p:tag name="ORIGINALHEIGHT" val=" 126.7342"/>
-  <p:tag name="ORIGINALWIDTH" val=" 536.9329"/>
-  <p:tag name="OUTPUTTYPE" val="PNG"/>
-  <p:tag name="IGUANATEXVERSION" val="162"/>
-  <p:tag name="LATEXADDIN" val="\documentclass{article}&#10;\usepackage{amsmath}&#10;\pagestyle{empty}&#10;\begin{document}&#10;&#10;$\beta_0 = 10^{-6}$&#10;&#10;\end{document}"/>
-  <p:tag name="IGUANATEXSIZE" val="20"/>
-  <p:tag name="IGUANATEXCURSOR" val="82"/>
-  <p:tag name="TRANSPARENCY" val="True"/>
-  <p:tag name="CHOOSECOLOR" val="False"/>
-  <p:tag name="COLORHEX" val="000000"/>
-  <p:tag name="LATEXENGINEID" val="0"/>
-  <p:tag name="TEMPFOLDER" val="c:\temp\"/>
-  <p:tag name="LATEXFORMHEIGHT" val=" 320"/>
-  <p:tag name="LATEXFORMWIDTH" val=" 385"/>
-  <p:tag name="LATEXFORMWRAP" val="True"/>
-  <p:tag name="BITMAPVECTOR" val="0"/>
-</p:tagLst>
-</file>
-
-<file path=ppt/tags/tag24.xml><?xml version="1.0" encoding="utf-8"?>
-<p:tagLst xmlns:a="http://schemas.openxmlformats.org/drawingml/2006/main" xmlns:r="http://schemas.openxmlformats.org/officeDocument/2006/relationships" xmlns:p="http://schemas.openxmlformats.org/presentationml/2006/main">
-  <p:tag name="OUTPUTDPI" val=" 1200"/>
-  <p:tag name="ORIGINALHEIGHT" val=" 117.7353"/>
-  <p:tag name="ORIGINALWIDTH" val=" 105.7368"/>
-  <p:tag name="OUTPUTTYPE" val="PNG"/>
-  <p:tag name="IGUANATEXVERSION" val="162"/>
-  <p:tag name="LATEXADDIN" val="\documentclass{article}&#10;\usepackage{amsmath}&#10;\pagestyle{empty}&#10;\begin{document}&#10;&#10;$\hat{H}$&#10;&#10;&#10;\end{document}"/>
-  <p:tag name="IGUANATEXSIZE" val="20"/>
-  <p:tag name="IGUANATEXCURSOR" val="82"/>
-  <p:tag name="TRANSPARENCY" val="True"/>
-  <p:tag name="CHOOSECOLOR" val="False"/>
-  <p:tag name="COLORHEX" val="000000"/>
-  <p:tag name="LATEXENGINEID" val="0"/>
-  <p:tag name="TEMPFOLDER" val="c:\temp\"/>
-  <p:tag name="LATEXFORMHEIGHT" val=" 320"/>
-  <p:tag name="LATEXFORMWIDTH" val=" 385"/>
-  <p:tag name="LATEXFORMWRAP" val="True"/>
-  <p:tag name="BITMAPVECTOR" val="0"/>
-</p:tagLst>
-</file>
-
-<file path=ppt/tags/tag25.xml><?xml version="1.0" encoding="utf-8"?>
-<p:tagLst xmlns:a="http://schemas.openxmlformats.org/drawingml/2006/main" xmlns:r="http://schemas.openxmlformats.org/officeDocument/2006/relationships" xmlns:p="http://schemas.openxmlformats.org/presentationml/2006/main">
-  <p:tag name="OUTPUTDPI" val=" 1200"/>
-  <p:tag name="ORIGINALHEIGHT" val=" 113.2358"/>
-  <p:tag name="ORIGINALWIDTH" val=" 55.49307"/>
-  <p:tag name="OUTPUTTYPE" val="PNG"/>
-  <p:tag name="IGUANATEXVERSION" val="162"/>
-  <p:tag name="LATEXADDIN" val="\documentclass{article}&#10;\usepackage{amsmath}&#10;\usepackage{bbold}&#10;\pagestyle{empty}&#10;\begin{document}&#10;&#10;$\hat{\mathbb{1}}$&#10;&#10;\end{document}"/>
-  <p:tag name="IGUANATEXSIZE" val="20"/>
-  <p:tag name="IGUANATEXCURSOR" val="116"/>
-  <p:tag name="TRANSPARENCY" val="True"/>
-  <p:tag name="CHOOSECOLOR" val="False"/>
-  <p:tag name="COLORHEX" val="000000"/>
-  <p:tag name="LATEXENGINEID" val="0"/>
-  <p:tag name="TEMPFOLDER" val="c:\temp\"/>
-  <p:tag name="LATEXFORMHEIGHT" val=" 320"/>
-  <p:tag name="LATEXFORMWIDTH" val=" 385"/>
-  <p:tag name="LATEXFORMWRAP" val="True"/>
-  <p:tag name="BITMAPVECTOR" val="0"/>
-</p:tagLst>
-</file>
-
-<file path=ppt/tags/tag26.xml><?xml version="1.0" encoding="utf-8"?>
-<p:tagLst xmlns:a="http://schemas.openxmlformats.org/drawingml/2006/main" xmlns:r="http://schemas.openxmlformats.org/officeDocument/2006/relationships" xmlns:p="http://schemas.openxmlformats.org/presentationml/2006/main">
-  <p:tag name="OUTPUTDPI" val=" 1200"/>
-  <p:tag name="ORIGINALHEIGHT" val=" 141.7323"/>
-  <p:tag name="ORIGINALWIDTH" val=" 451.4435"/>
-  <p:tag name="OUTPUTTYPE" val="PNG"/>
-  <p:tag name="IGUANATEXVERSION" val="162"/>
-  <p:tag name="LATEXADDIN" val="\documentclass{article}&#10;\usepackage{amsmath}&#10;\usepackage{bbold}&#10;\pagestyle{empty}&#10;\begin{document}&#10;&#10;$\hat{\mathbb{1}} - \beta_0 \hat{H}$&#10;&#10;\end{document}"/>
-  <p:tag name="IGUANATEXSIZE" val="20"/>
-  <p:tag name="IGUANATEXCURSOR" val="135"/>
   <p:tag name="TRANSPARENCY" val="True"/>
   <p:tag name="CHOOSECOLOR" val="False"/>
   <p:tag name="COLORHEX" val="000000"/>

--- a/presentation/Term_Project_XTRG_Presentation.pptx
+++ b/presentation/Term_Project_XTRG_Presentation.pptx
@@ -202,7 +202,7 @@
             <a:fld id="{0C1F448F-86F9-4731-A83D-96FCA7389CBB}" type="datetimeFigureOut">
               <a:rPr lang="en-US" smtClean="0"/>
               <a:pPr/>
-              <a:t>7/9/2025</a:t>
+              <a:t>7/11/25</a:t>
             </a:fld>
             <a:endParaRPr lang="en-US" dirty="0"/>
           </a:p>
@@ -967,7 +967,7 @@
             <a:fld id="{5E4FD71B-E960-4BE4-B463-A12BB7700A42}" type="datetimeFigureOut">
               <a:rPr lang="en-US" smtClean="0"/>
               <a:pPr/>
-              <a:t>7/9/2025</a:t>
+              <a:t>7/11/25</a:t>
             </a:fld>
             <a:endParaRPr lang="en-US" dirty="0"/>
           </a:p>
@@ -1265,7 +1265,7 @@
             <a:fld id="{5E4FD71B-E960-4BE4-B463-A12BB7700A42}" type="datetimeFigureOut">
               <a:rPr lang="en-US" smtClean="0"/>
               <a:pPr/>
-              <a:t>7/9/2025</a:t>
+              <a:t>7/11/25</a:t>
             </a:fld>
             <a:endParaRPr lang="en-US" dirty="0"/>
           </a:p>
@@ -1573,7 +1573,7 @@
             <a:fld id="{5E4FD71B-E960-4BE4-B463-A12BB7700A42}" type="datetimeFigureOut">
               <a:rPr lang="en-US" smtClean="0"/>
               <a:pPr/>
-              <a:t>7/9/2025</a:t>
+              <a:t>7/11/25</a:t>
             </a:fld>
             <a:endParaRPr lang="en-US" dirty="0"/>
           </a:p>
@@ -1871,7 +1871,7 @@
             <a:fld id="{5E4FD71B-E960-4BE4-B463-A12BB7700A42}" type="datetimeFigureOut">
               <a:rPr lang="en-US" smtClean="0"/>
               <a:pPr/>
-              <a:t>7/9/2025</a:t>
+              <a:t>7/11/25</a:t>
             </a:fld>
             <a:endParaRPr lang="en-US" dirty="0"/>
           </a:p>
@@ -2226,7 +2226,7 @@
             <a:fld id="{5E4FD71B-E960-4BE4-B463-A12BB7700A42}" type="datetimeFigureOut">
               <a:rPr lang="en-US" smtClean="0"/>
               <a:pPr/>
-              <a:t>7/9/2025</a:t>
+              <a:t>7/11/25</a:t>
             </a:fld>
             <a:endParaRPr lang="en-US" dirty="0"/>
           </a:p>
@@ -2607,7 +2607,7 @@
             <a:fld id="{5E4FD71B-E960-4BE4-B463-A12BB7700A42}" type="datetimeFigureOut">
               <a:rPr lang="en-US" smtClean="0"/>
               <a:pPr/>
-              <a:t>7/9/2025</a:t>
+              <a:t>7/11/25</a:t>
             </a:fld>
             <a:endParaRPr lang="en-US" dirty="0"/>
           </a:p>
@@ -3135,7 +3135,7 @@
             <a:fld id="{5E4FD71B-E960-4BE4-B463-A12BB7700A42}" type="datetimeFigureOut">
               <a:rPr lang="en-US" smtClean="0"/>
               <a:pPr/>
-              <a:t>7/9/2025</a:t>
+              <a:t>7/11/25</a:t>
             </a:fld>
             <a:endParaRPr lang="en-US" dirty="0"/>
           </a:p>
@@ -3360,7 +3360,7 @@
             <a:fld id="{5E4FD71B-E960-4BE4-B463-A12BB7700A42}" type="datetimeFigureOut">
               <a:rPr lang="en-US" smtClean="0"/>
               <a:pPr/>
-              <a:t>7/9/2025</a:t>
+              <a:t>7/11/25</a:t>
             </a:fld>
             <a:endParaRPr lang="en-US" dirty="0"/>
           </a:p>
@@ -3553,7 +3553,7 @@
             <a:fld id="{5E4FD71B-E960-4BE4-B463-A12BB7700A42}" type="datetimeFigureOut">
               <a:rPr lang="en-US" smtClean="0"/>
               <a:pPr/>
-              <a:t>7/9/2025</a:t>
+              <a:t>7/11/25</a:t>
             </a:fld>
             <a:endParaRPr lang="en-US" dirty="0"/>
           </a:p>
@@ -3944,7 +3944,7 @@
             <a:fld id="{5E4FD71B-E960-4BE4-B463-A12BB7700A42}" type="datetimeFigureOut">
               <a:rPr lang="en-US" smtClean="0"/>
               <a:pPr/>
-              <a:t>7/9/2025</a:t>
+              <a:t>7/11/25</a:t>
             </a:fld>
             <a:endParaRPr lang="en-US" dirty="0"/>
           </a:p>
@@ -4312,7 +4312,7 @@
             <a:fld id="{5E4FD71B-E960-4BE4-B463-A12BB7700A42}" type="datetimeFigureOut">
               <a:rPr lang="en-US" smtClean="0"/>
               <a:pPr/>
-              <a:t>7/9/2025</a:t>
+              <a:t>7/11/25</a:t>
             </a:fld>
             <a:endParaRPr lang="en-US" dirty="0"/>
           </a:p>
@@ -4629,7 +4629,7 @@
             <a:fld id="{5E4FD71B-E960-4BE4-B463-A12BB7700A42}" type="datetimeFigureOut">
               <a:rPr lang="en-US" smtClean="0"/>
               <a:pPr/>
-              <a:t>7/9/2025</a:t>
+              <a:t>7/11/25</a:t>
             </a:fld>
             <a:endParaRPr lang="en-US" dirty="0"/>
           </a:p>
@@ -5636,12 +5636,12 @@
           <a:graphicData uri="http://schemas.openxmlformats.org/presentationml/2006/ole">
             <mc:AlternateContent xmlns:mc="http://schemas.openxmlformats.org/markup-compatibility/2006">
               <mc:Choice xmlns:v="urn:schemas-microsoft-com:vml" Requires="v">
-                <p:oleObj name="think-cell Slide" r:id="rId3" imgW="479" imgH="478" progId="TCLayout.ActiveDocument.1">
+                <p:oleObj name="think-cell Slide" r:id="rId4" imgW="479" imgH="478" progId="TCLayout.ActiveDocument.1">
                   <p:embed/>
                 </p:oleObj>
               </mc:Choice>
               <mc:Fallback>
-                <p:oleObj name="think-cell Slide" r:id="rId3" imgW="479" imgH="478" progId="TCLayout.ActiveDocument.1">
+                <p:oleObj name="think-cell Slide" r:id="rId4" imgW="479" imgH="478" progId="TCLayout.ActiveDocument.1">
                   <p:embed/>
                   <p:pic>
                     <p:nvPicPr>
@@ -5650,7 +5650,7 @@
                       <p:nvPr/>
                     </p:nvPicPr>
                     <p:blipFill>
-                      <a:blip r:embed="rId4"/>
+                      <a:blip r:embed="rId5"/>
                       <a:stretch>
                         <a:fillRect/>
                       </a:stretch>
@@ -5932,7 +5932,7 @@
         </p:nvSpPr>
         <p:spPr>
           <a:xfrm>
-            <a:off x="8552688" y="6376708"/>
+            <a:off x="8732520" y="6440495"/>
             <a:ext cx="3639312" cy="307777"/>
           </a:xfrm>
           <a:prstGeom prst="rect">
@@ -5969,6 +5969,1418 @@
               </a:rPr>
               <a:t> (2020)</a:t>
             </a:r>
+          </a:p>
+        </p:txBody>
+      </p:sp>
+      <p:sp>
+        <p:nvSpPr>
+          <p:cNvPr id="7" name="Untertitel 2 2">
+            <a:extLst>
+              <a:ext uri="{FF2B5EF4-FFF2-40B4-BE49-F238E27FC236}">
+                <a16:creationId xmlns:a16="http://schemas.microsoft.com/office/drawing/2014/main" id="{19C2C2C7-6AF5-6909-2F7B-4DE73256B610}"/>
+              </a:ext>
+            </a:extLst>
+          </p:cNvPr>
+          <p:cNvSpPr txBox="1">
+            <a:spLocks/>
+          </p:cNvSpPr>
+          <p:nvPr/>
+        </p:nvSpPr>
+        <p:spPr>
+          <a:xfrm>
+            <a:off x="440579" y="1398131"/>
+            <a:ext cx="1971335" cy="1094831"/>
+          </a:xfrm>
+          <a:prstGeom prst="rect">
+            <a:avLst/>
+          </a:prstGeom>
+        </p:spPr>
+        <p:txBody>
+          <a:bodyPr vert="horz" lIns="91440" tIns="45720" rIns="91440" bIns="45720" rtlCol="0">
+            <a:normAutofit/>
+          </a:bodyPr>
+          <a:lstStyle>
+            <a:lvl1pPr marL="228600" indent="-228600" algn="l" defTabSz="914400" rtl="0" eaLnBrk="1" latinLnBrk="0" hangingPunct="1">
+              <a:lnSpc>
+                <a:spcPct val="90000"/>
+              </a:lnSpc>
+              <a:spcBef>
+                <a:spcPts val="1000"/>
+              </a:spcBef>
+              <a:buFont typeface="Arial" panose="020B0604020202020204" pitchFamily="34" charset="0"/>
+              <a:buChar char="•"/>
+              <a:defRPr sz="2800" kern="1200">
+                <a:solidFill>
+                  <a:schemeClr val="tx1"/>
+                </a:solidFill>
+                <a:latin typeface="+mn-lt"/>
+                <a:ea typeface="+mn-ea"/>
+                <a:cs typeface="+mn-cs"/>
+              </a:defRPr>
+            </a:lvl1pPr>
+            <a:lvl2pPr marL="685800" indent="-228600" algn="l" defTabSz="914400" rtl="0" eaLnBrk="1" latinLnBrk="0" hangingPunct="1">
+              <a:lnSpc>
+                <a:spcPct val="90000"/>
+              </a:lnSpc>
+              <a:spcBef>
+                <a:spcPts val="500"/>
+              </a:spcBef>
+              <a:buFont typeface="Arial" panose="020B0604020202020204" pitchFamily="34" charset="0"/>
+              <a:buChar char="•"/>
+              <a:defRPr sz="2400" kern="1200">
+                <a:solidFill>
+                  <a:schemeClr val="tx1"/>
+                </a:solidFill>
+                <a:latin typeface="+mn-lt"/>
+                <a:ea typeface="+mn-ea"/>
+                <a:cs typeface="+mn-cs"/>
+              </a:defRPr>
+            </a:lvl2pPr>
+            <a:lvl3pPr marL="1143000" indent="-228600" algn="l" defTabSz="914400" rtl="0" eaLnBrk="1" latinLnBrk="0" hangingPunct="1">
+              <a:lnSpc>
+                <a:spcPct val="90000"/>
+              </a:lnSpc>
+              <a:spcBef>
+                <a:spcPts val="500"/>
+              </a:spcBef>
+              <a:buFont typeface="Arial" panose="020B0604020202020204" pitchFamily="34" charset="0"/>
+              <a:buChar char="•"/>
+              <a:defRPr sz="2000" kern="1200">
+                <a:solidFill>
+                  <a:schemeClr val="tx1"/>
+                </a:solidFill>
+                <a:latin typeface="+mn-lt"/>
+                <a:ea typeface="+mn-ea"/>
+                <a:cs typeface="+mn-cs"/>
+              </a:defRPr>
+            </a:lvl3pPr>
+            <a:lvl4pPr marL="1600200" indent="-228600" algn="l" defTabSz="914400" rtl="0" eaLnBrk="1" latinLnBrk="0" hangingPunct="1">
+              <a:lnSpc>
+                <a:spcPct val="90000"/>
+              </a:lnSpc>
+              <a:spcBef>
+                <a:spcPts val="500"/>
+              </a:spcBef>
+              <a:buFont typeface="Arial" panose="020B0604020202020204" pitchFamily="34" charset="0"/>
+              <a:buChar char="•"/>
+              <a:defRPr sz="1800" kern="1200">
+                <a:solidFill>
+                  <a:schemeClr val="tx1"/>
+                </a:solidFill>
+                <a:latin typeface="+mn-lt"/>
+                <a:ea typeface="+mn-ea"/>
+                <a:cs typeface="+mn-cs"/>
+              </a:defRPr>
+            </a:lvl4pPr>
+            <a:lvl5pPr marL="2057400" indent="-228600" algn="l" defTabSz="914400" rtl="0" eaLnBrk="1" latinLnBrk="0" hangingPunct="1">
+              <a:lnSpc>
+                <a:spcPct val="90000"/>
+              </a:lnSpc>
+              <a:spcBef>
+                <a:spcPts val="500"/>
+              </a:spcBef>
+              <a:buFont typeface="Arial" panose="020B0604020202020204" pitchFamily="34" charset="0"/>
+              <a:buChar char="•"/>
+              <a:defRPr sz="1800" kern="1200">
+                <a:solidFill>
+                  <a:schemeClr val="tx1"/>
+                </a:solidFill>
+                <a:latin typeface="+mn-lt"/>
+                <a:ea typeface="+mn-ea"/>
+                <a:cs typeface="+mn-cs"/>
+              </a:defRPr>
+            </a:lvl5pPr>
+            <a:lvl6pPr marL="2514600" indent="-228600" algn="l" defTabSz="914400" rtl="0" eaLnBrk="1" latinLnBrk="0" hangingPunct="1">
+              <a:lnSpc>
+                <a:spcPct val="90000"/>
+              </a:lnSpc>
+              <a:spcBef>
+                <a:spcPts val="500"/>
+              </a:spcBef>
+              <a:buFont typeface="Arial" panose="020B0604020202020204" pitchFamily="34" charset="0"/>
+              <a:buChar char="•"/>
+              <a:defRPr sz="1800" kern="1200">
+                <a:solidFill>
+                  <a:schemeClr val="tx1"/>
+                </a:solidFill>
+                <a:latin typeface="+mn-lt"/>
+                <a:ea typeface="+mn-ea"/>
+                <a:cs typeface="+mn-cs"/>
+              </a:defRPr>
+            </a:lvl6pPr>
+            <a:lvl7pPr marL="2971800" indent="-228600" algn="l" defTabSz="914400" rtl="0" eaLnBrk="1" latinLnBrk="0" hangingPunct="1">
+              <a:lnSpc>
+                <a:spcPct val="90000"/>
+              </a:lnSpc>
+              <a:spcBef>
+                <a:spcPts val="500"/>
+              </a:spcBef>
+              <a:buFont typeface="Arial" panose="020B0604020202020204" pitchFamily="34" charset="0"/>
+              <a:buChar char="•"/>
+              <a:defRPr sz="1800" kern="1200">
+                <a:solidFill>
+                  <a:schemeClr val="tx1"/>
+                </a:solidFill>
+                <a:latin typeface="+mn-lt"/>
+                <a:ea typeface="+mn-ea"/>
+                <a:cs typeface="+mn-cs"/>
+              </a:defRPr>
+            </a:lvl7pPr>
+            <a:lvl8pPr marL="3429000" indent="-228600" algn="l" defTabSz="914400" rtl="0" eaLnBrk="1" latinLnBrk="0" hangingPunct="1">
+              <a:lnSpc>
+                <a:spcPct val="90000"/>
+              </a:lnSpc>
+              <a:spcBef>
+                <a:spcPts val="500"/>
+              </a:spcBef>
+              <a:buFont typeface="Arial" panose="020B0604020202020204" pitchFamily="34" charset="0"/>
+              <a:buChar char="•"/>
+              <a:defRPr sz="1800" kern="1200">
+                <a:solidFill>
+                  <a:schemeClr val="tx1"/>
+                </a:solidFill>
+                <a:latin typeface="+mn-lt"/>
+                <a:ea typeface="+mn-ea"/>
+                <a:cs typeface="+mn-cs"/>
+              </a:defRPr>
+            </a:lvl8pPr>
+            <a:lvl9pPr marL="3886200" indent="-228600" algn="l" defTabSz="914400" rtl="0" eaLnBrk="1" latinLnBrk="0" hangingPunct="1">
+              <a:lnSpc>
+                <a:spcPct val="90000"/>
+              </a:lnSpc>
+              <a:spcBef>
+                <a:spcPts val="500"/>
+              </a:spcBef>
+              <a:buFont typeface="Arial" panose="020B0604020202020204" pitchFamily="34" charset="0"/>
+              <a:buChar char="•"/>
+              <a:defRPr sz="1800" kern="1200">
+                <a:solidFill>
+                  <a:schemeClr val="tx1"/>
+                </a:solidFill>
+                <a:latin typeface="+mn-lt"/>
+                <a:ea typeface="+mn-ea"/>
+                <a:cs typeface="+mn-cs"/>
+              </a:defRPr>
+            </a:lvl9pPr>
+          </a:lstStyle>
+          <a:p>
+            <a:pPr marL="0" indent="0">
+              <a:buNone/>
+            </a:pPr>
+            <a:r>
+              <a:rPr lang="en-US" sz="2400" noProof="0" dirty="0">
+                <a:solidFill>
+                  <a:schemeClr val="tx2">
+                    <a:lumMod val="75000"/>
+                    <a:lumOff val="25000"/>
+                  </a:schemeClr>
+                </a:solidFill>
+                <a:latin typeface="Bahnschrift SemiCondensed" panose="020B0502040204020203" pitchFamily="34" charset="0"/>
+              </a:rPr>
+              <a:t>Canonical forms of MPOs</a:t>
+            </a:r>
+            <a:endParaRPr lang="en-US" sz="2400" noProof="0" dirty="0">
+              <a:solidFill>
+                <a:schemeClr val="tx2">
+                  <a:lumMod val="75000"/>
+                  <a:lumOff val="25000"/>
+                </a:schemeClr>
+              </a:solidFill>
+            </a:endParaRPr>
+          </a:p>
+        </p:txBody>
+      </p:sp>
+      <p:sp>
+        <p:nvSpPr>
+          <p:cNvPr id="9" name="Untertitel 2 6 1">
+            <a:extLst>
+              <a:ext uri="{FF2B5EF4-FFF2-40B4-BE49-F238E27FC236}">
+                <a16:creationId xmlns:a16="http://schemas.microsoft.com/office/drawing/2014/main" id="{6DA370DD-2C48-FA9A-9B4E-79087A15B58D}"/>
+              </a:ext>
+            </a:extLst>
+          </p:cNvPr>
+          <p:cNvSpPr txBox="1">
+            <a:spLocks/>
+          </p:cNvSpPr>
+          <p:nvPr/>
+        </p:nvSpPr>
+        <p:spPr>
+          <a:xfrm>
+            <a:off x="2503612" y="1449161"/>
+            <a:ext cx="5672918" cy="747704"/>
+          </a:xfrm>
+          <a:prstGeom prst="rect">
+            <a:avLst/>
+          </a:prstGeom>
+        </p:spPr>
+        <p:txBody>
+          <a:bodyPr vert="horz" lIns="91440" tIns="45720" rIns="91440" bIns="45720" rtlCol="0">
+            <a:normAutofit/>
+          </a:bodyPr>
+          <a:lstStyle>
+            <a:lvl1pPr marL="228600" indent="-228600" algn="l" defTabSz="914400" rtl="0" eaLnBrk="1" latinLnBrk="0" hangingPunct="1">
+              <a:lnSpc>
+                <a:spcPct val="90000"/>
+              </a:lnSpc>
+              <a:spcBef>
+                <a:spcPts val="1000"/>
+              </a:spcBef>
+              <a:buFont typeface="Arial" panose="020B0604020202020204" pitchFamily="34" charset="0"/>
+              <a:buChar char="•"/>
+              <a:defRPr sz="2800" kern="1200">
+                <a:solidFill>
+                  <a:schemeClr val="tx1"/>
+                </a:solidFill>
+                <a:latin typeface="+mn-lt"/>
+                <a:ea typeface="+mn-ea"/>
+                <a:cs typeface="+mn-cs"/>
+              </a:defRPr>
+            </a:lvl1pPr>
+            <a:lvl2pPr marL="685800" indent="-228600" algn="l" defTabSz="914400" rtl="0" eaLnBrk="1" latinLnBrk="0" hangingPunct="1">
+              <a:lnSpc>
+                <a:spcPct val="90000"/>
+              </a:lnSpc>
+              <a:spcBef>
+                <a:spcPts val="500"/>
+              </a:spcBef>
+              <a:buFont typeface="Arial" panose="020B0604020202020204" pitchFamily="34" charset="0"/>
+              <a:buChar char="•"/>
+              <a:defRPr sz="2400" kern="1200">
+                <a:solidFill>
+                  <a:schemeClr val="tx1"/>
+                </a:solidFill>
+                <a:latin typeface="+mn-lt"/>
+                <a:ea typeface="+mn-ea"/>
+                <a:cs typeface="+mn-cs"/>
+              </a:defRPr>
+            </a:lvl2pPr>
+            <a:lvl3pPr marL="1143000" indent="-228600" algn="l" defTabSz="914400" rtl="0" eaLnBrk="1" latinLnBrk="0" hangingPunct="1">
+              <a:lnSpc>
+                <a:spcPct val="90000"/>
+              </a:lnSpc>
+              <a:spcBef>
+                <a:spcPts val="500"/>
+              </a:spcBef>
+              <a:buFont typeface="Arial" panose="020B0604020202020204" pitchFamily="34" charset="0"/>
+              <a:buChar char="•"/>
+              <a:defRPr sz="2000" kern="1200">
+                <a:solidFill>
+                  <a:schemeClr val="tx1"/>
+                </a:solidFill>
+                <a:latin typeface="+mn-lt"/>
+                <a:ea typeface="+mn-ea"/>
+                <a:cs typeface="+mn-cs"/>
+              </a:defRPr>
+            </a:lvl3pPr>
+            <a:lvl4pPr marL="1600200" indent="-228600" algn="l" defTabSz="914400" rtl="0" eaLnBrk="1" latinLnBrk="0" hangingPunct="1">
+              <a:lnSpc>
+                <a:spcPct val="90000"/>
+              </a:lnSpc>
+              <a:spcBef>
+                <a:spcPts val="500"/>
+              </a:spcBef>
+              <a:buFont typeface="Arial" panose="020B0604020202020204" pitchFamily="34" charset="0"/>
+              <a:buChar char="•"/>
+              <a:defRPr sz="1800" kern="1200">
+                <a:solidFill>
+                  <a:schemeClr val="tx1"/>
+                </a:solidFill>
+                <a:latin typeface="+mn-lt"/>
+                <a:ea typeface="+mn-ea"/>
+                <a:cs typeface="+mn-cs"/>
+              </a:defRPr>
+            </a:lvl4pPr>
+            <a:lvl5pPr marL="2057400" indent="-228600" algn="l" defTabSz="914400" rtl="0" eaLnBrk="1" latinLnBrk="0" hangingPunct="1">
+              <a:lnSpc>
+                <a:spcPct val="90000"/>
+              </a:lnSpc>
+              <a:spcBef>
+                <a:spcPts val="500"/>
+              </a:spcBef>
+              <a:buFont typeface="Arial" panose="020B0604020202020204" pitchFamily="34" charset="0"/>
+              <a:buChar char="•"/>
+              <a:defRPr sz="1800" kern="1200">
+                <a:solidFill>
+                  <a:schemeClr val="tx1"/>
+                </a:solidFill>
+                <a:latin typeface="+mn-lt"/>
+                <a:ea typeface="+mn-ea"/>
+                <a:cs typeface="+mn-cs"/>
+              </a:defRPr>
+            </a:lvl5pPr>
+            <a:lvl6pPr marL="2514600" indent="-228600" algn="l" defTabSz="914400" rtl="0" eaLnBrk="1" latinLnBrk="0" hangingPunct="1">
+              <a:lnSpc>
+                <a:spcPct val="90000"/>
+              </a:lnSpc>
+              <a:spcBef>
+                <a:spcPts val="500"/>
+              </a:spcBef>
+              <a:buFont typeface="Arial" panose="020B0604020202020204" pitchFamily="34" charset="0"/>
+              <a:buChar char="•"/>
+              <a:defRPr sz="1800" kern="1200">
+                <a:solidFill>
+                  <a:schemeClr val="tx1"/>
+                </a:solidFill>
+                <a:latin typeface="+mn-lt"/>
+                <a:ea typeface="+mn-ea"/>
+                <a:cs typeface="+mn-cs"/>
+              </a:defRPr>
+            </a:lvl6pPr>
+            <a:lvl7pPr marL="2971800" indent="-228600" algn="l" defTabSz="914400" rtl="0" eaLnBrk="1" latinLnBrk="0" hangingPunct="1">
+              <a:lnSpc>
+                <a:spcPct val="90000"/>
+              </a:lnSpc>
+              <a:spcBef>
+                <a:spcPts val="500"/>
+              </a:spcBef>
+              <a:buFont typeface="Arial" panose="020B0604020202020204" pitchFamily="34" charset="0"/>
+              <a:buChar char="•"/>
+              <a:defRPr sz="1800" kern="1200">
+                <a:solidFill>
+                  <a:schemeClr val="tx1"/>
+                </a:solidFill>
+                <a:latin typeface="+mn-lt"/>
+                <a:ea typeface="+mn-ea"/>
+                <a:cs typeface="+mn-cs"/>
+              </a:defRPr>
+            </a:lvl7pPr>
+            <a:lvl8pPr marL="3429000" indent="-228600" algn="l" defTabSz="914400" rtl="0" eaLnBrk="1" latinLnBrk="0" hangingPunct="1">
+              <a:lnSpc>
+                <a:spcPct val="90000"/>
+              </a:lnSpc>
+              <a:spcBef>
+                <a:spcPts val="500"/>
+              </a:spcBef>
+              <a:buFont typeface="Arial" panose="020B0604020202020204" pitchFamily="34" charset="0"/>
+              <a:buChar char="•"/>
+              <a:defRPr sz="1800" kern="1200">
+                <a:solidFill>
+                  <a:schemeClr val="tx1"/>
+                </a:solidFill>
+                <a:latin typeface="+mn-lt"/>
+                <a:ea typeface="+mn-ea"/>
+                <a:cs typeface="+mn-cs"/>
+              </a:defRPr>
+            </a:lvl8pPr>
+            <a:lvl9pPr marL="3886200" indent="-228600" algn="l" defTabSz="914400" rtl="0" eaLnBrk="1" latinLnBrk="0" hangingPunct="1">
+              <a:lnSpc>
+                <a:spcPct val="90000"/>
+              </a:lnSpc>
+              <a:spcBef>
+                <a:spcPts val="500"/>
+              </a:spcBef>
+              <a:buFont typeface="Arial" panose="020B0604020202020204" pitchFamily="34" charset="0"/>
+              <a:buChar char="•"/>
+              <a:defRPr sz="1800" kern="1200">
+                <a:solidFill>
+                  <a:schemeClr val="tx1"/>
+                </a:solidFill>
+                <a:latin typeface="+mn-lt"/>
+                <a:ea typeface="+mn-ea"/>
+                <a:cs typeface="+mn-cs"/>
+              </a:defRPr>
+            </a:lvl9pPr>
+          </a:lstStyle>
+          <a:p>
+            <a:pPr marL="0" indent="0">
+              <a:buNone/>
+            </a:pPr>
+            <a:r>
+              <a:rPr lang="en-US" sz="2000" dirty="0">
+                <a:latin typeface="Bahnschrift SemiCondensed" panose="020B0502040204020203" pitchFamily="34" charset="0"/>
+              </a:rPr>
+              <a:t>As for MPSs,</a:t>
+            </a:r>
+            <a:r>
+              <a:rPr lang="en-US" sz="2000" noProof="0" dirty="0">
+                <a:latin typeface="Bahnschrift SemiCondensed" panose="020B0502040204020203" pitchFamily="34" charset="0"/>
+              </a:rPr>
+              <a:t> MPOs can come in canonical forms [2].</a:t>
+            </a:r>
+            <a:endParaRPr lang="en-US" sz="2000" noProof="0" dirty="0"/>
+          </a:p>
+        </p:txBody>
+      </p:sp>
+      <p:pic>
+        <p:nvPicPr>
+          <p:cNvPr id="11" name="Picture 10">
+            <a:extLst>
+              <a:ext uri="{FF2B5EF4-FFF2-40B4-BE49-F238E27FC236}">
+                <a16:creationId xmlns:a16="http://schemas.microsoft.com/office/drawing/2014/main" id="{AB972CDB-66E1-E8AE-5562-55DED34DE1DB}"/>
+              </a:ext>
+            </a:extLst>
+          </p:cNvPr>
+          <p:cNvPicPr>
+            <a:picLocks noChangeAspect="1"/>
+          </p:cNvPicPr>
+          <p:nvPr/>
+        </p:nvPicPr>
+        <p:blipFill>
+          <a:blip r:embed="rId6">
+            <a:extLst>
+              <a:ext uri="{28A0092B-C50C-407E-A947-70E740481C1C}">
+                <a14:useLocalDpi xmlns:a14="http://schemas.microsoft.com/office/drawing/2010/main" val="0"/>
+              </a:ext>
+            </a:extLst>
+          </a:blip>
+          <a:stretch>
+            <a:fillRect/>
+          </a:stretch>
+        </p:blipFill>
+        <p:spPr>
+          <a:xfrm>
+            <a:off x="3753246" y="1945546"/>
+            <a:ext cx="3651933" cy="1325861"/>
+          </a:xfrm>
+          <a:prstGeom prst="rect">
+            <a:avLst/>
+          </a:prstGeom>
+        </p:spPr>
+      </p:pic>
+      <p:pic>
+        <p:nvPicPr>
+          <p:cNvPr id="13" name="Picture 12">
+            <a:extLst>
+              <a:ext uri="{FF2B5EF4-FFF2-40B4-BE49-F238E27FC236}">
+                <a16:creationId xmlns:a16="http://schemas.microsoft.com/office/drawing/2014/main" id="{EE18640B-A122-BC24-340F-B587470CFDCF}"/>
+              </a:ext>
+            </a:extLst>
+          </p:cNvPr>
+          <p:cNvPicPr>
+            <a:picLocks noChangeAspect="1"/>
+          </p:cNvPicPr>
+          <p:nvPr/>
+        </p:nvPicPr>
+        <p:blipFill>
+          <a:blip r:embed="rId7">
+            <a:extLst>
+              <a:ext uri="{28A0092B-C50C-407E-A947-70E740481C1C}">
+                <a14:useLocalDpi xmlns:a14="http://schemas.microsoft.com/office/drawing/2010/main" val="0"/>
+              </a:ext>
+            </a:extLst>
+          </a:blip>
+          <a:stretch>
+            <a:fillRect/>
+          </a:stretch>
+        </p:blipFill>
+        <p:spPr>
+          <a:xfrm>
+            <a:off x="7481161" y="2583765"/>
+            <a:ext cx="3096995" cy="2145949"/>
+          </a:xfrm>
+          <a:prstGeom prst="rect">
+            <a:avLst/>
+          </a:prstGeom>
+        </p:spPr>
+      </p:pic>
+      <p:sp>
+        <p:nvSpPr>
+          <p:cNvPr id="14" name="Untertitel 2 6 2">
+            <a:extLst>
+              <a:ext uri="{FF2B5EF4-FFF2-40B4-BE49-F238E27FC236}">
+                <a16:creationId xmlns:a16="http://schemas.microsoft.com/office/drawing/2014/main" id="{10653BBC-AC72-9D8C-550A-09A9496D0892}"/>
+              </a:ext>
+            </a:extLst>
+          </p:cNvPr>
+          <p:cNvSpPr txBox="1">
+            <a:spLocks/>
+          </p:cNvSpPr>
+          <p:nvPr/>
+        </p:nvSpPr>
+        <p:spPr>
+          <a:xfrm>
+            <a:off x="2454945" y="3450605"/>
+            <a:ext cx="5076126" cy="1094831"/>
+          </a:xfrm>
+          <a:prstGeom prst="rect">
+            <a:avLst/>
+          </a:prstGeom>
+        </p:spPr>
+        <p:txBody>
+          <a:bodyPr vert="horz" lIns="91440" tIns="45720" rIns="91440" bIns="45720" rtlCol="0">
+            <a:normAutofit/>
+          </a:bodyPr>
+          <a:lstStyle>
+            <a:lvl1pPr marL="228600" indent="-228600" algn="l" defTabSz="914400" rtl="0" eaLnBrk="1" latinLnBrk="0" hangingPunct="1">
+              <a:lnSpc>
+                <a:spcPct val="90000"/>
+              </a:lnSpc>
+              <a:spcBef>
+                <a:spcPts val="1000"/>
+              </a:spcBef>
+              <a:buFont typeface="Arial" panose="020B0604020202020204" pitchFamily="34" charset="0"/>
+              <a:buChar char="•"/>
+              <a:defRPr sz="2800" kern="1200">
+                <a:solidFill>
+                  <a:schemeClr val="tx1"/>
+                </a:solidFill>
+                <a:latin typeface="+mn-lt"/>
+                <a:ea typeface="+mn-ea"/>
+                <a:cs typeface="+mn-cs"/>
+              </a:defRPr>
+            </a:lvl1pPr>
+            <a:lvl2pPr marL="685800" indent="-228600" algn="l" defTabSz="914400" rtl="0" eaLnBrk="1" latinLnBrk="0" hangingPunct="1">
+              <a:lnSpc>
+                <a:spcPct val="90000"/>
+              </a:lnSpc>
+              <a:spcBef>
+                <a:spcPts val="500"/>
+              </a:spcBef>
+              <a:buFont typeface="Arial" panose="020B0604020202020204" pitchFamily="34" charset="0"/>
+              <a:buChar char="•"/>
+              <a:defRPr sz="2400" kern="1200">
+                <a:solidFill>
+                  <a:schemeClr val="tx1"/>
+                </a:solidFill>
+                <a:latin typeface="+mn-lt"/>
+                <a:ea typeface="+mn-ea"/>
+                <a:cs typeface="+mn-cs"/>
+              </a:defRPr>
+            </a:lvl2pPr>
+            <a:lvl3pPr marL="1143000" indent="-228600" algn="l" defTabSz="914400" rtl="0" eaLnBrk="1" latinLnBrk="0" hangingPunct="1">
+              <a:lnSpc>
+                <a:spcPct val="90000"/>
+              </a:lnSpc>
+              <a:spcBef>
+                <a:spcPts val="500"/>
+              </a:spcBef>
+              <a:buFont typeface="Arial" panose="020B0604020202020204" pitchFamily="34" charset="0"/>
+              <a:buChar char="•"/>
+              <a:defRPr sz="2000" kern="1200">
+                <a:solidFill>
+                  <a:schemeClr val="tx1"/>
+                </a:solidFill>
+                <a:latin typeface="+mn-lt"/>
+                <a:ea typeface="+mn-ea"/>
+                <a:cs typeface="+mn-cs"/>
+              </a:defRPr>
+            </a:lvl3pPr>
+            <a:lvl4pPr marL="1600200" indent="-228600" algn="l" defTabSz="914400" rtl="0" eaLnBrk="1" latinLnBrk="0" hangingPunct="1">
+              <a:lnSpc>
+                <a:spcPct val="90000"/>
+              </a:lnSpc>
+              <a:spcBef>
+                <a:spcPts val="500"/>
+              </a:spcBef>
+              <a:buFont typeface="Arial" panose="020B0604020202020204" pitchFamily="34" charset="0"/>
+              <a:buChar char="•"/>
+              <a:defRPr sz="1800" kern="1200">
+                <a:solidFill>
+                  <a:schemeClr val="tx1"/>
+                </a:solidFill>
+                <a:latin typeface="+mn-lt"/>
+                <a:ea typeface="+mn-ea"/>
+                <a:cs typeface="+mn-cs"/>
+              </a:defRPr>
+            </a:lvl4pPr>
+            <a:lvl5pPr marL="2057400" indent="-228600" algn="l" defTabSz="914400" rtl="0" eaLnBrk="1" latinLnBrk="0" hangingPunct="1">
+              <a:lnSpc>
+                <a:spcPct val="90000"/>
+              </a:lnSpc>
+              <a:spcBef>
+                <a:spcPts val="500"/>
+              </a:spcBef>
+              <a:buFont typeface="Arial" panose="020B0604020202020204" pitchFamily="34" charset="0"/>
+              <a:buChar char="•"/>
+              <a:defRPr sz="1800" kern="1200">
+                <a:solidFill>
+                  <a:schemeClr val="tx1"/>
+                </a:solidFill>
+                <a:latin typeface="+mn-lt"/>
+                <a:ea typeface="+mn-ea"/>
+                <a:cs typeface="+mn-cs"/>
+              </a:defRPr>
+            </a:lvl5pPr>
+            <a:lvl6pPr marL="2514600" indent="-228600" algn="l" defTabSz="914400" rtl="0" eaLnBrk="1" latinLnBrk="0" hangingPunct="1">
+              <a:lnSpc>
+                <a:spcPct val="90000"/>
+              </a:lnSpc>
+              <a:spcBef>
+                <a:spcPts val="500"/>
+              </a:spcBef>
+              <a:buFont typeface="Arial" panose="020B0604020202020204" pitchFamily="34" charset="0"/>
+              <a:buChar char="•"/>
+              <a:defRPr sz="1800" kern="1200">
+                <a:solidFill>
+                  <a:schemeClr val="tx1"/>
+                </a:solidFill>
+                <a:latin typeface="+mn-lt"/>
+                <a:ea typeface="+mn-ea"/>
+                <a:cs typeface="+mn-cs"/>
+              </a:defRPr>
+            </a:lvl6pPr>
+            <a:lvl7pPr marL="2971800" indent="-228600" algn="l" defTabSz="914400" rtl="0" eaLnBrk="1" latinLnBrk="0" hangingPunct="1">
+              <a:lnSpc>
+                <a:spcPct val="90000"/>
+              </a:lnSpc>
+              <a:spcBef>
+                <a:spcPts val="500"/>
+              </a:spcBef>
+              <a:buFont typeface="Arial" panose="020B0604020202020204" pitchFamily="34" charset="0"/>
+              <a:buChar char="•"/>
+              <a:defRPr sz="1800" kern="1200">
+                <a:solidFill>
+                  <a:schemeClr val="tx1"/>
+                </a:solidFill>
+                <a:latin typeface="+mn-lt"/>
+                <a:ea typeface="+mn-ea"/>
+                <a:cs typeface="+mn-cs"/>
+              </a:defRPr>
+            </a:lvl7pPr>
+            <a:lvl8pPr marL="3429000" indent="-228600" algn="l" defTabSz="914400" rtl="0" eaLnBrk="1" latinLnBrk="0" hangingPunct="1">
+              <a:lnSpc>
+                <a:spcPct val="90000"/>
+              </a:lnSpc>
+              <a:spcBef>
+                <a:spcPts val="500"/>
+              </a:spcBef>
+              <a:buFont typeface="Arial" panose="020B0604020202020204" pitchFamily="34" charset="0"/>
+              <a:buChar char="•"/>
+              <a:defRPr sz="1800" kern="1200">
+                <a:solidFill>
+                  <a:schemeClr val="tx1"/>
+                </a:solidFill>
+                <a:latin typeface="+mn-lt"/>
+                <a:ea typeface="+mn-ea"/>
+                <a:cs typeface="+mn-cs"/>
+              </a:defRPr>
+            </a:lvl8pPr>
+            <a:lvl9pPr marL="3886200" indent="-228600" algn="l" defTabSz="914400" rtl="0" eaLnBrk="1" latinLnBrk="0" hangingPunct="1">
+              <a:lnSpc>
+                <a:spcPct val="90000"/>
+              </a:lnSpc>
+              <a:spcBef>
+                <a:spcPts val="500"/>
+              </a:spcBef>
+              <a:buFont typeface="Arial" panose="020B0604020202020204" pitchFamily="34" charset="0"/>
+              <a:buChar char="•"/>
+              <a:defRPr sz="1800" kern="1200">
+                <a:solidFill>
+                  <a:schemeClr val="tx1"/>
+                </a:solidFill>
+                <a:latin typeface="+mn-lt"/>
+                <a:ea typeface="+mn-ea"/>
+                <a:cs typeface="+mn-cs"/>
+              </a:defRPr>
+            </a:lvl9pPr>
+          </a:lstStyle>
+          <a:p>
+            <a:pPr marL="0" indent="0">
+              <a:buNone/>
+            </a:pPr>
+            <a:r>
+              <a:rPr lang="en-US" sz="2000" dirty="0">
+                <a:latin typeface="Bahnschrift SemiCondensed" panose="020B0502040204020203" pitchFamily="34" charset="0"/>
+              </a:rPr>
+              <a:t>The above MPO is said to be in left-</a:t>
+            </a:r>
+            <a:r>
+              <a:rPr lang="en-US" sz="2000" noProof="0" dirty="0">
+                <a:latin typeface="Bahnschrift SemiCondensed" panose="020B0502040204020203" pitchFamily="34" charset="0"/>
+              </a:rPr>
+              <a:t>canonical form </a:t>
+            </a:r>
+            <a:r>
+              <a:rPr lang="en-US" sz="2000" noProof="0" dirty="0" err="1">
+                <a:latin typeface="Bahnschrift SemiCondensed" panose="020B0502040204020203" pitchFamily="34" charset="0"/>
+              </a:rPr>
+              <a:t>iff</a:t>
+            </a:r>
+            <a:r>
+              <a:rPr lang="en-US" sz="2000" noProof="0" dirty="0">
+                <a:latin typeface="Bahnschrift SemiCondensed" panose="020B0502040204020203" pitchFamily="34" charset="0"/>
+              </a:rPr>
+              <a:t> the single-site tensors                         </a:t>
+            </a:r>
+            <a:r>
+              <a:rPr lang="en-US" sz="2000" dirty="0">
+                <a:latin typeface="Bahnschrift SemiCondensed" panose="020B0502040204020203" pitchFamily="34" charset="0"/>
+              </a:rPr>
+              <a:t>have the following isometry property:</a:t>
+            </a:r>
+            <a:endParaRPr lang="en-US" sz="2000" noProof="0" dirty="0">
+              <a:latin typeface="Bahnschrift SemiCondensed" panose="020B0502040204020203" pitchFamily="34" charset="0"/>
+            </a:endParaRPr>
+          </a:p>
+        </p:txBody>
+      </p:sp>
+      <p:pic>
+        <p:nvPicPr>
+          <p:cNvPr id="18" name="Picture 17">
+            <a:extLst>
+              <a:ext uri="{FF2B5EF4-FFF2-40B4-BE49-F238E27FC236}">
+                <a16:creationId xmlns:a16="http://schemas.microsoft.com/office/drawing/2014/main" id="{C292C61C-B3B0-658E-12A9-FD296DF1582D}"/>
+              </a:ext>
+            </a:extLst>
+          </p:cNvPr>
+          <p:cNvPicPr>
+            <a:picLocks noChangeAspect="1"/>
+          </p:cNvPicPr>
+          <p:nvPr>
+            <p:custDataLst>
+              <p:tags r:id="rId2"/>
+            </p:custDataLst>
+          </p:nvPr>
+        </p:nvPicPr>
+        <p:blipFill>
+          <a:blip r:embed="rId8">
+            <a:extLst>
+              <a:ext uri="{28A0092B-C50C-407E-A947-70E740481C1C}">
+                <a14:useLocalDpi xmlns:a14="http://schemas.microsoft.com/office/drawing/2010/main" val="0"/>
+              </a:ext>
+            </a:extLst>
+          </a:blip>
+          <a:stretch>
+            <a:fillRect/>
+          </a:stretch>
+        </p:blipFill>
+        <p:spPr>
+          <a:xfrm>
+            <a:off x="5627922" y="3799788"/>
+            <a:ext cx="1393952" cy="219456"/>
+          </a:xfrm>
+          <a:prstGeom prst="rect">
+            <a:avLst/>
+          </a:prstGeom>
+        </p:spPr>
+      </p:pic>
+      <p:sp>
+        <p:nvSpPr>
+          <p:cNvPr id="19" name="Untertitel 2 6">
+            <a:extLst>
+              <a:ext uri="{FF2B5EF4-FFF2-40B4-BE49-F238E27FC236}">
+                <a16:creationId xmlns:a16="http://schemas.microsoft.com/office/drawing/2014/main" id="{D6EC9DD3-CA7F-6525-9AD2-D4CAD197E54D}"/>
+              </a:ext>
+            </a:extLst>
+          </p:cNvPr>
+          <p:cNvSpPr txBox="1">
+            <a:spLocks/>
+          </p:cNvSpPr>
+          <p:nvPr/>
+        </p:nvSpPr>
+        <p:spPr>
+          <a:xfrm>
+            <a:off x="2454944" y="4835514"/>
+            <a:ext cx="9005535" cy="866840"/>
+          </a:xfrm>
+          <a:prstGeom prst="rect">
+            <a:avLst/>
+          </a:prstGeom>
+        </p:spPr>
+        <p:txBody>
+          <a:bodyPr vert="horz" lIns="91440" tIns="45720" rIns="91440" bIns="45720" rtlCol="0">
+            <a:normAutofit/>
+          </a:bodyPr>
+          <a:lstStyle>
+            <a:lvl1pPr marL="228600" indent="-228600" algn="l" defTabSz="914400" rtl="0" eaLnBrk="1" latinLnBrk="0" hangingPunct="1">
+              <a:lnSpc>
+                <a:spcPct val="90000"/>
+              </a:lnSpc>
+              <a:spcBef>
+                <a:spcPts val="1000"/>
+              </a:spcBef>
+              <a:buFont typeface="Arial" panose="020B0604020202020204" pitchFamily="34" charset="0"/>
+              <a:buChar char="•"/>
+              <a:defRPr sz="2800" kern="1200">
+                <a:solidFill>
+                  <a:schemeClr val="tx1"/>
+                </a:solidFill>
+                <a:latin typeface="+mn-lt"/>
+                <a:ea typeface="+mn-ea"/>
+                <a:cs typeface="+mn-cs"/>
+              </a:defRPr>
+            </a:lvl1pPr>
+            <a:lvl2pPr marL="685800" indent="-228600" algn="l" defTabSz="914400" rtl="0" eaLnBrk="1" latinLnBrk="0" hangingPunct="1">
+              <a:lnSpc>
+                <a:spcPct val="90000"/>
+              </a:lnSpc>
+              <a:spcBef>
+                <a:spcPts val="500"/>
+              </a:spcBef>
+              <a:buFont typeface="Arial" panose="020B0604020202020204" pitchFamily="34" charset="0"/>
+              <a:buChar char="•"/>
+              <a:defRPr sz="2400" kern="1200">
+                <a:solidFill>
+                  <a:schemeClr val="tx1"/>
+                </a:solidFill>
+                <a:latin typeface="+mn-lt"/>
+                <a:ea typeface="+mn-ea"/>
+                <a:cs typeface="+mn-cs"/>
+              </a:defRPr>
+            </a:lvl2pPr>
+            <a:lvl3pPr marL="1143000" indent="-228600" algn="l" defTabSz="914400" rtl="0" eaLnBrk="1" latinLnBrk="0" hangingPunct="1">
+              <a:lnSpc>
+                <a:spcPct val="90000"/>
+              </a:lnSpc>
+              <a:spcBef>
+                <a:spcPts val="500"/>
+              </a:spcBef>
+              <a:buFont typeface="Arial" panose="020B0604020202020204" pitchFamily="34" charset="0"/>
+              <a:buChar char="•"/>
+              <a:defRPr sz="2000" kern="1200">
+                <a:solidFill>
+                  <a:schemeClr val="tx1"/>
+                </a:solidFill>
+                <a:latin typeface="+mn-lt"/>
+                <a:ea typeface="+mn-ea"/>
+                <a:cs typeface="+mn-cs"/>
+              </a:defRPr>
+            </a:lvl3pPr>
+            <a:lvl4pPr marL="1600200" indent="-228600" algn="l" defTabSz="914400" rtl="0" eaLnBrk="1" latinLnBrk="0" hangingPunct="1">
+              <a:lnSpc>
+                <a:spcPct val="90000"/>
+              </a:lnSpc>
+              <a:spcBef>
+                <a:spcPts val="500"/>
+              </a:spcBef>
+              <a:buFont typeface="Arial" panose="020B0604020202020204" pitchFamily="34" charset="0"/>
+              <a:buChar char="•"/>
+              <a:defRPr sz="1800" kern="1200">
+                <a:solidFill>
+                  <a:schemeClr val="tx1"/>
+                </a:solidFill>
+                <a:latin typeface="+mn-lt"/>
+                <a:ea typeface="+mn-ea"/>
+                <a:cs typeface="+mn-cs"/>
+              </a:defRPr>
+            </a:lvl4pPr>
+            <a:lvl5pPr marL="2057400" indent="-228600" algn="l" defTabSz="914400" rtl="0" eaLnBrk="1" latinLnBrk="0" hangingPunct="1">
+              <a:lnSpc>
+                <a:spcPct val="90000"/>
+              </a:lnSpc>
+              <a:spcBef>
+                <a:spcPts val="500"/>
+              </a:spcBef>
+              <a:buFont typeface="Arial" panose="020B0604020202020204" pitchFamily="34" charset="0"/>
+              <a:buChar char="•"/>
+              <a:defRPr sz="1800" kern="1200">
+                <a:solidFill>
+                  <a:schemeClr val="tx1"/>
+                </a:solidFill>
+                <a:latin typeface="+mn-lt"/>
+                <a:ea typeface="+mn-ea"/>
+                <a:cs typeface="+mn-cs"/>
+              </a:defRPr>
+            </a:lvl5pPr>
+            <a:lvl6pPr marL="2514600" indent="-228600" algn="l" defTabSz="914400" rtl="0" eaLnBrk="1" latinLnBrk="0" hangingPunct="1">
+              <a:lnSpc>
+                <a:spcPct val="90000"/>
+              </a:lnSpc>
+              <a:spcBef>
+                <a:spcPts val="500"/>
+              </a:spcBef>
+              <a:buFont typeface="Arial" panose="020B0604020202020204" pitchFamily="34" charset="0"/>
+              <a:buChar char="•"/>
+              <a:defRPr sz="1800" kern="1200">
+                <a:solidFill>
+                  <a:schemeClr val="tx1"/>
+                </a:solidFill>
+                <a:latin typeface="+mn-lt"/>
+                <a:ea typeface="+mn-ea"/>
+                <a:cs typeface="+mn-cs"/>
+              </a:defRPr>
+            </a:lvl6pPr>
+            <a:lvl7pPr marL="2971800" indent="-228600" algn="l" defTabSz="914400" rtl="0" eaLnBrk="1" latinLnBrk="0" hangingPunct="1">
+              <a:lnSpc>
+                <a:spcPct val="90000"/>
+              </a:lnSpc>
+              <a:spcBef>
+                <a:spcPts val="500"/>
+              </a:spcBef>
+              <a:buFont typeface="Arial" panose="020B0604020202020204" pitchFamily="34" charset="0"/>
+              <a:buChar char="•"/>
+              <a:defRPr sz="1800" kern="1200">
+                <a:solidFill>
+                  <a:schemeClr val="tx1"/>
+                </a:solidFill>
+                <a:latin typeface="+mn-lt"/>
+                <a:ea typeface="+mn-ea"/>
+                <a:cs typeface="+mn-cs"/>
+              </a:defRPr>
+            </a:lvl7pPr>
+            <a:lvl8pPr marL="3429000" indent="-228600" algn="l" defTabSz="914400" rtl="0" eaLnBrk="1" latinLnBrk="0" hangingPunct="1">
+              <a:lnSpc>
+                <a:spcPct val="90000"/>
+              </a:lnSpc>
+              <a:spcBef>
+                <a:spcPts val="500"/>
+              </a:spcBef>
+              <a:buFont typeface="Arial" panose="020B0604020202020204" pitchFamily="34" charset="0"/>
+              <a:buChar char="•"/>
+              <a:defRPr sz="1800" kern="1200">
+                <a:solidFill>
+                  <a:schemeClr val="tx1"/>
+                </a:solidFill>
+                <a:latin typeface="+mn-lt"/>
+                <a:ea typeface="+mn-ea"/>
+                <a:cs typeface="+mn-cs"/>
+              </a:defRPr>
+            </a:lvl8pPr>
+            <a:lvl9pPr marL="3886200" indent="-228600" algn="l" defTabSz="914400" rtl="0" eaLnBrk="1" latinLnBrk="0" hangingPunct="1">
+              <a:lnSpc>
+                <a:spcPct val="90000"/>
+              </a:lnSpc>
+              <a:spcBef>
+                <a:spcPts val="500"/>
+              </a:spcBef>
+              <a:buFont typeface="Arial" panose="020B0604020202020204" pitchFamily="34" charset="0"/>
+              <a:buChar char="•"/>
+              <a:defRPr sz="1800" kern="1200">
+                <a:solidFill>
+                  <a:schemeClr val="tx1"/>
+                </a:solidFill>
+                <a:latin typeface="+mn-lt"/>
+                <a:ea typeface="+mn-ea"/>
+                <a:cs typeface="+mn-cs"/>
+              </a:defRPr>
+            </a:lvl9pPr>
+          </a:lstStyle>
+          <a:p>
+            <a:pPr marL="0" indent="0">
+              <a:buNone/>
+            </a:pPr>
+            <a:r>
+              <a:rPr lang="en-US" sz="2000" dirty="0">
+                <a:latin typeface="Bahnschrift SemiCondensed" panose="020B0502040204020203" pitchFamily="34" charset="0"/>
+              </a:rPr>
+              <a:t>Similarly, there exist left- and site-canonical forms of MPOs. Like for MPSs, a given MPO can be brought to a canonical form, e.g., by successive QR or SVD decompositions.</a:t>
+            </a:r>
+            <a:endParaRPr lang="en-US" sz="2000" noProof="0" dirty="0"/>
+          </a:p>
+        </p:txBody>
+      </p:sp>
+      <p:sp>
+        <p:nvSpPr>
+          <p:cNvPr id="20" name="Untertitel 2 2">
+            <a:extLst>
+              <a:ext uri="{FF2B5EF4-FFF2-40B4-BE49-F238E27FC236}">
+                <a16:creationId xmlns:a16="http://schemas.microsoft.com/office/drawing/2014/main" id="{D2F13A4B-98D6-4CEF-7253-DBC72C627D8F}"/>
+              </a:ext>
+            </a:extLst>
+          </p:cNvPr>
+          <p:cNvSpPr txBox="1">
+            <a:spLocks/>
+          </p:cNvSpPr>
+          <p:nvPr/>
+        </p:nvSpPr>
+        <p:spPr>
+          <a:xfrm>
+            <a:off x="440578" y="5616865"/>
+            <a:ext cx="1971335" cy="1094831"/>
+          </a:xfrm>
+          <a:prstGeom prst="rect">
+            <a:avLst/>
+          </a:prstGeom>
+        </p:spPr>
+        <p:txBody>
+          <a:bodyPr vert="horz" lIns="91440" tIns="45720" rIns="91440" bIns="45720" rtlCol="0">
+            <a:normAutofit/>
+          </a:bodyPr>
+          <a:lstStyle>
+            <a:lvl1pPr marL="228600" indent="-228600" algn="l" defTabSz="914400" rtl="0" eaLnBrk="1" latinLnBrk="0" hangingPunct="1">
+              <a:lnSpc>
+                <a:spcPct val="90000"/>
+              </a:lnSpc>
+              <a:spcBef>
+                <a:spcPts val="1000"/>
+              </a:spcBef>
+              <a:buFont typeface="Arial" panose="020B0604020202020204" pitchFamily="34" charset="0"/>
+              <a:buChar char="•"/>
+              <a:defRPr sz="2800" kern="1200">
+                <a:solidFill>
+                  <a:schemeClr val="tx1"/>
+                </a:solidFill>
+                <a:latin typeface="+mn-lt"/>
+                <a:ea typeface="+mn-ea"/>
+                <a:cs typeface="+mn-cs"/>
+              </a:defRPr>
+            </a:lvl1pPr>
+            <a:lvl2pPr marL="685800" indent="-228600" algn="l" defTabSz="914400" rtl="0" eaLnBrk="1" latinLnBrk="0" hangingPunct="1">
+              <a:lnSpc>
+                <a:spcPct val="90000"/>
+              </a:lnSpc>
+              <a:spcBef>
+                <a:spcPts val="500"/>
+              </a:spcBef>
+              <a:buFont typeface="Arial" panose="020B0604020202020204" pitchFamily="34" charset="0"/>
+              <a:buChar char="•"/>
+              <a:defRPr sz="2400" kern="1200">
+                <a:solidFill>
+                  <a:schemeClr val="tx1"/>
+                </a:solidFill>
+                <a:latin typeface="+mn-lt"/>
+                <a:ea typeface="+mn-ea"/>
+                <a:cs typeface="+mn-cs"/>
+              </a:defRPr>
+            </a:lvl2pPr>
+            <a:lvl3pPr marL="1143000" indent="-228600" algn="l" defTabSz="914400" rtl="0" eaLnBrk="1" latinLnBrk="0" hangingPunct="1">
+              <a:lnSpc>
+                <a:spcPct val="90000"/>
+              </a:lnSpc>
+              <a:spcBef>
+                <a:spcPts val="500"/>
+              </a:spcBef>
+              <a:buFont typeface="Arial" panose="020B0604020202020204" pitchFamily="34" charset="0"/>
+              <a:buChar char="•"/>
+              <a:defRPr sz="2000" kern="1200">
+                <a:solidFill>
+                  <a:schemeClr val="tx1"/>
+                </a:solidFill>
+                <a:latin typeface="+mn-lt"/>
+                <a:ea typeface="+mn-ea"/>
+                <a:cs typeface="+mn-cs"/>
+              </a:defRPr>
+            </a:lvl3pPr>
+            <a:lvl4pPr marL="1600200" indent="-228600" algn="l" defTabSz="914400" rtl="0" eaLnBrk="1" latinLnBrk="0" hangingPunct="1">
+              <a:lnSpc>
+                <a:spcPct val="90000"/>
+              </a:lnSpc>
+              <a:spcBef>
+                <a:spcPts val="500"/>
+              </a:spcBef>
+              <a:buFont typeface="Arial" panose="020B0604020202020204" pitchFamily="34" charset="0"/>
+              <a:buChar char="•"/>
+              <a:defRPr sz="1800" kern="1200">
+                <a:solidFill>
+                  <a:schemeClr val="tx1"/>
+                </a:solidFill>
+                <a:latin typeface="+mn-lt"/>
+                <a:ea typeface="+mn-ea"/>
+                <a:cs typeface="+mn-cs"/>
+              </a:defRPr>
+            </a:lvl4pPr>
+            <a:lvl5pPr marL="2057400" indent="-228600" algn="l" defTabSz="914400" rtl="0" eaLnBrk="1" latinLnBrk="0" hangingPunct="1">
+              <a:lnSpc>
+                <a:spcPct val="90000"/>
+              </a:lnSpc>
+              <a:spcBef>
+                <a:spcPts val="500"/>
+              </a:spcBef>
+              <a:buFont typeface="Arial" panose="020B0604020202020204" pitchFamily="34" charset="0"/>
+              <a:buChar char="•"/>
+              <a:defRPr sz="1800" kern="1200">
+                <a:solidFill>
+                  <a:schemeClr val="tx1"/>
+                </a:solidFill>
+                <a:latin typeface="+mn-lt"/>
+                <a:ea typeface="+mn-ea"/>
+                <a:cs typeface="+mn-cs"/>
+              </a:defRPr>
+            </a:lvl5pPr>
+            <a:lvl6pPr marL="2514600" indent="-228600" algn="l" defTabSz="914400" rtl="0" eaLnBrk="1" latinLnBrk="0" hangingPunct="1">
+              <a:lnSpc>
+                <a:spcPct val="90000"/>
+              </a:lnSpc>
+              <a:spcBef>
+                <a:spcPts val="500"/>
+              </a:spcBef>
+              <a:buFont typeface="Arial" panose="020B0604020202020204" pitchFamily="34" charset="0"/>
+              <a:buChar char="•"/>
+              <a:defRPr sz="1800" kern="1200">
+                <a:solidFill>
+                  <a:schemeClr val="tx1"/>
+                </a:solidFill>
+                <a:latin typeface="+mn-lt"/>
+                <a:ea typeface="+mn-ea"/>
+                <a:cs typeface="+mn-cs"/>
+              </a:defRPr>
+            </a:lvl6pPr>
+            <a:lvl7pPr marL="2971800" indent="-228600" algn="l" defTabSz="914400" rtl="0" eaLnBrk="1" latinLnBrk="0" hangingPunct="1">
+              <a:lnSpc>
+                <a:spcPct val="90000"/>
+              </a:lnSpc>
+              <a:spcBef>
+                <a:spcPts val="500"/>
+              </a:spcBef>
+              <a:buFont typeface="Arial" panose="020B0604020202020204" pitchFamily="34" charset="0"/>
+              <a:buChar char="•"/>
+              <a:defRPr sz="1800" kern="1200">
+                <a:solidFill>
+                  <a:schemeClr val="tx1"/>
+                </a:solidFill>
+                <a:latin typeface="+mn-lt"/>
+                <a:ea typeface="+mn-ea"/>
+                <a:cs typeface="+mn-cs"/>
+              </a:defRPr>
+            </a:lvl7pPr>
+            <a:lvl8pPr marL="3429000" indent="-228600" algn="l" defTabSz="914400" rtl="0" eaLnBrk="1" latinLnBrk="0" hangingPunct="1">
+              <a:lnSpc>
+                <a:spcPct val="90000"/>
+              </a:lnSpc>
+              <a:spcBef>
+                <a:spcPts val="500"/>
+              </a:spcBef>
+              <a:buFont typeface="Arial" panose="020B0604020202020204" pitchFamily="34" charset="0"/>
+              <a:buChar char="•"/>
+              <a:defRPr sz="1800" kern="1200">
+                <a:solidFill>
+                  <a:schemeClr val="tx1"/>
+                </a:solidFill>
+                <a:latin typeface="+mn-lt"/>
+                <a:ea typeface="+mn-ea"/>
+                <a:cs typeface="+mn-cs"/>
+              </a:defRPr>
+            </a:lvl8pPr>
+            <a:lvl9pPr marL="3886200" indent="-228600" algn="l" defTabSz="914400" rtl="0" eaLnBrk="1" latinLnBrk="0" hangingPunct="1">
+              <a:lnSpc>
+                <a:spcPct val="90000"/>
+              </a:lnSpc>
+              <a:spcBef>
+                <a:spcPts val="500"/>
+              </a:spcBef>
+              <a:buFont typeface="Arial" panose="020B0604020202020204" pitchFamily="34" charset="0"/>
+              <a:buChar char="•"/>
+              <a:defRPr sz="1800" kern="1200">
+                <a:solidFill>
+                  <a:schemeClr val="tx1"/>
+                </a:solidFill>
+                <a:latin typeface="+mn-lt"/>
+                <a:ea typeface="+mn-ea"/>
+                <a:cs typeface="+mn-cs"/>
+              </a:defRPr>
+            </a:lvl9pPr>
+          </a:lstStyle>
+          <a:p>
+            <a:pPr marL="0" indent="0">
+              <a:buNone/>
+            </a:pPr>
+            <a:r>
+              <a:rPr lang="en-US" sz="2400" noProof="0" dirty="0">
+                <a:solidFill>
+                  <a:schemeClr val="tx2">
+                    <a:lumMod val="75000"/>
+                    <a:lumOff val="25000"/>
+                  </a:schemeClr>
+                </a:solidFill>
+                <a:latin typeface="Bahnschrift SemiCondensed" panose="020B0502040204020203" pitchFamily="34" charset="0"/>
+              </a:rPr>
+              <a:t>Connection with MPSs</a:t>
+            </a:r>
+            <a:endParaRPr lang="en-US" sz="2400" noProof="0" dirty="0">
+              <a:solidFill>
+                <a:schemeClr val="tx2">
+                  <a:lumMod val="75000"/>
+                  <a:lumOff val="25000"/>
+                </a:schemeClr>
+              </a:solidFill>
+            </a:endParaRPr>
+          </a:p>
+        </p:txBody>
+      </p:sp>
+      <p:sp>
+        <p:nvSpPr>
+          <p:cNvPr id="21" name="Untertitel 2 6">
+            <a:extLst>
+              <a:ext uri="{FF2B5EF4-FFF2-40B4-BE49-F238E27FC236}">
+                <a16:creationId xmlns:a16="http://schemas.microsoft.com/office/drawing/2014/main" id="{AA5B3724-8240-50C6-6990-F8237AE9849A}"/>
+              </a:ext>
+            </a:extLst>
+          </p:cNvPr>
+          <p:cNvSpPr txBox="1">
+            <a:spLocks/>
+          </p:cNvSpPr>
+          <p:nvPr/>
+        </p:nvSpPr>
+        <p:spPr>
+          <a:xfrm>
+            <a:off x="2454944" y="5698868"/>
+            <a:ext cx="9468832" cy="753819"/>
+          </a:xfrm>
+          <a:prstGeom prst="rect">
+            <a:avLst/>
+          </a:prstGeom>
+        </p:spPr>
+        <p:txBody>
+          <a:bodyPr vert="horz" lIns="91440" tIns="45720" rIns="91440" bIns="45720" rtlCol="0">
+            <a:normAutofit/>
+          </a:bodyPr>
+          <a:lstStyle>
+            <a:lvl1pPr marL="228600" indent="-228600" algn="l" defTabSz="914400" rtl="0" eaLnBrk="1" latinLnBrk="0" hangingPunct="1">
+              <a:lnSpc>
+                <a:spcPct val="90000"/>
+              </a:lnSpc>
+              <a:spcBef>
+                <a:spcPts val="1000"/>
+              </a:spcBef>
+              <a:buFont typeface="Arial" panose="020B0604020202020204" pitchFamily="34" charset="0"/>
+              <a:buChar char="•"/>
+              <a:defRPr sz="2800" kern="1200">
+                <a:solidFill>
+                  <a:schemeClr val="tx1"/>
+                </a:solidFill>
+                <a:latin typeface="+mn-lt"/>
+                <a:ea typeface="+mn-ea"/>
+                <a:cs typeface="+mn-cs"/>
+              </a:defRPr>
+            </a:lvl1pPr>
+            <a:lvl2pPr marL="685800" indent="-228600" algn="l" defTabSz="914400" rtl="0" eaLnBrk="1" latinLnBrk="0" hangingPunct="1">
+              <a:lnSpc>
+                <a:spcPct val="90000"/>
+              </a:lnSpc>
+              <a:spcBef>
+                <a:spcPts val="500"/>
+              </a:spcBef>
+              <a:buFont typeface="Arial" panose="020B0604020202020204" pitchFamily="34" charset="0"/>
+              <a:buChar char="•"/>
+              <a:defRPr sz="2400" kern="1200">
+                <a:solidFill>
+                  <a:schemeClr val="tx1"/>
+                </a:solidFill>
+                <a:latin typeface="+mn-lt"/>
+                <a:ea typeface="+mn-ea"/>
+                <a:cs typeface="+mn-cs"/>
+              </a:defRPr>
+            </a:lvl2pPr>
+            <a:lvl3pPr marL="1143000" indent="-228600" algn="l" defTabSz="914400" rtl="0" eaLnBrk="1" latinLnBrk="0" hangingPunct="1">
+              <a:lnSpc>
+                <a:spcPct val="90000"/>
+              </a:lnSpc>
+              <a:spcBef>
+                <a:spcPts val="500"/>
+              </a:spcBef>
+              <a:buFont typeface="Arial" panose="020B0604020202020204" pitchFamily="34" charset="0"/>
+              <a:buChar char="•"/>
+              <a:defRPr sz="2000" kern="1200">
+                <a:solidFill>
+                  <a:schemeClr val="tx1"/>
+                </a:solidFill>
+                <a:latin typeface="+mn-lt"/>
+                <a:ea typeface="+mn-ea"/>
+                <a:cs typeface="+mn-cs"/>
+              </a:defRPr>
+            </a:lvl3pPr>
+            <a:lvl4pPr marL="1600200" indent="-228600" algn="l" defTabSz="914400" rtl="0" eaLnBrk="1" latinLnBrk="0" hangingPunct="1">
+              <a:lnSpc>
+                <a:spcPct val="90000"/>
+              </a:lnSpc>
+              <a:spcBef>
+                <a:spcPts val="500"/>
+              </a:spcBef>
+              <a:buFont typeface="Arial" panose="020B0604020202020204" pitchFamily="34" charset="0"/>
+              <a:buChar char="•"/>
+              <a:defRPr sz="1800" kern="1200">
+                <a:solidFill>
+                  <a:schemeClr val="tx1"/>
+                </a:solidFill>
+                <a:latin typeface="+mn-lt"/>
+                <a:ea typeface="+mn-ea"/>
+                <a:cs typeface="+mn-cs"/>
+              </a:defRPr>
+            </a:lvl4pPr>
+            <a:lvl5pPr marL="2057400" indent="-228600" algn="l" defTabSz="914400" rtl="0" eaLnBrk="1" latinLnBrk="0" hangingPunct="1">
+              <a:lnSpc>
+                <a:spcPct val="90000"/>
+              </a:lnSpc>
+              <a:spcBef>
+                <a:spcPts val="500"/>
+              </a:spcBef>
+              <a:buFont typeface="Arial" panose="020B0604020202020204" pitchFamily="34" charset="0"/>
+              <a:buChar char="•"/>
+              <a:defRPr sz="1800" kern="1200">
+                <a:solidFill>
+                  <a:schemeClr val="tx1"/>
+                </a:solidFill>
+                <a:latin typeface="+mn-lt"/>
+                <a:ea typeface="+mn-ea"/>
+                <a:cs typeface="+mn-cs"/>
+              </a:defRPr>
+            </a:lvl5pPr>
+            <a:lvl6pPr marL="2514600" indent="-228600" algn="l" defTabSz="914400" rtl="0" eaLnBrk="1" latinLnBrk="0" hangingPunct="1">
+              <a:lnSpc>
+                <a:spcPct val="90000"/>
+              </a:lnSpc>
+              <a:spcBef>
+                <a:spcPts val="500"/>
+              </a:spcBef>
+              <a:buFont typeface="Arial" panose="020B0604020202020204" pitchFamily="34" charset="0"/>
+              <a:buChar char="•"/>
+              <a:defRPr sz="1800" kern="1200">
+                <a:solidFill>
+                  <a:schemeClr val="tx1"/>
+                </a:solidFill>
+                <a:latin typeface="+mn-lt"/>
+                <a:ea typeface="+mn-ea"/>
+                <a:cs typeface="+mn-cs"/>
+              </a:defRPr>
+            </a:lvl6pPr>
+            <a:lvl7pPr marL="2971800" indent="-228600" algn="l" defTabSz="914400" rtl="0" eaLnBrk="1" latinLnBrk="0" hangingPunct="1">
+              <a:lnSpc>
+                <a:spcPct val="90000"/>
+              </a:lnSpc>
+              <a:spcBef>
+                <a:spcPts val="500"/>
+              </a:spcBef>
+              <a:buFont typeface="Arial" panose="020B0604020202020204" pitchFamily="34" charset="0"/>
+              <a:buChar char="•"/>
+              <a:defRPr sz="1800" kern="1200">
+                <a:solidFill>
+                  <a:schemeClr val="tx1"/>
+                </a:solidFill>
+                <a:latin typeface="+mn-lt"/>
+                <a:ea typeface="+mn-ea"/>
+                <a:cs typeface="+mn-cs"/>
+              </a:defRPr>
+            </a:lvl7pPr>
+            <a:lvl8pPr marL="3429000" indent="-228600" algn="l" defTabSz="914400" rtl="0" eaLnBrk="1" latinLnBrk="0" hangingPunct="1">
+              <a:lnSpc>
+                <a:spcPct val="90000"/>
+              </a:lnSpc>
+              <a:spcBef>
+                <a:spcPts val="500"/>
+              </a:spcBef>
+              <a:buFont typeface="Arial" panose="020B0604020202020204" pitchFamily="34" charset="0"/>
+              <a:buChar char="•"/>
+              <a:defRPr sz="1800" kern="1200">
+                <a:solidFill>
+                  <a:schemeClr val="tx1"/>
+                </a:solidFill>
+                <a:latin typeface="+mn-lt"/>
+                <a:ea typeface="+mn-ea"/>
+                <a:cs typeface="+mn-cs"/>
+              </a:defRPr>
+            </a:lvl8pPr>
+            <a:lvl9pPr marL="3886200" indent="-228600" algn="l" defTabSz="914400" rtl="0" eaLnBrk="1" latinLnBrk="0" hangingPunct="1">
+              <a:lnSpc>
+                <a:spcPct val="90000"/>
+              </a:lnSpc>
+              <a:spcBef>
+                <a:spcPts val="500"/>
+              </a:spcBef>
+              <a:buFont typeface="Arial" panose="020B0604020202020204" pitchFamily="34" charset="0"/>
+              <a:buChar char="•"/>
+              <a:defRPr sz="1800" kern="1200">
+                <a:solidFill>
+                  <a:schemeClr val="tx1"/>
+                </a:solidFill>
+                <a:latin typeface="+mn-lt"/>
+                <a:ea typeface="+mn-ea"/>
+                <a:cs typeface="+mn-cs"/>
+              </a:defRPr>
+            </a:lvl9pPr>
+          </a:lstStyle>
+          <a:p>
+            <a:pPr marL="0" indent="0">
+              <a:buNone/>
+            </a:pPr>
+            <a:r>
+              <a:rPr lang="en-US" sz="2000" noProof="0" dirty="0">
+                <a:latin typeface="Bahnschrift SemiCondensed" panose="020B0502040204020203" pitchFamily="34" charset="0"/>
+              </a:rPr>
+              <a:t>MPOs in canonical forms are MPOs </a:t>
+            </a:r>
+            <a:r>
+              <a:rPr lang="en-US" sz="2000" noProof="0" dirty="0" err="1">
+                <a:latin typeface="Bahnschrift SemiCondensed" panose="020B0502040204020203" pitchFamily="34" charset="0"/>
+              </a:rPr>
+              <a:t>s.t.</a:t>
+            </a:r>
+            <a:r>
+              <a:rPr lang="en-US" sz="2000" noProof="0" dirty="0">
+                <a:latin typeface="Bahnschrift SemiCondensed" panose="020B0502040204020203" pitchFamily="34" charset="0"/>
+              </a:rPr>
+              <a:t> merging physical legs yields MPSs in canonical forms!</a:t>
+            </a:r>
+            <a:endParaRPr lang="en-US" sz="2000" noProof="0" dirty="0"/>
           </a:p>
         </p:txBody>
       </p:sp>
@@ -8262,7 +9674,7 @@
       </p:sp>
       <p:sp>
         <p:nvSpPr>
-          <p:cNvPr id="23" name="Untertitel 2 2">
+          <p:cNvPr id="23" name="Untertitel 2 2 1">
             <a:extLst>
               <a:ext uri="{FF2B5EF4-FFF2-40B4-BE49-F238E27FC236}">
                 <a16:creationId xmlns:a16="http://schemas.microsoft.com/office/drawing/2014/main" id="{820BA1E7-D0D9-7488-F767-24EEEDBF120E}"/>
@@ -8480,7 +9892,7 @@
       </p:sp>
       <p:sp>
         <p:nvSpPr>
-          <p:cNvPr id="29" name="Untertitel 2 3">
+          <p:cNvPr id="29" name="Untertitel 2 3 1">
             <a:extLst>
               <a:ext uri="{FF2B5EF4-FFF2-40B4-BE49-F238E27FC236}">
                 <a16:creationId xmlns:a16="http://schemas.microsoft.com/office/drawing/2014/main" id="{39B745FA-D5B2-29C1-3968-C733E40E8459}"/>
@@ -8764,7 +10176,7 @@
       </p:pic>
       <p:sp>
         <p:nvSpPr>
-          <p:cNvPr id="12" name="Untertitel 2 3">
+          <p:cNvPr id="12" name="Untertitel 2 3 2">
             <a:extLst>
               <a:ext uri="{FF2B5EF4-FFF2-40B4-BE49-F238E27FC236}">
                 <a16:creationId xmlns:a16="http://schemas.microsoft.com/office/drawing/2014/main" id="{F0145429-2611-E58B-002B-78C5763C06F6}"/>
@@ -9008,7 +10420,7 @@
       </p:pic>
       <p:sp>
         <p:nvSpPr>
-          <p:cNvPr id="15" name="Untertitel 2 2">
+          <p:cNvPr id="15" name="Untertitel 2 2 2">
             <a:extLst>
               <a:ext uri="{FF2B5EF4-FFF2-40B4-BE49-F238E27FC236}">
                 <a16:creationId xmlns:a16="http://schemas.microsoft.com/office/drawing/2014/main" id="{513F6546-753F-4293-9D70-3FD95AAE0875}"/>
@@ -9845,14 +11257,18 @@
                 <a:latin typeface="Bahnschrift SemiCondensed" panose="020B0502040204020203" pitchFamily="34" charset="0"/>
                 <a:hlinkClick r:id="rId6"/>
               </a:rPr>
-              <a:t>https://doi.org/10.1103/PhysRevB.102.035147</a:t>
+              <a:t>https://doi.org/10.1103/PhysRevB</a:t>
             </a:r>
             <a:r>
-              <a:rPr lang="en-US" sz="2000" dirty="0">
+              <a:rPr lang="en-US" sz="2000">
                 <a:latin typeface="Bahnschrift SemiCondensed" panose="020B0502040204020203" pitchFamily="34" charset="0"/>
+                <a:hlinkClick r:id="rId6"/>
               </a:rPr>
-              <a:t> </a:t>
+              <a:t>.102.035147</a:t>
             </a:r>
+            <a:endParaRPr lang="en-US" sz="2000" dirty="0">
+              <a:latin typeface="Bahnschrift SemiCondensed" panose="020B0502040204020203" pitchFamily="34" charset="0"/>
+            </a:endParaRPr>
           </a:p>
         </p:txBody>
       </p:sp>
@@ -9907,11 +11323,33 @@
 
 <file path=ppt/tags/tag15.xml><?xml version="1.0" encoding="utf-8"?>
 <p:tagLst xmlns:a="http://schemas.openxmlformats.org/drawingml/2006/main" xmlns:r="http://schemas.openxmlformats.org/officeDocument/2006/relationships" xmlns:p="http://schemas.openxmlformats.org/presentationml/2006/main">
+  <p:tag name="OUTPUTDPI" val=" 1200"/>
+  <p:tag name="ORIGINALHEIGHT" val=" 108"/>
+  <p:tag name="ORIGINALWIDTH" val=" 686"/>
+  <p:tag name="OUTPUTTYPE" val="PNG"/>
+  <p:tag name="IGUANATEXVERSION" val="162"/>
+  <p:tag name="LATEXADDIN" val="\documentclass{article}&#10;\usepackage{amsmath}&#10;\pagestyle{empty}&#10;\begin{document}&#10;&#10;$W_1, ..., W_{L-1}$&#10;&#10;&#10;\end{document}"/>
+  <p:tag name="IGUANATEXSIZE" val="20"/>
+  <p:tag name="IGUANATEXCURSOR" val="92"/>
+  <p:tag name="TRANSPARENCY" val="True"/>
+  <p:tag name="CHOOSECOLOR" val="False"/>
+  <p:tag name="COLORHEX" val="000000"/>
+  <p:tag name="LATEXENGINEID" val="0"/>
+  <p:tag name="TEMPFOLDER" val="/private/var/folders/r2/2ny_rjqj5w93mz1ll0gd2vbr0000gp/T/com.microsoft.Powerpoint/TemporaryItems/"/>
+  <p:tag name="LATEXFORMHEIGHT" val=" 426.65"/>
+  <p:tag name="LATEXFORMWIDTH" val=" 513.35"/>
+  <p:tag name="LATEXFORMWRAP" val="True"/>
+  <p:tag name="BITMAPVECTOR" val="0"/>
+</p:tagLst>
+</file>
+
+<file path=ppt/tags/tag16.xml><?xml version="1.0" encoding="utf-8"?>
+<p:tagLst xmlns:a="http://schemas.openxmlformats.org/drawingml/2006/main" xmlns:r="http://schemas.openxmlformats.org/officeDocument/2006/relationships" xmlns:p="http://schemas.openxmlformats.org/presentationml/2006/main">
   <p:tag name="THINKCELLSHAPEDONOTDELETE" val="thinkcellActiveDocDoNotDelete"/>
 </p:tagLst>
 </file>
 
-<file path=ppt/tags/tag16.xml><?xml version="1.0" encoding="utf-8"?>
+<file path=ppt/tags/tag17.xml><?xml version="1.0" encoding="utf-8"?>
 <p:tagLst xmlns:a="http://schemas.openxmlformats.org/drawingml/2006/main" xmlns:r="http://schemas.openxmlformats.org/officeDocument/2006/relationships" xmlns:p="http://schemas.openxmlformats.org/presentationml/2006/main">
   <p:tag name="OUTPUTDPI" val="1200"/>
   <p:tag name="ORIGINALHEIGHT" val="597.6753"/>
@@ -9929,7 +11367,7 @@
 </p:tagLst>
 </file>
 
-<file path=ppt/tags/tag17.xml><?xml version="1.0" encoding="utf-8"?>
+<file path=ppt/tags/tag18.xml><?xml version="1.0" encoding="utf-8"?>
 <p:tagLst xmlns:a="http://schemas.openxmlformats.org/drawingml/2006/main" xmlns:r="http://schemas.openxmlformats.org/officeDocument/2006/relationships" xmlns:p="http://schemas.openxmlformats.org/presentationml/2006/main">
   <p:tag name="OUTPUTDPI" val="1200"/>
   <p:tag name="ORIGINALHEIGHT" val="172.4784"/>
@@ -9947,7 +11385,7 @@
 </p:tagLst>
 </file>
 
-<file path=ppt/tags/tag18.xml><?xml version="1.0" encoding="utf-8"?>
+<file path=ppt/tags/tag19.xml><?xml version="1.0" encoding="utf-8"?>
 <p:tagLst xmlns:a="http://schemas.openxmlformats.org/drawingml/2006/main" xmlns:r="http://schemas.openxmlformats.org/officeDocument/2006/relationships" xmlns:p="http://schemas.openxmlformats.org/presentationml/2006/main">
   <p:tag name="OUTPUTDPI" val=" 1200"/>
   <p:tag name="ORIGINALHEIGHT" val=" 159.73"/>
@@ -9969,7 +11407,13 @@
 </p:tagLst>
 </file>
 
-<file path=ppt/tags/tag19.xml><?xml version="1.0" encoding="utf-8"?>
+<file path=ppt/tags/tag2.xml><?xml version="1.0" encoding="utf-8"?>
+<p:tagLst xmlns:a="http://schemas.openxmlformats.org/drawingml/2006/main" xmlns:r="http://schemas.openxmlformats.org/officeDocument/2006/relationships" xmlns:p="http://schemas.openxmlformats.org/presentationml/2006/main">
+  <p:tag name="THINKCELLSHAPEDONOTDELETE" val="thinkcellActiveDocDoNotDelete"/>
+</p:tagLst>
+</file>
+
+<file path=ppt/tags/tag20.xml><?xml version="1.0" encoding="utf-8"?>
 <p:tagLst xmlns:a="http://schemas.openxmlformats.org/drawingml/2006/main" xmlns:r="http://schemas.openxmlformats.org/officeDocument/2006/relationships" xmlns:p="http://schemas.openxmlformats.org/presentationml/2006/main">
   <p:tag name="OUTPUTDPI" val=" 1200"/>
   <p:tag name="ORIGINALHEIGHT" val=" 126.7342"/>
@@ -9991,13 +11435,7 @@
 </p:tagLst>
 </file>
 
-<file path=ppt/tags/tag2.xml><?xml version="1.0" encoding="utf-8"?>
-<p:tagLst xmlns:a="http://schemas.openxmlformats.org/drawingml/2006/main" xmlns:r="http://schemas.openxmlformats.org/officeDocument/2006/relationships" xmlns:p="http://schemas.openxmlformats.org/presentationml/2006/main">
-  <p:tag name="THINKCELLSHAPEDONOTDELETE" val="thinkcellActiveDocDoNotDelete"/>
-</p:tagLst>
-</file>
-
-<file path=ppt/tags/tag20.xml><?xml version="1.0" encoding="utf-8"?>
+<file path=ppt/tags/tag21.xml><?xml version="1.0" encoding="utf-8"?>
 <p:tagLst xmlns:a="http://schemas.openxmlformats.org/drawingml/2006/main" xmlns:r="http://schemas.openxmlformats.org/officeDocument/2006/relationships" xmlns:p="http://schemas.openxmlformats.org/presentationml/2006/main">
   <p:tag name="OUTPUTDPI" val=" 1200"/>
   <p:tag name="ORIGINALHEIGHT" val=" 117.7353"/>
@@ -10019,7 +11457,7 @@
 </p:tagLst>
 </file>
 
-<file path=ppt/tags/tag21.xml><?xml version="1.0" encoding="utf-8"?>
+<file path=ppt/tags/tag22.xml><?xml version="1.0" encoding="utf-8"?>
 <p:tagLst xmlns:a="http://schemas.openxmlformats.org/drawingml/2006/main" xmlns:r="http://schemas.openxmlformats.org/officeDocument/2006/relationships" xmlns:p="http://schemas.openxmlformats.org/presentationml/2006/main">
   <p:tag name="OUTPUTDPI" val=" 1200"/>
   <p:tag name="ORIGINALHEIGHT" val=" 113.2358"/>
@@ -10041,7 +11479,7 @@
 </p:tagLst>
 </file>
 
-<file path=ppt/tags/tag22.xml><?xml version="1.0" encoding="utf-8"?>
+<file path=ppt/tags/tag23.xml><?xml version="1.0" encoding="utf-8"?>
 <p:tagLst xmlns:a="http://schemas.openxmlformats.org/drawingml/2006/main" xmlns:r="http://schemas.openxmlformats.org/officeDocument/2006/relationships" xmlns:p="http://schemas.openxmlformats.org/presentationml/2006/main">
   <p:tag name="OUTPUTDPI" val=" 1200"/>
   <p:tag name="ORIGINALHEIGHT" val=" 141.7323"/>
@@ -10063,13 +11501,13 @@
 </p:tagLst>
 </file>
 
-<file path=ppt/tags/tag23.xml><?xml version="1.0" encoding="utf-8"?>
+<file path=ppt/tags/tag24.xml><?xml version="1.0" encoding="utf-8"?>
 <p:tagLst xmlns:a="http://schemas.openxmlformats.org/drawingml/2006/main" xmlns:r="http://schemas.openxmlformats.org/officeDocument/2006/relationships" xmlns:p="http://schemas.openxmlformats.org/presentationml/2006/main">
   <p:tag name="THINKCELLSHAPEDONOTDELETE" val="thinkcellActiveDocDoNotDelete"/>
 </p:tagLst>
 </file>
 
-<file path=ppt/tags/tag24.xml><?xml version="1.0" encoding="utf-8"?>
+<file path=ppt/tags/tag25.xml><?xml version="1.0" encoding="utf-8"?>
 <p:tagLst xmlns:a="http://schemas.openxmlformats.org/drawingml/2006/main" xmlns:r="http://schemas.openxmlformats.org/officeDocument/2006/relationships" xmlns:p="http://schemas.openxmlformats.org/presentationml/2006/main">
   <p:tag name="OUTPUTDPI" val=" 1200"/>
   <p:tag name="ORIGINALHEIGHT" val=" 125.2343"/>
@@ -10091,7 +11529,7 @@
 </p:tagLst>
 </file>
 
-<file path=ppt/tags/tag25.xml><?xml version="1.0" encoding="utf-8"?>
+<file path=ppt/tags/tag26.xml><?xml version="1.0" encoding="utf-8"?>
 <p:tagLst xmlns:a="http://schemas.openxmlformats.org/drawingml/2006/main" xmlns:r="http://schemas.openxmlformats.org/officeDocument/2006/relationships" xmlns:p="http://schemas.openxmlformats.org/presentationml/2006/main">
   <p:tag name="OUTPUTDPI" val=" 1200"/>
   <p:tag name="ORIGINALHEIGHT" val=" 159.73"/>
@@ -10113,7 +11551,7 @@
 </p:tagLst>
 </file>
 
-<file path=ppt/tags/tag26.xml><?xml version="1.0" encoding="utf-8"?>
+<file path=ppt/tags/tag27.xml><?xml version="1.0" encoding="utf-8"?>
 <p:tagLst xmlns:a="http://schemas.openxmlformats.org/drawingml/2006/main" xmlns:r="http://schemas.openxmlformats.org/officeDocument/2006/relationships" xmlns:p="http://schemas.openxmlformats.org/presentationml/2006/main">
   <p:tag name="OUTPUTDPI" val=" 1200"/>
   <p:tag name="ORIGINALHEIGHT" val=" 90.73866"/>
@@ -10135,7 +11573,7 @@
 </p:tagLst>
 </file>
 
-<file path=ppt/tags/tag27.xml><?xml version="1.0" encoding="utf-8"?>
+<file path=ppt/tags/tag28.xml><?xml version="1.0" encoding="utf-8"?>
 <p:tagLst xmlns:a="http://schemas.openxmlformats.org/drawingml/2006/main" xmlns:r="http://schemas.openxmlformats.org/officeDocument/2006/relationships" xmlns:p="http://schemas.openxmlformats.org/presentationml/2006/main">
   <p:tag name="THINKCELLSHAPEDONOTDELETE" val="thinkcellActiveDocDoNotDelete"/>
 </p:tagLst>

--- a/presentation/Term_Project_XTRG_Presentation.pptx
+++ b/presentation/Term_Project_XTRG_Presentation.pptx
@@ -31256,7 +31256,7 @@
         <p:spPr>
           <a:xfrm>
             <a:off x="2353008" y="4072822"/>
-            <a:ext cx="8335707" cy="577440"/>
+            <a:ext cx="8528352" cy="577440"/>
           </a:xfrm>
           <a:prstGeom prst="rect">
             <a:avLst/>
@@ -31450,7 +31450,7 @@
               <a:rPr lang="en-US" sz="2000" noProof="0" dirty="0">
                 <a:latin typeface="Bahnschrift SemiCondensed" panose="020B0502040204020203" pitchFamily="34" charset="0"/>
               </a:rPr>
-              <a:t> up to……</a:t>
+              <a:t> up to…… compare square == true  faster for steps 21,22?</a:t>
             </a:r>
           </a:p>
         </p:txBody>
@@ -31481,6 +31481,618 @@
               <a:t>26</a:t>
             </a:fld>
             <a:endParaRPr lang="en-GB"/>
+          </a:p>
+        </p:txBody>
+      </p:sp>
+      <p:sp>
+        <p:nvSpPr>
+          <p:cNvPr id="8" name="Untertitel 2 5 1 1 1 1 2 1">
+            <a:extLst>
+              <a:ext uri="{FF2B5EF4-FFF2-40B4-BE49-F238E27FC236}">
+                <a16:creationId xmlns:a16="http://schemas.microsoft.com/office/drawing/2014/main" id="{B3CAB18E-4CB4-A9ED-1D00-08ED7C3A89E9}"/>
+              </a:ext>
+            </a:extLst>
+          </p:cNvPr>
+          <p:cNvSpPr txBox="1">
+            <a:spLocks/>
+          </p:cNvSpPr>
+          <p:nvPr/>
+        </p:nvSpPr>
+        <p:spPr>
+          <a:xfrm>
+            <a:off x="2377446" y="4868596"/>
+            <a:ext cx="8528352" cy="577440"/>
+          </a:xfrm>
+          <a:prstGeom prst="rect">
+            <a:avLst/>
+          </a:prstGeom>
+        </p:spPr>
+        <p:txBody>
+          <a:bodyPr vert="horz" lIns="91440" tIns="45720" rIns="91440" bIns="45720" rtlCol="0">
+            <a:normAutofit/>
+          </a:bodyPr>
+          <a:lstStyle>
+            <a:lvl1pPr marL="228600" indent="-228600" algn="l" defTabSz="914400" rtl="0" eaLnBrk="1" latinLnBrk="0" hangingPunct="1">
+              <a:lnSpc>
+                <a:spcPct val="90000"/>
+              </a:lnSpc>
+              <a:spcBef>
+                <a:spcPts val="1000"/>
+              </a:spcBef>
+              <a:buFont typeface="Arial" panose="020B0604020202020204" pitchFamily="34" charset="0"/>
+              <a:buChar char="•"/>
+              <a:defRPr sz="2800" kern="1200">
+                <a:solidFill>
+                  <a:schemeClr val="tx1"/>
+                </a:solidFill>
+                <a:latin typeface="+mn-lt"/>
+                <a:ea typeface="+mn-ea"/>
+                <a:cs typeface="+mn-cs"/>
+              </a:defRPr>
+            </a:lvl1pPr>
+            <a:lvl2pPr marL="685800" indent="-228600" algn="l" defTabSz="914400" rtl="0" eaLnBrk="1" latinLnBrk="0" hangingPunct="1">
+              <a:lnSpc>
+                <a:spcPct val="90000"/>
+              </a:lnSpc>
+              <a:spcBef>
+                <a:spcPts val="500"/>
+              </a:spcBef>
+              <a:buFont typeface="Arial" panose="020B0604020202020204" pitchFamily="34" charset="0"/>
+              <a:buChar char="•"/>
+              <a:defRPr sz="2400" kern="1200">
+                <a:solidFill>
+                  <a:schemeClr val="tx1"/>
+                </a:solidFill>
+                <a:latin typeface="+mn-lt"/>
+                <a:ea typeface="+mn-ea"/>
+                <a:cs typeface="+mn-cs"/>
+              </a:defRPr>
+            </a:lvl2pPr>
+            <a:lvl3pPr marL="1143000" indent="-228600" algn="l" defTabSz="914400" rtl="0" eaLnBrk="1" latinLnBrk="0" hangingPunct="1">
+              <a:lnSpc>
+                <a:spcPct val="90000"/>
+              </a:lnSpc>
+              <a:spcBef>
+                <a:spcPts val="500"/>
+              </a:spcBef>
+              <a:buFont typeface="Arial" panose="020B0604020202020204" pitchFamily="34" charset="0"/>
+              <a:buChar char="•"/>
+              <a:defRPr sz="2000" kern="1200">
+                <a:solidFill>
+                  <a:schemeClr val="tx1"/>
+                </a:solidFill>
+                <a:latin typeface="+mn-lt"/>
+                <a:ea typeface="+mn-ea"/>
+                <a:cs typeface="+mn-cs"/>
+              </a:defRPr>
+            </a:lvl3pPr>
+            <a:lvl4pPr marL="1600200" indent="-228600" algn="l" defTabSz="914400" rtl="0" eaLnBrk="1" latinLnBrk="0" hangingPunct="1">
+              <a:lnSpc>
+                <a:spcPct val="90000"/>
+              </a:lnSpc>
+              <a:spcBef>
+                <a:spcPts val="500"/>
+              </a:spcBef>
+              <a:buFont typeface="Arial" panose="020B0604020202020204" pitchFamily="34" charset="0"/>
+              <a:buChar char="•"/>
+              <a:defRPr sz="1800" kern="1200">
+                <a:solidFill>
+                  <a:schemeClr val="tx1"/>
+                </a:solidFill>
+                <a:latin typeface="+mn-lt"/>
+                <a:ea typeface="+mn-ea"/>
+                <a:cs typeface="+mn-cs"/>
+              </a:defRPr>
+            </a:lvl4pPr>
+            <a:lvl5pPr marL="2057400" indent="-228600" algn="l" defTabSz="914400" rtl="0" eaLnBrk="1" latinLnBrk="0" hangingPunct="1">
+              <a:lnSpc>
+                <a:spcPct val="90000"/>
+              </a:lnSpc>
+              <a:spcBef>
+                <a:spcPts val="500"/>
+              </a:spcBef>
+              <a:buFont typeface="Arial" panose="020B0604020202020204" pitchFamily="34" charset="0"/>
+              <a:buChar char="•"/>
+              <a:defRPr sz="1800" kern="1200">
+                <a:solidFill>
+                  <a:schemeClr val="tx1"/>
+                </a:solidFill>
+                <a:latin typeface="+mn-lt"/>
+                <a:ea typeface="+mn-ea"/>
+                <a:cs typeface="+mn-cs"/>
+              </a:defRPr>
+            </a:lvl5pPr>
+            <a:lvl6pPr marL="2514600" indent="-228600" algn="l" defTabSz="914400" rtl="0" eaLnBrk="1" latinLnBrk="0" hangingPunct="1">
+              <a:lnSpc>
+                <a:spcPct val="90000"/>
+              </a:lnSpc>
+              <a:spcBef>
+                <a:spcPts val="500"/>
+              </a:spcBef>
+              <a:buFont typeface="Arial" panose="020B0604020202020204" pitchFamily="34" charset="0"/>
+              <a:buChar char="•"/>
+              <a:defRPr sz="1800" kern="1200">
+                <a:solidFill>
+                  <a:schemeClr val="tx1"/>
+                </a:solidFill>
+                <a:latin typeface="+mn-lt"/>
+                <a:ea typeface="+mn-ea"/>
+                <a:cs typeface="+mn-cs"/>
+              </a:defRPr>
+            </a:lvl6pPr>
+            <a:lvl7pPr marL="2971800" indent="-228600" algn="l" defTabSz="914400" rtl="0" eaLnBrk="1" latinLnBrk="0" hangingPunct="1">
+              <a:lnSpc>
+                <a:spcPct val="90000"/>
+              </a:lnSpc>
+              <a:spcBef>
+                <a:spcPts val="500"/>
+              </a:spcBef>
+              <a:buFont typeface="Arial" panose="020B0604020202020204" pitchFamily="34" charset="0"/>
+              <a:buChar char="•"/>
+              <a:defRPr sz="1800" kern="1200">
+                <a:solidFill>
+                  <a:schemeClr val="tx1"/>
+                </a:solidFill>
+                <a:latin typeface="+mn-lt"/>
+                <a:ea typeface="+mn-ea"/>
+                <a:cs typeface="+mn-cs"/>
+              </a:defRPr>
+            </a:lvl7pPr>
+            <a:lvl8pPr marL="3429000" indent="-228600" algn="l" defTabSz="914400" rtl="0" eaLnBrk="1" latinLnBrk="0" hangingPunct="1">
+              <a:lnSpc>
+                <a:spcPct val="90000"/>
+              </a:lnSpc>
+              <a:spcBef>
+                <a:spcPts val="500"/>
+              </a:spcBef>
+              <a:buFont typeface="Arial" panose="020B0604020202020204" pitchFamily="34" charset="0"/>
+              <a:buChar char="•"/>
+              <a:defRPr sz="1800" kern="1200">
+                <a:solidFill>
+                  <a:schemeClr val="tx1"/>
+                </a:solidFill>
+                <a:latin typeface="+mn-lt"/>
+                <a:ea typeface="+mn-ea"/>
+                <a:cs typeface="+mn-cs"/>
+              </a:defRPr>
+            </a:lvl8pPr>
+            <a:lvl9pPr marL="3886200" indent="-228600" algn="l" defTabSz="914400" rtl="0" eaLnBrk="1" latinLnBrk="0" hangingPunct="1">
+              <a:lnSpc>
+                <a:spcPct val="90000"/>
+              </a:lnSpc>
+              <a:spcBef>
+                <a:spcPts val="500"/>
+              </a:spcBef>
+              <a:buFont typeface="Arial" panose="020B0604020202020204" pitchFamily="34" charset="0"/>
+              <a:buChar char="•"/>
+              <a:defRPr sz="1800" kern="1200">
+                <a:solidFill>
+                  <a:schemeClr val="tx1"/>
+                </a:solidFill>
+                <a:latin typeface="+mn-lt"/>
+                <a:ea typeface="+mn-ea"/>
+                <a:cs typeface="+mn-cs"/>
+              </a:defRPr>
+            </a:lvl9pPr>
+          </a:lstStyle>
+          <a:p>
+            <a:pPr marL="0" indent="0">
+              <a:buNone/>
+            </a:pPr>
+            <a:r>
+              <a:rPr lang="en-US" sz="2000" noProof="0" dirty="0">
+                <a:latin typeface="Bahnschrift SemiCondensed" panose="020B0502040204020203" pitchFamily="34" charset="0"/>
+              </a:rPr>
+              <a:t>Order of runtime for 22/23 steps = 10min</a:t>
+            </a:r>
+          </a:p>
+        </p:txBody>
+      </p:sp>
+      <p:sp>
+        <p:nvSpPr>
+          <p:cNvPr id="9" name="Untertitel 2 5 1 1 1 1 2 1">
+            <a:extLst>
+              <a:ext uri="{FF2B5EF4-FFF2-40B4-BE49-F238E27FC236}">
+                <a16:creationId xmlns:a16="http://schemas.microsoft.com/office/drawing/2014/main" id="{C7F74405-1019-7A45-C8D5-1C3FA5188C7A}"/>
+              </a:ext>
+            </a:extLst>
+          </p:cNvPr>
+          <p:cNvSpPr txBox="1">
+            <a:spLocks/>
+          </p:cNvSpPr>
+          <p:nvPr/>
+        </p:nvSpPr>
+        <p:spPr>
+          <a:xfrm>
+            <a:off x="2487504" y="5612473"/>
+            <a:ext cx="8528352" cy="577440"/>
+          </a:xfrm>
+          <a:prstGeom prst="rect">
+            <a:avLst/>
+          </a:prstGeom>
+        </p:spPr>
+        <p:txBody>
+          <a:bodyPr vert="horz" lIns="91440" tIns="45720" rIns="91440" bIns="45720" rtlCol="0">
+            <a:normAutofit/>
+          </a:bodyPr>
+          <a:lstStyle>
+            <a:lvl1pPr marL="228600" indent="-228600" algn="l" defTabSz="914400" rtl="0" eaLnBrk="1" latinLnBrk="0" hangingPunct="1">
+              <a:lnSpc>
+                <a:spcPct val="90000"/>
+              </a:lnSpc>
+              <a:spcBef>
+                <a:spcPts val="1000"/>
+              </a:spcBef>
+              <a:buFont typeface="Arial" panose="020B0604020202020204" pitchFamily="34" charset="0"/>
+              <a:buChar char="•"/>
+              <a:defRPr sz="2800" kern="1200">
+                <a:solidFill>
+                  <a:schemeClr val="tx1"/>
+                </a:solidFill>
+                <a:latin typeface="+mn-lt"/>
+                <a:ea typeface="+mn-ea"/>
+                <a:cs typeface="+mn-cs"/>
+              </a:defRPr>
+            </a:lvl1pPr>
+            <a:lvl2pPr marL="685800" indent="-228600" algn="l" defTabSz="914400" rtl="0" eaLnBrk="1" latinLnBrk="0" hangingPunct="1">
+              <a:lnSpc>
+                <a:spcPct val="90000"/>
+              </a:lnSpc>
+              <a:spcBef>
+                <a:spcPts val="500"/>
+              </a:spcBef>
+              <a:buFont typeface="Arial" panose="020B0604020202020204" pitchFamily="34" charset="0"/>
+              <a:buChar char="•"/>
+              <a:defRPr sz="2400" kern="1200">
+                <a:solidFill>
+                  <a:schemeClr val="tx1"/>
+                </a:solidFill>
+                <a:latin typeface="+mn-lt"/>
+                <a:ea typeface="+mn-ea"/>
+                <a:cs typeface="+mn-cs"/>
+              </a:defRPr>
+            </a:lvl2pPr>
+            <a:lvl3pPr marL="1143000" indent="-228600" algn="l" defTabSz="914400" rtl="0" eaLnBrk="1" latinLnBrk="0" hangingPunct="1">
+              <a:lnSpc>
+                <a:spcPct val="90000"/>
+              </a:lnSpc>
+              <a:spcBef>
+                <a:spcPts val="500"/>
+              </a:spcBef>
+              <a:buFont typeface="Arial" panose="020B0604020202020204" pitchFamily="34" charset="0"/>
+              <a:buChar char="•"/>
+              <a:defRPr sz="2000" kern="1200">
+                <a:solidFill>
+                  <a:schemeClr val="tx1"/>
+                </a:solidFill>
+                <a:latin typeface="+mn-lt"/>
+                <a:ea typeface="+mn-ea"/>
+                <a:cs typeface="+mn-cs"/>
+              </a:defRPr>
+            </a:lvl3pPr>
+            <a:lvl4pPr marL="1600200" indent="-228600" algn="l" defTabSz="914400" rtl="0" eaLnBrk="1" latinLnBrk="0" hangingPunct="1">
+              <a:lnSpc>
+                <a:spcPct val="90000"/>
+              </a:lnSpc>
+              <a:spcBef>
+                <a:spcPts val="500"/>
+              </a:spcBef>
+              <a:buFont typeface="Arial" panose="020B0604020202020204" pitchFamily="34" charset="0"/>
+              <a:buChar char="•"/>
+              <a:defRPr sz="1800" kern="1200">
+                <a:solidFill>
+                  <a:schemeClr val="tx1"/>
+                </a:solidFill>
+                <a:latin typeface="+mn-lt"/>
+                <a:ea typeface="+mn-ea"/>
+                <a:cs typeface="+mn-cs"/>
+              </a:defRPr>
+            </a:lvl4pPr>
+            <a:lvl5pPr marL="2057400" indent="-228600" algn="l" defTabSz="914400" rtl="0" eaLnBrk="1" latinLnBrk="0" hangingPunct="1">
+              <a:lnSpc>
+                <a:spcPct val="90000"/>
+              </a:lnSpc>
+              <a:spcBef>
+                <a:spcPts val="500"/>
+              </a:spcBef>
+              <a:buFont typeface="Arial" panose="020B0604020202020204" pitchFamily="34" charset="0"/>
+              <a:buChar char="•"/>
+              <a:defRPr sz="1800" kern="1200">
+                <a:solidFill>
+                  <a:schemeClr val="tx1"/>
+                </a:solidFill>
+                <a:latin typeface="+mn-lt"/>
+                <a:ea typeface="+mn-ea"/>
+                <a:cs typeface="+mn-cs"/>
+              </a:defRPr>
+            </a:lvl5pPr>
+            <a:lvl6pPr marL="2514600" indent="-228600" algn="l" defTabSz="914400" rtl="0" eaLnBrk="1" latinLnBrk="0" hangingPunct="1">
+              <a:lnSpc>
+                <a:spcPct val="90000"/>
+              </a:lnSpc>
+              <a:spcBef>
+                <a:spcPts val="500"/>
+              </a:spcBef>
+              <a:buFont typeface="Arial" panose="020B0604020202020204" pitchFamily="34" charset="0"/>
+              <a:buChar char="•"/>
+              <a:defRPr sz="1800" kern="1200">
+                <a:solidFill>
+                  <a:schemeClr val="tx1"/>
+                </a:solidFill>
+                <a:latin typeface="+mn-lt"/>
+                <a:ea typeface="+mn-ea"/>
+                <a:cs typeface="+mn-cs"/>
+              </a:defRPr>
+            </a:lvl6pPr>
+            <a:lvl7pPr marL="2971800" indent="-228600" algn="l" defTabSz="914400" rtl="0" eaLnBrk="1" latinLnBrk="0" hangingPunct="1">
+              <a:lnSpc>
+                <a:spcPct val="90000"/>
+              </a:lnSpc>
+              <a:spcBef>
+                <a:spcPts val="500"/>
+              </a:spcBef>
+              <a:buFont typeface="Arial" panose="020B0604020202020204" pitchFamily="34" charset="0"/>
+              <a:buChar char="•"/>
+              <a:defRPr sz="1800" kern="1200">
+                <a:solidFill>
+                  <a:schemeClr val="tx1"/>
+                </a:solidFill>
+                <a:latin typeface="+mn-lt"/>
+                <a:ea typeface="+mn-ea"/>
+                <a:cs typeface="+mn-cs"/>
+              </a:defRPr>
+            </a:lvl7pPr>
+            <a:lvl8pPr marL="3429000" indent="-228600" algn="l" defTabSz="914400" rtl="0" eaLnBrk="1" latinLnBrk="0" hangingPunct="1">
+              <a:lnSpc>
+                <a:spcPct val="90000"/>
+              </a:lnSpc>
+              <a:spcBef>
+                <a:spcPts val="500"/>
+              </a:spcBef>
+              <a:buFont typeface="Arial" panose="020B0604020202020204" pitchFamily="34" charset="0"/>
+              <a:buChar char="•"/>
+              <a:defRPr sz="1800" kern="1200">
+                <a:solidFill>
+                  <a:schemeClr val="tx1"/>
+                </a:solidFill>
+                <a:latin typeface="+mn-lt"/>
+                <a:ea typeface="+mn-ea"/>
+                <a:cs typeface="+mn-cs"/>
+              </a:defRPr>
+            </a:lvl8pPr>
+            <a:lvl9pPr marL="3886200" indent="-228600" algn="l" defTabSz="914400" rtl="0" eaLnBrk="1" latinLnBrk="0" hangingPunct="1">
+              <a:lnSpc>
+                <a:spcPct val="90000"/>
+              </a:lnSpc>
+              <a:spcBef>
+                <a:spcPts val="500"/>
+              </a:spcBef>
+              <a:buFont typeface="Arial" panose="020B0604020202020204" pitchFamily="34" charset="0"/>
+              <a:buChar char="•"/>
+              <a:defRPr sz="1800" kern="1200">
+                <a:solidFill>
+                  <a:schemeClr val="tx1"/>
+                </a:solidFill>
+                <a:latin typeface="+mn-lt"/>
+                <a:ea typeface="+mn-ea"/>
+                <a:cs typeface="+mn-cs"/>
+              </a:defRPr>
+            </a:lvl9pPr>
+          </a:lstStyle>
+          <a:p>
+            <a:pPr marL="0" indent="0">
+              <a:buNone/>
+            </a:pPr>
+            <a:r>
+              <a:rPr lang="en-US" sz="2000" noProof="0" dirty="0">
+                <a:latin typeface="Bahnschrift SemiCondensed" panose="020B0502040204020203" pitchFamily="34" charset="0"/>
+              </a:rPr>
+              <a:t>Check if normalization was correctly added, check power thing</a:t>
+            </a:r>
+          </a:p>
+        </p:txBody>
+      </p:sp>
+      <p:sp>
+        <p:nvSpPr>
+          <p:cNvPr id="10" name="Untertitel 2 5 1 1 1 1 2 1">
+            <a:extLst>
+              <a:ext uri="{FF2B5EF4-FFF2-40B4-BE49-F238E27FC236}">
+                <a16:creationId xmlns:a16="http://schemas.microsoft.com/office/drawing/2014/main" id="{BF7712EC-EDC9-C3C8-3F8E-18E67E4369D1}"/>
+              </a:ext>
+            </a:extLst>
+          </p:cNvPr>
+          <p:cNvSpPr txBox="1">
+            <a:spLocks/>
+          </p:cNvSpPr>
+          <p:nvPr/>
+        </p:nvSpPr>
+        <p:spPr>
+          <a:xfrm>
+            <a:off x="2487504" y="6136161"/>
+            <a:ext cx="8528352" cy="577440"/>
+          </a:xfrm>
+          <a:prstGeom prst="rect">
+            <a:avLst/>
+          </a:prstGeom>
+        </p:spPr>
+        <p:txBody>
+          <a:bodyPr vert="horz" lIns="91440" tIns="45720" rIns="91440" bIns="45720" rtlCol="0">
+            <a:normAutofit/>
+          </a:bodyPr>
+          <a:lstStyle>
+            <a:lvl1pPr marL="228600" indent="-228600" algn="l" defTabSz="914400" rtl="0" eaLnBrk="1" latinLnBrk="0" hangingPunct="1">
+              <a:lnSpc>
+                <a:spcPct val="90000"/>
+              </a:lnSpc>
+              <a:spcBef>
+                <a:spcPts val="1000"/>
+              </a:spcBef>
+              <a:buFont typeface="Arial" panose="020B0604020202020204" pitchFamily="34" charset="0"/>
+              <a:buChar char="•"/>
+              <a:defRPr sz="2800" kern="1200">
+                <a:solidFill>
+                  <a:schemeClr val="tx1"/>
+                </a:solidFill>
+                <a:latin typeface="+mn-lt"/>
+                <a:ea typeface="+mn-ea"/>
+                <a:cs typeface="+mn-cs"/>
+              </a:defRPr>
+            </a:lvl1pPr>
+            <a:lvl2pPr marL="685800" indent="-228600" algn="l" defTabSz="914400" rtl="0" eaLnBrk="1" latinLnBrk="0" hangingPunct="1">
+              <a:lnSpc>
+                <a:spcPct val="90000"/>
+              </a:lnSpc>
+              <a:spcBef>
+                <a:spcPts val="500"/>
+              </a:spcBef>
+              <a:buFont typeface="Arial" panose="020B0604020202020204" pitchFamily="34" charset="0"/>
+              <a:buChar char="•"/>
+              <a:defRPr sz="2400" kern="1200">
+                <a:solidFill>
+                  <a:schemeClr val="tx1"/>
+                </a:solidFill>
+                <a:latin typeface="+mn-lt"/>
+                <a:ea typeface="+mn-ea"/>
+                <a:cs typeface="+mn-cs"/>
+              </a:defRPr>
+            </a:lvl2pPr>
+            <a:lvl3pPr marL="1143000" indent="-228600" algn="l" defTabSz="914400" rtl="0" eaLnBrk="1" latinLnBrk="0" hangingPunct="1">
+              <a:lnSpc>
+                <a:spcPct val="90000"/>
+              </a:lnSpc>
+              <a:spcBef>
+                <a:spcPts val="500"/>
+              </a:spcBef>
+              <a:buFont typeface="Arial" panose="020B0604020202020204" pitchFamily="34" charset="0"/>
+              <a:buChar char="•"/>
+              <a:defRPr sz="2000" kern="1200">
+                <a:solidFill>
+                  <a:schemeClr val="tx1"/>
+                </a:solidFill>
+                <a:latin typeface="+mn-lt"/>
+                <a:ea typeface="+mn-ea"/>
+                <a:cs typeface="+mn-cs"/>
+              </a:defRPr>
+            </a:lvl3pPr>
+            <a:lvl4pPr marL="1600200" indent="-228600" algn="l" defTabSz="914400" rtl="0" eaLnBrk="1" latinLnBrk="0" hangingPunct="1">
+              <a:lnSpc>
+                <a:spcPct val="90000"/>
+              </a:lnSpc>
+              <a:spcBef>
+                <a:spcPts val="500"/>
+              </a:spcBef>
+              <a:buFont typeface="Arial" panose="020B0604020202020204" pitchFamily="34" charset="0"/>
+              <a:buChar char="•"/>
+              <a:defRPr sz="1800" kern="1200">
+                <a:solidFill>
+                  <a:schemeClr val="tx1"/>
+                </a:solidFill>
+                <a:latin typeface="+mn-lt"/>
+                <a:ea typeface="+mn-ea"/>
+                <a:cs typeface="+mn-cs"/>
+              </a:defRPr>
+            </a:lvl4pPr>
+            <a:lvl5pPr marL="2057400" indent="-228600" algn="l" defTabSz="914400" rtl="0" eaLnBrk="1" latinLnBrk="0" hangingPunct="1">
+              <a:lnSpc>
+                <a:spcPct val="90000"/>
+              </a:lnSpc>
+              <a:spcBef>
+                <a:spcPts val="500"/>
+              </a:spcBef>
+              <a:buFont typeface="Arial" panose="020B0604020202020204" pitchFamily="34" charset="0"/>
+              <a:buChar char="•"/>
+              <a:defRPr sz="1800" kern="1200">
+                <a:solidFill>
+                  <a:schemeClr val="tx1"/>
+                </a:solidFill>
+                <a:latin typeface="+mn-lt"/>
+                <a:ea typeface="+mn-ea"/>
+                <a:cs typeface="+mn-cs"/>
+              </a:defRPr>
+            </a:lvl5pPr>
+            <a:lvl6pPr marL="2514600" indent="-228600" algn="l" defTabSz="914400" rtl="0" eaLnBrk="1" latinLnBrk="0" hangingPunct="1">
+              <a:lnSpc>
+                <a:spcPct val="90000"/>
+              </a:lnSpc>
+              <a:spcBef>
+                <a:spcPts val="500"/>
+              </a:spcBef>
+              <a:buFont typeface="Arial" panose="020B0604020202020204" pitchFamily="34" charset="0"/>
+              <a:buChar char="•"/>
+              <a:defRPr sz="1800" kern="1200">
+                <a:solidFill>
+                  <a:schemeClr val="tx1"/>
+                </a:solidFill>
+                <a:latin typeface="+mn-lt"/>
+                <a:ea typeface="+mn-ea"/>
+                <a:cs typeface="+mn-cs"/>
+              </a:defRPr>
+            </a:lvl6pPr>
+            <a:lvl7pPr marL="2971800" indent="-228600" algn="l" defTabSz="914400" rtl="0" eaLnBrk="1" latinLnBrk="0" hangingPunct="1">
+              <a:lnSpc>
+                <a:spcPct val="90000"/>
+              </a:lnSpc>
+              <a:spcBef>
+                <a:spcPts val="500"/>
+              </a:spcBef>
+              <a:buFont typeface="Arial" panose="020B0604020202020204" pitchFamily="34" charset="0"/>
+              <a:buChar char="•"/>
+              <a:defRPr sz="1800" kern="1200">
+                <a:solidFill>
+                  <a:schemeClr val="tx1"/>
+                </a:solidFill>
+                <a:latin typeface="+mn-lt"/>
+                <a:ea typeface="+mn-ea"/>
+                <a:cs typeface="+mn-cs"/>
+              </a:defRPr>
+            </a:lvl7pPr>
+            <a:lvl8pPr marL="3429000" indent="-228600" algn="l" defTabSz="914400" rtl="0" eaLnBrk="1" latinLnBrk="0" hangingPunct="1">
+              <a:lnSpc>
+                <a:spcPct val="90000"/>
+              </a:lnSpc>
+              <a:spcBef>
+                <a:spcPts val="500"/>
+              </a:spcBef>
+              <a:buFont typeface="Arial" panose="020B0604020202020204" pitchFamily="34" charset="0"/>
+              <a:buChar char="•"/>
+              <a:defRPr sz="1800" kern="1200">
+                <a:solidFill>
+                  <a:schemeClr val="tx1"/>
+                </a:solidFill>
+                <a:latin typeface="+mn-lt"/>
+                <a:ea typeface="+mn-ea"/>
+                <a:cs typeface="+mn-cs"/>
+              </a:defRPr>
+            </a:lvl8pPr>
+            <a:lvl9pPr marL="3886200" indent="-228600" algn="l" defTabSz="914400" rtl="0" eaLnBrk="1" latinLnBrk="0" hangingPunct="1">
+              <a:lnSpc>
+                <a:spcPct val="90000"/>
+              </a:lnSpc>
+              <a:spcBef>
+                <a:spcPts val="500"/>
+              </a:spcBef>
+              <a:buFont typeface="Arial" panose="020B0604020202020204" pitchFamily="34" charset="0"/>
+              <a:buChar char="•"/>
+              <a:defRPr sz="1800" kern="1200">
+                <a:solidFill>
+                  <a:schemeClr val="tx1"/>
+                </a:solidFill>
+                <a:latin typeface="+mn-lt"/>
+                <a:ea typeface="+mn-ea"/>
+                <a:cs typeface="+mn-cs"/>
+              </a:defRPr>
+            </a:lvl9pPr>
+          </a:lstStyle>
+          <a:p>
+            <a:pPr marL="0" indent="0">
+              <a:buNone/>
+            </a:pPr>
+            <a:r>
+              <a:rPr lang="en-US" sz="2000" noProof="0" dirty="0">
+                <a:latin typeface="Bahnschrift SemiCondensed" panose="020B0502040204020203" pitchFamily="34" charset="0"/>
+              </a:rPr>
+              <a:t>Save the plot data / track the time stamps</a:t>
+            </a:r>
           </a:p>
         </p:txBody>
       </p:sp>
